--- a/Dynamic Graphs/Dynamic Graphs ppt.pptx
+++ b/Dynamic Graphs/Dynamic Graphs ppt.pptx
@@ -15,8 +15,8 @@
     <p:sldId id="284" r:id="rId6"/>
     <p:sldId id="286" r:id="rId7"/>
     <p:sldId id="287" r:id="rId8"/>
-    <p:sldId id="276" r:id="rId9"/>
-    <p:sldId id="285" r:id="rId10"/>
+    <p:sldId id="285" r:id="rId9"/>
+    <p:sldId id="276" r:id="rId10"/>
   </p:sldIdLst>
   <p:sldSz cx="9144000" cy="6858000" type="screen4x3"/>
   <p:notesSz cx="6858000" cy="9144000"/>
@@ -146,6 +146,41 @@
 </p:presentation>
 </file>
 
+<file path=ppt/commentAuthors.xml><?xml version="1.0" encoding="utf-8"?>
+<p:cmAuthorLst xmlns:a="http://schemas.openxmlformats.org/drawingml/2006/main" xmlns:r="http://schemas.openxmlformats.org/officeDocument/2006/relationships" xmlns:p="http://schemas.openxmlformats.org/presentationml/2006/main">
+  <p:cmAuthor id="1" name="Michael" initials="M" lastIdx="2" clrIdx="0">
+    <p:extLst>
+      <p:ext uri="{19B8F6BF-5375-455C-9EA6-DF929625EA0E}">
+        <p15:presenceInfo xmlns:p15="http://schemas.microsoft.com/office/powerpoint/2012/main" userId="Michael" providerId="None"/>
+      </p:ext>
+    </p:extLst>
+  </p:cmAuthor>
+</p:cmAuthorLst>
+</file>
+
+<file path=ppt/comments/comment1.xml><?xml version="1.0" encoding="utf-8"?>
+<p:cmLst xmlns:a="http://schemas.openxmlformats.org/drawingml/2006/main" xmlns:r="http://schemas.openxmlformats.org/officeDocument/2006/relationships" xmlns:p="http://schemas.openxmlformats.org/presentationml/2006/main">
+  <p:cm authorId="1" dt="2018-09-09T21:10:15.615" idx="1">
+    <p:pos x="10" y="10"/>
+    <p:text/>
+    <p:extLst>
+      <p:ext uri="{C676402C-5697-4E1C-873F-D02D1690AC5C}">
+        <p15:threadingInfo xmlns:p15="http://schemas.microsoft.com/office/powerpoint/2012/main" timeZoneBias="-540"/>
+      </p:ext>
+    </p:extLst>
+  </p:cm>
+  <p:cm authorId="1" dt="2018-09-09T21:10:16.659" idx="2">
+    <p:pos x="146" y="146"/>
+    <p:text/>
+    <p:extLst>
+      <p:ext uri="{C676402C-5697-4E1C-873F-D02D1690AC5C}">
+        <p15:threadingInfo xmlns:p15="http://schemas.microsoft.com/office/powerpoint/2012/main" timeZoneBias="-540"/>
+      </p:ext>
+    </p:extLst>
+  </p:cm>
+</p:cmLst>
+</file>
+
 <file path=ppt/notesMasters/notesMaster1.xml><?xml version="1.0" encoding="utf-8"?>
 <p:notesMaster xmlns:a="http://schemas.openxmlformats.org/drawingml/2006/main" xmlns:r="http://schemas.openxmlformats.org/officeDocument/2006/relationships" xmlns:p="http://schemas.openxmlformats.org/presentationml/2006/main">
   <p:cSld>
@@ -228,7 +263,7 @@
           <a:p>
             <a:fld id="{BE0E05F9-B2CA-439B-8EFD-90F64485631B}" type="datetimeFigureOut">
               <a:rPr lang="ko-KR" altLang="en-US" smtClean="0"/>
-              <a:t>2018-09-09</a:t>
+              <a:t>2018-09-10</a:t>
             </a:fld>
             <a:endParaRPr lang="ko-KR" altLang="en-US"/>
           </a:p>
@@ -541,7 +576,7 @@
           <a:p>
             <a:r>
               <a:rPr lang="ko-KR" altLang="en-US" dirty="0"/>
-              <a:t>의무경찰 출신인 자로 항상 시위대의 이동 경로를 파악하는 역할을 많이 했음</a:t>
+              <a:t>의무경찰 전역자로 항상 시위대의 이동 경로를 파악하는 역할을 많이 했음</a:t>
             </a:r>
             <a:r>
               <a:rPr lang="en-US" altLang="ko-KR" dirty="0"/>
@@ -551,24 +586,7 @@
           <a:p>
             <a:r>
               <a:rPr lang="ko-KR" altLang="en-US" dirty="0"/>
-              <a:t>서울 시내 교통량이 많은 주요 교차로는 다 한번씩 근무해봤고 아는 수준</a:t>
-            </a:r>
-            <a:r>
-              <a:rPr lang="en-US" altLang="ko-KR" dirty="0"/>
-              <a:t>.</a:t>
-            </a:r>
-          </a:p>
-          <a:p>
-            <a:r>
-              <a:rPr lang="ko-KR" altLang="en-US" dirty="0"/>
-              <a:t>군생활을 하면서 얻은 지식을 이번 과제에 응용하고자</a:t>
-            </a:r>
-            <a:endParaRPr lang="en-US" altLang="ko-KR" dirty="0"/>
-          </a:p>
-          <a:p>
-            <a:r>
-              <a:rPr lang="ko-KR" altLang="en-US" dirty="0"/>
-              <a:t>시위대의 행진 경로를 </a:t>
+              <a:t>군생활을 하면서 얻은 지식을 이번 과제에 활용해서 시위대의 행진 경로를 </a:t>
             </a:r>
             <a:r>
               <a:rPr lang="en-US" altLang="ko-KR" dirty="0"/>
@@ -721,7 +739,7 @@
             </a:r>
             <a:r>
               <a:rPr lang="ko-KR" altLang="en-US" dirty="0"/>
-              <a:t>관할서 등이 표시되어 있음</a:t>
+              <a:t>관할서가 표시되어 있음</a:t>
             </a:r>
             <a:r>
               <a:rPr lang="en-US" altLang="ko-KR" dirty="0"/>
@@ -731,6 +749,50 @@
           <a:p>
             <a:r>
               <a:rPr lang="ko-KR" altLang="en-US" dirty="0"/>
+              <a:t>표에 존재하는 네 가지 필드를 전부 활용할 예정</a:t>
+            </a:r>
+            <a:r>
+              <a:rPr lang="en-US" altLang="ko-KR" dirty="0"/>
+              <a:t>.</a:t>
+            </a:r>
+          </a:p>
+          <a:p>
+            <a:r>
+              <a:rPr lang="ko-KR" altLang="en-US" dirty="0"/>
+              <a:t>관할서는 제일 시위가 많이 일어나는 중부</a:t>
+            </a:r>
+            <a:r>
+              <a:rPr lang="en-US" altLang="ko-KR" dirty="0"/>
+              <a:t>, </a:t>
+            </a:r>
+            <a:r>
+              <a:rPr lang="ko-KR" altLang="en-US" dirty="0"/>
+              <a:t>종로</a:t>
+            </a:r>
+            <a:r>
+              <a:rPr lang="en-US" altLang="ko-KR" dirty="0"/>
+              <a:t>,</a:t>
+            </a:r>
+            <a:r>
+              <a:rPr lang="ko-KR" altLang="en-US" dirty="0"/>
+              <a:t> 남대문 한정</a:t>
+            </a:r>
+            <a:r>
+              <a:rPr lang="en-US" altLang="ko-KR" dirty="0"/>
+              <a:t>(</a:t>
+            </a:r>
+            <a:r>
+              <a:rPr lang="ko-KR" altLang="en-US" dirty="0"/>
+              <a:t>경우에 따라서 바뀔 수 있음</a:t>
+            </a:r>
+            <a:r>
+              <a:rPr lang="en-US" altLang="ko-KR" dirty="0"/>
+              <a:t>)</a:t>
+            </a:r>
+          </a:p>
+          <a:p>
+            <a:r>
+              <a:rPr lang="ko-KR" altLang="en-US" dirty="0"/>
               <a:t>이번 프로젝트에서는 사진 오른쪽의 설명과 같이 </a:t>
             </a:r>
             <a:r>
@@ -745,12 +807,6 @@
               <a:rPr lang="en-US" altLang="ko-KR" dirty="0"/>
               <a:t>.</a:t>
             </a:r>
-          </a:p>
-          <a:p>
-            <a:endParaRPr lang="en-US" altLang="ko-KR" dirty="0"/>
-          </a:p>
-          <a:p>
-            <a:endParaRPr lang="en-US" altLang="ko-KR" dirty="0"/>
           </a:p>
           <a:p>
             <a:r>
@@ -855,6 +911,95 @@
             </a:r>
             <a:r>
               <a:rPr lang="en-US" altLang="ko-KR" dirty="0"/>
+              <a:t>(</a:t>
+            </a:r>
+            <a:r>
+              <a:rPr lang="ko-KR" altLang="en-US" dirty="0"/>
+              <a:t>항상 있는 것은 아님</a:t>
+            </a:r>
+            <a:r>
+              <a:rPr lang="en-US" altLang="ko-KR" dirty="0"/>
+              <a:t>. </a:t>
+            </a:r>
+            <a:r>
+              <a:rPr lang="ko-KR" altLang="en-US" dirty="0"/>
+              <a:t>규모가 있는 시위만</a:t>
+            </a:r>
+            <a:r>
+              <a:rPr lang="en-US" altLang="ko-KR" dirty="0"/>
+              <a:t>).</a:t>
+            </a:r>
+          </a:p>
+          <a:p>
+            <a:r>
+              <a:rPr lang="ko-KR" altLang="en-US" dirty="0"/>
+              <a:t>나중에 최종 결과물인 실시간 그래프를 보여줄 때 이런 방식으로 보여줄 예정이라 참고삼아 보여주는 것</a:t>
+            </a:r>
+            <a:r>
+              <a:rPr lang="en-US" altLang="ko-KR" dirty="0"/>
+              <a:t>.</a:t>
+            </a:r>
+          </a:p>
+          <a:p>
+            <a:r>
+              <a:rPr lang="ko-KR" altLang="en-US" dirty="0"/>
+              <a:t>하나 다른 부분은 여기서는 각 시위대의 행진 경로 전체를 보여주지만 저는 실제 행진이 지나가는 교차로 부분만 위와 같이 표시할 예정</a:t>
+            </a:r>
+            <a:r>
+              <a:rPr lang="en-US" altLang="ko-KR" dirty="0"/>
+              <a:t>.</a:t>
+            </a:r>
+          </a:p>
+          <a:p>
+            <a:r>
+              <a:rPr lang="ko-KR" altLang="en-US" dirty="0"/>
+              <a:t>그래프는 아까 말씀드렸듯이 중부</a:t>
+            </a:r>
+            <a:r>
+              <a:rPr lang="en-US" altLang="ko-KR" dirty="0"/>
+              <a:t>, </a:t>
+            </a:r>
+            <a:r>
+              <a:rPr lang="ko-KR" altLang="en-US" dirty="0"/>
+              <a:t>남대문</a:t>
+            </a:r>
+            <a:r>
+              <a:rPr lang="en-US" altLang="ko-KR" dirty="0"/>
+              <a:t>, </a:t>
+            </a:r>
+            <a:r>
+              <a:rPr lang="ko-KR" altLang="en-US" dirty="0"/>
+              <a:t>종로 관내 한정해서 교차로가 뚜렷하게 나오는 지도 위에서 표시될 것</a:t>
+            </a:r>
+            <a:r>
+              <a:rPr lang="en-US" altLang="ko-KR" dirty="0"/>
+              <a:t>.</a:t>
+            </a:r>
+          </a:p>
+          <a:p>
+            <a:r>
+              <a:rPr lang="ko-KR" altLang="en-US" dirty="0"/>
+              <a:t>보통 행진이라 하면 직선으로만 진행해서 그래프와는 거리가 멀지 않을까 라는 생각도 드는데</a:t>
+            </a:r>
+            <a:r>
+              <a:rPr lang="en-US" altLang="ko-KR" dirty="0"/>
+              <a:t>.</a:t>
+            </a:r>
+          </a:p>
+          <a:p>
+            <a:r>
+              <a:rPr lang="ko-KR" altLang="en-US" dirty="0"/>
+              <a:t>항상 직선으로만 진행하지는 않고 예를 들어 진행하다 분할되거나 길게 왕복을 하여 같은 곳으로 돌아오거나 </a:t>
+            </a:r>
+            <a:endParaRPr lang="en-US" altLang="ko-KR" dirty="0"/>
+          </a:p>
+          <a:p>
+            <a:r>
+              <a:rPr lang="ko-KR" altLang="en-US" dirty="0"/>
+              <a:t>아예 다른 시작 지점에서 시작하여 중간에 서로 만나서 같이 진행하는 등 다양한 상황이 존재하여 그래프로 표현할 거리가 풍부</a:t>
+            </a:r>
+            <a:r>
+              <a:rPr lang="en-US" altLang="ko-KR" dirty="0"/>
               <a:t>.</a:t>
             </a:r>
           </a:p>
@@ -940,6 +1085,184 @@
           <a:bodyPr/>
           <a:lstStyle/>
           <a:p>
+            <a:r>
+              <a:rPr lang="ko-KR" altLang="en-US" dirty="0"/>
+              <a:t>이번 슬라이드는 그래프를 구현하는데 필요한 전제 조건들을 설명한 것</a:t>
+            </a:r>
+            <a:r>
+              <a:rPr lang="en-US" altLang="ko-KR" dirty="0"/>
+              <a:t>.</a:t>
+            </a:r>
+          </a:p>
+          <a:p>
+            <a:pPr marL="228600" indent="-228600">
+              <a:buAutoNum type="arabicPeriod"/>
+            </a:pPr>
+            <a:r>
+              <a:rPr lang="ko-KR" altLang="en-US" dirty="0"/>
+              <a:t>행진은 항상 일렬로 진행하고 교통상황이나 기타 요소에 간섭 받지 않고 쭉 진행함</a:t>
+            </a:r>
+            <a:r>
+              <a:rPr lang="en-US" altLang="ko-KR" dirty="0"/>
+              <a:t>.</a:t>
+            </a:r>
+          </a:p>
+          <a:p>
+            <a:pPr marL="228600" indent="-228600">
+              <a:buAutoNum type="arabicPeriod"/>
+            </a:pPr>
+            <a:r>
+              <a:rPr lang="ko-KR" altLang="en-US" dirty="0"/>
+              <a:t>행진의 머리 부분</a:t>
+            </a:r>
+            <a:r>
+              <a:rPr lang="en-US" altLang="ko-KR" dirty="0"/>
+              <a:t>, </a:t>
+            </a:r>
+            <a:r>
+              <a:rPr lang="ko-KR" altLang="en-US" dirty="0"/>
+              <a:t>제일 앞부분이 진행하는 교차로의 끝에 다다라 새로운 교차로로 진행할 경우 그래프에 새로운 교차로에 대한 노드가 추가됨</a:t>
+            </a:r>
+            <a:r>
+              <a:rPr lang="en-US" altLang="ko-KR" dirty="0"/>
+              <a:t>.</a:t>
+            </a:r>
+          </a:p>
+          <a:p>
+            <a:pPr marL="228600" indent="-228600">
+              <a:buAutoNum type="arabicPeriod"/>
+            </a:pPr>
+            <a:r>
+              <a:rPr lang="ko-KR" altLang="en-US" dirty="0"/>
+              <a:t>마찬가지로</a:t>
+            </a:r>
+            <a:r>
+              <a:rPr lang="en-US" altLang="ko-KR" dirty="0"/>
+              <a:t> </a:t>
+            </a:r>
+            <a:r>
+              <a:rPr lang="ko-KR" altLang="en-US" dirty="0"/>
+              <a:t>행진의 꼬리 부분</a:t>
+            </a:r>
+            <a:r>
+              <a:rPr lang="en-US" altLang="ko-KR" dirty="0"/>
+              <a:t>, </a:t>
+            </a:r>
+            <a:r>
+              <a:rPr lang="ko-KR" altLang="en-US" dirty="0"/>
+              <a:t>제일 뒷부분이 진행하는 교차로의 끝에 </a:t>
+            </a:r>
+            <a:r>
+              <a:rPr lang="ko-KR" altLang="en-US" dirty="0" err="1"/>
+              <a:t>다다라면</a:t>
+            </a:r>
+            <a:r>
+              <a:rPr lang="ko-KR" altLang="en-US" dirty="0"/>
+              <a:t> 그래프에서 해당 교차로에 대한 노드가 삭제됨</a:t>
+            </a:r>
+            <a:r>
+              <a:rPr lang="en-US" altLang="ko-KR" dirty="0"/>
+              <a:t>.</a:t>
+            </a:r>
+          </a:p>
+          <a:p>
+            <a:pPr marL="228600" indent="-228600">
+              <a:buAutoNum type="arabicPeriod"/>
+            </a:pPr>
+            <a:r>
+              <a:rPr lang="ko-KR" altLang="en-US" dirty="0"/>
+              <a:t>행진의 길이는 교차로 수 </a:t>
+            </a:r>
+            <a:r>
+              <a:rPr lang="en-US" altLang="ko-KR" dirty="0"/>
+              <a:t>* 1m</a:t>
+            </a:r>
+          </a:p>
+          <a:p>
+            <a:pPr marL="228600" indent="-228600">
+              <a:buAutoNum type="arabicPeriod"/>
+            </a:pPr>
+            <a:r>
+              <a:rPr lang="en-US" altLang="ko-KR" dirty="0"/>
+              <a:t>Edge</a:t>
+            </a:r>
+            <a:r>
+              <a:rPr lang="ko-KR" altLang="en-US" dirty="0"/>
+              <a:t>의 </a:t>
+            </a:r>
+            <a:r>
+              <a:rPr lang="en-US" altLang="ko-KR" dirty="0"/>
+              <a:t>Weight, </a:t>
+            </a:r>
+            <a:r>
+              <a:rPr lang="ko-KR" altLang="en-US" dirty="0"/>
+              <a:t>즉 도로의 길이는 두 </a:t>
+            </a:r>
+            <a:r>
+              <a:rPr lang="ko-KR" altLang="en-US" dirty="0" err="1"/>
+              <a:t>교차로간의</a:t>
+            </a:r>
+            <a:r>
+              <a:rPr lang="ko-KR" altLang="en-US" dirty="0"/>
+              <a:t> 직선거리</a:t>
+            </a:r>
+            <a:r>
+              <a:rPr lang="en-US" altLang="ko-KR" dirty="0"/>
+              <a:t>. </a:t>
+            </a:r>
+            <a:r>
+              <a:rPr lang="ko-KR" altLang="en-US" dirty="0"/>
+              <a:t>교차로 사이 거리에 대한 자료가 없어 구글 어스로 하나씩 측정할 예정</a:t>
+            </a:r>
+            <a:r>
+              <a:rPr lang="en-US" altLang="ko-KR" dirty="0"/>
+              <a:t>. </a:t>
+            </a:r>
+            <a:r>
+              <a:rPr lang="ko-KR" altLang="en-US" dirty="0"/>
+              <a:t>많은 노가다가 예상되니 다른 방안 </a:t>
+            </a:r>
+            <a:r>
+              <a:rPr lang="ko-KR" altLang="en-US" dirty="0" err="1"/>
+              <a:t>검토중</a:t>
+            </a:r>
+            <a:r>
+              <a:rPr lang="en-US" altLang="ko-KR" dirty="0"/>
+              <a:t>.</a:t>
+            </a:r>
+          </a:p>
+          <a:p>
+            <a:pPr marL="228600" indent="-228600">
+              <a:buAutoNum type="arabicPeriod"/>
+            </a:pPr>
+            <a:r>
+              <a:rPr lang="ko-KR" altLang="en-US" dirty="0"/>
+              <a:t>행진의 진행 속도는 </a:t>
+            </a:r>
+            <a:r>
+              <a:rPr lang="en-US" altLang="ko-KR" dirty="0"/>
+              <a:t>(</a:t>
+            </a:r>
+            <a:r>
+              <a:rPr lang="ko-KR" altLang="en-US" dirty="0"/>
+              <a:t>행진 경로의 총 길이</a:t>
+            </a:r>
+            <a:r>
+              <a:rPr lang="en-US" altLang="ko-KR" dirty="0"/>
+              <a:t>+</a:t>
+            </a:r>
+            <a:r>
+              <a:rPr lang="ko-KR" altLang="en-US" dirty="0"/>
+              <a:t>행진의 길이</a:t>
+            </a:r>
+            <a:r>
+              <a:rPr lang="en-US" altLang="ko-KR" dirty="0"/>
+              <a:t>) / </a:t>
+            </a:r>
+            <a:r>
+              <a:rPr lang="ko-KR" altLang="en-US" dirty="0"/>
+              <a:t>행진의 소요 시간</a:t>
+            </a:r>
             <a:endParaRPr lang="en-US" altLang="ko-KR" dirty="0"/>
           </a:p>
         </p:txBody>
@@ -1024,6 +1347,143 @@
           <a:bodyPr/>
           <a:lstStyle/>
           <a:p>
+            <a:r>
+              <a:rPr lang="ko-KR" altLang="en-US" dirty="0"/>
+              <a:t>시간의 진행에 따라 노드가 추가</a:t>
+            </a:r>
+            <a:r>
+              <a:rPr lang="en-US" altLang="ko-KR" dirty="0"/>
+              <a:t>/</a:t>
+            </a:r>
+            <a:r>
+              <a:rPr lang="ko-KR" altLang="en-US" dirty="0"/>
+              <a:t>삭제되는 과정을 설명</a:t>
+            </a:r>
+            <a:endParaRPr lang="en-US" altLang="ko-KR" dirty="0"/>
+          </a:p>
+          <a:p>
+            <a:r>
+              <a:rPr lang="ko-KR" altLang="en-US" dirty="0"/>
+              <a:t>중간에 보이는 자료는 제가 임의로 만든 가상의 행진 자료이고 최대한 숫자가 </a:t>
+            </a:r>
+            <a:r>
+              <a:rPr lang="ko-KR" altLang="en-US" dirty="0" err="1"/>
+              <a:t>이쁘게</a:t>
+            </a:r>
+            <a:r>
+              <a:rPr lang="ko-KR" altLang="en-US" dirty="0"/>
+              <a:t> 계산되도록 설정됨</a:t>
+            </a:r>
+            <a:r>
+              <a:rPr lang="en-US" altLang="ko-KR" dirty="0"/>
+              <a:t>.</a:t>
+            </a:r>
+          </a:p>
+          <a:p>
+            <a:r>
+              <a:rPr lang="ko-KR" altLang="en-US" dirty="0"/>
+              <a:t>우선 행진 경로의 총 길이는 </a:t>
+            </a:r>
+            <a:r>
+              <a:rPr lang="en-US" altLang="ko-KR" dirty="0"/>
+              <a:t>700m</a:t>
+            </a:r>
+            <a:r>
+              <a:rPr lang="ko-KR" altLang="en-US" dirty="0"/>
+              <a:t>이고 각 </a:t>
+            </a:r>
+            <a:r>
+              <a:rPr lang="ko-KR" altLang="en-US" dirty="0" err="1"/>
+              <a:t>사거리간의</a:t>
+            </a:r>
+            <a:r>
+              <a:rPr lang="ko-KR" altLang="en-US" dirty="0"/>
+              <a:t> </a:t>
+            </a:r>
+            <a:r>
+              <a:rPr lang="en-US" altLang="ko-KR" dirty="0"/>
+              <a:t>Weight(</a:t>
+            </a:r>
+            <a:r>
+              <a:rPr lang="ko-KR" altLang="en-US" dirty="0"/>
+              <a:t>거리</a:t>
+            </a:r>
+            <a:r>
+              <a:rPr lang="en-US" altLang="ko-KR" dirty="0"/>
+              <a:t>)</a:t>
+            </a:r>
+            <a:r>
+              <a:rPr lang="ko-KR" altLang="en-US" dirty="0"/>
+              <a:t>는 </a:t>
+            </a:r>
+            <a:r>
+              <a:rPr lang="en-US" altLang="ko-KR" dirty="0"/>
+              <a:t>100m.</a:t>
+            </a:r>
+          </a:p>
+          <a:p>
+            <a:r>
+              <a:rPr lang="ko-KR" altLang="en-US" dirty="0"/>
+              <a:t>집회 시간은 </a:t>
+            </a:r>
+            <a:r>
+              <a:rPr lang="en-US" altLang="ko-KR" dirty="0"/>
+              <a:t>3</a:t>
+            </a:r>
+            <a:r>
+              <a:rPr lang="ko-KR" altLang="en-US" dirty="0"/>
+              <a:t>시간 </a:t>
+            </a:r>
+            <a:r>
+              <a:rPr lang="en-US" altLang="ko-KR" dirty="0"/>
+              <a:t>20</a:t>
+            </a:r>
+            <a:r>
+              <a:rPr lang="ko-KR" altLang="en-US" dirty="0"/>
+              <a:t>분</a:t>
+            </a:r>
+            <a:r>
+              <a:rPr lang="en-US" altLang="ko-KR" dirty="0"/>
+              <a:t>, </a:t>
+            </a:r>
+            <a:r>
+              <a:rPr lang="ko-KR" altLang="en-US" dirty="0"/>
+              <a:t>즉 </a:t>
+            </a:r>
+            <a:r>
+              <a:rPr lang="en-US" altLang="ko-KR" dirty="0"/>
+              <a:t>200</a:t>
+            </a:r>
+            <a:r>
+              <a:rPr lang="ko-KR" altLang="en-US" dirty="0"/>
+              <a:t>분 소요되며 신고 인원은 </a:t>
+            </a:r>
+            <a:r>
+              <a:rPr lang="en-US" altLang="ko-KR" dirty="0"/>
+              <a:t>300</a:t>
+            </a:r>
+            <a:r>
+              <a:rPr lang="ko-KR" altLang="en-US" dirty="0"/>
+              <a:t>명이므로 행진의 길이는 </a:t>
+            </a:r>
+            <a:r>
+              <a:rPr lang="en-US" altLang="ko-KR" dirty="0"/>
+              <a:t>300m.</a:t>
+            </a:r>
+          </a:p>
+          <a:p>
+            <a:r>
+              <a:rPr lang="ko-KR" altLang="en-US" dirty="0"/>
+              <a:t>그러므로 행진의 진행 속도는 </a:t>
+            </a:r>
+            <a:r>
+              <a:rPr lang="en-US" altLang="ko-KR" dirty="0"/>
+              <a:t>5mpm.</a:t>
+            </a:r>
+            <a:r>
+              <a:rPr lang="ko-KR" altLang="en-US" dirty="0"/>
+              <a:t> </a:t>
+            </a:r>
             <a:endParaRPr lang="en-US" altLang="ko-KR" dirty="0"/>
           </a:p>
         </p:txBody>
@@ -1108,7 +1568,144 @@
           <a:bodyPr/>
           <a:lstStyle/>
           <a:p>
-            <a:endParaRPr lang="en-US" altLang="ko-KR" dirty="0"/>
+            <a:r>
+              <a:rPr lang="ko-KR" altLang="en-US" dirty="0"/>
+              <a:t>마지막으로 제 </a:t>
+            </a:r>
+            <a:r>
+              <a:rPr lang="en-US" altLang="ko-KR" dirty="0"/>
+              <a:t>Dynamic Graph</a:t>
+            </a:r>
+            <a:r>
+              <a:rPr lang="ko-KR" altLang="en-US" dirty="0"/>
+              <a:t>를 통해 얻을 수 있는 유용한 정보 설명</a:t>
+            </a:r>
+            <a:r>
+              <a:rPr lang="en-US" altLang="ko-KR" dirty="0"/>
+              <a:t>.</a:t>
+            </a:r>
+          </a:p>
+          <a:p>
+            <a:r>
+              <a:rPr lang="ko-KR" altLang="en-US" dirty="0" err="1"/>
+              <a:t>차벽</a:t>
+            </a:r>
+            <a:r>
+              <a:rPr lang="ko-KR" altLang="en-US" dirty="0"/>
+              <a:t> 예상 교차로</a:t>
+            </a:r>
+            <a:r>
+              <a:rPr lang="en-US" altLang="ko-KR" dirty="0"/>
+              <a:t>:</a:t>
+            </a:r>
+          </a:p>
+          <a:p>
+            <a:r>
+              <a:rPr lang="ko-KR" altLang="en-US" dirty="0"/>
+              <a:t>시위자들은 대개 지정된 행진 경로가 있음에도 불구하고 중간중간 행진 목적지까지의 더 빠른 경로로 이탈하는 경우 발생</a:t>
+            </a:r>
+            <a:r>
+              <a:rPr lang="en-US" altLang="ko-KR" dirty="0"/>
+              <a:t>.</a:t>
+            </a:r>
+          </a:p>
+          <a:p>
+            <a:r>
+              <a:rPr lang="ko-KR" altLang="en-US" dirty="0"/>
+              <a:t>이럴 경우 불법 행진으로 간주되어 기대마</a:t>
+            </a:r>
+            <a:r>
+              <a:rPr lang="en-US" altLang="ko-KR" dirty="0"/>
+              <a:t>(</a:t>
+            </a:r>
+            <a:r>
+              <a:rPr lang="ko-KR" altLang="en-US" dirty="0"/>
+              <a:t>경찰 버스</a:t>
+            </a:r>
+            <a:r>
+              <a:rPr lang="en-US" altLang="ko-KR" dirty="0"/>
+              <a:t>)</a:t>
+            </a:r>
+            <a:r>
+              <a:rPr lang="ko-KR" altLang="en-US" dirty="0"/>
+              <a:t>로 </a:t>
+            </a:r>
+            <a:r>
+              <a:rPr lang="ko-KR" altLang="en-US" dirty="0" err="1"/>
+              <a:t>차벽을</a:t>
+            </a:r>
+            <a:r>
+              <a:rPr lang="ko-KR" altLang="en-US" dirty="0"/>
+              <a:t> 세우거나 기동 대원들이 방패로 바리케이드 구축</a:t>
+            </a:r>
+            <a:r>
+              <a:rPr lang="en-US" altLang="ko-KR" dirty="0"/>
+              <a:t>.</a:t>
+            </a:r>
+          </a:p>
+          <a:p>
+            <a:r>
+              <a:rPr lang="ko-KR" altLang="en-US" dirty="0"/>
+              <a:t>실시간으로 행진이 지나가는 교차로를 기준으로 행진 목적지 까지의 최단 경로를 계산하면 그 중간에 있는 노드들을 </a:t>
+            </a:r>
+            <a:r>
+              <a:rPr lang="ko-KR" altLang="en-US" dirty="0" err="1"/>
+              <a:t>차벽</a:t>
+            </a:r>
+            <a:r>
+              <a:rPr lang="ko-KR" altLang="en-US" dirty="0"/>
+              <a:t> 예상 교차로로 볼 수 있음</a:t>
+            </a:r>
+            <a:r>
+              <a:rPr lang="en-US" altLang="ko-KR" dirty="0"/>
+              <a:t>.</a:t>
+            </a:r>
+          </a:p>
+          <a:p>
+            <a:r>
+              <a:rPr lang="ko-KR" altLang="en-US" dirty="0"/>
+              <a:t>주요 경력 배치 교차로</a:t>
+            </a:r>
+            <a:r>
+              <a:rPr lang="en-US" altLang="ko-KR" dirty="0"/>
+              <a:t>:</a:t>
+            </a:r>
+          </a:p>
+          <a:p>
+            <a:r>
+              <a:rPr lang="ko-KR" altLang="en-US" dirty="0"/>
+              <a:t>여러가지 </a:t>
+            </a:r>
+            <a:r>
+              <a:rPr lang="en-US" altLang="ko-KR" dirty="0"/>
+              <a:t>Centrality</a:t>
+            </a:r>
+            <a:r>
+              <a:rPr lang="ko-KR" altLang="en-US" dirty="0"/>
+              <a:t>를 살펴봤지만 실제로 시위 현장에서 </a:t>
+            </a:r>
+            <a:r>
+              <a:rPr lang="ko-KR" altLang="en-US" dirty="0" err="1"/>
+              <a:t>적용될만한건</a:t>
+            </a:r>
+            <a:r>
+              <a:rPr lang="ko-KR" altLang="en-US" dirty="0"/>
+              <a:t> </a:t>
+            </a:r>
+            <a:r>
+              <a:rPr lang="en-US" altLang="ko-KR" dirty="0"/>
+              <a:t>Closeness Centrality.</a:t>
+            </a:r>
+          </a:p>
+          <a:p>
+            <a:r>
+              <a:rPr lang="ko-KR" altLang="en-US" dirty="0"/>
+              <a:t>말 그대로 다른 교차로들과 얼마나 거리가 가까운지에 대한 척도이므로 주요 경력 배치 교차로 예측 가능</a:t>
+            </a:r>
+            <a:r>
+              <a:rPr lang="en-US" altLang="ko-KR" dirty="0"/>
+              <a:t>.</a:t>
+            </a:r>
           </a:p>
         </p:txBody>
       </p:sp>
@@ -1192,80 +1789,7 @@
           <a:bodyPr/>
           <a:lstStyle/>
           <a:p>
-            <a:r>
-              <a:rPr lang="ko-KR" altLang="en-US" dirty="0"/>
-              <a:t>위의 자료도 경찰청 홈페이지에서 얻을 수 있는 주요 집회</a:t>
-            </a:r>
-            <a:r>
-              <a:rPr lang="en-US" altLang="ko-KR" dirty="0"/>
-              <a:t>/</a:t>
-            </a:r>
-            <a:r>
-              <a:rPr lang="ko-KR" altLang="en-US" dirty="0"/>
-              <a:t>행진 자료</a:t>
-            </a:r>
-            <a:r>
-              <a:rPr lang="en-US" altLang="ko-KR" dirty="0"/>
-              <a:t>(</a:t>
-            </a:r>
-            <a:r>
-              <a:rPr lang="ko-KR" altLang="en-US" dirty="0"/>
-              <a:t>매일 업데이트</a:t>
-            </a:r>
-            <a:r>
-              <a:rPr lang="en-US" altLang="ko-KR" dirty="0"/>
-              <a:t>)</a:t>
-            </a:r>
-          </a:p>
-          <a:p>
-            <a:r>
-              <a:rPr lang="ko-KR" altLang="en-US" dirty="0"/>
-              <a:t>전 슬라이드에서 보여준 요도표는 </a:t>
-            </a:r>
-            <a:r>
-              <a:rPr lang="en-US" altLang="ko-KR" dirty="0"/>
-              <a:t>Processed Data</a:t>
-            </a:r>
-            <a:r>
-              <a:rPr lang="ko-KR" altLang="en-US" dirty="0"/>
-              <a:t>이고 이건 </a:t>
-            </a:r>
-            <a:r>
-              <a:rPr lang="en-US" altLang="ko-KR" dirty="0"/>
-              <a:t>Raw Data.</a:t>
-            </a:r>
-          </a:p>
-          <a:p>
-            <a:r>
-              <a:rPr lang="en-US" altLang="ko-KR" dirty="0"/>
-              <a:t>Processed Data</a:t>
-            </a:r>
-            <a:r>
-              <a:rPr lang="ko-KR" altLang="en-US" dirty="0"/>
-              <a:t>가 항상 존재하는 것은 아니어서 </a:t>
-            </a:r>
-            <a:r>
-              <a:rPr lang="en-US" altLang="ko-KR" dirty="0"/>
-              <a:t>Raw Data</a:t>
-            </a:r>
-            <a:r>
-              <a:rPr lang="ko-KR" altLang="en-US" dirty="0"/>
-              <a:t>를 직접 활용할 수도 있음</a:t>
-            </a:r>
-            <a:r>
-              <a:rPr lang="en-US" altLang="ko-KR" dirty="0"/>
-              <a:t>.</a:t>
-            </a:r>
-          </a:p>
-          <a:p>
-            <a:r>
-              <a:rPr lang="ko-KR" altLang="en-US" dirty="0"/>
-              <a:t>행진의 경로가 교차로별로 표기 되어있어 데이터 내용은 동일</a:t>
-            </a:r>
-            <a:r>
-              <a:rPr lang="en-US" altLang="ko-KR" dirty="0"/>
-              <a:t>.</a:t>
-            </a:r>
+            <a:endParaRPr lang="en-US" altLang="ko-KR" dirty="0"/>
           </a:p>
         </p:txBody>
       </p:sp>
@@ -1286,7 +1810,7 @@
           <a:p>
             <a:fld id="{0DC1DE66-3386-48AC-A7D3-217B93C56141}" type="slidenum">
               <a:rPr lang="ko-KR" altLang="en-US" smtClean="0"/>
-              <a:t>9</a:t>
+              <a:t>8</a:t>
             </a:fld>
             <a:endParaRPr lang="ko-KR" altLang="en-US"/>
           </a:p>
@@ -1484,7 +2008,7 @@
           <a:p>
             <a:fld id="{72FC2849-A083-443C-980D-B9A1D458CE60}" type="datetimeFigureOut">
               <a:rPr lang="ko-KR" altLang="en-US" smtClean="0"/>
-              <a:t>2018-09-09</a:t>
+              <a:t>2018-09-10</a:t>
             </a:fld>
             <a:endParaRPr lang="ko-KR" altLang="en-US"/>
           </a:p>
@@ -1652,7 +2176,7 @@
           <a:p>
             <a:fld id="{72FC2849-A083-443C-980D-B9A1D458CE60}" type="datetimeFigureOut">
               <a:rPr lang="ko-KR" altLang="en-US" smtClean="0"/>
-              <a:t>2018-09-09</a:t>
+              <a:t>2018-09-10</a:t>
             </a:fld>
             <a:endParaRPr lang="ko-KR" altLang="en-US"/>
           </a:p>
@@ -1830,7 +2354,7 @@
           <a:p>
             <a:fld id="{72FC2849-A083-443C-980D-B9A1D458CE60}" type="datetimeFigureOut">
               <a:rPr lang="ko-KR" altLang="en-US" smtClean="0"/>
-              <a:t>2018-09-09</a:t>
+              <a:t>2018-09-10</a:t>
             </a:fld>
             <a:endParaRPr lang="ko-KR" altLang="en-US"/>
           </a:p>
@@ -1998,7 +2522,7 @@
           <a:p>
             <a:fld id="{72FC2849-A083-443C-980D-B9A1D458CE60}" type="datetimeFigureOut">
               <a:rPr lang="ko-KR" altLang="en-US" smtClean="0"/>
-              <a:t>2018-09-09</a:t>
+              <a:t>2018-09-10</a:t>
             </a:fld>
             <a:endParaRPr lang="ko-KR" altLang="en-US"/>
           </a:p>
@@ -2243,7 +2767,7 @@
           <a:p>
             <a:fld id="{72FC2849-A083-443C-980D-B9A1D458CE60}" type="datetimeFigureOut">
               <a:rPr lang="ko-KR" altLang="en-US" smtClean="0"/>
-              <a:t>2018-09-09</a:t>
+              <a:t>2018-09-10</a:t>
             </a:fld>
             <a:endParaRPr lang="ko-KR" altLang="en-US"/>
           </a:p>
@@ -2528,7 +3052,7 @@
           <a:p>
             <a:fld id="{72FC2849-A083-443C-980D-B9A1D458CE60}" type="datetimeFigureOut">
               <a:rPr lang="ko-KR" altLang="en-US" smtClean="0"/>
-              <a:t>2018-09-09</a:t>
+              <a:t>2018-09-10</a:t>
             </a:fld>
             <a:endParaRPr lang="ko-KR" altLang="en-US"/>
           </a:p>
@@ -2947,7 +3471,7 @@
           <a:p>
             <a:fld id="{72FC2849-A083-443C-980D-B9A1D458CE60}" type="datetimeFigureOut">
               <a:rPr lang="ko-KR" altLang="en-US" smtClean="0"/>
-              <a:t>2018-09-09</a:t>
+              <a:t>2018-09-10</a:t>
             </a:fld>
             <a:endParaRPr lang="ko-KR" altLang="en-US"/>
           </a:p>
@@ -3064,7 +3588,7 @@
           <a:p>
             <a:fld id="{72FC2849-A083-443C-980D-B9A1D458CE60}" type="datetimeFigureOut">
               <a:rPr lang="ko-KR" altLang="en-US" smtClean="0"/>
-              <a:t>2018-09-09</a:t>
+              <a:t>2018-09-10</a:t>
             </a:fld>
             <a:endParaRPr lang="ko-KR" altLang="en-US"/>
           </a:p>
@@ -3159,7 +3683,7 @@
           <a:p>
             <a:fld id="{72FC2849-A083-443C-980D-B9A1D458CE60}" type="datetimeFigureOut">
               <a:rPr lang="ko-KR" altLang="en-US" smtClean="0"/>
-              <a:t>2018-09-09</a:t>
+              <a:t>2018-09-10</a:t>
             </a:fld>
             <a:endParaRPr lang="ko-KR" altLang="en-US"/>
           </a:p>
@@ -3434,7 +3958,7 @@
           <a:p>
             <a:fld id="{72FC2849-A083-443C-980D-B9A1D458CE60}" type="datetimeFigureOut">
               <a:rPr lang="ko-KR" altLang="en-US" smtClean="0"/>
-              <a:t>2018-09-09</a:t>
+              <a:t>2018-09-10</a:t>
             </a:fld>
             <a:endParaRPr lang="ko-KR" altLang="en-US"/>
           </a:p>
@@ -3686,7 +4210,7 @@
           <a:p>
             <a:fld id="{72FC2849-A083-443C-980D-B9A1D458CE60}" type="datetimeFigureOut">
               <a:rPr lang="ko-KR" altLang="en-US" smtClean="0"/>
-              <a:t>2018-09-09</a:t>
+              <a:t>2018-09-10</a:t>
             </a:fld>
             <a:endParaRPr lang="ko-KR" altLang="en-US"/>
           </a:p>
@@ -3897,7 +4421,7 @@
           <a:p>
             <a:fld id="{72FC2849-A083-443C-980D-B9A1D458CE60}" type="datetimeFigureOut">
               <a:rPr lang="ko-KR" altLang="en-US" smtClean="0"/>
-              <a:t>2018-09-09</a:t>
+              <a:t>2018-09-10</a:t>
             </a:fld>
             <a:endParaRPr lang="ko-KR" altLang="en-US"/>
           </a:p>
@@ -4833,60 +5357,6 @@
           </a:prstGeom>
         </p:spPr>
       </p:pic>
-      <p:sp>
-        <p:nvSpPr>
-          <p:cNvPr id="7" name="타원 6">
-            <a:extLst>
-              <a:ext uri="{FF2B5EF4-FFF2-40B4-BE49-F238E27FC236}">
-                <a16:creationId xmlns:a16="http://schemas.microsoft.com/office/drawing/2014/main" id="{CC1E46D0-2EAE-4180-8C01-9D2EE4D1DA4D}"/>
-              </a:ext>
-            </a:extLst>
-          </p:cNvPr>
-          <p:cNvSpPr/>
-          <p:nvPr/>
-        </p:nvSpPr>
-        <p:spPr>
-          <a:xfrm>
-            <a:off x="2915816" y="4077072"/>
-            <a:ext cx="432048" cy="432048"/>
-          </a:xfrm>
-          <a:prstGeom prst="ellipse">
-            <a:avLst/>
-          </a:prstGeom>
-          <a:noFill/>
-          <a:ln>
-            <a:solidFill>
-              <a:srgbClr val="FF0000"/>
-            </a:solidFill>
-          </a:ln>
-        </p:spPr>
-        <p:style>
-          <a:lnRef idx="2">
-            <a:schemeClr val="accent1">
-              <a:shade val="50000"/>
-            </a:schemeClr>
-          </a:lnRef>
-          <a:fillRef idx="1">
-            <a:schemeClr val="accent1"/>
-          </a:fillRef>
-          <a:effectRef idx="0">
-            <a:schemeClr val="accent1"/>
-          </a:effectRef>
-          <a:fontRef idx="minor">
-            <a:schemeClr val="lt1"/>
-          </a:fontRef>
-        </p:style>
-        <p:txBody>
-          <a:bodyPr rtlCol="0" anchor="ctr"/>
-          <a:lstStyle/>
-          <a:p>
-            <a:pPr algn="ctr"/>
-            <a:endParaRPr lang="ko-KR" altLang="en-US">
-              <a:latin typeface="+mj-lt"/>
-            </a:endParaRPr>
-          </a:p>
-        </p:txBody>
-      </p:sp>
     </p:spTree>
     <p:extLst>
       <p:ext uri="{BB962C8B-B14F-4D97-AF65-F5344CB8AC3E}">
@@ -6090,7 +6560,7 @@
         <p:spPr>
           <a:xfrm>
             <a:off x="251520" y="1844824"/>
-            <a:ext cx="8784976" cy="5909310"/>
+            <a:ext cx="8892480" cy="4801314"/>
           </a:xfrm>
           <a:prstGeom prst="rect">
             <a:avLst/>
@@ -6103,26 +6573,24 @@
           </a:bodyPr>
           <a:lstStyle/>
           <a:p>
+            <a:pPr marL="342900" indent="-342900">
+              <a:buFont typeface="+mj-lt"/>
+              <a:buAutoNum type="arabicPeriod"/>
+            </a:pPr>
             <a:r>
               <a:rPr lang="en-US" altLang="ko-KR" dirty="0">
                 <a:solidFill>
                   <a:schemeClr val="bg1"/>
                 </a:solidFill>
               </a:rPr>
-              <a:t>The parade proceeds in a single row, is not affected by traffic situation and </a:t>
-            </a:r>
-          </a:p>
-          <a:p>
-            <a:r>
-              <a:rPr lang="en-US" altLang="ko-KR" dirty="0">
-                <a:solidFill>
-                  <a:schemeClr val="bg1"/>
-                </a:solidFill>
-              </a:rPr>
-              <a:t>does not stop at any circumstances.</a:t>
-            </a:r>
-          </a:p>
-          <a:p>
+              <a:t>The parade proceeds in a single row, is not affected by traffic situation and does not stop at any circumstances.</a:t>
+            </a:r>
+          </a:p>
+          <a:p>
+            <a:pPr marL="342900" indent="-342900">
+              <a:buFont typeface="+mj-lt"/>
+              <a:buAutoNum type="arabicPeriod"/>
+            </a:pPr>
             <a:endParaRPr lang="en-US" altLang="ko-KR" dirty="0">
               <a:solidFill>
                 <a:schemeClr val="bg1"/>
@@ -6130,6 +6598,10 @@
             </a:endParaRPr>
           </a:p>
           <a:p>
+            <a:pPr marL="342900" indent="-342900">
+              <a:buFont typeface="+mj-lt"/>
+              <a:buAutoNum type="arabicPeriod"/>
+            </a:pPr>
             <a:r>
               <a:rPr lang="en-US" altLang="ko-KR" dirty="0">
                 <a:solidFill>
@@ -6248,20 +6720,39 @@
                   <a:schemeClr val="bg1"/>
                 </a:solidFill>
               </a:rPr>
-              <a:t>the end of current intersection, </a:t>
-            </a:r>
-          </a:p>
-          <a:p>
+              <a:t>the end of current intersection,            a new node is created to which the parade proceeds.</a:t>
+            </a:r>
+          </a:p>
+          <a:p>
+            <a:pPr marL="342900" indent="-342900">
+              <a:buFont typeface="+mj-lt"/>
+              <a:buAutoNum type="arabicPeriod"/>
+            </a:pPr>
+            <a:endParaRPr lang="en-US" altLang="ko-KR" dirty="0">
+              <a:solidFill>
+                <a:schemeClr val="bg1"/>
+              </a:solidFill>
+            </a:endParaRPr>
+          </a:p>
+          <a:p>
+            <a:pPr marL="342900" indent="-342900">
+              <a:buFont typeface="+mj-lt"/>
+              <a:buAutoNum type="arabicPeriod"/>
+            </a:pPr>
             <a:r>
               <a:rPr lang="en-US" altLang="ko-KR" dirty="0">
                 <a:solidFill>
                   <a:schemeClr val="bg1"/>
                 </a:solidFill>
               </a:rPr>
-              <a:t>a new node is created to which the parade proceeds.</a:t>
-            </a:r>
-          </a:p>
-          <a:p>
+              <a:t>When the tail of the parade passes the end of current intersection,              the corresponding node is deleted from the graph.</a:t>
+            </a:r>
+          </a:p>
+          <a:p>
+            <a:pPr marL="342900" indent="-342900">
+              <a:buFont typeface="+mj-lt"/>
+              <a:buAutoNum type="arabicPeriod"/>
+            </a:pPr>
             <a:endParaRPr lang="en-US" altLang="ko-KR" dirty="0">
               <a:solidFill>
                 <a:schemeClr val="bg1"/>
@@ -6269,26 +6760,49 @@
             </a:endParaRPr>
           </a:p>
           <a:p>
+            <a:pPr marL="342900" indent="-342900">
+              <a:buFont typeface="+mj-lt"/>
+              <a:buAutoNum type="arabicPeriod"/>
+            </a:pPr>
             <a:r>
               <a:rPr lang="en-US" altLang="ko-KR" dirty="0">
                 <a:solidFill>
                   <a:schemeClr val="bg1"/>
                 </a:solidFill>
               </a:rPr>
-              <a:t>When the tail of the parade passes the end of current intersection, </a:t>
-            </a:r>
-          </a:p>
-          <a:p>
+              <a:t>Parade length = Number of protesters * 1meter                                       Ex) Parade length = 100 * 1m = 100m</a:t>
+            </a:r>
+          </a:p>
+          <a:p>
+            <a:pPr marL="342900" indent="-342900">
+              <a:buFont typeface="+mj-lt"/>
+              <a:buAutoNum type="arabicPeriod"/>
+            </a:pPr>
+            <a:endParaRPr lang="en-US" altLang="ko-KR" dirty="0">
+              <a:solidFill>
+                <a:schemeClr val="bg1"/>
+              </a:solidFill>
+            </a:endParaRPr>
+          </a:p>
+          <a:p>
+            <a:pPr marL="342900" indent="-342900">
+              <a:buFont typeface="+mj-lt"/>
+              <a:buAutoNum type="arabicPeriod"/>
+            </a:pPr>
             <a:r>
               <a:rPr lang="en-US" altLang="ko-KR" dirty="0">
                 <a:solidFill>
                   <a:schemeClr val="bg1"/>
                 </a:solidFill>
               </a:rPr>
-              <a:t>the corresponding node is deleted from the graph.</a:t>
-            </a:r>
-          </a:p>
-          <a:p>
+              <a:t>Road length(Weight) = Straight line distance between two intersections(meter) (Calculated via google earth manually)</a:t>
+            </a:r>
+          </a:p>
+          <a:p>
+            <a:pPr marL="342900" indent="-342900">
+              <a:buFont typeface="+mj-lt"/>
+              <a:buAutoNum type="arabicPeriod"/>
+            </a:pPr>
             <a:endParaRPr lang="en-US" altLang="ko-KR" dirty="0">
               <a:solidFill>
                 <a:schemeClr val="bg1"/>
@@ -6296,60 +6810,10 @@
             </a:endParaRPr>
           </a:p>
           <a:p>
-            <a:r>
-              <a:rPr lang="en-US" altLang="ko-KR" dirty="0">
-                <a:solidFill>
-                  <a:schemeClr val="bg1"/>
-                </a:solidFill>
-              </a:rPr>
-              <a:t>Parade length = Number of protesters * 1meter</a:t>
-            </a:r>
-          </a:p>
-          <a:p>
-            <a:r>
-              <a:rPr lang="en-US" altLang="ko-KR" dirty="0">
-                <a:solidFill>
-                  <a:schemeClr val="bg1"/>
-                </a:solidFill>
-              </a:rPr>
-              <a:t>Ex) Parade length = 100 * 1m = 100m</a:t>
-            </a:r>
-          </a:p>
-          <a:p>
-            <a:endParaRPr lang="en-US" altLang="ko-KR" dirty="0">
-              <a:solidFill>
-                <a:schemeClr val="bg1"/>
-              </a:solidFill>
-            </a:endParaRPr>
-          </a:p>
-          <a:p>
-            <a:r>
-              <a:rPr lang="en-US" altLang="ko-KR" dirty="0">
-                <a:solidFill>
-                  <a:schemeClr val="bg1"/>
-                </a:solidFill>
-              </a:rPr>
-              <a:t>Road length(weight) = Straight line distance between two intersections(meter)</a:t>
-            </a:r>
-          </a:p>
-          <a:p>
-            <a:r>
-              <a:rPr lang="en-US" altLang="ko-KR" dirty="0">
-                <a:solidFill>
-                  <a:schemeClr val="bg1"/>
-                </a:solidFill>
-              </a:rPr>
-              <a:t>(Calculated via google earth manually)</a:t>
-            </a:r>
-          </a:p>
-          <a:p>
-            <a:endParaRPr lang="en-US" altLang="ko-KR" dirty="0">
-              <a:solidFill>
-                <a:schemeClr val="bg1"/>
-              </a:solidFill>
-            </a:endParaRPr>
-          </a:p>
-          <a:p>
+            <a:pPr marL="342900" indent="-342900">
+              <a:buFont typeface="+mj-lt"/>
+              <a:buAutoNum type="arabicPeriod"/>
+            </a:pPr>
             <a:r>
               <a:rPr lang="en-US" altLang="ko-KR" dirty="0">
                 <a:solidFill>
@@ -6372,62 +6836,32 @@
                   <a:schemeClr val="bg1"/>
                 </a:solidFill>
               </a:rPr>
-              <a:t>) = Total route length(meter) / Parade time(minute)</a:t>
-            </a:r>
-          </a:p>
-          <a:p>
+              <a:t>) = </a:t>
+            </a:r>
+            <a:r>
+              <a:rPr lang="en-US" altLang="ko-KR" sz="1500" dirty="0">
+                <a:solidFill>
+                  <a:schemeClr val="bg1"/>
+                </a:solidFill>
+              </a:rPr>
+              <a:t>(Total route length+ Parade length)meter / Parade time(minute)</a:t>
+            </a:r>
+            <a:r>
+              <a:rPr lang="en-US" altLang="ko-KR" sz="1400" dirty="0">
+                <a:solidFill>
+                  <a:schemeClr val="bg1"/>
+                </a:solidFill>
+              </a:rPr>
+              <a:t>           </a:t>
+            </a:r>
             <a:r>
               <a:rPr lang="en-US" altLang="ko-KR" dirty="0">
                 <a:solidFill>
                   <a:schemeClr val="bg1"/>
                 </a:solidFill>
               </a:rPr>
-              <a:t>Ex) Speed =  5km</a:t>
-            </a:r>
-            <a:r>
-              <a:rPr lang="ko-KR" altLang="en-US" dirty="0">
-                <a:solidFill>
-                  <a:schemeClr val="bg1"/>
-                </a:solidFill>
-              </a:rPr>
-              <a:t> </a:t>
-            </a:r>
-            <a:r>
-              <a:rPr lang="en-US" altLang="ko-KR" dirty="0">
-                <a:solidFill>
-                  <a:schemeClr val="bg1"/>
-                </a:solidFill>
-              </a:rPr>
-              <a:t>/ 2h = 5000m / 120m = 41.66mpm</a:t>
-            </a:r>
-          </a:p>
-          <a:p>
-            <a:endParaRPr lang="en-US" altLang="ko-KR" dirty="0">
-              <a:solidFill>
-                <a:schemeClr val="bg1"/>
-              </a:solidFill>
-            </a:endParaRPr>
-          </a:p>
-          <a:p>
-            <a:endParaRPr lang="en-US" altLang="ko-KR" dirty="0">
-              <a:solidFill>
-                <a:schemeClr val="bg1"/>
-              </a:solidFill>
-            </a:endParaRPr>
-          </a:p>
-          <a:p>
-            <a:endParaRPr lang="en-US" altLang="ko-KR" dirty="0">
-              <a:solidFill>
-                <a:schemeClr val="bg1"/>
-              </a:solidFill>
-            </a:endParaRPr>
-          </a:p>
-          <a:p>
-            <a:endParaRPr lang="en-US" altLang="ko-KR" dirty="0">
-              <a:solidFill>
-                <a:schemeClr val="bg1"/>
-              </a:solidFill>
-            </a:endParaRPr>
+              <a:t>Ex) Speed = (5000 + 1000)meters / 120minutes = 50mpm</a:t>
+            </a:r>
           </a:p>
         </p:txBody>
       </p:sp>
@@ -6677,6 +7111,1654 @@
           </p:txBody>
         </p:sp>
       </p:grpSp>
+      <p:sp>
+        <p:nvSpPr>
+          <p:cNvPr id="3" name="타원 2">
+            <a:extLst>
+              <a:ext uri="{FF2B5EF4-FFF2-40B4-BE49-F238E27FC236}">
+                <a16:creationId xmlns:a16="http://schemas.microsoft.com/office/drawing/2014/main" id="{69C31256-32B7-47B2-A4D1-5400840346E8}"/>
+              </a:ext>
+            </a:extLst>
+          </p:cNvPr>
+          <p:cNvSpPr/>
+          <p:nvPr/>
+        </p:nvSpPr>
+        <p:spPr>
+          <a:xfrm>
+            <a:off x="755576" y="2878087"/>
+            <a:ext cx="288032" cy="288030"/>
+          </a:xfrm>
+          <a:prstGeom prst="ellipse">
+            <a:avLst/>
+          </a:prstGeom>
+        </p:spPr>
+        <p:style>
+          <a:lnRef idx="2">
+            <a:schemeClr val="accent1">
+              <a:shade val="50000"/>
+            </a:schemeClr>
+          </a:lnRef>
+          <a:fillRef idx="1">
+            <a:schemeClr val="accent1"/>
+          </a:fillRef>
+          <a:effectRef idx="0">
+            <a:schemeClr val="accent1"/>
+          </a:effectRef>
+          <a:fontRef idx="minor">
+            <a:schemeClr val="lt1"/>
+          </a:fontRef>
+        </p:style>
+        <p:txBody>
+          <a:bodyPr rtlCol="0" anchor="ctr"/>
+          <a:lstStyle/>
+          <a:p>
+            <a:pPr algn="ctr"/>
+            <a:r>
+              <a:rPr lang="ko-KR" altLang="en-US" sz="1050" dirty="0"/>
+              <a:t>서울역</a:t>
+            </a:r>
+          </a:p>
+        </p:txBody>
+      </p:sp>
+      <p:sp>
+        <p:nvSpPr>
+          <p:cNvPr id="10" name="타원 9">
+            <a:extLst>
+              <a:ext uri="{FF2B5EF4-FFF2-40B4-BE49-F238E27FC236}">
+                <a16:creationId xmlns:a16="http://schemas.microsoft.com/office/drawing/2014/main" id="{76D90369-3955-49DC-901A-3ECE3F476ED2}"/>
+              </a:ext>
+            </a:extLst>
+          </p:cNvPr>
+          <p:cNvSpPr/>
+          <p:nvPr/>
+        </p:nvSpPr>
+        <p:spPr>
+          <a:xfrm>
+            <a:off x="2771800" y="2420888"/>
+            <a:ext cx="288032" cy="288030"/>
+          </a:xfrm>
+          <a:prstGeom prst="ellipse">
+            <a:avLst/>
+          </a:prstGeom>
+        </p:spPr>
+        <p:style>
+          <a:lnRef idx="2">
+            <a:schemeClr val="accent1">
+              <a:shade val="50000"/>
+            </a:schemeClr>
+          </a:lnRef>
+          <a:fillRef idx="1">
+            <a:schemeClr val="accent1"/>
+          </a:fillRef>
+          <a:effectRef idx="0">
+            <a:schemeClr val="accent1"/>
+          </a:effectRef>
+          <a:fontRef idx="minor">
+            <a:schemeClr val="lt1"/>
+          </a:fontRef>
+        </p:style>
+        <p:txBody>
+          <a:bodyPr rtlCol="0" anchor="ctr"/>
+          <a:lstStyle/>
+          <a:p>
+            <a:pPr algn="ctr"/>
+            <a:r>
+              <a:rPr lang="ko-KR" altLang="en-US" sz="1000" dirty="0"/>
+              <a:t>시청</a:t>
+            </a:r>
+          </a:p>
+        </p:txBody>
+      </p:sp>
+      <p:sp>
+        <p:nvSpPr>
+          <p:cNvPr id="11" name="타원 10">
+            <a:extLst>
+              <a:ext uri="{FF2B5EF4-FFF2-40B4-BE49-F238E27FC236}">
+                <a16:creationId xmlns:a16="http://schemas.microsoft.com/office/drawing/2014/main" id="{0FC50F2B-5CD2-40C1-B511-A9F0D870C51A}"/>
+              </a:ext>
+            </a:extLst>
+          </p:cNvPr>
+          <p:cNvSpPr/>
+          <p:nvPr/>
+        </p:nvSpPr>
+        <p:spPr>
+          <a:xfrm>
+            <a:off x="3779912" y="2426244"/>
+            <a:ext cx="288032" cy="288030"/>
+          </a:xfrm>
+          <a:prstGeom prst="ellipse">
+            <a:avLst/>
+          </a:prstGeom>
+        </p:spPr>
+        <p:style>
+          <a:lnRef idx="2">
+            <a:schemeClr val="accent1">
+              <a:shade val="50000"/>
+            </a:schemeClr>
+          </a:lnRef>
+          <a:fillRef idx="1">
+            <a:schemeClr val="accent1"/>
+          </a:fillRef>
+          <a:effectRef idx="0">
+            <a:schemeClr val="accent1"/>
+          </a:effectRef>
+          <a:fontRef idx="minor">
+            <a:schemeClr val="lt1"/>
+          </a:fontRef>
+        </p:style>
+        <p:txBody>
+          <a:bodyPr rtlCol="0" anchor="ctr"/>
+          <a:lstStyle/>
+          <a:p>
+            <a:pPr algn="ctr"/>
+            <a:r>
+              <a:rPr lang="ko-KR" altLang="en-US" sz="1000" dirty="0"/>
+              <a:t>세종</a:t>
+            </a:r>
+          </a:p>
+        </p:txBody>
+      </p:sp>
+      <p:cxnSp>
+        <p:nvCxnSpPr>
+          <p:cNvPr id="5" name="직선 화살표 연결선 4">
+            <a:extLst>
+              <a:ext uri="{FF2B5EF4-FFF2-40B4-BE49-F238E27FC236}">
+                <a16:creationId xmlns:a16="http://schemas.microsoft.com/office/drawing/2014/main" id="{83879F97-C3B0-4377-8A22-58DD877B4234}"/>
+              </a:ext>
+            </a:extLst>
+          </p:cNvPr>
+          <p:cNvCxnSpPr>
+            <a:cxnSpLocks/>
+            <a:stCxn id="3" idx="6"/>
+            <a:endCxn id="9" idx="2"/>
+          </p:cNvCxnSpPr>
+          <p:nvPr/>
+        </p:nvCxnSpPr>
+        <p:spPr>
+          <a:xfrm>
+            <a:off x="1043608" y="3022102"/>
+            <a:ext cx="760786" cy="0"/>
+          </a:xfrm>
+          <a:prstGeom prst="straightConnector1">
+            <a:avLst/>
+          </a:prstGeom>
+          <a:ln>
+            <a:tailEnd type="triangle"/>
+          </a:ln>
+        </p:spPr>
+        <p:style>
+          <a:lnRef idx="1">
+            <a:schemeClr val="accent1"/>
+          </a:lnRef>
+          <a:fillRef idx="0">
+            <a:schemeClr val="accent1"/>
+          </a:fillRef>
+          <a:effectRef idx="0">
+            <a:schemeClr val="accent1"/>
+          </a:effectRef>
+          <a:fontRef idx="minor">
+            <a:schemeClr val="tx1"/>
+          </a:fontRef>
+        </p:style>
+      </p:cxnSp>
+      <p:cxnSp>
+        <p:nvCxnSpPr>
+          <p:cNvPr id="7" name="직선 화살표 연결선 6">
+            <a:extLst>
+              <a:ext uri="{FF2B5EF4-FFF2-40B4-BE49-F238E27FC236}">
+                <a16:creationId xmlns:a16="http://schemas.microsoft.com/office/drawing/2014/main" id="{0D8ACBE2-7A01-4595-B9A9-4F4B631DFA0C}"/>
+              </a:ext>
+            </a:extLst>
+          </p:cNvPr>
+          <p:cNvCxnSpPr>
+            <a:stCxn id="9" idx="7"/>
+            <a:endCxn id="10" idx="2"/>
+          </p:cNvCxnSpPr>
+          <p:nvPr/>
+        </p:nvCxnSpPr>
+        <p:spPr>
+          <a:xfrm flipV="1">
+            <a:off x="2050245" y="2564903"/>
+            <a:ext cx="721555" cy="355365"/>
+          </a:xfrm>
+          <a:prstGeom prst="straightConnector1">
+            <a:avLst/>
+          </a:prstGeom>
+          <a:ln>
+            <a:tailEnd type="triangle"/>
+          </a:ln>
+        </p:spPr>
+        <p:style>
+          <a:lnRef idx="1">
+            <a:schemeClr val="accent1"/>
+          </a:lnRef>
+          <a:fillRef idx="0">
+            <a:schemeClr val="accent1"/>
+          </a:fillRef>
+          <a:effectRef idx="0">
+            <a:schemeClr val="accent1"/>
+          </a:effectRef>
+          <a:fontRef idx="minor">
+            <a:schemeClr val="tx1"/>
+          </a:fontRef>
+        </p:style>
+      </p:cxnSp>
+      <p:cxnSp>
+        <p:nvCxnSpPr>
+          <p:cNvPr id="16" name="직선 화살표 연결선 15">
+            <a:extLst>
+              <a:ext uri="{FF2B5EF4-FFF2-40B4-BE49-F238E27FC236}">
+                <a16:creationId xmlns:a16="http://schemas.microsoft.com/office/drawing/2014/main" id="{0C519FED-F2BE-4D7D-9030-4396BF28E28E}"/>
+              </a:ext>
+            </a:extLst>
+          </p:cNvPr>
+          <p:cNvCxnSpPr>
+            <a:stCxn id="10" idx="6"/>
+            <a:endCxn id="11" idx="2"/>
+          </p:cNvCxnSpPr>
+          <p:nvPr/>
+        </p:nvCxnSpPr>
+        <p:spPr>
+          <a:xfrm>
+            <a:off x="3059832" y="2564903"/>
+            <a:ext cx="720080" cy="5356"/>
+          </a:xfrm>
+          <a:prstGeom prst="straightConnector1">
+            <a:avLst/>
+          </a:prstGeom>
+          <a:ln>
+            <a:tailEnd type="triangle"/>
+          </a:ln>
+        </p:spPr>
+        <p:style>
+          <a:lnRef idx="1">
+            <a:schemeClr val="accent1"/>
+          </a:lnRef>
+          <a:fillRef idx="0">
+            <a:schemeClr val="accent1"/>
+          </a:fillRef>
+          <a:effectRef idx="0">
+            <a:schemeClr val="accent1"/>
+          </a:effectRef>
+          <a:fontRef idx="minor">
+            <a:schemeClr val="tx1"/>
+          </a:fontRef>
+        </p:style>
+      </p:cxnSp>
+      <p:sp>
+        <p:nvSpPr>
+          <p:cNvPr id="41" name="타원 40">
+            <a:extLst>
+              <a:ext uri="{FF2B5EF4-FFF2-40B4-BE49-F238E27FC236}">
+                <a16:creationId xmlns:a16="http://schemas.microsoft.com/office/drawing/2014/main" id="{FF435ADE-246D-47A4-BCC5-DC068C8AC428}"/>
+              </a:ext>
+            </a:extLst>
+          </p:cNvPr>
+          <p:cNvSpPr/>
+          <p:nvPr/>
+        </p:nvSpPr>
+        <p:spPr>
+          <a:xfrm>
+            <a:off x="4810065" y="2420888"/>
+            <a:ext cx="288032" cy="288030"/>
+          </a:xfrm>
+          <a:prstGeom prst="ellipse">
+            <a:avLst/>
+          </a:prstGeom>
+        </p:spPr>
+        <p:style>
+          <a:lnRef idx="2">
+            <a:schemeClr val="accent1">
+              <a:shade val="50000"/>
+            </a:schemeClr>
+          </a:lnRef>
+          <a:fillRef idx="1">
+            <a:schemeClr val="accent1"/>
+          </a:fillRef>
+          <a:effectRef idx="0">
+            <a:schemeClr val="accent1"/>
+          </a:effectRef>
+          <a:fontRef idx="minor">
+            <a:schemeClr val="lt1"/>
+          </a:fontRef>
+        </p:style>
+        <p:txBody>
+          <a:bodyPr rtlCol="0" anchor="ctr"/>
+          <a:lstStyle/>
+          <a:p>
+            <a:pPr algn="ctr"/>
+            <a:r>
+              <a:rPr lang="ko-KR" altLang="en-US" sz="1000" dirty="0"/>
+              <a:t>서린</a:t>
+            </a:r>
+          </a:p>
+        </p:txBody>
+      </p:sp>
+      <p:cxnSp>
+        <p:nvCxnSpPr>
+          <p:cNvPr id="42" name="직선 화살표 연결선 41">
+            <a:extLst>
+              <a:ext uri="{FF2B5EF4-FFF2-40B4-BE49-F238E27FC236}">
+                <a16:creationId xmlns:a16="http://schemas.microsoft.com/office/drawing/2014/main" id="{4D702409-5AFA-4DDA-82E5-AE59E965B374}"/>
+              </a:ext>
+            </a:extLst>
+          </p:cNvPr>
+          <p:cNvCxnSpPr>
+            <a:endCxn id="41" idx="2"/>
+          </p:cNvCxnSpPr>
+          <p:nvPr/>
+        </p:nvCxnSpPr>
+        <p:spPr>
+          <a:xfrm>
+            <a:off x="4089985" y="2559547"/>
+            <a:ext cx="720080" cy="5356"/>
+          </a:xfrm>
+          <a:prstGeom prst="straightConnector1">
+            <a:avLst/>
+          </a:prstGeom>
+          <a:ln>
+            <a:tailEnd type="triangle"/>
+          </a:ln>
+        </p:spPr>
+        <p:style>
+          <a:lnRef idx="1">
+            <a:schemeClr val="accent1"/>
+          </a:lnRef>
+          <a:fillRef idx="0">
+            <a:schemeClr val="accent1"/>
+          </a:fillRef>
+          <a:effectRef idx="0">
+            <a:schemeClr val="accent1"/>
+          </a:effectRef>
+          <a:fontRef idx="minor">
+            <a:schemeClr val="tx1"/>
+          </a:fontRef>
+        </p:style>
+      </p:cxnSp>
+      <p:sp>
+        <p:nvSpPr>
+          <p:cNvPr id="43" name="타원 42">
+            <a:extLst>
+              <a:ext uri="{FF2B5EF4-FFF2-40B4-BE49-F238E27FC236}">
+                <a16:creationId xmlns:a16="http://schemas.microsoft.com/office/drawing/2014/main" id="{3B26D259-46E1-4E0E-9E7C-28B4ED706AAC}"/>
+              </a:ext>
+            </a:extLst>
+          </p:cNvPr>
+          <p:cNvSpPr/>
+          <p:nvPr/>
+        </p:nvSpPr>
+        <p:spPr>
+          <a:xfrm>
+            <a:off x="5836842" y="2420888"/>
+            <a:ext cx="288032" cy="288030"/>
+          </a:xfrm>
+          <a:prstGeom prst="ellipse">
+            <a:avLst/>
+          </a:prstGeom>
+        </p:spPr>
+        <p:style>
+          <a:lnRef idx="2">
+            <a:schemeClr val="accent1">
+              <a:shade val="50000"/>
+            </a:schemeClr>
+          </a:lnRef>
+          <a:fillRef idx="1">
+            <a:schemeClr val="accent1"/>
+          </a:fillRef>
+          <a:effectRef idx="0">
+            <a:schemeClr val="accent1"/>
+          </a:effectRef>
+          <a:fontRef idx="minor">
+            <a:schemeClr val="lt1"/>
+          </a:fontRef>
+        </p:style>
+        <p:txBody>
+          <a:bodyPr rtlCol="0" anchor="ctr"/>
+          <a:lstStyle/>
+          <a:p>
+            <a:pPr algn="ctr"/>
+            <a:r>
+              <a:rPr lang="ko-KR" altLang="en-US" sz="1000" dirty="0"/>
+              <a:t>종각</a:t>
+            </a:r>
+          </a:p>
+        </p:txBody>
+      </p:sp>
+      <p:cxnSp>
+        <p:nvCxnSpPr>
+          <p:cNvPr id="44" name="직선 화살표 연결선 43">
+            <a:extLst>
+              <a:ext uri="{FF2B5EF4-FFF2-40B4-BE49-F238E27FC236}">
+                <a16:creationId xmlns:a16="http://schemas.microsoft.com/office/drawing/2014/main" id="{30EC35E7-EF37-4EA5-912A-EA184C683BB4}"/>
+              </a:ext>
+            </a:extLst>
+          </p:cNvPr>
+          <p:cNvCxnSpPr>
+            <a:endCxn id="43" idx="2"/>
+          </p:cNvCxnSpPr>
+          <p:nvPr/>
+        </p:nvCxnSpPr>
+        <p:spPr>
+          <a:xfrm>
+            <a:off x="5116762" y="2559547"/>
+            <a:ext cx="720080" cy="5356"/>
+          </a:xfrm>
+          <a:prstGeom prst="straightConnector1">
+            <a:avLst/>
+          </a:prstGeom>
+          <a:ln>
+            <a:tailEnd type="triangle"/>
+          </a:ln>
+        </p:spPr>
+        <p:style>
+          <a:lnRef idx="1">
+            <a:schemeClr val="accent1"/>
+          </a:lnRef>
+          <a:fillRef idx="0">
+            <a:schemeClr val="accent1"/>
+          </a:fillRef>
+          <a:effectRef idx="0">
+            <a:schemeClr val="accent1"/>
+          </a:effectRef>
+          <a:fontRef idx="minor">
+            <a:schemeClr val="tx1"/>
+          </a:fontRef>
+        </p:style>
+      </p:cxnSp>
+      <p:sp>
+        <p:nvSpPr>
+          <p:cNvPr id="45" name="타원 44">
+            <a:extLst>
+              <a:ext uri="{FF2B5EF4-FFF2-40B4-BE49-F238E27FC236}">
+                <a16:creationId xmlns:a16="http://schemas.microsoft.com/office/drawing/2014/main" id="{2C431A60-31FD-46D5-966D-0112AEAE0BF7}"/>
+              </a:ext>
+            </a:extLst>
+          </p:cNvPr>
+          <p:cNvSpPr/>
+          <p:nvPr/>
+        </p:nvSpPr>
+        <p:spPr>
+          <a:xfrm>
+            <a:off x="6902349" y="2920268"/>
+            <a:ext cx="288032" cy="288030"/>
+          </a:xfrm>
+          <a:prstGeom prst="ellipse">
+            <a:avLst/>
+          </a:prstGeom>
+        </p:spPr>
+        <p:style>
+          <a:lnRef idx="2">
+            <a:schemeClr val="accent1">
+              <a:shade val="50000"/>
+            </a:schemeClr>
+          </a:lnRef>
+          <a:fillRef idx="1">
+            <a:schemeClr val="accent1"/>
+          </a:fillRef>
+          <a:effectRef idx="0">
+            <a:schemeClr val="accent1"/>
+          </a:effectRef>
+          <a:fontRef idx="minor">
+            <a:schemeClr val="lt1"/>
+          </a:fontRef>
+        </p:style>
+        <p:txBody>
+          <a:bodyPr rtlCol="0" anchor="ctr"/>
+          <a:lstStyle/>
+          <a:p>
+            <a:pPr algn="ctr"/>
+            <a:r>
+              <a:rPr lang="ko-KR" altLang="en-US" sz="1000" dirty="0"/>
+              <a:t>을지로</a:t>
+            </a:r>
+          </a:p>
+        </p:txBody>
+      </p:sp>
+      <p:sp>
+        <p:nvSpPr>
+          <p:cNvPr id="46" name="타원 45">
+            <a:extLst>
+              <a:ext uri="{FF2B5EF4-FFF2-40B4-BE49-F238E27FC236}">
+                <a16:creationId xmlns:a16="http://schemas.microsoft.com/office/drawing/2014/main" id="{F4A9436C-0BE5-4E37-AC41-303ED90CC17F}"/>
+              </a:ext>
+            </a:extLst>
+          </p:cNvPr>
+          <p:cNvSpPr/>
+          <p:nvPr/>
+        </p:nvSpPr>
+        <p:spPr>
+          <a:xfrm>
+            <a:off x="7951167" y="2920268"/>
+            <a:ext cx="288032" cy="288030"/>
+          </a:xfrm>
+          <a:prstGeom prst="ellipse">
+            <a:avLst/>
+          </a:prstGeom>
+        </p:spPr>
+        <p:style>
+          <a:lnRef idx="2">
+            <a:schemeClr val="accent1">
+              <a:shade val="50000"/>
+            </a:schemeClr>
+          </a:lnRef>
+          <a:fillRef idx="1">
+            <a:schemeClr val="accent1"/>
+          </a:fillRef>
+          <a:effectRef idx="0">
+            <a:schemeClr val="accent1"/>
+          </a:effectRef>
+          <a:fontRef idx="minor">
+            <a:schemeClr val="lt1"/>
+          </a:fontRef>
+        </p:style>
+        <p:txBody>
+          <a:bodyPr rtlCol="0" anchor="ctr"/>
+          <a:lstStyle/>
+          <a:p>
+            <a:pPr algn="ctr"/>
+            <a:r>
+              <a:rPr lang="ko-KR" altLang="en-US" sz="1000" dirty="0" err="1"/>
+              <a:t>개풍</a:t>
+            </a:r>
+            <a:endParaRPr lang="ko-KR" altLang="en-US" sz="1000" dirty="0"/>
+          </a:p>
+        </p:txBody>
+      </p:sp>
+      <p:cxnSp>
+        <p:nvCxnSpPr>
+          <p:cNvPr id="47" name="직선 화살표 연결선 46">
+            <a:extLst>
+              <a:ext uri="{FF2B5EF4-FFF2-40B4-BE49-F238E27FC236}">
+                <a16:creationId xmlns:a16="http://schemas.microsoft.com/office/drawing/2014/main" id="{C236FE2E-A76B-426D-9B1C-ECBC4933A0A2}"/>
+              </a:ext>
+            </a:extLst>
+          </p:cNvPr>
+          <p:cNvCxnSpPr>
+            <a:cxnSpLocks/>
+            <a:stCxn id="45" idx="6"/>
+            <a:endCxn id="46" idx="2"/>
+          </p:cNvCxnSpPr>
+          <p:nvPr/>
+        </p:nvCxnSpPr>
+        <p:spPr>
+          <a:xfrm>
+            <a:off x="7190381" y="3064283"/>
+            <a:ext cx="760786" cy="0"/>
+          </a:xfrm>
+          <a:prstGeom prst="straightConnector1">
+            <a:avLst/>
+          </a:prstGeom>
+          <a:ln>
+            <a:tailEnd type="triangle"/>
+          </a:ln>
+        </p:spPr>
+        <p:style>
+          <a:lnRef idx="1">
+            <a:schemeClr val="accent1"/>
+          </a:lnRef>
+          <a:fillRef idx="0">
+            <a:schemeClr val="accent1"/>
+          </a:fillRef>
+          <a:effectRef idx="0">
+            <a:schemeClr val="accent1"/>
+          </a:effectRef>
+          <a:fontRef idx="minor">
+            <a:schemeClr val="tx1"/>
+          </a:fontRef>
+        </p:style>
+      </p:cxnSp>
+      <p:cxnSp>
+        <p:nvCxnSpPr>
+          <p:cNvPr id="48" name="직선 화살표 연결선 47">
+            <a:extLst>
+              <a:ext uri="{FF2B5EF4-FFF2-40B4-BE49-F238E27FC236}">
+                <a16:creationId xmlns:a16="http://schemas.microsoft.com/office/drawing/2014/main" id="{33D95E49-E68F-4FA4-9B28-0F22ACEEC8A9}"/>
+              </a:ext>
+            </a:extLst>
+          </p:cNvPr>
+          <p:cNvCxnSpPr>
+            <a:cxnSpLocks/>
+            <a:stCxn id="43" idx="6"/>
+            <a:endCxn id="45" idx="1"/>
+          </p:cNvCxnSpPr>
+          <p:nvPr/>
+        </p:nvCxnSpPr>
+        <p:spPr>
+          <a:xfrm>
+            <a:off x="6124874" y="2564903"/>
+            <a:ext cx="819656" cy="397546"/>
+          </a:xfrm>
+          <a:prstGeom prst="straightConnector1">
+            <a:avLst/>
+          </a:prstGeom>
+          <a:ln>
+            <a:tailEnd type="triangle"/>
+          </a:ln>
+        </p:spPr>
+        <p:style>
+          <a:lnRef idx="1">
+            <a:schemeClr val="accent1"/>
+          </a:lnRef>
+          <a:fillRef idx="0">
+            <a:schemeClr val="accent1"/>
+          </a:fillRef>
+          <a:effectRef idx="0">
+            <a:schemeClr val="accent1"/>
+          </a:effectRef>
+          <a:fontRef idx="minor">
+            <a:schemeClr val="tx1"/>
+          </a:fontRef>
+        </p:style>
+      </p:cxnSp>
+      <p:sp>
+        <p:nvSpPr>
+          <p:cNvPr id="51" name="타원 50">
+            <a:extLst>
+              <a:ext uri="{FF2B5EF4-FFF2-40B4-BE49-F238E27FC236}">
+                <a16:creationId xmlns:a16="http://schemas.microsoft.com/office/drawing/2014/main" id="{3B213BAB-4545-4749-AEEE-2C77CD127CFD}"/>
+              </a:ext>
+            </a:extLst>
+          </p:cNvPr>
+          <p:cNvSpPr/>
+          <p:nvPr/>
+        </p:nvSpPr>
+        <p:spPr>
+          <a:xfrm>
+            <a:off x="2771800" y="2423566"/>
+            <a:ext cx="288032" cy="288030"/>
+          </a:xfrm>
+          <a:prstGeom prst="ellipse">
+            <a:avLst/>
+          </a:prstGeom>
+          <a:solidFill>
+            <a:schemeClr val="bg1">
+              <a:lumMod val="75000"/>
+            </a:schemeClr>
+          </a:solidFill>
+        </p:spPr>
+        <p:style>
+          <a:lnRef idx="2">
+            <a:schemeClr val="accent1">
+              <a:shade val="50000"/>
+            </a:schemeClr>
+          </a:lnRef>
+          <a:fillRef idx="1">
+            <a:schemeClr val="accent1"/>
+          </a:fillRef>
+          <a:effectRef idx="0">
+            <a:schemeClr val="accent1"/>
+          </a:effectRef>
+          <a:fontRef idx="minor">
+            <a:schemeClr val="lt1"/>
+          </a:fontRef>
+        </p:style>
+        <p:txBody>
+          <a:bodyPr rtlCol="0" anchor="ctr"/>
+          <a:lstStyle/>
+          <a:p>
+            <a:pPr algn="ctr"/>
+            <a:endParaRPr lang="ko-KR" altLang="en-US" sz="1000" dirty="0"/>
+          </a:p>
+        </p:txBody>
+      </p:sp>
+      <p:sp>
+        <p:nvSpPr>
+          <p:cNvPr id="52" name="타원 51">
+            <a:extLst>
+              <a:ext uri="{FF2B5EF4-FFF2-40B4-BE49-F238E27FC236}">
+                <a16:creationId xmlns:a16="http://schemas.microsoft.com/office/drawing/2014/main" id="{7860F539-0770-4569-AC37-FCD3130D4BC5}"/>
+              </a:ext>
+            </a:extLst>
+          </p:cNvPr>
+          <p:cNvSpPr/>
+          <p:nvPr/>
+        </p:nvSpPr>
+        <p:spPr>
+          <a:xfrm>
+            <a:off x="3768065" y="2423566"/>
+            <a:ext cx="288032" cy="288030"/>
+          </a:xfrm>
+          <a:prstGeom prst="ellipse">
+            <a:avLst/>
+          </a:prstGeom>
+          <a:solidFill>
+            <a:schemeClr val="bg1">
+              <a:lumMod val="75000"/>
+            </a:schemeClr>
+          </a:solidFill>
+        </p:spPr>
+        <p:style>
+          <a:lnRef idx="2">
+            <a:schemeClr val="accent1">
+              <a:shade val="50000"/>
+            </a:schemeClr>
+          </a:lnRef>
+          <a:fillRef idx="1">
+            <a:schemeClr val="accent1"/>
+          </a:fillRef>
+          <a:effectRef idx="0">
+            <a:schemeClr val="accent1"/>
+          </a:effectRef>
+          <a:fontRef idx="minor">
+            <a:schemeClr val="lt1"/>
+          </a:fontRef>
+        </p:style>
+        <p:txBody>
+          <a:bodyPr rtlCol="0" anchor="ctr"/>
+          <a:lstStyle/>
+          <a:p>
+            <a:pPr algn="ctr"/>
+            <a:endParaRPr lang="ko-KR" altLang="en-US" sz="1000" dirty="0"/>
+          </a:p>
+        </p:txBody>
+      </p:sp>
+      <p:sp>
+        <p:nvSpPr>
+          <p:cNvPr id="53" name="타원 52">
+            <a:extLst>
+              <a:ext uri="{FF2B5EF4-FFF2-40B4-BE49-F238E27FC236}">
+                <a16:creationId xmlns:a16="http://schemas.microsoft.com/office/drawing/2014/main" id="{D1202C3F-BBC2-499D-8D51-B993F67FEFEB}"/>
+              </a:ext>
+            </a:extLst>
+          </p:cNvPr>
+          <p:cNvSpPr/>
+          <p:nvPr/>
+        </p:nvSpPr>
+        <p:spPr>
+          <a:xfrm>
+            <a:off x="4803713" y="2415532"/>
+            <a:ext cx="288032" cy="288030"/>
+          </a:xfrm>
+          <a:prstGeom prst="ellipse">
+            <a:avLst/>
+          </a:prstGeom>
+          <a:solidFill>
+            <a:schemeClr val="bg1">
+              <a:lumMod val="75000"/>
+            </a:schemeClr>
+          </a:solidFill>
+        </p:spPr>
+        <p:style>
+          <a:lnRef idx="2">
+            <a:schemeClr val="accent1">
+              <a:shade val="50000"/>
+            </a:schemeClr>
+          </a:lnRef>
+          <a:fillRef idx="1">
+            <a:schemeClr val="accent1"/>
+          </a:fillRef>
+          <a:effectRef idx="0">
+            <a:schemeClr val="accent1"/>
+          </a:effectRef>
+          <a:fontRef idx="minor">
+            <a:schemeClr val="lt1"/>
+          </a:fontRef>
+        </p:style>
+        <p:txBody>
+          <a:bodyPr rtlCol="0" anchor="ctr"/>
+          <a:lstStyle/>
+          <a:p>
+            <a:pPr algn="ctr"/>
+            <a:endParaRPr lang="ko-KR" altLang="en-US" sz="1000" dirty="0"/>
+          </a:p>
+        </p:txBody>
+      </p:sp>
+      <p:sp>
+        <p:nvSpPr>
+          <p:cNvPr id="54" name="타원 53">
+            <a:extLst>
+              <a:ext uri="{FF2B5EF4-FFF2-40B4-BE49-F238E27FC236}">
+                <a16:creationId xmlns:a16="http://schemas.microsoft.com/office/drawing/2014/main" id="{FD499C26-1FC2-4E2A-8959-370B9CABC966}"/>
+              </a:ext>
+            </a:extLst>
+          </p:cNvPr>
+          <p:cNvSpPr/>
+          <p:nvPr/>
+        </p:nvSpPr>
+        <p:spPr>
+          <a:xfrm>
+            <a:off x="5840218" y="2423566"/>
+            <a:ext cx="288032" cy="288030"/>
+          </a:xfrm>
+          <a:prstGeom prst="ellipse">
+            <a:avLst/>
+          </a:prstGeom>
+          <a:solidFill>
+            <a:schemeClr val="bg1">
+              <a:lumMod val="75000"/>
+            </a:schemeClr>
+          </a:solidFill>
+        </p:spPr>
+        <p:style>
+          <a:lnRef idx="2">
+            <a:schemeClr val="accent1">
+              <a:shade val="50000"/>
+            </a:schemeClr>
+          </a:lnRef>
+          <a:fillRef idx="1">
+            <a:schemeClr val="accent1"/>
+          </a:fillRef>
+          <a:effectRef idx="0">
+            <a:schemeClr val="accent1"/>
+          </a:effectRef>
+          <a:fontRef idx="minor">
+            <a:schemeClr val="lt1"/>
+          </a:fontRef>
+        </p:style>
+        <p:txBody>
+          <a:bodyPr rtlCol="0" anchor="ctr"/>
+          <a:lstStyle/>
+          <a:p>
+            <a:pPr algn="ctr"/>
+            <a:endParaRPr lang="ko-KR" altLang="en-US" sz="1000" dirty="0"/>
+          </a:p>
+        </p:txBody>
+      </p:sp>
+      <p:sp>
+        <p:nvSpPr>
+          <p:cNvPr id="55" name="타원 54">
+            <a:extLst>
+              <a:ext uri="{FF2B5EF4-FFF2-40B4-BE49-F238E27FC236}">
+                <a16:creationId xmlns:a16="http://schemas.microsoft.com/office/drawing/2014/main" id="{27FD66E7-AB1A-49AA-A0D8-423E7E8A3640}"/>
+              </a:ext>
+            </a:extLst>
+          </p:cNvPr>
+          <p:cNvSpPr/>
+          <p:nvPr/>
+        </p:nvSpPr>
+        <p:spPr>
+          <a:xfrm>
+            <a:off x="6902349" y="2927622"/>
+            <a:ext cx="288032" cy="288030"/>
+          </a:xfrm>
+          <a:prstGeom prst="ellipse">
+            <a:avLst/>
+          </a:prstGeom>
+          <a:solidFill>
+            <a:schemeClr val="bg1">
+              <a:lumMod val="75000"/>
+            </a:schemeClr>
+          </a:solidFill>
+        </p:spPr>
+        <p:style>
+          <a:lnRef idx="2">
+            <a:schemeClr val="accent1">
+              <a:shade val="50000"/>
+            </a:schemeClr>
+          </a:lnRef>
+          <a:fillRef idx="1">
+            <a:schemeClr val="accent1"/>
+          </a:fillRef>
+          <a:effectRef idx="0">
+            <a:schemeClr val="accent1"/>
+          </a:effectRef>
+          <a:fontRef idx="minor">
+            <a:schemeClr val="lt1"/>
+          </a:fontRef>
+        </p:style>
+        <p:txBody>
+          <a:bodyPr rtlCol="0" anchor="ctr"/>
+          <a:lstStyle/>
+          <a:p>
+            <a:pPr algn="ctr"/>
+            <a:endParaRPr lang="ko-KR" altLang="en-US" sz="1000" dirty="0"/>
+          </a:p>
+        </p:txBody>
+      </p:sp>
+      <p:sp>
+        <p:nvSpPr>
+          <p:cNvPr id="56" name="타원 55">
+            <a:extLst>
+              <a:ext uri="{FF2B5EF4-FFF2-40B4-BE49-F238E27FC236}">
+                <a16:creationId xmlns:a16="http://schemas.microsoft.com/office/drawing/2014/main" id="{6BD352AF-DD58-4814-9C2B-F0CEF01B1B1F}"/>
+              </a:ext>
+            </a:extLst>
+          </p:cNvPr>
+          <p:cNvSpPr/>
+          <p:nvPr/>
+        </p:nvSpPr>
+        <p:spPr>
+          <a:xfrm>
+            <a:off x="7945957" y="2927622"/>
+            <a:ext cx="288032" cy="288030"/>
+          </a:xfrm>
+          <a:prstGeom prst="ellipse">
+            <a:avLst/>
+          </a:prstGeom>
+          <a:solidFill>
+            <a:schemeClr val="bg1">
+              <a:lumMod val="75000"/>
+            </a:schemeClr>
+          </a:solidFill>
+        </p:spPr>
+        <p:style>
+          <a:lnRef idx="2">
+            <a:schemeClr val="accent1">
+              <a:shade val="50000"/>
+            </a:schemeClr>
+          </a:lnRef>
+          <a:fillRef idx="1">
+            <a:schemeClr val="accent1"/>
+          </a:fillRef>
+          <a:effectRef idx="0">
+            <a:schemeClr val="accent1"/>
+          </a:effectRef>
+          <a:fontRef idx="minor">
+            <a:schemeClr val="lt1"/>
+          </a:fontRef>
+        </p:style>
+        <p:txBody>
+          <a:bodyPr rtlCol="0" anchor="ctr"/>
+          <a:lstStyle/>
+          <a:p>
+            <a:pPr algn="ctr"/>
+            <a:endParaRPr lang="ko-KR" altLang="en-US" sz="1000" dirty="0"/>
+          </a:p>
+        </p:txBody>
+      </p:sp>
+      <p:sp>
+        <p:nvSpPr>
+          <p:cNvPr id="58" name="타원 57">
+            <a:extLst>
+              <a:ext uri="{FF2B5EF4-FFF2-40B4-BE49-F238E27FC236}">
+                <a16:creationId xmlns:a16="http://schemas.microsoft.com/office/drawing/2014/main" id="{8EAAE169-BC7F-4CC3-8866-D2EB8600CB2A}"/>
+              </a:ext>
+            </a:extLst>
+          </p:cNvPr>
+          <p:cNvSpPr/>
+          <p:nvPr/>
+        </p:nvSpPr>
+        <p:spPr>
+          <a:xfrm>
+            <a:off x="742573" y="2878087"/>
+            <a:ext cx="288032" cy="288030"/>
+          </a:xfrm>
+          <a:prstGeom prst="ellipse">
+            <a:avLst/>
+          </a:prstGeom>
+          <a:solidFill>
+            <a:schemeClr val="bg1">
+              <a:lumMod val="75000"/>
+            </a:schemeClr>
+          </a:solidFill>
+        </p:spPr>
+        <p:style>
+          <a:lnRef idx="2">
+            <a:schemeClr val="accent1">
+              <a:shade val="50000"/>
+            </a:schemeClr>
+          </a:lnRef>
+          <a:fillRef idx="1">
+            <a:schemeClr val="accent1"/>
+          </a:fillRef>
+          <a:effectRef idx="0">
+            <a:schemeClr val="accent1"/>
+          </a:effectRef>
+          <a:fontRef idx="minor">
+            <a:schemeClr val="lt1"/>
+          </a:fontRef>
+        </p:style>
+        <p:txBody>
+          <a:bodyPr rtlCol="0" anchor="ctr"/>
+          <a:lstStyle/>
+          <a:p>
+            <a:pPr algn="ctr"/>
+            <a:endParaRPr lang="ko-KR" altLang="en-US" sz="1000" dirty="0"/>
+          </a:p>
+        </p:txBody>
+      </p:sp>
+      <p:sp>
+        <p:nvSpPr>
+          <p:cNvPr id="9" name="타원 8">
+            <a:extLst>
+              <a:ext uri="{FF2B5EF4-FFF2-40B4-BE49-F238E27FC236}">
+                <a16:creationId xmlns:a16="http://schemas.microsoft.com/office/drawing/2014/main" id="{9D8F27B3-FC49-4196-A621-F1DF5E46E55B}"/>
+              </a:ext>
+            </a:extLst>
+          </p:cNvPr>
+          <p:cNvSpPr/>
+          <p:nvPr/>
+        </p:nvSpPr>
+        <p:spPr>
+          <a:xfrm>
+            <a:off x="1804394" y="2878087"/>
+            <a:ext cx="288032" cy="288030"/>
+          </a:xfrm>
+          <a:prstGeom prst="ellipse">
+            <a:avLst/>
+          </a:prstGeom>
+        </p:spPr>
+        <p:style>
+          <a:lnRef idx="2">
+            <a:schemeClr val="accent1">
+              <a:shade val="50000"/>
+            </a:schemeClr>
+          </a:lnRef>
+          <a:fillRef idx="1">
+            <a:schemeClr val="accent1"/>
+          </a:fillRef>
+          <a:effectRef idx="0">
+            <a:schemeClr val="accent1"/>
+          </a:effectRef>
+          <a:fontRef idx="minor">
+            <a:schemeClr val="lt1"/>
+          </a:fontRef>
+        </p:style>
+        <p:txBody>
+          <a:bodyPr rtlCol="0" anchor="ctr"/>
+          <a:lstStyle/>
+          <a:p>
+            <a:pPr algn="ctr"/>
+            <a:r>
+              <a:rPr lang="ko-KR" altLang="en-US" sz="1000" dirty="0"/>
+              <a:t>남대문</a:t>
+            </a:r>
+          </a:p>
+        </p:txBody>
+      </p:sp>
+      <p:sp>
+        <p:nvSpPr>
+          <p:cNvPr id="59" name="타원 58">
+            <a:extLst>
+              <a:ext uri="{FF2B5EF4-FFF2-40B4-BE49-F238E27FC236}">
+                <a16:creationId xmlns:a16="http://schemas.microsoft.com/office/drawing/2014/main" id="{031752A1-301B-4352-872D-5B02B0ACA9BA}"/>
+              </a:ext>
+            </a:extLst>
+          </p:cNvPr>
+          <p:cNvSpPr/>
+          <p:nvPr/>
+        </p:nvSpPr>
+        <p:spPr>
+          <a:xfrm>
+            <a:off x="1799184" y="2874468"/>
+            <a:ext cx="288032" cy="288030"/>
+          </a:xfrm>
+          <a:prstGeom prst="ellipse">
+            <a:avLst/>
+          </a:prstGeom>
+          <a:solidFill>
+            <a:schemeClr val="bg1">
+              <a:lumMod val="75000"/>
+            </a:schemeClr>
+          </a:solidFill>
+        </p:spPr>
+        <p:style>
+          <a:lnRef idx="2">
+            <a:schemeClr val="accent1">
+              <a:shade val="50000"/>
+            </a:schemeClr>
+          </a:lnRef>
+          <a:fillRef idx="1">
+            <a:schemeClr val="accent1"/>
+          </a:fillRef>
+          <a:effectRef idx="0">
+            <a:schemeClr val="accent1"/>
+          </a:effectRef>
+          <a:fontRef idx="minor">
+            <a:schemeClr val="lt1"/>
+          </a:fontRef>
+        </p:style>
+        <p:txBody>
+          <a:bodyPr rtlCol="0" anchor="ctr"/>
+          <a:lstStyle/>
+          <a:p>
+            <a:pPr algn="ctr"/>
+            <a:endParaRPr lang="ko-KR" altLang="en-US" sz="1000" dirty="0"/>
+          </a:p>
+        </p:txBody>
+      </p:sp>
+      <p:sp>
+        <p:nvSpPr>
+          <p:cNvPr id="66" name="화살표: 왼쪽/오른쪽 65">
+            <a:extLst>
+              <a:ext uri="{FF2B5EF4-FFF2-40B4-BE49-F238E27FC236}">
+                <a16:creationId xmlns:a16="http://schemas.microsoft.com/office/drawing/2014/main" id="{6398FB2A-5B08-4EAF-86DF-1102EEB63CF0}"/>
+              </a:ext>
+            </a:extLst>
+          </p:cNvPr>
+          <p:cNvSpPr/>
+          <p:nvPr/>
+        </p:nvSpPr>
+        <p:spPr>
+          <a:xfrm>
+            <a:off x="742574" y="3937732"/>
+            <a:ext cx="7491416" cy="198505"/>
+          </a:xfrm>
+          <a:prstGeom prst="leftRightArrow">
+            <a:avLst/>
+          </a:prstGeom>
+        </p:spPr>
+        <p:style>
+          <a:lnRef idx="2">
+            <a:schemeClr val="accent1">
+              <a:shade val="50000"/>
+            </a:schemeClr>
+          </a:lnRef>
+          <a:fillRef idx="1">
+            <a:schemeClr val="accent1"/>
+          </a:fillRef>
+          <a:effectRef idx="0">
+            <a:schemeClr val="accent1"/>
+          </a:effectRef>
+          <a:fontRef idx="minor">
+            <a:schemeClr val="lt1"/>
+          </a:fontRef>
+        </p:style>
+        <p:txBody>
+          <a:bodyPr rtlCol="0" anchor="ctr"/>
+          <a:lstStyle/>
+          <a:p>
+            <a:pPr algn="ctr"/>
+            <a:endParaRPr lang="en-US" altLang="ko-KR" sz="1400" dirty="0"/>
+          </a:p>
+          <a:p>
+            <a:pPr algn="ctr"/>
+            <a:r>
+              <a:rPr lang="en-US" altLang="ko-KR" sz="1400" dirty="0"/>
+              <a:t>700m</a:t>
+            </a:r>
+            <a:endParaRPr lang="ko-KR" altLang="en-US" sz="1400" dirty="0"/>
+          </a:p>
+        </p:txBody>
+      </p:sp>
+      <p:sp>
+        <p:nvSpPr>
+          <p:cNvPr id="67" name="화살표: 왼쪽/오른쪽 66">
+            <a:extLst>
+              <a:ext uri="{FF2B5EF4-FFF2-40B4-BE49-F238E27FC236}">
+                <a16:creationId xmlns:a16="http://schemas.microsoft.com/office/drawing/2014/main" id="{FF14F601-24CF-42DF-945D-6CFAF022F9F3}"/>
+              </a:ext>
+            </a:extLst>
+          </p:cNvPr>
+          <p:cNvSpPr/>
+          <p:nvPr/>
+        </p:nvSpPr>
+        <p:spPr>
+          <a:xfrm>
+            <a:off x="742574" y="3446363"/>
+            <a:ext cx="1165130" cy="198504"/>
+          </a:xfrm>
+          <a:prstGeom prst="leftRightArrow">
+            <a:avLst/>
+          </a:prstGeom>
+          <a:solidFill>
+            <a:schemeClr val="accent1">
+              <a:lumMod val="40000"/>
+              <a:lumOff val="60000"/>
+            </a:schemeClr>
+          </a:solidFill>
+        </p:spPr>
+        <p:style>
+          <a:lnRef idx="2">
+            <a:schemeClr val="accent1">
+              <a:shade val="50000"/>
+            </a:schemeClr>
+          </a:lnRef>
+          <a:fillRef idx="1">
+            <a:schemeClr val="accent1"/>
+          </a:fillRef>
+          <a:effectRef idx="0">
+            <a:schemeClr val="accent1"/>
+          </a:effectRef>
+          <a:fontRef idx="minor">
+            <a:schemeClr val="lt1"/>
+          </a:fontRef>
+        </p:style>
+        <p:txBody>
+          <a:bodyPr rtlCol="0" anchor="ctr"/>
+          <a:lstStyle/>
+          <a:p>
+            <a:pPr algn="ctr"/>
+            <a:endParaRPr lang="en-US" altLang="ko-KR" sz="1400" dirty="0"/>
+          </a:p>
+          <a:p>
+            <a:pPr algn="ctr"/>
+            <a:r>
+              <a:rPr lang="en-US" altLang="ko-KR" sz="1400" dirty="0"/>
+              <a:t>100m</a:t>
+            </a:r>
+            <a:endParaRPr lang="ko-KR" altLang="en-US" sz="1400" dirty="0"/>
+          </a:p>
+        </p:txBody>
+      </p:sp>
+      <p:sp>
+        <p:nvSpPr>
+          <p:cNvPr id="70" name="화살표: 왼쪽/오른쪽 69">
+            <a:extLst>
+              <a:ext uri="{FF2B5EF4-FFF2-40B4-BE49-F238E27FC236}">
+                <a16:creationId xmlns:a16="http://schemas.microsoft.com/office/drawing/2014/main" id="{11A8A330-D1C2-41EA-82FE-CA249D0201EC}"/>
+              </a:ext>
+            </a:extLst>
+          </p:cNvPr>
+          <p:cNvSpPr/>
+          <p:nvPr/>
+        </p:nvSpPr>
+        <p:spPr>
+          <a:xfrm>
+            <a:off x="1900823" y="3441880"/>
+            <a:ext cx="1093122" cy="212911"/>
+          </a:xfrm>
+          <a:prstGeom prst="leftRightArrow">
+            <a:avLst/>
+          </a:prstGeom>
+          <a:solidFill>
+            <a:schemeClr val="accent1">
+              <a:lumMod val="40000"/>
+              <a:lumOff val="60000"/>
+            </a:schemeClr>
+          </a:solidFill>
+        </p:spPr>
+        <p:style>
+          <a:lnRef idx="2">
+            <a:schemeClr val="accent1">
+              <a:shade val="50000"/>
+            </a:schemeClr>
+          </a:lnRef>
+          <a:fillRef idx="1">
+            <a:schemeClr val="accent1"/>
+          </a:fillRef>
+          <a:effectRef idx="0">
+            <a:schemeClr val="accent1"/>
+          </a:effectRef>
+          <a:fontRef idx="minor">
+            <a:schemeClr val="lt1"/>
+          </a:fontRef>
+        </p:style>
+        <p:txBody>
+          <a:bodyPr rtlCol="0" anchor="ctr"/>
+          <a:lstStyle/>
+          <a:p>
+            <a:pPr algn="ctr"/>
+            <a:endParaRPr lang="en-US" altLang="ko-KR" sz="1400" dirty="0"/>
+          </a:p>
+          <a:p>
+            <a:pPr algn="ctr"/>
+            <a:r>
+              <a:rPr lang="en-US" altLang="ko-KR" sz="1400" dirty="0"/>
+              <a:t>100m</a:t>
+            </a:r>
+            <a:endParaRPr lang="ko-KR" altLang="en-US" sz="1400" dirty="0"/>
+          </a:p>
+        </p:txBody>
+      </p:sp>
+      <p:sp>
+        <p:nvSpPr>
+          <p:cNvPr id="71" name="화살표: 왼쪽/오른쪽 70">
+            <a:extLst>
+              <a:ext uri="{FF2B5EF4-FFF2-40B4-BE49-F238E27FC236}">
+                <a16:creationId xmlns:a16="http://schemas.microsoft.com/office/drawing/2014/main" id="{CB9670D0-5CAD-4DDE-AB86-03D8A12F7661}"/>
+              </a:ext>
+            </a:extLst>
+          </p:cNvPr>
+          <p:cNvSpPr/>
+          <p:nvPr/>
+        </p:nvSpPr>
+        <p:spPr>
+          <a:xfrm>
+            <a:off x="2987064" y="3445981"/>
+            <a:ext cx="959863" cy="203369"/>
+          </a:xfrm>
+          <a:prstGeom prst="leftRightArrow">
+            <a:avLst/>
+          </a:prstGeom>
+          <a:solidFill>
+            <a:schemeClr val="accent1">
+              <a:lumMod val="40000"/>
+              <a:lumOff val="60000"/>
+            </a:schemeClr>
+          </a:solidFill>
+        </p:spPr>
+        <p:style>
+          <a:lnRef idx="2">
+            <a:schemeClr val="accent1">
+              <a:shade val="50000"/>
+            </a:schemeClr>
+          </a:lnRef>
+          <a:fillRef idx="1">
+            <a:schemeClr val="accent1"/>
+          </a:fillRef>
+          <a:effectRef idx="0">
+            <a:schemeClr val="accent1"/>
+          </a:effectRef>
+          <a:fontRef idx="minor">
+            <a:schemeClr val="lt1"/>
+          </a:fontRef>
+        </p:style>
+        <p:txBody>
+          <a:bodyPr rtlCol="0" anchor="ctr"/>
+          <a:lstStyle/>
+          <a:p>
+            <a:pPr algn="ctr"/>
+            <a:endParaRPr lang="en-US" altLang="ko-KR" sz="1400" dirty="0"/>
+          </a:p>
+          <a:p>
+            <a:pPr algn="ctr"/>
+            <a:r>
+              <a:rPr lang="en-US" altLang="ko-KR" sz="1400" dirty="0"/>
+              <a:t>100m</a:t>
+            </a:r>
+            <a:endParaRPr lang="ko-KR" altLang="en-US" sz="1400" dirty="0"/>
+          </a:p>
+        </p:txBody>
+      </p:sp>
+      <p:sp>
+        <p:nvSpPr>
+          <p:cNvPr id="72" name="화살표: 왼쪽/오른쪽 71">
+            <a:extLst>
+              <a:ext uri="{FF2B5EF4-FFF2-40B4-BE49-F238E27FC236}">
+                <a16:creationId xmlns:a16="http://schemas.microsoft.com/office/drawing/2014/main" id="{ECC81EF5-359C-49DF-80A9-34ADFC59DCD8}"/>
+              </a:ext>
+            </a:extLst>
+          </p:cNvPr>
+          <p:cNvSpPr/>
+          <p:nvPr/>
+        </p:nvSpPr>
+        <p:spPr>
+          <a:xfrm>
+            <a:off x="3940046" y="3443707"/>
+            <a:ext cx="1049818" cy="205261"/>
+          </a:xfrm>
+          <a:prstGeom prst="leftRightArrow">
+            <a:avLst/>
+          </a:prstGeom>
+          <a:solidFill>
+            <a:schemeClr val="accent1">
+              <a:lumMod val="40000"/>
+              <a:lumOff val="60000"/>
+            </a:schemeClr>
+          </a:solidFill>
+        </p:spPr>
+        <p:style>
+          <a:lnRef idx="2">
+            <a:schemeClr val="accent1">
+              <a:shade val="50000"/>
+            </a:schemeClr>
+          </a:lnRef>
+          <a:fillRef idx="1">
+            <a:schemeClr val="accent1"/>
+          </a:fillRef>
+          <a:effectRef idx="0">
+            <a:schemeClr val="accent1"/>
+          </a:effectRef>
+          <a:fontRef idx="minor">
+            <a:schemeClr val="lt1"/>
+          </a:fontRef>
+        </p:style>
+        <p:txBody>
+          <a:bodyPr rtlCol="0" anchor="ctr"/>
+          <a:lstStyle/>
+          <a:p>
+            <a:pPr algn="ctr"/>
+            <a:endParaRPr lang="en-US" altLang="ko-KR" sz="1400" dirty="0"/>
+          </a:p>
+          <a:p>
+            <a:pPr algn="ctr"/>
+            <a:r>
+              <a:rPr lang="en-US" altLang="ko-KR" sz="1400" dirty="0"/>
+              <a:t>100m</a:t>
+            </a:r>
+            <a:endParaRPr lang="ko-KR" altLang="en-US" sz="1400" dirty="0"/>
+          </a:p>
+        </p:txBody>
+      </p:sp>
+      <p:sp>
+        <p:nvSpPr>
+          <p:cNvPr id="73" name="화살표: 왼쪽/오른쪽 72">
+            <a:extLst>
+              <a:ext uri="{FF2B5EF4-FFF2-40B4-BE49-F238E27FC236}">
+                <a16:creationId xmlns:a16="http://schemas.microsoft.com/office/drawing/2014/main" id="{BCE00036-C345-4967-90A5-B5C51881EC00}"/>
+              </a:ext>
+            </a:extLst>
+          </p:cNvPr>
+          <p:cNvSpPr/>
+          <p:nvPr/>
+        </p:nvSpPr>
+        <p:spPr>
+          <a:xfrm>
+            <a:off x="4982983" y="3451804"/>
+            <a:ext cx="1049818" cy="198501"/>
+          </a:xfrm>
+          <a:prstGeom prst="leftRightArrow">
+            <a:avLst/>
+          </a:prstGeom>
+          <a:solidFill>
+            <a:schemeClr val="accent1">
+              <a:lumMod val="40000"/>
+              <a:lumOff val="60000"/>
+            </a:schemeClr>
+          </a:solidFill>
+        </p:spPr>
+        <p:style>
+          <a:lnRef idx="2">
+            <a:schemeClr val="accent1">
+              <a:shade val="50000"/>
+            </a:schemeClr>
+          </a:lnRef>
+          <a:fillRef idx="1">
+            <a:schemeClr val="accent1"/>
+          </a:fillRef>
+          <a:effectRef idx="0">
+            <a:schemeClr val="accent1"/>
+          </a:effectRef>
+          <a:fontRef idx="minor">
+            <a:schemeClr val="lt1"/>
+          </a:fontRef>
+        </p:style>
+        <p:txBody>
+          <a:bodyPr rtlCol="0" anchor="ctr"/>
+          <a:lstStyle/>
+          <a:p>
+            <a:pPr algn="ctr"/>
+            <a:endParaRPr lang="en-US" altLang="ko-KR" sz="1400" dirty="0"/>
+          </a:p>
+          <a:p>
+            <a:pPr algn="ctr"/>
+            <a:r>
+              <a:rPr lang="en-US" altLang="ko-KR" sz="1400" dirty="0"/>
+              <a:t>100m</a:t>
+            </a:r>
+            <a:endParaRPr lang="ko-KR" altLang="en-US" sz="1400" dirty="0"/>
+          </a:p>
+        </p:txBody>
+      </p:sp>
+      <p:sp>
+        <p:nvSpPr>
+          <p:cNvPr id="74" name="화살표: 왼쪽/오른쪽 73">
+            <a:extLst>
+              <a:ext uri="{FF2B5EF4-FFF2-40B4-BE49-F238E27FC236}">
+                <a16:creationId xmlns:a16="http://schemas.microsoft.com/office/drawing/2014/main" id="{82F69F31-3734-4013-8948-A7F857D06B4D}"/>
+              </a:ext>
+            </a:extLst>
+          </p:cNvPr>
+          <p:cNvSpPr/>
+          <p:nvPr/>
+        </p:nvSpPr>
+        <p:spPr>
+          <a:xfrm>
+            <a:off x="6025920" y="3447318"/>
+            <a:ext cx="1049818" cy="212910"/>
+          </a:xfrm>
+          <a:prstGeom prst="leftRightArrow">
+            <a:avLst/>
+          </a:prstGeom>
+          <a:solidFill>
+            <a:schemeClr val="accent1">
+              <a:lumMod val="40000"/>
+              <a:lumOff val="60000"/>
+            </a:schemeClr>
+          </a:solidFill>
+        </p:spPr>
+        <p:style>
+          <a:lnRef idx="2">
+            <a:schemeClr val="accent1">
+              <a:shade val="50000"/>
+            </a:schemeClr>
+          </a:lnRef>
+          <a:fillRef idx="1">
+            <a:schemeClr val="accent1"/>
+          </a:fillRef>
+          <a:effectRef idx="0">
+            <a:schemeClr val="accent1"/>
+          </a:effectRef>
+          <a:fontRef idx="minor">
+            <a:schemeClr val="lt1"/>
+          </a:fontRef>
+        </p:style>
+        <p:txBody>
+          <a:bodyPr rtlCol="0" anchor="ctr"/>
+          <a:lstStyle/>
+          <a:p>
+            <a:pPr algn="ctr"/>
+            <a:endParaRPr lang="en-US" altLang="ko-KR" sz="1400" dirty="0"/>
+          </a:p>
+          <a:p>
+            <a:pPr algn="ctr"/>
+            <a:r>
+              <a:rPr lang="en-US" altLang="ko-KR" sz="1400" dirty="0"/>
+              <a:t>100m</a:t>
+            </a:r>
+            <a:endParaRPr lang="ko-KR" altLang="en-US" sz="1400" dirty="0"/>
+          </a:p>
+        </p:txBody>
+      </p:sp>
+      <p:sp>
+        <p:nvSpPr>
+          <p:cNvPr id="75" name="화살표: 왼쪽/오른쪽 74">
+            <a:extLst>
+              <a:ext uri="{FF2B5EF4-FFF2-40B4-BE49-F238E27FC236}">
+                <a16:creationId xmlns:a16="http://schemas.microsoft.com/office/drawing/2014/main" id="{EAE5F1A1-86BD-48D9-8E96-E7C4676F25CB}"/>
+              </a:ext>
+            </a:extLst>
+          </p:cNvPr>
+          <p:cNvSpPr/>
+          <p:nvPr/>
+        </p:nvSpPr>
+        <p:spPr>
+          <a:xfrm>
+            <a:off x="7068859" y="3457241"/>
+            <a:ext cx="1165130" cy="198501"/>
+          </a:xfrm>
+          <a:prstGeom prst="leftRightArrow">
+            <a:avLst/>
+          </a:prstGeom>
+          <a:solidFill>
+            <a:schemeClr val="accent1">
+              <a:lumMod val="40000"/>
+              <a:lumOff val="60000"/>
+            </a:schemeClr>
+          </a:solidFill>
+        </p:spPr>
+        <p:style>
+          <a:lnRef idx="2">
+            <a:schemeClr val="accent1">
+              <a:shade val="50000"/>
+            </a:schemeClr>
+          </a:lnRef>
+          <a:fillRef idx="1">
+            <a:schemeClr val="accent1"/>
+          </a:fillRef>
+          <a:effectRef idx="0">
+            <a:schemeClr val="accent1"/>
+          </a:effectRef>
+          <a:fontRef idx="minor">
+            <a:schemeClr val="lt1"/>
+          </a:fontRef>
+        </p:style>
+        <p:txBody>
+          <a:bodyPr rtlCol="0" anchor="ctr"/>
+          <a:lstStyle/>
+          <a:p>
+            <a:pPr algn="ctr"/>
+            <a:endParaRPr lang="en-US" altLang="ko-KR" sz="1400" dirty="0"/>
+          </a:p>
+          <a:p>
+            <a:pPr algn="ctr"/>
+            <a:r>
+              <a:rPr lang="en-US" altLang="ko-KR" sz="1400" dirty="0"/>
+              <a:t>100m</a:t>
+            </a:r>
+            <a:endParaRPr lang="ko-KR" altLang="en-US" sz="1400" dirty="0"/>
+          </a:p>
+        </p:txBody>
+      </p:sp>
+      <p:sp>
+        <p:nvSpPr>
+          <p:cNvPr id="77" name="TextBox 76">
+            <a:extLst>
+              <a:ext uri="{FF2B5EF4-FFF2-40B4-BE49-F238E27FC236}">
+                <a16:creationId xmlns:a16="http://schemas.microsoft.com/office/drawing/2014/main" id="{C289247D-A613-4303-B1C6-18D049BA1197}"/>
+              </a:ext>
+            </a:extLst>
+          </p:cNvPr>
+          <p:cNvSpPr txBox="1"/>
+          <p:nvPr/>
+        </p:nvSpPr>
+        <p:spPr>
+          <a:xfrm>
+            <a:off x="1352734" y="5803778"/>
+            <a:ext cx="6402019" cy="369332"/>
+          </a:xfrm>
+          <a:prstGeom prst="rect">
+            <a:avLst/>
+          </a:prstGeom>
+          <a:noFill/>
+        </p:spPr>
+        <p:txBody>
+          <a:bodyPr wrap="square" rtlCol="0">
+            <a:spAutoFit/>
+          </a:bodyPr>
+          <a:lstStyle/>
+          <a:p>
+            <a:pPr algn="ctr"/>
+            <a:r>
+              <a:rPr lang="en-US" altLang="ko-KR" dirty="0">
+                <a:solidFill>
+                  <a:schemeClr val="bg1"/>
+                </a:solidFill>
+              </a:rPr>
+              <a:t>Parade speed = (700 + 300)meters / 200minutes = 5mpm</a:t>
+            </a:r>
+            <a:r>
+              <a:rPr lang="ko-KR" altLang="en-US" dirty="0">
+                <a:solidFill>
+                  <a:schemeClr val="bg1"/>
+                </a:solidFill>
+              </a:rPr>
+              <a:t> </a:t>
+            </a:r>
+          </a:p>
+        </p:txBody>
+      </p:sp>
+      <p:pic>
+        <p:nvPicPr>
+          <p:cNvPr id="4" name="그림 3">
+            <a:extLst>
+              <a:ext uri="{FF2B5EF4-FFF2-40B4-BE49-F238E27FC236}">
+                <a16:creationId xmlns:a16="http://schemas.microsoft.com/office/drawing/2014/main" id="{189E6A6D-4842-4AA2-8989-1B6087412B53}"/>
+              </a:ext>
+            </a:extLst>
+          </p:cNvPr>
+          <p:cNvPicPr>
+            <a:picLocks noChangeAspect="1"/>
+          </p:cNvPicPr>
+          <p:nvPr/>
+        </p:nvPicPr>
+        <p:blipFill>
+          <a:blip r:embed="rId4"/>
+          <a:stretch>
+            <a:fillRect/>
+          </a:stretch>
+        </p:blipFill>
+        <p:spPr>
+          <a:xfrm>
+            <a:off x="1452640" y="4654106"/>
+            <a:ext cx="6238720" cy="806731"/>
+          </a:xfrm>
+          <a:prstGeom prst="rect">
+            <a:avLst/>
+          </a:prstGeom>
+        </p:spPr>
+      </p:pic>
     </p:spTree>
     <p:extLst>
       <p:ext uri="{BB962C8B-B14F-4D97-AF65-F5344CB8AC3E}">
@@ -6687,6 +8769,4123 @@
   <p:clrMapOvr>
     <a:masterClrMapping/>
   </p:clrMapOvr>
+  <p:timing>
+    <p:tnLst>
+      <p:par>
+        <p:cTn id="1" dur="indefinite" restart="never" nodeType="tmRoot">
+          <p:childTnLst>
+            <p:seq concurrent="1" nextAc="seek">
+              <p:cTn id="2" dur="indefinite" nodeType="mainSeq">
+                <p:childTnLst>
+                  <p:par>
+                    <p:cTn id="3" fill="hold">
+                      <p:stCondLst>
+                        <p:cond delay="indefinite"/>
+                      </p:stCondLst>
+                      <p:childTnLst>
+                        <p:par>
+                          <p:cTn id="4" fill="hold">
+                            <p:stCondLst>
+                              <p:cond delay="0"/>
+                            </p:stCondLst>
+                            <p:childTnLst>
+                              <p:par>
+                                <p:cTn id="5" presetID="10" presetClass="entr" presetSubtype="0" fill="hold" grpId="2" nodeType="clickEffect">
+                                  <p:stCondLst>
+                                    <p:cond delay="0"/>
+                                  </p:stCondLst>
+                                  <p:childTnLst>
+                                    <p:set>
+                                      <p:cBhvr>
+                                        <p:cTn id="6" dur="1" fill="hold">
+                                          <p:stCondLst>
+                                            <p:cond delay="0"/>
+                                          </p:stCondLst>
+                                        </p:cTn>
+                                        <p:tgtEl>
+                                          <p:spTgt spid="58"/>
+                                        </p:tgtEl>
+                                        <p:attrNameLst>
+                                          <p:attrName>style.visibility</p:attrName>
+                                        </p:attrNameLst>
+                                      </p:cBhvr>
+                                      <p:to>
+                                        <p:strVal val="visible"/>
+                                      </p:to>
+                                    </p:set>
+                                    <p:animEffect transition="in" filter="fade">
+                                      <p:cBhvr>
+                                        <p:cTn id="7" dur="500"/>
+                                        <p:tgtEl>
+                                          <p:spTgt spid="58"/>
+                                        </p:tgtEl>
+                                      </p:cBhvr>
+                                    </p:animEffect>
+                                  </p:childTnLst>
+                                </p:cTn>
+                              </p:par>
+                              <p:par>
+                                <p:cTn id="8" presetID="10" presetClass="entr" presetSubtype="0" fill="hold" grpId="2" nodeType="withEffect">
+                                  <p:stCondLst>
+                                    <p:cond delay="0"/>
+                                  </p:stCondLst>
+                                  <p:childTnLst>
+                                    <p:set>
+                                      <p:cBhvr>
+                                        <p:cTn id="9" dur="1" fill="hold">
+                                          <p:stCondLst>
+                                            <p:cond delay="0"/>
+                                          </p:stCondLst>
+                                        </p:cTn>
+                                        <p:tgtEl>
+                                          <p:spTgt spid="59"/>
+                                        </p:tgtEl>
+                                        <p:attrNameLst>
+                                          <p:attrName>style.visibility</p:attrName>
+                                        </p:attrNameLst>
+                                      </p:cBhvr>
+                                      <p:to>
+                                        <p:strVal val="visible"/>
+                                      </p:to>
+                                    </p:set>
+                                    <p:animEffect transition="in" filter="fade">
+                                      <p:cBhvr>
+                                        <p:cTn id="10" dur="500"/>
+                                        <p:tgtEl>
+                                          <p:spTgt spid="59"/>
+                                        </p:tgtEl>
+                                      </p:cBhvr>
+                                    </p:animEffect>
+                                  </p:childTnLst>
+                                </p:cTn>
+                              </p:par>
+                              <p:par>
+                                <p:cTn id="11" presetID="10" presetClass="entr" presetSubtype="0" fill="hold" grpId="2" nodeType="withEffect">
+                                  <p:stCondLst>
+                                    <p:cond delay="0"/>
+                                  </p:stCondLst>
+                                  <p:childTnLst>
+                                    <p:set>
+                                      <p:cBhvr>
+                                        <p:cTn id="12" dur="1" fill="hold">
+                                          <p:stCondLst>
+                                            <p:cond delay="0"/>
+                                          </p:stCondLst>
+                                        </p:cTn>
+                                        <p:tgtEl>
+                                          <p:spTgt spid="51"/>
+                                        </p:tgtEl>
+                                        <p:attrNameLst>
+                                          <p:attrName>style.visibility</p:attrName>
+                                        </p:attrNameLst>
+                                      </p:cBhvr>
+                                      <p:to>
+                                        <p:strVal val="visible"/>
+                                      </p:to>
+                                    </p:set>
+                                    <p:animEffect transition="in" filter="fade">
+                                      <p:cBhvr>
+                                        <p:cTn id="13" dur="500"/>
+                                        <p:tgtEl>
+                                          <p:spTgt spid="51"/>
+                                        </p:tgtEl>
+                                      </p:cBhvr>
+                                    </p:animEffect>
+                                  </p:childTnLst>
+                                </p:cTn>
+                              </p:par>
+                              <p:par>
+                                <p:cTn id="14" presetID="10" presetClass="entr" presetSubtype="0" fill="hold" grpId="2" nodeType="withEffect">
+                                  <p:stCondLst>
+                                    <p:cond delay="0"/>
+                                  </p:stCondLst>
+                                  <p:childTnLst>
+                                    <p:set>
+                                      <p:cBhvr>
+                                        <p:cTn id="15" dur="1" fill="hold">
+                                          <p:stCondLst>
+                                            <p:cond delay="0"/>
+                                          </p:stCondLst>
+                                        </p:cTn>
+                                        <p:tgtEl>
+                                          <p:spTgt spid="52"/>
+                                        </p:tgtEl>
+                                        <p:attrNameLst>
+                                          <p:attrName>style.visibility</p:attrName>
+                                        </p:attrNameLst>
+                                      </p:cBhvr>
+                                      <p:to>
+                                        <p:strVal val="visible"/>
+                                      </p:to>
+                                    </p:set>
+                                    <p:animEffect transition="in" filter="fade">
+                                      <p:cBhvr>
+                                        <p:cTn id="16" dur="500"/>
+                                        <p:tgtEl>
+                                          <p:spTgt spid="52"/>
+                                        </p:tgtEl>
+                                      </p:cBhvr>
+                                    </p:animEffect>
+                                  </p:childTnLst>
+                                </p:cTn>
+                              </p:par>
+                              <p:par>
+                                <p:cTn id="17" presetID="10" presetClass="entr" presetSubtype="0" fill="hold" grpId="2" nodeType="withEffect">
+                                  <p:stCondLst>
+                                    <p:cond delay="0"/>
+                                  </p:stCondLst>
+                                  <p:childTnLst>
+                                    <p:set>
+                                      <p:cBhvr>
+                                        <p:cTn id="18" dur="1" fill="hold">
+                                          <p:stCondLst>
+                                            <p:cond delay="0"/>
+                                          </p:stCondLst>
+                                        </p:cTn>
+                                        <p:tgtEl>
+                                          <p:spTgt spid="53"/>
+                                        </p:tgtEl>
+                                        <p:attrNameLst>
+                                          <p:attrName>style.visibility</p:attrName>
+                                        </p:attrNameLst>
+                                      </p:cBhvr>
+                                      <p:to>
+                                        <p:strVal val="visible"/>
+                                      </p:to>
+                                    </p:set>
+                                    <p:animEffect transition="in" filter="fade">
+                                      <p:cBhvr>
+                                        <p:cTn id="19" dur="500"/>
+                                        <p:tgtEl>
+                                          <p:spTgt spid="53"/>
+                                        </p:tgtEl>
+                                      </p:cBhvr>
+                                    </p:animEffect>
+                                  </p:childTnLst>
+                                </p:cTn>
+                              </p:par>
+                              <p:par>
+                                <p:cTn id="20" presetID="10" presetClass="entr" presetSubtype="0" fill="hold" grpId="2" nodeType="withEffect">
+                                  <p:stCondLst>
+                                    <p:cond delay="0"/>
+                                  </p:stCondLst>
+                                  <p:childTnLst>
+                                    <p:set>
+                                      <p:cBhvr>
+                                        <p:cTn id="21" dur="1" fill="hold">
+                                          <p:stCondLst>
+                                            <p:cond delay="0"/>
+                                          </p:stCondLst>
+                                        </p:cTn>
+                                        <p:tgtEl>
+                                          <p:spTgt spid="54"/>
+                                        </p:tgtEl>
+                                        <p:attrNameLst>
+                                          <p:attrName>style.visibility</p:attrName>
+                                        </p:attrNameLst>
+                                      </p:cBhvr>
+                                      <p:to>
+                                        <p:strVal val="visible"/>
+                                      </p:to>
+                                    </p:set>
+                                    <p:animEffect transition="in" filter="fade">
+                                      <p:cBhvr>
+                                        <p:cTn id="22" dur="500"/>
+                                        <p:tgtEl>
+                                          <p:spTgt spid="54"/>
+                                        </p:tgtEl>
+                                      </p:cBhvr>
+                                    </p:animEffect>
+                                  </p:childTnLst>
+                                </p:cTn>
+                              </p:par>
+                              <p:par>
+                                <p:cTn id="23" presetID="10" presetClass="entr" presetSubtype="0" fill="hold" grpId="2" nodeType="withEffect">
+                                  <p:stCondLst>
+                                    <p:cond delay="0"/>
+                                  </p:stCondLst>
+                                  <p:childTnLst>
+                                    <p:set>
+                                      <p:cBhvr>
+                                        <p:cTn id="24" dur="1" fill="hold">
+                                          <p:stCondLst>
+                                            <p:cond delay="0"/>
+                                          </p:stCondLst>
+                                        </p:cTn>
+                                        <p:tgtEl>
+                                          <p:spTgt spid="55"/>
+                                        </p:tgtEl>
+                                        <p:attrNameLst>
+                                          <p:attrName>style.visibility</p:attrName>
+                                        </p:attrNameLst>
+                                      </p:cBhvr>
+                                      <p:to>
+                                        <p:strVal val="visible"/>
+                                      </p:to>
+                                    </p:set>
+                                    <p:animEffect transition="in" filter="fade">
+                                      <p:cBhvr>
+                                        <p:cTn id="25" dur="500"/>
+                                        <p:tgtEl>
+                                          <p:spTgt spid="55"/>
+                                        </p:tgtEl>
+                                      </p:cBhvr>
+                                    </p:animEffect>
+                                  </p:childTnLst>
+                                </p:cTn>
+                              </p:par>
+                              <p:par>
+                                <p:cTn id="26" presetID="10" presetClass="entr" presetSubtype="0" fill="hold" grpId="2" nodeType="withEffect">
+                                  <p:stCondLst>
+                                    <p:cond delay="0"/>
+                                  </p:stCondLst>
+                                  <p:childTnLst>
+                                    <p:set>
+                                      <p:cBhvr>
+                                        <p:cTn id="27" dur="1" fill="hold">
+                                          <p:stCondLst>
+                                            <p:cond delay="0"/>
+                                          </p:stCondLst>
+                                        </p:cTn>
+                                        <p:tgtEl>
+                                          <p:spTgt spid="56"/>
+                                        </p:tgtEl>
+                                        <p:attrNameLst>
+                                          <p:attrName>style.visibility</p:attrName>
+                                        </p:attrNameLst>
+                                      </p:cBhvr>
+                                      <p:to>
+                                        <p:strVal val="visible"/>
+                                      </p:to>
+                                    </p:set>
+                                    <p:animEffect transition="in" filter="fade">
+                                      <p:cBhvr>
+                                        <p:cTn id="28" dur="500"/>
+                                        <p:tgtEl>
+                                          <p:spTgt spid="56"/>
+                                        </p:tgtEl>
+                                      </p:cBhvr>
+                                    </p:animEffect>
+                                  </p:childTnLst>
+                                </p:cTn>
+                              </p:par>
+                              <p:par>
+                                <p:cTn id="29" presetID="10" presetClass="entr" presetSubtype="0" fill="hold" grpId="0" nodeType="withEffect">
+                                  <p:stCondLst>
+                                    <p:cond delay="0"/>
+                                  </p:stCondLst>
+                                  <p:childTnLst>
+                                    <p:set>
+                                      <p:cBhvr>
+                                        <p:cTn id="30" dur="1" fill="hold">
+                                          <p:stCondLst>
+                                            <p:cond delay="0"/>
+                                          </p:stCondLst>
+                                        </p:cTn>
+                                        <p:tgtEl>
+                                          <p:spTgt spid="66"/>
+                                        </p:tgtEl>
+                                        <p:attrNameLst>
+                                          <p:attrName>style.visibility</p:attrName>
+                                        </p:attrNameLst>
+                                      </p:cBhvr>
+                                      <p:to>
+                                        <p:strVal val="visible"/>
+                                      </p:to>
+                                    </p:set>
+                                    <p:animEffect transition="in" filter="fade">
+                                      <p:cBhvr>
+                                        <p:cTn id="31" dur="500"/>
+                                        <p:tgtEl>
+                                          <p:spTgt spid="66"/>
+                                        </p:tgtEl>
+                                      </p:cBhvr>
+                                    </p:animEffect>
+                                  </p:childTnLst>
+                                </p:cTn>
+                              </p:par>
+                              <p:par>
+                                <p:cTn id="32" presetID="10" presetClass="entr" presetSubtype="0" fill="hold" grpId="0" nodeType="withEffect">
+                                  <p:stCondLst>
+                                    <p:cond delay="0"/>
+                                  </p:stCondLst>
+                                  <p:childTnLst>
+                                    <p:set>
+                                      <p:cBhvr>
+                                        <p:cTn id="33" dur="1" fill="hold">
+                                          <p:stCondLst>
+                                            <p:cond delay="0"/>
+                                          </p:stCondLst>
+                                        </p:cTn>
+                                        <p:tgtEl>
+                                          <p:spTgt spid="67"/>
+                                        </p:tgtEl>
+                                        <p:attrNameLst>
+                                          <p:attrName>style.visibility</p:attrName>
+                                        </p:attrNameLst>
+                                      </p:cBhvr>
+                                      <p:to>
+                                        <p:strVal val="visible"/>
+                                      </p:to>
+                                    </p:set>
+                                    <p:animEffect transition="in" filter="fade">
+                                      <p:cBhvr>
+                                        <p:cTn id="34" dur="500"/>
+                                        <p:tgtEl>
+                                          <p:spTgt spid="67"/>
+                                        </p:tgtEl>
+                                      </p:cBhvr>
+                                    </p:animEffect>
+                                  </p:childTnLst>
+                                </p:cTn>
+                              </p:par>
+                              <p:par>
+                                <p:cTn id="35" presetID="10" presetClass="entr" presetSubtype="0" fill="hold" grpId="0" nodeType="withEffect">
+                                  <p:stCondLst>
+                                    <p:cond delay="0"/>
+                                  </p:stCondLst>
+                                  <p:childTnLst>
+                                    <p:set>
+                                      <p:cBhvr>
+                                        <p:cTn id="36" dur="1" fill="hold">
+                                          <p:stCondLst>
+                                            <p:cond delay="0"/>
+                                          </p:stCondLst>
+                                        </p:cTn>
+                                        <p:tgtEl>
+                                          <p:spTgt spid="70"/>
+                                        </p:tgtEl>
+                                        <p:attrNameLst>
+                                          <p:attrName>style.visibility</p:attrName>
+                                        </p:attrNameLst>
+                                      </p:cBhvr>
+                                      <p:to>
+                                        <p:strVal val="visible"/>
+                                      </p:to>
+                                    </p:set>
+                                    <p:animEffect transition="in" filter="fade">
+                                      <p:cBhvr>
+                                        <p:cTn id="37" dur="500"/>
+                                        <p:tgtEl>
+                                          <p:spTgt spid="70"/>
+                                        </p:tgtEl>
+                                      </p:cBhvr>
+                                    </p:animEffect>
+                                  </p:childTnLst>
+                                </p:cTn>
+                              </p:par>
+                              <p:par>
+                                <p:cTn id="38" presetID="10" presetClass="entr" presetSubtype="0" fill="hold" grpId="0" nodeType="withEffect">
+                                  <p:stCondLst>
+                                    <p:cond delay="0"/>
+                                  </p:stCondLst>
+                                  <p:childTnLst>
+                                    <p:set>
+                                      <p:cBhvr>
+                                        <p:cTn id="39" dur="1" fill="hold">
+                                          <p:stCondLst>
+                                            <p:cond delay="0"/>
+                                          </p:stCondLst>
+                                        </p:cTn>
+                                        <p:tgtEl>
+                                          <p:spTgt spid="71"/>
+                                        </p:tgtEl>
+                                        <p:attrNameLst>
+                                          <p:attrName>style.visibility</p:attrName>
+                                        </p:attrNameLst>
+                                      </p:cBhvr>
+                                      <p:to>
+                                        <p:strVal val="visible"/>
+                                      </p:to>
+                                    </p:set>
+                                    <p:animEffect transition="in" filter="fade">
+                                      <p:cBhvr>
+                                        <p:cTn id="40" dur="500"/>
+                                        <p:tgtEl>
+                                          <p:spTgt spid="71"/>
+                                        </p:tgtEl>
+                                      </p:cBhvr>
+                                    </p:animEffect>
+                                  </p:childTnLst>
+                                </p:cTn>
+                              </p:par>
+                              <p:par>
+                                <p:cTn id="41" presetID="10" presetClass="entr" presetSubtype="0" fill="hold" grpId="0" nodeType="withEffect">
+                                  <p:stCondLst>
+                                    <p:cond delay="0"/>
+                                  </p:stCondLst>
+                                  <p:childTnLst>
+                                    <p:set>
+                                      <p:cBhvr>
+                                        <p:cTn id="42" dur="1" fill="hold">
+                                          <p:stCondLst>
+                                            <p:cond delay="0"/>
+                                          </p:stCondLst>
+                                        </p:cTn>
+                                        <p:tgtEl>
+                                          <p:spTgt spid="72"/>
+                                        </p:tgtEl>
+                                        <p:attrNameLst>
+                                          <p:attrName>style.visibility</p:attrName>
+                                        </p:attrNameLst>
+                                      </p:cBhvr>
+                                      <p:to>
+                                        <p:strVal val="visible"/>
+                                      </p:to>
+                                    </p:set>
+                                    <p:animEffect transition="in" filter="fade">
+                                      <p:cBhvr>
+                                        <p:cTn id="43" dur="500"/>
+                                        <p:tgtEl>
+                                          <p:spTgt spid="72"/>
+                                        </p:tgtEl>
+                                      </p:cBhvr>
+                                    </p:animEffect>
+                                  </p:childTnLst>
+                                </p:cTn>
+                              </p:par>
+                              <p:par>
+                                <p:cTn id="44" presetID="10" presetClass="entr" presetSubtype="0" fill="hold" grpId="0" nodeType="withEffect">
+                                  <p:stCondLst>
+                                    <p:cond delay="0"/>
+                                  </p:stCondLst>
+                                  <p:childTnLst>
+                                    <p:set>
+                                      <p:cBhvr>
+                                        <p:cTn id="45" dur="1" fill="hold">
+                                          <p:stCondLst>
+                                            <p:cond delay="0"/>
+                                          </p:stCondLst>
+                                        </p:cTn>
+                                        <p:tgtEl>
+                                          <p:spTgt spid="73"/>
+                                        </p:tgtEl>
+                                        <p:attrNameLst>
+                                          <p:attrName>style.visibility</p:attrName>
+                                        </p:attrNameLst>
+                                      </p:cBhvr>
+                                      <p:to>
+                                        <p:strVal val="visible"/>
+                                      </p:to>
+                                    </p:set>
+                                    <p:animEffect transition="in" filter="fade">
+                                      <p:cBhvr>
+                                        <p:cTn id="46" dur="500"/>
+                                        <p:tgtEl>
+                                          <p:spTgt spid="73"/>
+                                        </p:tgtEl>
+                                      </p:cBhvr>
+                                    </p:animEffect>
+                                  </p:childTnLst>
+                                </p:cTn>
+                              </p:par>
+                              <p:par>
+                                <p:cTn id="47" presetID="10" presetClass="entr" presetSubtype="0" fill="hold" grpId="0" nodeType="withEffect">
+                                  <p:stCondLst>
+                                    <p:cond delay="0"/>
+                                  </p:stCondLst>
+                                  <p:childTnLst>
+                                    <p:set>
+                                      <p:cBhvr>
+                                        <p:cTn id="48" dur="1" fill="hold">
+                                          <p:stCondLst>
+                                            <p:cond delay="0"/>
+                                          </p:stCondLst>
+                                        </p:cTn>
+                                        <p:tgtEl>
+                                          <p:spTgt spid="74"/>
+                                        </p:tgtEl>
+                                        <p:attrNameLst>
+                                          <p:attrName>style.visibility</p:attrName>
+                                        </p:attrNameLst>
+                                      </p:cBhvr>
+                                      <p:to>
+                                        <p:strVal val="visible"/>
+                                      </p:to>
+                                    </p:set>
+                                    <p:animEffect transition="in" filter="fade">
+                                      <p:cBhvr>
+                                        <p:cTn id="49" dur="500"/>
+                                        <p:tgtEl>
+                                          <p:spTgt spid="74"/>
+                                        </p:tgtEl>
+                                      </p:cBhvr>
+                                    </p:animEffect>
+                                  </p:childTnLst>
+                                </p:cTn>
+                              </p:par>
+                              <p:par>
+                                <p:cTn id="50" presetID="10" presetClass="entr" presetSubtype="0" fill="hold" grpId="0" nodeType="withEffect">
+                                  <p:stCondLst>
+                                    <p:cond delay="0"/>
+                                  </p:stCondLst>
+                                  <p:childTnLst>
+                                    <p:set>
+                                      <p:cBhvr>
+                                        <p:cTn id="51" dur="1" fill="hold">
+                                          <p:stCondLst>
+                                            <p:cond delay="0"/>
+                                          </p:stCondLst>
+                                        </p:cTn>
+                                        <p:tgtEl>
+                                          <p:spTgt spid="75"/>
+                                        </p:tgtEl>
+                                        <p:attrNameLst>
+                                          <p:attrName>style.visibility</p:attrName>
+                                        </p:attrNameLst>
+                                      </p:cBhvr>
+                                      <p:to>
+                                        <p:strVal val="visible"/>
+                                      </p:to>
+                                    </p:set>
+                                    <p:animEffect transition="in" filter="fade">
+                                      <p:cBhvr>
+                                        <p:cTn id="52" dur="500"/>
+                                        <p:tgtEl>
+                                          <p:spTgt spid="75"/>
+                                        </p:tgtEl>
+                                      </p:cBhvr>
+                                    </p:animEffect>
+                                  </p:childTnLst>
+                                </p:cTn>
+                              </p:par>
+                              <p:par>
+                                <p:cTn id="53" presetID="10" presetClass="entr" presetSubtype="0" fill="hold" grpId="0" nodeType="withEffect">
+                                  <p:stCondLst>
+                                    <p:cond delay="0"/>
+                                  </p:stCondLst>
+                                  <p:childTnLst>
+                                    <p:set>
+                                      <p:cBhvr>
+                                        <p:cTn id="54" dur="1" fill="hold">
+                                          <p:stCondLst>
+                                            <p:cond delay="0"/>
+                                          </p:stCondLst>
+                                        </p:cTn>
+                                        <p:tgtEl>
+                                          <p:spTgt spid="77"/>
+                                        </p:tgtEl>
+                                        <p:attrNameLst>
+                                          <p:attrName>style.visibility</p:attrName>
+                                        </p:attrNameLst>
+                                      </p:cBhvr>
+                                      <p:to>
+                                        <p:strVal val="visible"/>
+                                      </p:to>
+                                    </p:set>
+                                    <p:animEffect transition="in" filter="fade">
+                                      <p:cBhvr>
+                                        <p:cTn id="55" dur="500"/>
+                                        <p:tgtEl>
+                                          <p:spTgt spid="77"/>
+                                        </p:tgtEl>
+                                      </p:cBhvr>
+                                    </p:animEffect>
+                                  </p:childTnLst>
+                                </p:cTn>
+                              </p:par>
+                              <p:par>
+                                <p:cTn id="56" presetID="10" presetClass="entr" presetSubtype="0" fill="hold" nodeType="withEffect">
+                                  <p:stCondLst>
+                                    <p:cond delay="0"/>
+                                  </p:stCondLst>
+                                  <p:childTnLst>
+                                    <p:set>
+                                      <p:cBhvr>
+                                        <p:cTn id="57" dur="1" fill="hold">
+                                          <p:stCondLst>
+                                            <p:cond delay="0"/>
+                                          </p:stCondLst>
+                                        </p:cTn>
+                                        <p:tgtEl>
+                                          <p:spTgt spid="4"/>
+                                        </p:tgtEl>
+                                        <p:attrNameLst>
+                                          <p:attrName>style.visibility</p:attrName>
+                                        </p:attrNameLst>
+                                      </p:cBhvr>
+                                      <p:to>
+                                        <p:strVal val="visible"/>
+                                      </p:to>
+                                    </p:set>
+                                    <p:animEffect transition="in" filter="fade">
+                                      <p:cBhvr>
+                                        <p:cTn id="58" dur="500"/>
+                                        <p:tgtEl>
+                                          <p:spTgt spid="4"/>
+                                        </p:tgtEl>
+                                      </p:cBhvr>
+                                    </p:animEffect>
+                                  </p:childTnLst>
+                                </p:cTn>
+                              </p:par>
+                            </p:childTnLst>
+                          </p:cTn>
+                        </p:par>
+                      </p:childTnLst>
+                    </p:cTn>
+                  </p:par>
+                  <p:par>
+                    <p:cTn id="59" fill="hold">
+                      <p:stCondLst>
+                        <p:cond delay="indefinite"/>
+                      </p:stCondLst>
+                      <p:childTnLst>
+                        <p:par>
+                          <p:cTn id="60" fill="hold">
+                            <p:stCondLst>
+                              <p:cond delay="0"/>
+                            </p:stCondLst>
+                            <p:childTnLst>
+                              <p:par>
+                                <p:cTn id="61" presetID="53" presetClass="entr" presetSubtype="16" fill="hold" grpId="1" nodeType="clickEffect">
+                                  <p:stCondLst>
+                                    <p:cond delay="0"/>
+                                  </p:stCondLst>
+                                  <p:childTnLst>
+                                    <p:set>
+                                      <p:cBhvr>
+                                        <p:cTn id="62" dur="1" fill="hold">
+                                          <p:stCondLst>
+                                            <p:cond delay="0"/>
+                                          </p:stCondLst>
+                                        </p:cTn>
+                                        <p:tgtEl>
+                                          <p:spTgt spid="3"/>
+                                        </p:tgtEl>
+                                        <p:attrNameLst>
+                                          <p:attrName>style.visibility</p:attrName>
+                                        </p:attrNameLst>
+                                      </p:cBhvr>
+                                      <p:to>
+                                        <p:strVal val="visible"/>
+                                      </p:to>
+                                    </p:set>
+                                    <p:anim calcmode="lin" valueType="num">
+                                      <p:cBhvr>
+                                        <p:cTn id="63" dur="500" fill="hold"/>
+                                        <p:tgtEl>
+                                          <p:spTgt spid="3"/>
+                                        </p:tgtEl>
+                                        <p:attrNameLst>
+                                          <p:attrName>ppt_w</p:attrName>
+                                        </p:attrNameLst>
+                                      </p:cBhvr>
+                                      <p:tavLst>
+                                        <p:tav tm="0">
+                                          <p:val>
+                                            <p:fltVal val="0"/>
+                                          </p:val>
+                                        </p:tav>
+                                        <p:tav tm="100000">
+                                          <p:val>
+                                            <p:strVal val="#ppt_w"/>
+                                          </p:val>
+                                        </p:tav>
+                                      </p:tavLst>
+                                    </p:anim>
+                                    <p:anim calcmode="lin" valueType="num">
+                                      <p:cBhvr>
+                                        <p:cTn id="64" dur="500" fill="hold"/>
+                                        <p:tgtEl>
+                                          <p:spTgt spid="3"/>
+                                        </p:tgtEl>
+                                        <p:attrNameLst>
+                                          <p:attrName>ppt_h</p:attrName>
+                                        </p:attrNameLst>
+                                      </p:cBhvr>
+                                      <p:tavLst>
+                                        <p:tav tm="0">
+                                          <p:val>
+                                            <p:fltVal val="0"/>
+                                          </p:val>
+                                        </p:tav>
+                                        <p:tav tm="100000">
+                                          <p:val>
+                                            <p:strVal val="#ppt_h"/>
+                                          </p:val>
+                                        </p:tav>
+                                      </p:tavLst>
+                                    </p:anim>
+                                    <p:animEffect transition="in" filter="fade">
+                                      <p:cBhvr>
+                                        <p:cTn id="65" dur="500"/>
+                                        <p:tgtEl>
+                                          <p:spTgt spid="3"/>
+                                        </p:tgtEl>
+                                      </p:cBhvr>
+                                    </p:animEffect>
+                                  </p:childTnLst>
+                                </p:cTn>
+                              </p:par>
+                              <p:par>
+                                <p:cTn id="66" presetID="53" presetClass="exit" presetSubtype="32" fill="hold" grpId="1" nodeType="withEffect">
+                                  <p:stCondLst>
+                                    <p:cond delay="0"/>
+                                  </p:stCondLst>
+                                  <p:childTnLst>
+                                    <p:anim calcmode="lin" valueType="num">
+                                      <p:cBhvr>
+                                        <p:cTn id="67" dur="500"/>
+                                        <p:tgtEl>
+                                          <p:spTgt spid="58"/>
+                                        </p:tgtEl>
+                                        <p:attrNameLst>
+                                          <p:attrName>ppt_w</p:attrName>
+                                        </p:attrNameLst>
+                                      </p:cBhvr>
+                                      <p:tavLst>
+                                        <p:tav tm="0">
+                                          <p:val>
+                                            <p:strVal val="ppt_w"/>
+                                          </p:val>
+                                        </p:tav>
+                                        <p:tav tm="100000">
+                                          <p:val>
+                                            <p:fltVal val="0"/>
+                                          </p:val>
+                                        </p:tav>
+                                      </p:tavLst>
+                                    </p:anim>
+                                    <p:anim calcmode="lin" valueType="num">
+                                      <p:cBhvr>
+                                        <p:cTn id="68" dur="500"/>
+                                        <p:tgtEl>
+                                          <p:spTgt spid="58"/>
+                                        </p:tgtEl>
+                                        <p:attrNameLst>
+                                          <p:attrName>ppt_h</p:attrName>
+                                        </p:attrNameLst>
+                                      </p:cBhvr>
+                                      <p:tavLst>
+                                        <p:tav tm="0">
+                                          <p:val>
+                                            <p:strVal val="ppt_h"/>
+                                          </p:val>
+                                        </p:tav>
+                                        <p:tav tm="100000">
+                                          <p:val>
+                                            <p:fltVal val="0"/>
+                                          </p:val>
+                                        </p:tav>
+                                      </p:tavLst>
+                                    </p:anim>
+                                    <p:animEffect transition="out" filter="fade">
+                                      <p:cBhvr>
+                                        <p:cTn id="69" dur="500"/>
+                                        <p:tgtEl>
+                                          <p:spTgt spid="58"/>
+                                        </p:tgtEl>
+                                      </p:cBhvr>
+                                    </p:animEffect>
+                                    <p:set>
+                                      <p:cBhvr>
+                                        <p:cTn id="70" dur="1" fill="hold">
+                                          <p:stCondLst>
+                                            <p:cond delay="499"/>
+                                          </p:stCondLst>
+                                        </p:cTn>
+                                        <p:tgtEl>
+                                          <p:spTgt spid="58"/>
+                                        </p:tgtEl>
+                                        <p:attrNameLst>
+                                          <p:attrName>style.visibility</p:attrName>
+                                        </p:attrNameLst>
+                                      </p:cBhvr>
+                                      <p:to>
+                                        <p:strVal val="hidden"/>
+                                      </p:to>
+                                    </p:set>
+                                  </p:childTnLst>
+                                </p:cTn>
+                              </p:par>
+                            </p:childTnLst>
+                          </p:cTn>
+                        </p:par>
+                      </p:childTnLst>
+                    </p:cTn>
+                  </p:par>
+                  <p:par>
+                    <p:cTn id="71" fill="hold">
+                      <p:stCondLst>
+                        <p:cond delay="indefinite"/>
+                      </p:stCondLst>
+                      <p:childTnLst>
+                        <p:par>
+                          <p:cTn id="72" fill="hold">
+                            <p:stCondLst>
+                              <p:cond delay="0"/>
+                            </p:stCondLst>
+                            <p:childTnLst>
+                              <p:par>
+                                <p:cTn id="73" presetID="22" presetClass="entr" presetSubtype="8" fill="hold" nodeType="clickEffect">
+                                  <p:stCondLst>
+                                    <p:cond delay="0"/>
+                                  </p:stCondLst>
+                                  <p:childTnLst>
+                                    <p:set>
+                                      <p:cBhvr>
+                                        <p:cTn id="74" dur="1" fill="hold">
+                                          <p:stCondLst>
+                                            <p:cond delay="0"/>
+                                          </p:stCondLst>
+                                        </p:cTn>
+                                        <p:tgtEl>
+                                          <p:spTgt spid="5"/>
+                                        </p:tgtEl>
+                                        <p:attrNameLst>
+                                          <p:attrName>style.visibility</p:attrName>
+                                        </p:attrNameLst>
+                                      </p:cBhvr>
+                                      <p:to>
+                                        <p:strVal val="visible"/>
+                                      </p:to>
+                                    </p:set>
+                                    <p:animEffect transition="in" filter="wipe(left)">
+                                      <p:cBhvr>
+                                        <p:cTn id="75" dur="500"/>
+                                        <p:tgtEl>
+                                          <p:spTgt spid="5"/>
+                                        </p:tgtEl>
+                                      </p:cBhvr>
+                                    </p:animEffect>
+                                  </p:childTnLst>
+                                </p:cTn>
+                              </p:par>
+                            </p:childTnLst>
+                          </p:cTn>
+                        </p:par>
+                        <p:par>
+                          <p:cTn id="76" fill="hold">
+                            <p:stCondLst>
+                              <p:cond delay="500"/>
+                            </p:stCondLst>
+                            <p:childTnLst>
+                              <p:par>
+                                <p:cTn id="77" presetID="53" presetClass="entr" presetSubtype="16" fill="hold" grpId="1" nodeType="afterEffect">
+                                  <p:stCondLst>
+                                    <p:cond delay="0"/>
+                                  </p:stCondLst>
+                                  <p:childTnLst>
+                                    <p:set>
+                                      <p:cBhvr>
+                                        <p:cTn id="78" dur="1" fill="hold">
+                                          <p:stCondLst>
+                                            <p:cond delay="0"/>
+                                          </p:stCondLst>
+                                        </p:cTn>
+                                        <p:tgtEl>
+                                          <p:spTgt spid="9"/>
+                                        </p:tgtEl>
+                                        <p:attrNameLst>
+                                          <p:attrName>style.visibility</p:attrName>
+                                        </p:attrNameLst>
+                                      </p:cBhvr>
+                                      <p:to>
+                                        <p:strVal val="visible"/>
+                                      </p:to>
+                                    </p:set>
+                                    <p:anim calcmode="lin" valueType="num">
+                                      <p:cBhvr>
+                                        <p:cTn id="79" dur="500" fill="hold"/>
+                                        <p:tgtEl>
+                                          <p:spTgt spid="9"/>
+                                        </p:tgtEl>
+                                        <p:attrNameLst>
+                                          <p:attrName>ppt_w</p:attrName>
+                                        </p:attrNameLst>
+                                      </p:cBhvr>
+                                      <p:tavLst>
+                                        <p:tav tm="0">
+                                          <p:val>
+                                            <p:fltVal val="0"/>
+                                          </p:val>
+                                        </p:tav>
+                                        <p:tav tm="100000">
+                                          <p:val>
+                                            <p:strVal val="#ppt_w"/>
+                                          </p:val>
+                                        </p:tav>
+                                      </p:tavLst>
+                                    </p:anim>
+                                    <p:anim calcmode="lin" valueType="num">
+                                      <p:cBhvr>
+                                        <p:cTn id="80" dur="500" fill="hold"/>
+                                        <p:tgtEl>
+                                          <p:spTgt spid="9"/>
+                                        </p:tgtEl>
+                                        <p:attrNameLst>
+                                          <p:attrName>ppt_h</p:attrName>
+                                        </p:attrNameLst>
+                                      </p:cBhvr>
+                                      <p:tavLst>
+                                        <p:tav tm="0">
+                                          <p:val>
+                                            <p:fltVal val="0"/>
+                                          </p:val>
+                                        </p:tav>
+                                        <p:tav tm="100000">
+                                          <p:val>
+                                            <p:strVal val="#ppt_h"/>
+                                          </p:val>
+                                        </p:tav>
+                                      </p:tavLst>
+                                    </p:anim>
+                                    <p:animEffect transition="in" filter="fade">
+                                      <p:cBhvr>
+                                        <p:cTn id="81" dur="500"/>
+                                        <p:tgtEl>
+                                          <p:spTgt spid="9"/>
+                                        </p:tgtEl>
+                                      </p:cBhvr>
+                                    </p:animEffect>
+                                  </p:childTnLst>
+                                </p:cTn>
+                              </p:par>
+                              <p:par>
+                                <p:cTn id="82" presetID="53" presetClass="exit" presetSubtype="32" fill="hold" grpId="1" nodeType="withEffect">
+                                  <p:stCondLst>
+                                    <p:cond delay="0"/>
+                                  </p:stCondLst>
+                                  <p:childTnLst>
+                                    <p:anim calcmode="lin" valueType="num">
+                                      <p:cBhvr>
+                                        <p:cTn id="83" dur="500"/>
+                                        <p:tgtEl>
+                                          <p:spTgt spid="59"/>
+                                        </p:tgtEl>
+                                        <p:attrNameLst>
+                                          <p:attrName>ppt_w</p:attrName>
+                                        </p:attrNameLst>
+                                      </p:cBhvr>
+                                      <p:tavLst>
+                                        <p:tav tm="0">
+                                          <p:val>
+                                            <p:strVal val="ppt_w"/>
+                                          </p:val>
+                                        </p:tav>
+                                        <p:tav tm="100000">
+                                          <p:val>
+                                            <p:fltVal val="0"/>
+                                          </p:val>
+                                        </p:tav>
+                                      </p:tavLst>
+                                    </p:anim>
+                                    <p:anim calcmode="lin" valueType="num">
+                                      <p:cBhvr>
+                                        <p:cTn id="84" dur="500"/>
+                                        <p:tgtEl>
+                                          <p:spTgt spid="59"/>
+                                        </p:tgtEl>
+                                        <p:attrNameLst>
+                                          <p:attrName>ppt_h</p:attrName>
+                                        </p:attrNameLst>
+                                      </p:cBhvr>
+                                      <p:tavLst>
+                                        <p:tav tm="0">
+                                          <p:val>
+                                            <p:strVal val="ppt_h"/>
+                                          </p:val>
+                                        </p:tav>
+                                        <p:tav tm="100000">
+                                          <p:val>
+                                            <p:fltVal val="0"/>
+                                          </p:val>
+                                        </p:tav>
+                                      </p:tavLst>
+                                    </p:anim>
+                                    <p:animEffect transition="out" filter="fade">
+                                      <p:cBhvr>
+                                        <p:cTn id="85" dur="500"/>
+                                        <p:tgtEl>
+                                          <p:spTgt spid="59"/>
+                                        </p:tgtEl>
+                                      </p:cBhvr>
+                                    </p:animEffect>
+                                    <p:set>
+                                      <p:cBhvr>
+                                        <p:cTn id="86" dur="1" fill="hold">
+                                          <p:stCondLst>
+                                            <p:cond delay="499"/>
+                                          </p:stCondLst>
+                                        </p:cTn>
+                                        <p:tgtEl>
+                                          <p:spTgt spid="59"/>
+                                        </p:tgtEl>
+                                        <p:attrNameLst>
+                                          <p:attrName>style.visibility</p:attrName>
+                                        </p:attrNameLst>
+                                      </p:cBhvr>
+                                      <p:to>
+                                        <p:strVal val="hidden"/>
+                                      </p:to>
+                                    </p:set>
+                                  </p:childTnLst>
+                                </p:cTn>
+                              </p:par>
+                            </p:childTnLst>
+                          </p:cTn>
+                        </p:par>
+                      </p:childTnLst>
+                    </p:cTn>
+                  </p:par>
+                  <p:par>
+                    <p:cTn id="87" fill="hold">
+                      <p:stCondLst>
+                        <p:cond delay="indefinite"/>
+                      </p:stCondLst>
+                      <p:childTnLst>
+                        <p:par>
+                          <p:cTn id="88" fill="hold">
+                            <p:stCondLst>
+                              <p:cond delay="0"/>
+                            </p:stCondLst>
+                            <p:childTnLst>
+                              <p:par>
+                                <p:cTn id="89" presetID="22" presetClass="entr" presetSubtype="4" fill="hold" nodeType="clickEffect">
+                                  <p:stCondLst>
+                                    <p:cond delay="0"/>
+                                  </p:stCondLst>
+                                  <p:childTnLst>
+                                    <p:set>
+                                      <p:cBhvr>
+                                        <p:cTn id="90" dur="1" fill="hold">
+                                          <p:stCondLst>
+                                            <p:cond delay="0"/>
+                                          </p:stCondLst>
+                                        </p:cTn>
+                                        <p:tgtEl>
+                                          <p:spTgt spid="7"/>
+                                        </p:tgtEl>
+                                        <p:attrNameLst>
+                                          <p:attrName>style.visibility</p:attrName>
+                                        </p:attrNameLst>
+                                      </p:cBhvr>
+                                      <p:to>
+                                        <p:strVal val="visible"/>
+                                      </p:to>
+                                    </p:set>
+                                    <p:animEffect transition="in" filter="wipe(down)">
+                                      <p:cBhvr>
+                                        <p:cTn id="91" dur="500"/>
+                                        <p:tgtEl>
+                                          <p:spTgt spid="7"/>
+                                        </p:tgtEl>
+                                      </p:cBhvr>
+                                    </p:animEffect>
+                                  </p:childTnLst>
+                                </p:cTn>
+                              </p:par>
+                            </p:childTnLst>
+                          </p:cTn>
+                        </p:par>
+                        <p:par>
+                          <p:cTn id="92" fill="hold">
+                            <p:stCondLst>
+                              <p:cond delay="500"/>
+                            </p:stCondLst>
+                            <p:childTnLst>
+                              <p:par>
+                                <p:cTn id="93" presetID="53" presetClass="entr" presetSubtype="16" fill="hold" grpId="1" nodeType="afterEffect">
+                                  <p:stCondLst>
+                                    <p:cond delay="0"/>
+                                  </p:stCondLst>
+                                  <p:childTnLst>
+                                    <p:set>
+                                      <p:cBhvr>
+                                        <p:cTn id="94" dur="1" fill="hold">
+                                          <p:stCondLst>
+                                            <p:cond delay="0"/>
+                                          </p:stCondLst>
+                                        </p:cTn>
+                                        <p:tgtEl>
+                                          <p:spTgt spid="10"/>
+                                        </p:tgtEl>
+                                        <p:attrNameLst>
+                                          <p:attrName>style.visibility</p:attrName>
+                                        </p:attrNameLst>
+                                      </p:cBhvr>
+                                      <p:to>
+                                        <p:strVal val="visible"/>
+                                      </p:to>
+                                    </p:set>
+                                    <p:anim calcmode="lin" valueType="num">
+                                      <p:cBhvr>
+                                        <p:cTn id="95" dur="500" fill="hold"/>
+                                        <p:tgtEl>
+                                          <p:spTgt spid="10"/>
+                                        </p:tgtEl>
+                                        <p:attrNameLst>
+                                          <p:attrName>ppt_w</p:attrName>
+                                        </p:attrNameLst>
+                                      </p:cBhvr>
+                                      <p:tavLst>
+                                        <p:tav tm="0">
+                                          <p:val>
+                                            <p:fltVal val="0"/>
+                                          </p:val>
+                                        </p:tav>
+                                        <p:tav tm="100000">
+                                          <p:val>
+                                            <p:strVal val="#ppt_w"/>
+                                          </p:val>
+                                        </p:tav>
+                                      </p:tavLst>
+                                    </p:anim>
+                                    <p:anim calcmode="lin" valueType="num">
+                                      <p:cBhvr>
+                                        <p:cTn id="96" dur="500" fill="hold"/>
+                                        <p:tgtEl>
+                                          <p:spTgt spid="10"/>
+                                        </p:tgtEl>
+                                        <p:attrNameLst>
+                                          <p:attrName>ppt_h</p:attrName>
+                                        </p:attrNameLst>
+                                      </p:cBhvr>
+                                      <p:tavLst>
+                                        <p:tav tm="0">
+                                          <p:val>
+                                            <p:fltVal val="0"/>
+                                          </p:val>
+                                        </p:tav>
+                                        <p:tav tm="100000">
+                                          <p:val>
+                                            <p:strVal val="#ppt_h"/>
+                                          </p:val>
+                                        </p:tav>
+                                      </p:tavLst>
+                                    </p:anim>
+                                    <p:animEffect transition="in" filter="fade">
+                                      <p:cBhvr>
+                                        <p:cTn id="97" dur="500"/>
+                                        <p:tgtEl>
+                                          <p:spTgt spid="10"/>
+                                        </p:tgtEl>
+                                      </p:cBhvr>
+                                    </p:animEffect>
+                                  </p:childTnLst>
+                                </p:cTn>
+                              </p:par>
+                              <p:par>
+                                <p:cTn id="98" presetID="53" presetClass="exit" presetSubtype="32" fill="hold" grpId="0" nodeType="withEffect">
+                                  <p:stCondLst>
+                                    <p:cond delay="0"/>
+                                  </p:stCondLst>
+                                  <p:childTnLst>
+                                    <p:anim calcmode="lin" valueType="num">
+                                      <p:cBhvr>
+                                        <p:cTn id="99" dur="500"/>
+                                        <p:tgtEl>
+                                          <p:spTgt spid="51"/>
+                                        </p:tgtEl>
+                                        <p:attrNameLst>
+                                          <p:attrName>ppt_w</p:attrName>
+                                        </p:attrNameLst>
+                                      </p:cBhvr>
+                                      <p:tavLst>
+                                        <p:tav tm="0">
+                                          <p:val>
+                                            <p:strVal val="ppt_w"/>
+                                          </p:val>
+                                        </p:tav>
+                                        <p:tav tm="100000">
+                                          <p:val>
+                                            <p:fltVal val="0"/>
+                                          </p:val>
+                                        </p:tav>
+                                      </p:tavLst>
+                                    </p:anim>
+                                    <p:anim calcmode="lin" valueType="num">
+                                      <p:cBhvr>
+                                        <p:cTn id="100" dur="500"/>
+                                        <p:tgtEl>
+                                          <p:spTgt spid="51"/>
+                                        </p:tgtEl>
+                                        <p:attrNameLst>
+                                          <p:attrName>ppt_h</p:attrName>
+                                        </p:attrNameLst>
+                                      </p:cBhvr>
+                                      <p:tavLst>
+                                        <p:tav tm="0">
+                                          <p:val>
+                                            <p:strVal val="ppt_h"/>
+                                          </p:val>
+                                        </p:tav>
+                                        <p:tav tm="100000">
+                                          <p:val>
+                                            <p:fltVal val="0"/>
+                                          </p:val>
+                                        </p:tav>
+                                      </p:tavLst>
+                                    </p:anim>
+                                    <p:animEffect transition="out" filter="fade">
+                                      <p:cBhvr>
+                                        <p:cTn id="101" dur="500"/>
+                                        <p:tgtEl>
+                                          <p:spTgt spid="51"/>
+                                        </p:tgtEl>
+                                      </p:cBhvr>
+                                    </p:animEffect>
+                                    <p:set>
+                                      <p:cBhvr>
+                                        <p:cTn id="102" dur="1" fill="hold">
+                                          <p:stCondLst>
+                                            <p:cond delay="499"/>
+                                          </p:stCondLst>
+                                        </p:cTn>
+                                        <p:tgtEl>
+                                          <p:spTgt spid="51"/>
+                                        </p:tgtEl>
+                                        <p:attrNameLst>
+                                          <p:attrName>style.visibility</p:attrName>
+                                        </p:attrNameLst>
+                                      </p:cBhvr>
+                                      <p:to>
+                                        <p:strVal val="hidden"/>
+                                      </p:to>
+                                    </p:set>
+                                  </p:childTnLst>
+                                </p:cTn>
+                              </p:par>
+                            </p:childTnLst>
+                          </p:cTn>
+                        </p:par>
+                      </p:childTnLst>
+                    </p:cTn>
+                  </p:par>
+                  <p:par>
+                    <p:cTn id="103" fill="hold">
+                      <p:stCondLst>
+                        <p:cond delay="indefinite"/>
+                      </p:stCondLst>
+                      <p:childTnLst>
+                        <p:par>
+                          <p:cTn id="104" fill="hold">
+                            <p:stCondLst>
+                              <p:cond delay="0"/>
+                            </p:stCondLst>
+                            <p:childTnLst>
+                              <p:par>
+                                <p:cTn id="105" presetID="22" presetClass="entr" presetSubtype="8" fill="hold" nodeType="clickEffect">
+                                  <p:stCondLst>
+                                    <p:cond delay="0"/>
+                                  </p:stCondLst>
+                                  <p:childTnLst>
+                                    <p:set>
+                                      <p:cBhvr>
+                                        <p:cTn id="106" dur="1" fill="hold">
+                                          <p:stCondLst>
+                                            <p:cond delay="0"/>
+                                          </p:stCondLst>
+                                        </p:cTn>
+                                        <p:tgtEl>
+                                          <p:spTgt spid="16"/>
+                                        </p:tgtEl>
+                                        <p:attrNameLst>
+                                          <p:attrName>style.visibility</p:attrName>
+                                        </p:attrNameLst>
+                                      </p:cBhvr>
+                                      <p:to>
+                                        <p:strVal val="visible"/>
+                                      </p:to>
+                                    </p:set>
+                                    <p:animEffect transition="in" filter="wipe(left)">
+                                      <p:cBhvr>
+                                        <p:cTn id="107" dur="500"/>
+                                        <p:tgtEl>
+                                          <p:spTgt spid="16"/>
+                                        </p:tgtEl>
+                                      </p:cBhvr>
+                                    </p:animEffect>
+                                  </p:childTnLst>
+                                </p:cTn>
+                              </p:par>
+                            </p:childTnLst>
+                          </p:cTn>
+                        </p:par>
+                        <p:par>
+                          <p:cTn id="108" fill="hold">
+                            <p:stCondLst>
+                              <p:cond delay="500"/>
+                            </p:stCondLst>
+                            <p:childTnLst>
+                              <p:par>
+                                <p:cTn id="109" presetID="53" presetClass="entr" presetSubtype="16" fill="hold" grpId="1" nodeType="afterEffect">
+                                  <p:stCondLst>
+                                    <p:cond delay="0"/>
+                                  </p:stCondLst>
+                                  <p:childTnLst>
+                                    <p:set>
+                                      <p:cBhvr>
+                                        <p:cTn id="110" dur="1" fill="hold">
+                                          <p:stCondLst>
+                                            <p:cond delay="0"/>
+                                          </p:stCondLst>
+                                        </p:cTn>
+                                        <p:tgtEl>
+                                          <p:spTgt spid="11"/>
+                                        </p:tgtEl>
+                                        <p:attrNameLst>
+                                          <p:attrName>style.visibility</p:attrName>
+                                        </p:attrNameLst>
+                                      </p:cBhvr>
+                                      <p:to>
+                                        <p:strVal val="visible"/>
+                                      </p:to>
+                                    </p:set>
+                                    <p:anim calcmode="lin" valueType="num">
+                                      <p:cBhvr>
+                                        <p:cTn id="111" dur="500" fill="hold"/>
+                                        <p:tgtEl>
+                                          <p:spTgt spid="11"/>
+                                        </p:tgtEl>
+                                        <p:attrNameLst>
+                                          <p:attrName>ppt_w</p:attrName>
+                                        </p:attrNameLst>
+                                      </p:cBhvr>
+                                      <p:tavLst>
+                                        <p:tav tm="0">
+                                          <p:val>
+                                            <p:fltVal val="0"/>
+                                          </p:val>
+                                        </p:tav>
+                                        <p:tav tm="100000">
+                                          <p:val>
+                                            <p:strVal val="#ppt_w"/>
+                                          </p:val>
+                                        </p:tav>
+                                      </p:tavLst>
+                                    </p:anim>
+                                    <p:anim calcmode="lin" valueType="num">
+                                      <p:cBhvr>
+                                        <p:cTn id="112" dur="500" fill="hold"/>
+                                        <p:tgtEl>
+                                          <p:spTgt spid="11"/>
+                                        </p:tgtEl>
+                                        <p:attrNameLst>
+                                          <p:attrName>ppt_h</p:attrName>
+                                        </p:attrNameLst>
+                                      </p:cBhvr>
+                                      <p:tavLst>
+                                        <p:tav tm="0">
+                                          <p:val>
+                                            <p:fltVal val="0"/>
+                                          </p:val>
+                                        </p:tav>
+                                        <p:tav tm="100000">
+                                          <p:val>
+                                            <p:strVal val="#ppt_h"/>
+                                          </p:val>
+                                        </p:tav>
+                                      </p:tavLst>
+                                    </p:anim>
+                                    <p:animEffect transition="in" filter="fade">
+                                      <p:cBhvr>
+                                        <p:cTn id="113" dur="500"/>
+                                        <p:tgtEl>
+                                          <p:spTgt spid="11"/>
+                                        </p:tgtEl>
+                                      </p:cBhvr>
+                                    </p:animEffect>
+                                  </p:childTnLst>
+                                </p:cTn>
+                              </p:par>
+                              <p:par>
+                                <p:cTn id="114" presetID="53" presetClass="exit" presetSubtype="32" fill="hold" grpId="0" nodeType="withEffect">
+                                  <p:stCondLst>
+                                    <p:cond delay="0"/>
+                                  </p:stCondLst>
+                                  <p:childTnLst>
+                                    <p:anim calcmode="lin" valueType="num">
+                                      <p:cBhvr>
+                                        <p:cTn id="115" dur="500"/>
+                                        <p:tgtEl>
+                                          <p:spTgt spid="52"/>
+                                        </p:tgtEl>
+                                        <p:attrNameLst>
+                                          <p:attrName>ppt_w</p:attrName>
+                                        </p:attrNameLst>
+                                      </p:cBhvr>
+                                      <p:tavLst>
+                                        <p:tav tm="0">
+                                          <p:val>
+                                            <p:strVal val="ppt_w"/>
+                                          </p:val>
+                                        </p:tav>
+                                        <p:tav tm="100000">
+                                          <p:val>
+                                            <p:fltVal val="0"/>
+                                          </p:val>
+                                        </p:tav>
+                                      </p:tavLst>
+                                    </p:anim>
+                                    <p:anim calcmode="lin" valueType="num">
+                                      <p:cBhvr>
+                                        <p:cTn id="116" dur="500"/>
+                                        <p:tgtEl>
+                                          <p:spTgt spid="52"/>
+                                        </p:tgtEl>
+                                        <p:attrNameLst>
+                                          <p:attrName>ppt_h</p:attrName>
+                                        </p:attrNameLst>
+                                      </p:cBhvr>
+                                      <p:tavLst>
+                                        <p:tav tm="0">
+                                          <p:val>
+                                            <p:strVal val="ppt_h"/>
+                                          </p:val>
+                                        </p:tav>
+                                        <p:tav tm="100000">
+                                          <p:val>
+                                            <p:fltVal val="0"/>
+                                          </p:val>
+                                        </p:tav>
+                                      </p:tavLst>
+                                    </p:anim>
+                                    <p:animEffect transition="out" filter="fade">
+                                      <p:cBhvr>
+                                        <p:cTn id="117" dur="500"/>
+                                        <p:tgtEl>
+                                          <p:spTgt spid="52"/>
+                                        </p:tgtEl>
+                                      </p:cBhvr>
+                                    </p:animEffect>
+                                    <p:set>
+                                      <p:cBhvr>
+                                        <p:cTn id="118" dur="1" fill="hold">
+                                          <p:stCondLst>
+                                            <p:cond delay="499"/>
+                                          </p:stCondLst>
+                                        </p:cTn>
+                                        <p:tgtEl>
+                                          <p:spTgt spid="52"/>
+                                        </p:tgtEl>
+                                        <p:attrNameLst>
+                                          <p:attrName>style.visibility</p:attrName>
+                                        </p:attrNameLst>
+                                      </p:cBhvr>
+                                      <p:to>
+                                        <p:strVal val="hidden"/>
+                                      </p:to>
+                                    </p:set>
+                                  </p:childTnLst>
+                                </p:cTn>
+                              </p:par>
+                            </p:childTnLst>
+                          </p:cTn>
+                        </p:par>
+                      </p:childTnLst>
+                    </p:cTn>
+                  </p:par>
+                  <p:par>
+                    <p:cTn id="119" fill="hold">
+                      <p:stCondLst>
+                        <p:cond delay="indefinite"/>
+                      </p:stCondLst>
+                      <p:childTnLst>
+                        <p:par>
+                          <p:cTn id="120" fill="hold">
+                            <p:stCondLst>
+                              <p:cond delay="0"/>
+                            </p:stCondLst>
+                            <p:childTnLst>
+                              <p:par>
+                                <p:cTn id="121" presetID="53" presetClass="exit" presetSubtype="32" fill="hold" grpId="0" nodeType="clickEffect">
+                                  <p:stCondLst>
+                                    <p:cond delay="0"/>
+                                  </p:stCondLst>
+                                  <p:childTnLst>
+                                    <p:anim calcmode="lin" valueType="num">
+                                      <p:cBhvr>
+                                        <p:cTn id="122" dur="500"/>
+                                        <p:tgtEl>
+                                          <p:spTgt spid="3"/>
+                                        </p:tgtEl>
+                                        <p:attrNameLst>
+                                          <p:attrName>ppt_w</p:attrName>
+                                        </p:attrNameLst>
+                                      </p:cBhvr>
+                                      <p:tavLst>
+                                        <p:tav tm="0">
+                                          <p:val>
+                                            <p:strVal val="ppt_w"/>
+                                          </p:val>
+                                        </p:tav>
+                                        <p:tav tm="100000">
+                                          <p:val>
+                                            <p:fltVal val="0"/>
+                                          </p:val>
+                                        </p:tav>
+                                      </p:tavLst>
+                                    </p:anim>
+                                    <p:anim calcmode="lin" valueType="num">
+                                      <p:cBhvr>
+                                        <p:cTn id="123" dur="500"/>
+                                        <p:tgtEl>
+                                          <p:spTgt spid="3"/>
+                                        </p:tgtEl>
+                                        <p:attrNameLst>
+                                          <p:attrName>ppt_h</p:attrName>
+                                        </p:attrNameLst>
+                                      </p:cBhvr>
+                                      <p:tavLst>
+                                        <p:tav tm="0">
+                                          <p:val>
+                                            <p:strVal val="ppt_h"/>
+                                          </p:val>
+                                        </p:tav>
+                                        <p:tav tm="100000">
+                                          <p:val>
+                                            <p:fltVal val="0"/>
+                                          </p:val>
+                                        </p:tav>
+                                      </p:tavLst>
+                                    </p:anim>
+                                    <p:animEffect transition="out" filter="fade">
+                                      <p:cBhvr>
+                                        <p:cTn id="124" dur="500"/>
+                                        <p:tgtEl>
+                                          <p:spTgt spid="3"/>
+                                        </p:tgtEl>
+                                      </p:cBhvr>
+                                    </p:animEffect>
+                                    <p:set>
+                                      <p:cBhvr>
+                                        <p:cTn id="125" dur="1" fill="hold">
+                                          <p:stCondLst>
+                                            <p:cond delay="499"/>
+                                          </p:stCondLst>
+                                        </p:cTn>
+                                        <p:tgtEl>
+                                          <p:spTgt spid="3"/>
+                                        </p:tgtEl>
+                                        <p:attrNameLst>
+                                          <p:attrName>style.visibility</p:attrName>
+                                        </p:attrNameLst>
+                                      </p:cBhvr>
+                                      <p:to>
+                                        <p:strVal val="hidden"/>
+                                      </p:to>
+                                    </p:set>
+                                  </p:childTnLst>
+                                </p:cTn>
+                              </p:par>
+                              <p:par>
+                                <p:cTn id="126" presetID="53" presetClass="entr" presetSubtype="16" fill="hold" grpId="0" nodeType="withEffect">
+                                  <p:stCondLst>
+                                    <p:cond delay="0"/>
+                                  </p:stCondLst>
+                                  <p:childTnLst>
+                                    <p:set>
+                                      <p:cBhvr>
+                                        <p:cTn id="127" dur="1" fill="hold">
+                                          <p:stCondLst>
+                                            <p:cond delay="0"/>
+                                          </p:stCondLst>
+                                        </p:cTn>
+                                        <p:tgtEl>
+                                          <p:spTgt spid="58"/>
+                                        </p:tgtEl>
+                                        <p:attrNameLst>
+                                          <p:attrName>style.visibility</p:attrName>
+                                        </p:attrNameLst>
+                                      </p:cBhvr>
+                                      <p:to>
+                                        <p:strVal val="visible"/>
+                                      </p:to>
+                                    </p:set>
+                                    <p:anim calcmode="lin" valueType="num">
+                                      <p:cBhvr>
+                                        <p:cTn id="128" dur="500" fill="hold"/>
+                                        <p:tgtEl>
+                                          <p:spTgt spid="58"/>
+                                        </p:tgtEl>
+                                        <p:attrNameLst>
+                                          <p:attrName>ppt_w</p:attrName>
+                                        </p:attrNameLst>
+                                      </p:cBhvr>
+                                      <p:tavLst>
+                                        <p:tav tm="0">
+                                          <p:val>
+                                            <p:fltVal val="0"/>
+                                          </p:val>
+                                        </p:tav>
+                                        <p:tav tm="100000">
+                                          <p:val>
+                                            <p:strVal val="#ppt_w"/>
+                                          </p:val>
+                                        </p:tav>
+                                      </p:tavLst>
+                                    </p:anim>
+                                    <p:anim calcmode="lin" valueType="num">
+                                      <p:cBhvr>
+                                        <p:cTn id="129" dur="500" fill="hold"/>
+                                        <p:tgtEl>
+                                          <p:spTgt spid="58"/>
+                                        </p:tgtEl>
+                                        <p:attrNameLst>
+                                          <p:attrName>ppt_h</p:attrName>
+                                        </p:attrNameLst>
+                                      </p:cBhvr>
+                                      <p:tavLst>
+                                        <p:tav tm="0">
+                                          <p:val>
+                                            <p:fltVal val="0"/>
+                                          </p:val>
+                                        </p:tav>
+                                        <p:tav tm="100000">
+                                          <p:val>
+                                            <p:strVal val="#ppt_h"/>
+                                          </p:val>
+                                        </p:tav>
+                                      </p:tavLst>
+                                    </p:anim>
+                                    <p:animEffect transition="in" filter="fade">
+                                      <p:cBhvr>
+                                        <p:cTn id="130" dur="500"/>
+                                        <p:tgtEl>
+                                          <p:spTgt spid="58"/>
+                                        </p:tgtEl>
+                                      </p:cBhvr>
+                                    </p:animEffect>
+                                  </p:childTnLst>
+                                </p:cTn>
+                              </p:par>
+                            </p:childTnLst>
+                          </p:cTn>
+                        </p:par>
+                        <p:par>
+                          <p:cTn id="131" fill="hold">
+                            <p:stCondLst>
+                              <p:cond delay="500"/>
+                            </p:stCondLst>
+                            <p:childTnLst>
+                              <p:par>
+                                <p:cTn id="132" presetID="22" presetClass="exit" presetSubtype="8" fill="hold" nodeType="afterEffect">
+                                  <p:stCondLst>
+                                    <p:cond delay="0"/>
+                                  </p:stCondLst>
+                                  <p:childTnLst>
+                                    <p:animEffect transition="out" filter="wipe(left)">
+                                      <p:cBhvr>
+                                        <p:cTn id="133" dur="500"/>
+                                        <p:tgtEl>
+                                          <p:spTgt spid="5"/>
+                                        </p:tgtEl>
+                                      </p:cBhvr>
+                                    </p:animEffect>
+                                    <p:set>
+                                      <p:cBhvr>
+                                        <p:cTn id="134" dur="1" fill="hold">
+                                          <p:stCondLst>
+                                            <p:cond delay="499"/>
+                                          </p:stCondLst>
+                                        </p:cTn>
+                                        <p:tgtEl>
+                                          <p:spTgt spid="5"/>
+                                        </p:tgtEl>
+                                        <p:attrNameLst>
+                                          <p:attrName>style.visibility</p:attrName>
+                                        </p:attrNameLst>
+                                      </p:cBhvr>
+                                      <p:to>
+                                        <p:strVal val="hidden"/>
+                                      </p:to>
+                                    </p:set>
+                                  </p:childTnLst>
+                                </p:cTn>
+                              </p:par>
+                              <p:par>
+                                <p:cTn id="135" presetID="22" presetClass="entr" presetSubtype="8" fill="hold" nodeType="withEffect">
+                                  <p:stCondLst>
+                                    <p:cond delay="0"/>
+                                  </p:stCondLst>
+                                  <p:childTnLst>
+                                    <p:set>
+                                      <p:cBhvr>
+                                        <p:cTn id="136" dur="1" fill="hold">
+                                          <p:stCondLst>
+                                            <p:cond delay="0"/>
+                                          </p:stCondLst>
+                                        </p:cTn>
+                                        <p:tgtEl>
+                                          <p:spTgt spid="42"/>
+                                        </p:tgtEl>
+                                        <p:attrNameLst>
+                                          <p:attrName>style.visibility</p:attrName>
+                                        </p:attrNameLst>
+                                      </p:cBhvr>
+                                      <p:to>
+                                        <p:strVal val="visible"/>
+                                      </p:to>
+                                    </p:set>
+                                    <p:animEffect transition="in" filter="wipe(left)">
+                                      <p:cBhvr>
+                                        <p:cTn id="137" dur="500"/>
+                                        <p:tgtEl>
+                                          <p:spTgt spid="42"/>
+                                        </p:tgtEl>
+                                      </p:cBhvr>
+                                    </p:animEffect>
+                                  </p:childTnLst>
+                                </p:cTn>
+                              </p:par>
+                              <p:par>
+                                <p:cTn id="138" presetID="53" presetClass="exit" presetSubtype="32" fill="hold" grpId="0" nodeType="withEffect">
+                                  <p:stCondLst>
+                                    <p:cond delay="0"/>
+                                  </p:stCondLst>
+                                  <p:childTnLst>
+                                    <p:anim calcmode="lin" valueType="num">
+                                      <p:cBhvr>
+                                        <p:cTn id="139" dur="500"/>
+                                        <p:tgtEl>
+                                          <p:spTgt spid="53"/>
+                                        </p:tgtEl>
+                                        <p:attrNameLst>
+                                          <p:attrName>ppt_w</p:attrName>
+                                        </p:attrNameLst>
+                                      </p:cBhvr>
+                                      <p:tavLst>
+                                        <p:tav tm="0">
+                                          <p:val>
+                                            <p:strVal val="ppt_w"/>
+                                          </p:val>
+                                        </p:tav>
+                                        <p:tav tm="100000">
+                                          <p:val>
+                                            <p:fltVal val="0"/>
+                                          </p:val>
+                                        </p:tav>
+                                      </p:tavLst>
+                                    </p:anim>
+                                    <p:anim calcmode="lin" valueType="num">
+                                      <p:cBhvr>
+                                        <p:cTn id="140" dur="500"/>
+                                        <p:tgtEl>
+                                          <p:spTgt spid="53"/>
+                                        </p:tgtEl>
+                                        <p:attrNameLst>
+                                          <p:attrName>ppt_h</p:attrName>
+                                        </p:attrNameLst>
+                                      </p:cBhvr>
+                                      <p:tavLst>
+                                        <p:tav tm="0">
+                                          <p:val>
+                                            <p:strVal val="ppt_h"/>
+                                          </p:val>
+                                        </p:tav>
+                                        <p:tav tm="100000">
+                                          <p:val>
+                                            <p:fltVal val="0"/>
+                                          </p:val>
+                                        </p:tav>
+                                      </p:tavLst>
+                                    </p:anim>
+                                    <p:animEffect transition="out" filter="fade">
+                                      <p:cBhvr>
+                                        <p:cTn id="141" dur="500"/>
+                                        <p:tgtEl>
+                                          <p:spTgt spid="53"/>
+                                        </p:tgtEl>
+                                      </p:cBhvr>
+                                    </p:animEffect>
+                                    <p:set>
+                                      <p:cBhvr>
+                                        <p:cTn id="142" dur="1" fill="hold">
+                                          <p:stCondLst>
+                                            <p:cond delay="499"/>
+                                          </p:stCondLst>
+                                        </p:cTn>
+                                        <p:tgtEl>
+                                          <p:spTgt spid="53"/>
+                                        </p:tgtEl>
+                                        <p:attrNameLst>
+                                          <p:attrName>style.visibility</p:attrName>
+                                        </p:attrNameLst>
+                                      </p:cBhvr>
+                                      <p:to>
+                                        <p:strVal val="hidden"/>
+                                      </p:to>
+                                    </p:set>
+                                  </p:childTnLst>
+                                </p:cTn>
+                              </p:par>
+                              <p:par>
+                                <p:cTn id="143" presetID="53" presetClass="entr" presetSubtype="16" fill="hold" grpId="0" nodeType="withEffect">
+                                  <p:stCondLst>
+                                    <p:cond delay="0"/>
+                                  </p:stCondLst>
+                                  <p:childTnLst>
+                                    <p:set>
+                                      <p:cBhvr>
+                                        <p:cTn id="144" dur="1" fill="hold">
+                                          <p:stCondLst>
+                                            <p:cond delay="0"/>
+                                          </p:stCondLst>
+                                        </p:cTn>
+                                        <p:tgtEl>
+                                          <p:spTgt spid="41"/>
+                                        </p:tgtEl>
+                                        <p:attrNameLst>
+                                          <p:attrName>style.visibility</p:attrName>
+                                        </p:attrNameLst>
+                                      </p:cBhvr>
+                                      <p:to>
+                                        <p:strVal val="visible"/>
+                                      </p:to>
+                                    </p:set>
+                                    <p:anim calcmode="lin" valueType="num">
+                                      <p:cBhvr>
+                                        <p:cTn id="145" dur="500" fill="hold"/>
+                                        <p:tgtEl>
+                                          <p:spTgt spid="41"/>
+                                        </p:tgtEl>
+                                        <p:attrNameLst>
+                                          <p:attrName>ppt_w</p:attrName>
+                                        </p:attrNameLst>
+                                      </p:cBhvr>
+                                      <p:tavLst>
+                                        <p:tav tm="0">
+                                          <p:val>
+                                            <p:fltVal val="0"/>
+                                          </p:val>
+                                        </p:tav>
+                                        <p:tav tm="100000">
+                                          <p:val>
+                                            <p:strVal val="#ppt_w"/>
+                                          </p:val>
+                                        </p:tav>
+                                      </p:tavLst>
+                                    </p:anim>
+                                    <p:anim calcmode="lin" valueType="num">
+                                      <p:cBhvr>
+                                        <p:cTn id="146" dur="500" fill="hold"/>
+                                        <p:tgtEl>
+                                          <p:spTgt spid="41"/>
+                                        </p:tgtEl>
+                                        <p:attrNameLst>
+                                          <p:attrName>ppt_h</p:attrName>
+                                        </p:attrNameLst>
+                                      </p:cBhvr>
+                                      <p:tavLst>
+                                        <p:tav tm="0">
+                                          <p:val>
+                                            <p:fltVal val="0"/>
+                                          </p:val>
+                                        </p:tav>
+                                        <p:tav tm="100000">
+                                          <p:val>
+                                            <p:strVal val="#ppt_h"/>
+                                          </p:val>
+                                        </p:tav>
+                                      </p:tavLst>
+                                    </p:anim>
+                                    <p:animEffect transition="in" filter="fade">
+                                      <p:cBhvr>
+                                        <p:cTn id="147" dur="500"/>
+                                        <p:tgtEl>
+                                          <p:spTgt spid="41"/>
+                                        </p:tgtEl>
+                                      </p:cBhvr>
+                                    </p:animEffect>
+                                  </p:childTnLst>
+                                </p:cTn>
+                              </p:par>
+                            </p:childTnLst>
+                          </p:cTn>
+                        </p:par>
+                      </p:childTnLst>
+                    </p:cTn>
+                  </p:par>
+                  <p:par>
+                    <p:cTn id="148" fill="hold">
+                      <p:stCondLst>
+                        <p:cond delay="indefinite"/>
+                      </p:stCondLst>
+                      <p:childTnLst>
+                        <p:par>
+                          <p:cTn id="149" fill="hold">
+                            <p:stCondLst>
+                              <p:cond delay="0"/>
+                            </p:stCondLst>
+                            <p:childTnLst>
+                              <p:par>
+                                <p:cTn id="150" presetID="53" presetClass="exit" presetSubtype="32" fill="hold" grpId="0" nodeType="clickEffect">
+                                  <p:stCondLst>
+                                    <p:cond delay="0"/>
+                                  </p:stCondLst>
+                                  <p:childTnLst>
+                                    <p:anim calcmode="lin" valueType="num">
+                                      <p:cBhvr>
+                                        <p:cTn id="151" dur="500"/>
+                                        <p:tgtEl>
+                                          <p:spTgt spid="9"/>
+                                        </p:tgtEl>
+                                        <p:attrNameLst>
+                                          <p:attrName>ppt_w</p:attrName>
+                                        </p:attrNameLst>
+                                      </p:cBhvr>
+                                      <p:tavLst>
+                                        <p:tav tm="0">
+                                          <p:val>
+                                            <p:strVal val="ppt_w"/>
+                                          </p:val>
+                                        </p:tav>
+                                        <p:tav tm="100000">
+                                          <p:val>
+                                            <p:fltVal val="0"/>
+                                          </p:val>
+                                        </p:tav>
+                                      </p:tavLst>
+                                    </p:anim>
+                                    <p:anim calcmode="lin" valueType="num">
+                                      <p:cBhvr>
+                                        <p:cTn id="152" dur="500"/>
+                                        <p:tgtEl>
+                                          <p:spTgt spid="9"/>
+                                        </p:tgtEl>
+                                        <p:attrNameLst>
+                                          <p:attrName>ppt_h</p:attrName>
+                                        </p:attrNameLst>
+                                      </p:cBhvr>
+                                      <p:tavLst>
+                                        <p:tav tm="0">
+                                          <p:val>
+                                            <p:strVal val="ppt_h"/>
+                                          </p:val>
+                                        </p:tav>
+                                        <p:tav tm="100000">
+                                          <p:val>
+                                            <p:fltVal val="0"/>
+                                          </p:val>
+                                        </p:tav>
+                                      </p:tavLst>
+                                    </p:anim>
+                                    <p:animEffect transition="out" filter="fade">
+                                      <p:cBhvr>
+                                        <p:cTn id="153" dur="500"/>
+                                        <p:tgtEl>
+                                          <p:spTgt spid="9"/>
+                                        </p:tgtEl>
+                                      </p:cBhvr>
+                                    </p:animEffect>
+                                    <p:set>
+                                      <p:cBhvr>
+                                        <p:cTn id="154" dur="1" fill="hold">
+                                          <p:stCondLst>
+                                            <p:cond delay="499"/>
+                                          </p:stCondLst>
+                                        </p:cTn>
+                                        <p:tgtEl>
+                                          <p:spTgt spid="9"/>
+                                        </p:tgtEl>
+                                        <p:attrNameLst>
+                                          <p:attrName>style.visibility</p:attrName>
+                                        </p:attrNameLst>
+                                      </p:cBhvr>
+                                      <p:to>
+                                        <p:strVal val="hidden"/>
+                                      </p:to>
+                                    </p:set>
+                                  </p:childTnLst>
+                                </p:cTn>
+                              </p:par>
+                              <p:par>
+                                <p:cTn id="155" presetID="53" presetClass="entr" presetSubtype="16" fill="hold" grpId="0" nodeType="withEffect">
+                                  <p:stCondLst>
+                                    <p:cond delay="0"/>
+                                  </p:stCondLst>
+                                  <p:childTnLst>
+                                    <p:set>
+                                      <p:cBhvr>
+                                        <p:cTn id="156" dur="1" fill="hold">
+                                          <p:stCondLst>
+                                            <p:cond delay="0"/>
+                                          </p:stCondLst>
+                                        </p:cTn>
+                                        <p:tgtEl>
+                                          <p:spTgt spid="59"/>
+                                        </p:tgtEl>
+                                        <p:attrNameLst>
+                                          <p:attrName>style.visibility</p:attrName>
+                                        </p:attrNameLst>
+                                      </p:cBhvr>
+                                      <p:to>
+                                        <p:strVal val="visible"/>
+                                      </p:to>
+                                    </p:set>
+                                    <p:anim calcmode="lin" valueType="num">
+                                      <p:cBhvr>
+                                        <p:cTn id="157" dur="500" fill="hold"/>
+                                        <p:tgtEl>
+                                          <p:spTgt spid="59"/>
+                                        </p:tgtEl>
+                                        <p:attrNameLst>
+                                          <p:attrName>ppt_w</p:attrName>
+                                        </p:attrNameLst>
+                                      </p:cBhvr>
+                                      <p:tavLst>
+                                        <p:tav tm="0">
+                                          <p:val>
+                                            <p:fltVal val="0"/>
+                                          </p:val>
+                                        </p:tav>
+                                        <p:tav tm="100000">
+                                          <p:val>
+                                            <p:strVal val="#ppt_w"/>
+                                          </p:val>
+                                        </p:tav>
+                                      </p:tavLst>
+                                    </p:anim>
+                                    <p:anim calcmode="lin" valueType="num">
+                                      <p:cBhvr>
+                                        <p:cTn id="158" dur="500" fill="hold"/>
+                                        <p:tgtEl>
+                                          <p:spTgt spid="59"/>
+                                        </p:tgtEl>
+                                        <p:attrNameLst>
+                                          <p:attrName>ppt_h</p:attrName>
+                                        </p:attrNameLst>
+                                      </p:cBhvr>
+                                      <p:tavLst>
+                                        <p:tav tm="0">
+                                          <p:val>
+                                            <p:fltVal val="0"/>
+                                          </p:val>
+                                        </p:tav>
+                                        <p:tav tm="100000">
+                                          <p:val>
+                                            <p:strVal val="#ppt_h"/>
+                                          </p:val>
+                                        </p:tav>
+                                      </p:tavLst>
+                                    </p:anim>
+                                    <p:animEffect transition="in" filter="fade">
+                                      <p:cBhvr>
+                                        <p:cTn id="159" dur="500"/>
+                                        <p:tgtEl>
+                                          <p:spTgt spid="59"/>
+                                        </p:tgtEl>
+                                      </p:cBhvr>
+                                    </p:animEffect>
+                                  </p:childTnLst>
+                                </p:cTn>
+                              </p:par>
+                            </p:childTnLst>
+                          </p:cTn>
+                        </p:par>
+                        <p:par>
+                          <p:cTn id="160" fill="hold">
+                            <p:stCondLst>
+                              <p:cond delay="500"/>
+                            </p:stCondLst>
+                            <p:childTnLst>
+                              <p:par>
+                                <p:cTn id="161" presetID="22" presetClass="exit" presetSubtype="8" fill="hold" nodeType="afterEffect">
+                                  <p:stCondLst>
+                                    <p:cond delay="0"/>
+                                  </p:stCondLst>
+                                  <p:childTnLst>
+                                    <p:animEffect transition="out" filter="wipe(left)">
+                                      <p:cBhvr>
+                                        <p:cTn id="162" dur="500"/>
+                                        <p:tgtEl>
+                                          <p:spTgt spid="7"/>
+                                        </p:tgtEl>
+                                      </p:cBhvr>
+                                    </p:animEffect>
+                                    <p:set>
+                                      <p:cBhvr>
+                                        <p:cTn id="163" dur="1" fill="hold">
+                                          <p:stCondLst>
+                                            <p:cond delay="499"/>
+                                          </p:stCondLst>
+                                        </p:cTn>
+                                        <p:tgtEl>
+                                          <p:spTgt spid="7"/>
+                                        </p:tgtEl>
+                                        <p:attrNameLst>
+                                          <p:attrName>style.visibility</p:attrName>
+                                        </p:attrNameLst>
+                                      </p:cBhvr>
+                                      <p:to>
+                                        <p:strVal val="hidden"/>
+                                      </p:to>
+                                    </p:set>
+                                  </p:childTnLst>
+                                </p:cTn>
+                              </p:par>
+                              <p:par>
+                                <p:cTn id="164" presetID="22" presetClass="entr" presetSubtype="8" fill="hold" nodeType="withEffect">
+                                  <p:stCondLst>
+                                    <p:cond delay="0"/>
+                                  </p:stCondLst>
+                                  <p:childTnLst>
+                                    <p:set>
+                                      <p:cBhvr>
+                                        <p:cTn id="165" dur="1" fill="hold">
+                                          <p:stCondLst>
+                                            <p:cond delay="0"/>
+                                          </p:stCondLst>
+                                        </p:cTn>
+                                        <p:tgtEl>
+                                          <p:spTgt spid="44"/>
+                                        </p:tgtEl>
+                                        <p:attrNameLst>
+                                          <p:attrName>style.visibility</p:attrName>
+                                        </p:attrNameLst>
+                                      </p:cBhvr>
+                                      <p:to>
+                                        <p:strVal val="visible"/>
+                                      </p:to>
+                                    </p:set>
+                                    <p:animEffect transition="in" filter="wipe(left)">
+                                      <p:cBhvr>
+                                        <p:cTn id="166" dur="500"/>
+                                        <p:tgtEl>
+                                          <p:spTgt spid="44"/>
+                                        </p:tgtEl>
+                                      </p:cBhvr>
+                                    </p:animEffect>
+                                  </p:childTnLst>
+                                </p:cTn>
+                              </p:par>
+                              <p:par>
+                                <p:cTn id="167" presetID="53" presetClass="exit" presetSubtype="32" fill="hold" grpId="0" nodeType="withEffect">
+                                  <p:stCondLst>
+                                    <p:cond delay="0"/>
+                                  </p:stCondLst>
+                                  <p:childTnLst>
+                                    <p:anim calcmode="lin" valueType="num">
+                                      <p:cBhvr>
+                                        <p:cTn id="168" dur="500"/>
+                                        <p:tgtEl>
+                                          <p:spTgt spid="54"/>
+                                        </p:tgtEl>
+                                        <p:attrNameLst>
+                                          <p:attrName>ppt_w</p:attrName>
+                                        </p:attrNameLst>
+                                      </p:cBhvr>
+                                      <p:tavLst>
+                                        <p:tav tm="0">
+                                          <p:val>
+                                            <p:strVal val="ppt_w"/>
+                                          </p:val>
+                                        </p:tav>
+                                        <p:tav tm="100000">
+                                          <p:val>
+                                            <p:fltVal val="0"/>
+                                          </p:val>
+                                        </p:tav>
+                                      </p:tavLst>
+                                    </p:anim>
+                                    <p:anim calcmode="lin" valueType="num">
+                                      <p:cBhvr>
+                                        <p:cTn id="169" dur="500"/>
+                                        <p:tgtEl>
+                                          <p:spTgt spid="54"/>
+                                        </p:tgtEl>
+                                        <p:attrNameLst>
+                                          <p:attrName>ppt_h</p:attrName>
+                                        </p:attrNameLst>
+                                      </p:cBhvr>
+                                      <p:tavLst>
+                                        <p:tav tm="0">
+                                          <p:val>
+                                            <p:strVal val="ppt_h"/>
+                                          </p:val>
+                                        </p:tav>
+                                        <p:tav tm="100000">
+                                          <p:val>
+                                            <p:fltVal val="0"/>
+                                          </p:val>
+                                        </p:tav>
+                                      </p:tavLst>
+                                    </p:anim>
+                                    <p:animEffect transition="out" filter="fade">
+                                      <p:cBhvr>
+                                        <p:cTn id="170" dur="500"/>
+                                        <p:tgtEl>
+                                          <p:spTgt spid="54"/>
+                                        </p:tgtEl>
+                                      </p:cBhvr>
+                                    </p:animEffect>
+                                    <p:set>
+                                      <p:cBhvr>
+                                        <p:cTn id="171" dur="1" fill="hold">
+                                          <p:stCondLst>
+                                            <p:cond delay="499"/>
+                                          </p:stCondLst>
+                                        </p:cTn>
+                                        <p:tgtEl>
+                                          <p:spTgt spid="54"/>
+                                        </p:tgtEl>
+                                        <p:attrNameLst>
+                                          <p:attrName>style.visibility</p:attrName>
+                                        </p:attrNameLst>
+                                      </p:cBhvr>
+                                      <p:to>
+                                        <p:strVal val="hidden"/>
+                                      </p:to>
+                                    </p:set>
+                                  </p:childTnLst>
+                                </p:cTn>
+                              </p:par>
+                              <p:par>
+                                <p:cTn id="172" presetID="53" presetClass="entr" presetSubtype="16" fill="hold" grpId="0" nodeType="withEffect">
+                                  <p:stCondLst>
+                                    <p:cond delay="0"/>
+                                  </p:stCondLst>
+                                  <p:childTnLst>
+                                    <p:set>
+                                      <p:cBhvr>
+                                        <p:cTn id="173" dur="1" fill="hold">
+                                          <p:stCondLst>
+                                            <p:cond delay="0"/>
+                                          </p:stCondLst>
+                                        </p:cTn>
+                                        <p:tgtEl>
+                                          <p:spTgt spid="43"/>
+                                        </p:tgtEl>
+                                        <p:attrNameLst>
+                                          <p:attrName>style.visibility</p:attrName>
+                                        </p:attrNameLst>
+                                      </p:cBhvr>
+                                      <p:to>
+                                        <p:strVal val="visible"/>
+                                      </p:to>
+                                    </p:set>
+                                    <p:anim calcmode="lin" valueType="num">
+                                      <p:cBhvr>
+                                        <p:cTn id="174" dur="500" fill="hold"/>
+                                        <p:tgtEl>
+                                          <p:spTgt spid="43"/>
+                                        </p:tgtEl>
+                                        <p:attrNameLst>
+                                          <p:attrName>ppt_w</p:attrName>
+                                        </p:attrNameLst>
+                                      </p:cBhvr>
+                                      <p:tavLst>
+                                        <p:tav tm="0">
+                                          <p:val>
+                                            <p:fltVal val="0"/>
+                                          </p:val>
+                                        </p:tav>
+                                        <p:tav tm="100000">
+                                          <p:val>
+                                            <p:strVal val="#ppt_w"/>
+                                          </p:val>
+                                        </p:tav>
+                                      </p:tavLst>
+                                    </p:anim>
+                                    <p:anim calcmode="lin" valueType="num">
+                                      <p:cBhvr>
+                                        <p:cTn id="175" dur="500" fill="hold"/>
+                                        <p:tgtEl>
+                                          <p:spTgt spid="43"/>
+                                        </p:tgtEl>
+                                        <p:attrNameLst>
+                                          <p:attrName>ppt_h</p:attrName>
+                                        </p:attrNameLst>
+                                      </p:cBhvr>
+                                      <p:tavLst>
+                                        <p:tav tm="0">
+                                          <p:val>
+                                            <p:fltVal val="0"/>
+                                          </p:val>
+                                        </p:tav>
+                                        <p:tav tm="100000">
+                                          <p:val>
+                                            <p:strVal val="#ppt_h"/>
+                                          </p:val>
+                                        </p:tav>
+                                      </p:tavLst>
+                                    </p:anim>
+                                    <p:animEffect transition="in" filter="fade">
+                                      <p:cBhvr>
+                                        <p:cTn id="176" dur="500"/>
+                                        <p:tgtEl>
+                                          <p:spTgt spid="43"/>
+                                        </p:tgtEl>
+                                      </p:cBhvr>
+                                    </p:animEffect>
+                                  </p:childTnLst>
+                                </p:cTn>
+                              </p:par>
+                            </p:childTnLst>
+                          </p:cTn>
+                        </p:par>
+                      </p:childTnLst>
+                    </p:cTn>
+                  </p:par>
+                  <p:par>
+                    <p:cTn id="177" fill="hold">
+                      <p:stCondLst>
+                        <p:cond delay="indefinite"/>
+                      </p:stCondLst>
+                      <p:childTnLst>
+                        <p:par>
+                          <p:cTn id="178" fill="hold">
+                            <p:stCondLst>
+                              <p:cond delay="0"/>
+                            </p:stCondLst>
+                            <p:childTnLst>
+                              <p:par>
+                                <p:cTn id="179" presetID="53" presetClass="exit" presetSubtype="32" fill="hold" grpId="0" nodeType="clickEffect">
+                                  <p:stCondLst>
+                                    <p:cond delay="0"/>
+                                  </p:stCondLst>
+                                  <p:childTnLst>
+                                    <p:anim calcmode="lin" valueType="num">
+                                      <p:cBhvr>
+                                        <p:cTn id="180" dur="500"/>
+                                        <p:tgtEl>
+                                          <p:spTgt spid="10"/>
+                                        </p:tgtEl>
+                                        <p:attrNameLst>
+                                          <p:attrName>ppt_w</p:attrName>
+                                        </p:attrNameLst>
+                                      </p:cBhvr>
+                                      <p:tavLst>
+                                        <p:tav tm="0">
+                                          <p:val>
+                                            <p:strVal val="ppt_w"/>
+                                          </p:val>
+                                        </p:tav>
+                                        <p:tav tm="100000">
+                                          <p:val>
+                                            <p:fltVal val="0"/>
+                                          </p:val>
+                                        </p:tav>
+                                      </p:tavLst>
+                                    </p:anim>
+                                    <p:anim calcmode="lin" valueType="num">
+                                      <p:cBhvr>
+                                        <p:cTn id="181" dur="500"/>
+                                        <p:tgtEl>
+                                          <p:spTgt spid="10"/>
+                                        </p:tgtEl>
+                                        <p:attrNameLst>
+                                          <p:attrName>ppt_h</p:attrName>
+                                        </p:attrNameLst>
+                                      </p:cBhvr>
+                                      <p:tavLst>
+                                        <p:tav tm="0">
+                                          <p:val>
+                                            <p:strVal val="ppt_h"/>
+                                          </p:val>
+                                        </p:tav>
+                                        <p:tav tm="100000">
+                                          <p:val>
+                                            <p:fltVal val="0"/>
+                                          </p:val>
+                                        </p:tav>
+                                      </p:tavLst>
+                                    </p:anim>
+                                    <p:animEffect transition="out" filter="fade">
+                                      <p:cBhvr>
+                                        <p:cTn id="182" dur="500"/>
+                                        <p:tgtEl>
+                                          <p:spTgt spid="10"/>
+                                        </p:tgtEl>
+                                      </p:cBhvr>
+                                    </p:animEffect>
+                                    <p:set>
+                                      <p:cBhvr>
+                                        <p:cTn id="183" dur="1" fill="hold">
+                                          <p:stCondLst>
+                                            <p:cond delay="499"/>
+                                          </p:stCondLst>
+                                        </p:cTn>
+                                        <p:tgtEl>
+                                          <p:spTgt spid="10"/>
+                                        </p:tgtEl>
+                                        <p:attrNameLst>
+                                          <p:attrName>style.visibility</p:attrName>
+                                        </p:attrNameLst>
+                                      </p:cBhvr>
+                                      <p:to>
+                                        <p:strVal val="hidden"/>
+                                      </p:to>
+                                    </p:set>
+                                  </p:childTnLst>
+                                </p:cTn>
+                              </p:par>
+                              <p:par>
+                                <p:cTn id="184" presetID="53" presetClass="entr" presetSubtype="16" fill="hold" grpId="1" nodeType="withEffect">
+                                  <p:stCondLst>
+                                    <p:cond delay="0"/>
+                                  </p:stCondLst>
+                                  <p:childTnLst>
+                                    <p:set>
+                                      <p:cBhvr>
+                                        <p:cTn id="185" dur="1" fill="hold">
+                                          <p:stCondLst>
+                                            <p:cond delay="0"/>
+                                          </p:stCondLst>
+                                        </p:cTn>
+                                        <p:tgtEl>
+                                          <p:spTgt spid="51"/>
+                                        </p:tgtEl>
+                                        <p:attrNameLst>
+                                          <p:attrName>style.visibility</p:attrName>
+                                        </p:attrNameLst>
+                                      </p:cBhvr>
+                                      <p:to>
+                                        <p:strVal val="visible"/>
+                                      </p:to>
+                                    </p:set>
+                                    <p:anim calcmode="lin" valueType="num">
+                                      <p:cBhvr>
+                                        <p:cTn id="186" dur="500" fill="hold"/>
+                                        <p:tgtEl>
+                                          <p:spTgt spid="51"/>
+                                        </p:tgtEl>
+                                        <p:attrNameLst>
+                                          <p:attrName>ppt_w</p:attrName>
+                                        </p:attrNameLst>
+                                      </p:cBhvr>
+                                      <p:tavLst>
+                                        <p:tav tm="0">
+                                          <p:val>
+                                            <p:fltVal val="0"/>
+                                          </p:val>
+                                        </p:tav>
+                                        <p:tav tm="100000">
+                                          <p:val>
+                                            <p:strVal val="#ppt_w"/>
+                                          </p:val>
+                                        </p:tav>
+                                      </p:tavLst>
+                                    </p:anim>
+                                    <p:anim calcmode="lin" valueType="num">
+                                      <p:cBhvr>
+                                        <p:cTn id="187" dur="500" fill="hold"/>
+                                        <p:tgtEl>
+                                          <p:spTgt spid="51"/>
+                                        </p:tgtEl>
+                                        <p:attrNameLst>
+                                          <p:attrName>ppt_h</p:attrName>
+                                        </p:attrNameLst>
+                                      </p:cBhvr>
+                                      <p:tavLst>
+                                        <p:tav tm="0">
+                                          <p:val>
+                                            <p:fltVal val="0"/>
+                                          </p:val>
+                                        </p:tav>
+                                        <p:tav tm="100000">
+                                          <p:val>
+                                            <p:strVal val="#ppt_h"/>
+                                          </p:val>
+                                        </p:tav>
+                                      </p:tavLst>
+                                    </p:anim>
+                                    <p:animEffect transition="in" filter="fade">
+                                      <p:cBhvr>
+                                        <p:cTn id="188" dur="500"/>
+                                        <p:tgtEl>
+                                          <p:spTgt spid="51"/>
+                                        </p:tgtEl>
+                                      </p:cBhvr>
+                                    </p:animEffect>
+                                  </p:childTnLst>
+                                </p:cTn>
+                              </p:par>
+                            </p:childTnLst>
+                          </p:cTn>
+                        </p:par>
+                        <p:par>
+                          <p:cTn id="189" fill="hold">
+                            <p:stCondLst>
+                              <p:cond delay="500"/>
+                            </p:stCondLst>
+                            <p:childTnLst>
+                              <p:par>
+                                <p:cTn id="190" presetID="22" presetClass="exit" presetSubtype="8" fill="hold" nodeType="afterEffect">
+                                  <p:stCondLst>
+                                    <p:cond delay="0"/>
+                                  </p:stCondLst>
+                                  <p:childTnLst>
+                                    <p:animEffect transition="out" filter="wipe(left)">
+                                      <p:cBhvr>
+                                        <p:cTn id="191" dur="500"/>
+                                        <p:tgtEl>
+                                          <p:spTgt spid="16"/>
+                                        </p:tgtEl>
+                                      </p:cBhvr>
+                                    </p:animEffect>
+                                    <p:set>
+                                      <p:cBhvr>
+                                        <p:cTn id="192" dur="1" fill="hold">
+                                          <p:stCondLst>
+                                            <p:cond delay="499"/>
+                                          </p:stCondLst>
+                                        </p:cTn>
+                                        <p:tgtEl>
+                                          <p:spTgt spid="16"/>
+                                        </p:tgtEl>
+                                        <p:attrNameLst>
+                                          <p:attrName>style.visibility</p:attrName>
+                                        </p:attrNameLst>
+                                      </p:cBhvr>
+                                      <p:to>
+                                        <p:strVal val="hidden"/>
+                                      </p:to>
+                                    </p:set>
+                                  </p:childTnLst>
+                                </p:cTn>
+                              </p:par>
+                              <p:par>
+                                <p:cTn id="193" presetID="22" presetClass="entr" presetSubtype="8" fill="hold" nodeType="withEffect">
+                                  <p:stCondLst>
+                                    <p:cond delay="0"/>
+                                  </p:stCondLst>
+                                  <p:childTnLst>
+                                    <p:set>
+                                      <p:cBhvr>
+                                        <p:cTn id="194" dur="1" fill="hold">
+                                          <p:stCondLst>
+                                            <p:cond delay="0"/>
+                                          </p:stCondLst>
+                                        </p:cTn>
+                                        <p:tgtEl>
+                                          <p:spTgt spid="48"/>
+                                        </p:tgtEl>
+                                        <p:attrNameLst>
+                                          <p:attrName>style.visibility</p:attrName>
+                                        </p:attrNameLst>
+                                      </p:cBhvr>
+                                      <p:to>
+                                        <p:strVal val="visible"/>
+                                      </p:to>
+                                    </p:set>
+                                    <p:animEffect transition="in" filter="wipe(left)">
+                                      <p:cBhvr>
+                                        <p:cTn id="195" dur="500"/>
+                                        <p:tgtEl>
+                                          <p:spTgt spid="48"/>
+                                        </p:tgtEl>
+                                      </p:cBhvr>
+                                    </p:animEffect>
+                                  </p:childTnLst>
+                                </p:cTn>
+                              </p:par>
+                              <p:par>
+                                <p:cTn id="196" presetID="53" presetClass="exit" presetSubtype="32" fill="hold" grpId="0" nodeType="withEffect">
+                                  <p:stCondLst>
+                                    <p:cond delay="0"/>
+                                  </p:stCondLst>
+                                  <p:childTnLst>
+                                    <p:anim calcmode="lin" valueType="num">
+                                      <p:cBhvr>
+                                        <p:cTn id="197" dur="500"/>
+                                        <p:tgtEl>
+                                          <p:spTgt spid="55"/>
+                                        </p:tgtEl>
+                                        <p:attrNameLst>
+                                          <p:attrName>ppt_w</p:attrName>
+                                        </p:attrNameLst>
+                                      </p:cBhvr>
+                                      <p:tavLst>
+                                        <p:tav tm="0">
+                                          <p:val>
+                                            <p:strVal val="ppt_w"/>
+                                          </p:val>
+                                        </p:tav>
+                                        <p:tav tm="100000">
+                                          <p:val>
+                                            <p:fltVal val="0"/>
+                                          </p:val>
+                                        </p:tav>
+                                      </p:tavLst>
+                                    </p:anim>
+                                    <p:anim calcmode="lin" valueType="num">
+                                      <p:cBhvr>
+                                        <p:cTn id="198" dur="500"/>
+                                        <p:tgtEl>
+                                          <p:spTgt spid="55"/>
+                                        </p:tgtEl>
+                                        <p:attrNameLst>
+                                          <p:attrName>ppt_h</p:attrName>
+                                        </p:attrNameLst>
+                                      </p:cBhvr>
+                                      <p:tavLst>
+                                        <p:tav tm="0">
+                                          <p:val>
+                                            <p:strVal val="ppt_h"/>
+                                          </p:val>
+                                        </p:tav>
+                                        <p:tav tm="100000">
+                                          <p:val>
+                                            <p:fltVal val="0"/>
+                                          </p:val>
+                                        </p:tav>
+                                      </p:tavLst>
+                                    </p:anim>
+                                    <p:animEffect transition="out" filter="fade">
+                                      <p:cBhvr>
+                                        <p:cTn id="199" dur="500"/>
+                                        <p:tgtEl>
+                                          <p:spTgt spid="55"/>
+                                        </p:tgtEl>
+                                      </p:cBhvr>
+                                    </p:animEffect>
+                                    <p:set>
+                                      <p:cBhvr>
+                                        <p:cTn id="200" dur="1" fill="hold">
+                                          <p:stCondLst>
+                                            <p:cond delay="499"/>
+                                          </p:stCondLst>
+                                        </p:cTn>
+                                        <p:tgtEl>
+                                          <p:spTgt spid="55"/>
+                                        </p:tgtEl>
+                                        <p:attrNameLst>
+                                          <p:attrName>style.visibility</p:attrName>
+                                        </p:attrNameLst>
+                                      </p:cBhvr>
+                                      <p:to>
+                                        <p:strVal val="hidden"/>
+                                      </p:to>
+                                    </p:set>
+                                  </p:childTnLst>
+                                </p:cTn>
+                              </p:par>
+                              <p:par>
+                                <p:cTn id="201" presetID="53" presetClass="entr" presetSubtype="16" fill="hold" grpId="0" nodeType="withEffect">
+                                  <p:stCondLst>
+                                    <p:cond delay="0"/>
+                                  </p:stCondLst>
+                                  <p:childTnLst>
+                                    <p:set>
+                                      <p:cBhvr>
+                                        <p:cTn id="202" dur="1" fill="hold">
+                                          <p:stCondLst>
+                                            <p:cond delay="0"/>
+                                          </p:stCondLst>
+                                        </p:cTn>
+                                        <p:tgtEl>
+                                          <p:spTgt spid="45"/>
+                                        </p:tgtEl>
+                                        <p:attrNameLst>
+                                          <p:attrName>style.visibility</p:attrName>
+                                        </p:attrNameLst>
+                                      </p:cBhvr>
+                                      <p:to>
+                                        <p:strVal val="visible"/>
+                                      </p:to>
+                                    </p:set>
+                                    <p:anim calcmode="lin" valueType="num">
+                                      <p:cBhvr>
+                                        <p:cTn id="203" dur="500" fill="hold"/>
+                                        <p:tgtEl>
+                                          <p:spTgt spid="45"/>
+                                        </p:tgtEl>
+                                        <p:attrNameLst>
+                                          <p:attrName>ppt_w</p:attrName>
+                                        </p:attrNameLst>
+                                      </p:cBhvr>
+                                      <p:tavLst>
+                                        <p:tav tm="0">
+                                          <p:val>
+                                            <p:fltVal val="0"/>
+                                          </p:val>
+                                        </p:tav>
+                                        <p:tav tm="100000">
+                                          <p:val>
+                                            <p:strVal val="#ppt_w"/>
+                                          </p:val>
+                                        </p:tav>
+                                      </p:tavLst>
+                                    </p:anim>
+                                    <p:anim calcmode="lin" valueType="num">
+                                      <p:cBhvr>
+                                        <p:cTn id="204" dur="500" fill="hold"/>
+                                        <p:tgtEl>
+                                          <p:spTgt spid="45"/>
+                                        </p:tgtEl>
+                                        <p:attrNameLst>
+                                          <p:attrName>ppt_h</p:attrName>
+                                        </p:attrNameLst>
+                                      </p:cBhvr>
+                                      <p:tavLst>
+                                        <p:tav tm="0">
+                                          <p:val>
+                                            <p:fltVal val="0"/>
+                                          </p:val>
+                                        </p:tav>
+                                        <p:tav tm="100000">
+                                          <p:val>
+                                            <p:strVal val="#ppt_h"/>
+                                          </p:val>
+                                        </p:tav>
+                                      </p:tavLst>
+                                    </p:anim>
+                                    <p:animEffect transition="in" filter="fade">
+                                      <p:cBhvr>
+                                        <p:cTn id="205" dur="500"/>
+                                        <p:tgtEl>
+                                          <p:spTgt spid="45"/>
+                                        </p:tgtEl>
+                                      </p:cBhvr>
+                                    </p:animEffect>
+                                  </p:childTnLst>
+                                </p:cTn>
+                              </p:par>
+                            </p:childTnLst>
+                          </p:cTn>
+                        </p:par>
+                      </p:childTnLst>
+                    </p:cTn>
+                  </p:par>
+                  <p:par>
+                    <p:cTn id="206" fill="hold">
+                      <p:stCondLst>
+                        <p:cond delay="indefinite"/>
+                      </p:stCondLst>
+                      <p:childTnLst>
+                        <p:par>
+                          <p:cTn id="207" fill="hold">
+                            <p:stCondLst>
+                              <p:cond delay="0"/>
+                            </p:stCondLst>
+                            <p:childTnLst>
+                              <p:par>
+                                <p:cTn id="208" presetID="53" presetClass="exit" presetSubtype="32" fill="hold" grpId="0" nodeType="clickEffect">
+                                  <p:stCondLst>
+                                    <p:cond delay="0"/>
+                                  </p:stCondLst>
+                                  <p:childTnLst>
+                                    <p:anim calcmode="lin" valueType="num">
+                                      <p:cBhvr>
+                                        <p:cTn id="209" dur="500"/>
+                                        <p:tgtEl>
+                                          <p:spTgt spid="11"/>
+                                        </p:tgtEl>
+                                        <p:attrNameLst>
+                                          <p:attrName>ppt_w</p:attrName>
+                                        </p:attrNameLst>
+                                      </p:cBhvr>
+                                      <p:tavLst>
+                                        <p:tav tm="0">
+                                          <p:val>
+                                            <p:strVal val="ppt_w"/>
+                                          </p:val>
+                                        </p:tav>
+                                        <p:tav tm="100000">
+                                          <p:val>
+                                            <p:fltVal val="0"/>
+                                          </p:val>
+                                        </p:tav>
+                                      </p:tavLst>
+                                    </p:anim>
+                                    <p:anim calcmode="lin" valueType="num">
+                                      <p:cBhvr>
+                                        <p:cTn id="210" dur="500"/>
+                                        <p:tgtEl>
+                                          <p:spTgt spid="11"/>
+                                        </p:tgtEl>
+                                        <p:attrNameLst>
+                                          <p:attrName>ppt_h</p:attrName>
+                                        </p:attrNameLst>
+                                      </p:cBhvr>
+                                      <p:tavLst>
+                                        <p:tav tm="0">
+                                          <p:val>
+                                            <p:strVal val="ppt_h"/>
+                                          </p:val>
+                                        </p:tav>
+                                        <p:tav tm="100000">
+                                          <p:val>
+                                            <p:fltVal val="0"/>
+                                          </p:val>
+                                        </p:tav>
+                                      </p:tavLst>
+                                    </p:anim>
+                                    <p:animEffect transition="out" filter="fade">
+                                      <p:cBhvr>
+                                        <p:cTn id="211" dur="500"/>
+                                        <p:tgtEl>
+                                          <p:spTgt spid="11"/>
+                                        </p:tgtEl>
+                                      </p:cBhvr>
+                                    </p:animEffect>
+                                    <p:set>
+                                      <p:cBhvr>
+                                        <p:cTn id="212" dur="1" fill="hold">
+                                          <p:stCondLst>
+                                            <p:cond delay="499"/>
+                                          </p:stCondLst>
+                                        </p:cTn>
+                                        <p:tgtEl>
+                                          <p:spTgt spid="11"/>
+                                        </p:tgtEl>
+                                        <p:attrNameLst>
+                                          <p:attrName>style.visibility</p:attrName>
+                                        </p:attrNameLst>
+                                      </p:cBhvr>
+                                      <p:to>
+                                        <p:strVal val="hidden"/>
+                                      </p:to>
+                                    </p:set>
+                                  </p:childTnLst>
+                                </p:cTn>
+                              </p:par>
+                              <p:par>
+                                <p:cTn id="213" presetID="53" presetClass="entr" presetSubtype="16" fill="hold" grpId="1" nodeType="withEffect">
+                                  <p:stCondLst>
+                                    <p:cond delay="0"/>
+                                  </p:stCondLst>
+                                  <p:childTnLst>
+                                    <p:set>
+                                      <p:cBhvr>
+                                        <p:cTn id="214" dur="1" fill="hold">
+                                          <p:stCondLst>
+                                            <p:cond delay="0"/>
+                                          </p:stCondLst>
+                                        </p:cTn>
+                                        <p:tgtEl>
+                                          <p:spTgt spid="52"/>
+                                        </p:tgtEl>
+                                        <p:attrNameLst>
+                                          <p:attrName>style.visibility</p:attrName>
+                                        </p:attrNameLst>
+                                      </p:cBhvr>
+                                      <p:to>
+                                        <p:strVal val="visible"/>
+                                      </p:to>
+                                    </p:set>
+                                    <p:anim calcmode="lin" valueType="num">
+                                      <p:cBhvr>
+                                        <p:cTn id="215" dur="500" fill="hold"/>
+                                        <p:tgtEl>
+                                          <p:spTgt spid="52"/>
+                                        </p:tgtEl>
+                                        <p:attrNameLst>
+                                          <p:attrName>ppt_w</p:attrName>
+                                        </p:attrNameLst>
+                                      </p:cBhvr>
+                                      <p:tavLst>
+                                        <p:tav tm="0">
+                                          <p:val>
+                                            <p:fltVal val="0"/>
+                                          </p:val>
+                                        </p:tav>
+                                        <p:tav tm="100000">
+                                          <p:val>
+                                            <p:strVal val="#ppt_w"/>
+                                          </p:val>
+                                        </p:tav>
+                                      </p:tavLst>
+                                    </p:anim>
+                                    <p:anim calcmode="lin" valueType="num">
+                                      <p:cBhvr>
+                                        <p:cTn id="216" dur="500" fill="hold"/>
+                                        <p:tgtEl>
+                                          <p:spTgt spid="52"/>
+                                        </p:tgtEl>
+                                        <p:attrNameLst>
+                                          <p:attrName>ppt_h</p:attrName>
+                                        </p:attrNameLst>
+                                      </p:cBhvr>
+                                      <p:tavLst>
+                                        <p:tav tm="0">
+                                          <p:val>
+                                            <p:fltVal val="0"/>
+                                          </p:val>
+                                        </p:tav>
+                                        <p:tav tm="100000">
+                                          <p:val>
+                                            <p:strVal val="#ppt_h"/>
+                                          </p:val>
+                                        </p:tav>
+                                      </p:tavLst>
+                                    </p:anim>
+                                    <p:animEffect transition="in" filter="fade">
+                                      <p:cBhvr>
+                                        <p:cTn id="217" dur="500"/>
+                                        <p:tgtEl>
+                                          <p:spTgt spid="52"/>
+                                        </p:tgtEl>
+                                      </p:cBhvr>
+                                    </p:animEffect>
+                                  </p:childTnLst>
+                                </p:cTn>
+                              </p:par>
+                            </p:childTnLst>
+                          </p:cTn>
+                        </p:par>
+                        <p:par>
+                          <p:cTn id="218" fill="hold">
+                            <p:stCondLst>
+                              <p:cond delay="500"/>
+                            </p:stCondLst>
+                            <p:childTnLst>
+                              <p:par>
+                                <p:cTn id="219" presetID="22" presetClass="exit" presetSubtype="8" fill="hold" nodeType="afterEffect">
+                                  <p:stCondLst>
+                                    <p:cond delay="0"/>
+                                  </p:stCondLst>
+                                  <p:childTnLst>
+                                    <p:animEffect transition="out" filter="wipe(left)">
+                                      <p:cBhvr>
+                                        <p:cTn id="220" dur="500"/>
+                                        <p:tgtEl>
+                                          <p:spTgt spid="42"/>
+                                        </p:tgtEl>
+                                      </p:cBhvr>
+                                    </p:animEffect>
+                                    <p:set>
+                                      <p:cBhvr>
+                                        <p:cTn id="221" dur="1" fill="hold">
+                                          <p:stCondLst>
+                                            <p:cond delay="499"/>
+                                          </p:stCondLst>
+                                        </p:cTn>
+                                        <p:tgtEl>
+                                          <p:spTgt spid="42"/>
+                                        </p:tgtEl>
+                                        <p:attrNameLst>
+                                          <p:attrName>style.visibility</p:attrName>
+                                        </p:attrNameLst>
+                                      </p:cBhvr>
+                                      <p:to>
+                                        <p:strVal val="hidden"/>
+                                      </p:to>
+                                    </p:set>
+                                  </p:childTnLst>
+                                </p:cTn>
+                              </p:par>
+                              <p:par>
+                                <p:cTn id="222" presetID="22" presetClass="entr" presetSubtype="8" fill="hold" nodeType="withEffect">
+                                  <p:stCondLst>
+                                    <p:cond delay="0"/>
+                                  </p:stCondLst>
+                                  <p:childTnLst>
+                                    <p:set>
+                                      <p:cBhvr>
+                                        <p:cTn id="223" dur="1" fill="hold">
+                                          <p:stCondLst>
+                                            <p:cond delay="0"/>
+                                          </p:stCondLst>
+                                        </p:cTn>
+                                        <p:tgtEl>
+                                          <p:spTgt spid="47"/>
+                                        </p:tgtEl>
+                                        <p:attrNameLst>
+                                          <p:attrName>style.visibility</p:attrName>
+                                        </p:attrNameLst>
+                                      </p:cBhvr>
+                                      <p:to>
+                                        <p:strVal val="visible"/>
+                                      </p:to>
+                                    </p:set>
+                                    <p:animEffect transition="in" filter="wipe(left)">
+                                      <p:cBhvr>
+                                        <p:cTn id="224" dur="500"/>
+                                        <p:tgtEl>
+                                          <p:spTgt spid="47"/>
+                                        </p:tgtEl>
+                                      </p:cBhvr>
+                                    </p:animEffect>
+                                  </p:childTnLst>
+                                </p:cTn>
+                              </p:par>
+                              <p:par>
+                                <p:cTn id="225" presetID="53" presetClass="entr" presetSubtype="16" fill="hold" grpId="0" nodeType="withEffect">
+                                  <p:stCondLst>
+                                    <p:cond delay="0"/>
+                                  </p:stCondLst>
+                                  <p:childTnLst>
+                                    <p:set>
+                                      <p:cBhvr>
+                                        <p:cTn id="226" dur="1" fill="hold">
+                                          <p:stCondLst>
+                                            <p:cond delay="0"/>
+                                          </p:stCondLst>
+                                        </p:cTn>
+                                        <p:tgtEl>
+                                          <p:spTgt spid="46"/>
+                                        </p:tgtEl>
+                                        <p:attrNameLst>
+                                          <p:attrName>style.visibility</p:attrName>
+                                        </p:attrNameLst>
+                                      </p:cBhvr>
+                                      <p:to>
+                                        <p:strVal val="visible"/>
+                                      </p:to>
+                                    </p:set>
+                                    <p:anim calcmode="lin" valueType="num">
+                                      <p:cBhvr>
+                                        <p:cTn id="227" dur="500" fill="hold"/>
+                                        <p:tgtEl>
+                                          <p:spTgt spid="46"/>
+                                        </p:tgtEl>
+                                        <p:attrNameLst>
+                                          <p:attrName>ppt_w</p:attrName>
+                                        </p:attrNameLst>
+                                      </p:cBhvr>
+                                      <p:tavLst>
+                                        <p:tav tm="0">
+                                          <p:val>
+                                            <p:fltVal val="0"/>
+                                          </p:val>
+                                        </p:tav>
+                                        <p:tav tm="100000">
+                                          <p:val>
+                                            <p:strVal val="#ppt_w"/>
+                                          </p:val>
+                                        </p:tav>
+                                      </p:tavLst>
+                                    </p:anim>
+                                    <p:anim calcmode="lin" valueType="num">
+                                      <p:cBhvr>
+                                        <p:cTn id="228" dur="500" fill="hold"/>
+                                        <p:tgtEl>
+                                          <p:spTgt spid="46"/>
+                                        </p:tgtEl>
+                                        <p:attrNameLst>
+                                          <p:attrName>ppt_h</p:attrName>
+                                        </p:attrNameLst>
+                                      </p:cBhvr>
+                                      <p:tavLst>
+                                        <p:tav tm="0">
+                                          <p:val>
+                                            <p:fltVal val="0"/>
+                                          </p:val>
+                                        </p:tav>
+                                        <p:tav tm="100000">
+                                          <p:val>
+                                            <p:strVal val="#ppt_h"/>
+                                          </p:val>
+                                        </p:tav>
+                                      </p:tavLst>
+                                    </p:anim>
+                                    <p:animEffect transition="in" filter="fade">
+                                      <p:cBhvr>
+                                        <p:cTn id="229" dur="500"/>
+                                        <p:tgtEl>
+                                          <p:spTgt spid="46"/>
+                                        </p:tgtEl>
+                                      </p:cBhvr>
+                                    </p:animEffect>
+                                  </p:childTnLst>
+                                </p:cTn>
+                              </p:par>
+                              <p:par>
+                                <p:cTn id="230" presetID="53" presetClass="exit" presetSubtype="32" fill="hold" grpId="0" nodeType="withEffect">
+                                  <p:stCondLst>
+                                    <p:cond delay="0"/>
+                                  </p:stCondLst>
+                                  <p:childTnLst>
+                                    <p:anim calcmode="lin" valueType="num">
+                                      <p:cBhvr>
+                                        <p:cTn id="231" dur="500"/>
+                                        <p:tgtEl>
+                                          <p:spTgt spid="56"/>
+                                        </p:tgtEl>
+                                        <p:attrNameLst>
+                                          <p:attrName>ppt_w</p:attrName>
+                                        </p:attrNameLst>
+                                      </p:cBhvr>
+                                      <p:tavLst>
+                                        <p:tav tm="0">
+                                          <p:val>
+                                            <p:strVal val="ppt_w"/>
+                                          </p:val>
+                                        </p:tav>
+                                        <p:tav tm="100000">
+                                          <p:val>
+                                            <p:fltVal val="0"/>
+                                          </p:val>
+                                        </p:tav>
+                                      </p:tavLst>
+                                    </p:anim>
+                                    <p:anim calcmode="lin" valueType="num">
+                                      <p:cBhvr>
+                                        <p:cTn id="232" dur="500"/>
+                                        <p:tgtEl>
+                                          <p:spTgt spid="56"/>
+                                        </p:tgtEl>
+                                        <p:attrNameLst>
+                                          <p:attrName>ppt_h</p:attrName>
+                                        </p:attrNameLst>
+                                      </p:cBhvr>
+                                      <p:tavLst>
+                                        <p:tav tm="0">
+                                          <p:val>
+                                            <p:strVal val="ppt_h"/>
+                                          </p:val>
+                                        </p:tav>
+                                        <p:tav tm="100000">
+                                          <p:val>
+                                            <p:fltVal val="0"/>
+                                          </p:val>
+                                        </p:tav>
+                                      </p:tavLst>
+                                    </p:anim>
+                                    <p:animEffect transition="out" filter="fade">
+                                      <p:cBhvr>
+                                        <p:cTn id="233" dur="500"/>
+                                        <p:tgtEl>
+                                          <p:spTgt spid="56"/>
+                                        </p:tgtEl>
+                                      </p:cBhvr>
+                                    </p:animEffect>
+                                    <p:set>
+                                      <p:cBhvr>
+                                        <p:cTn id="234" dur="1" fill="hold">
+                                          <p:stCondLst>
+                                            <p:cond delay="499"/>
+                                          </p:stCondLst>
+                                        </p:cTn>
+                                        <p:tgtEl>
+                                          <p:spTgt spid="56"/>
+                                        </p:tgtEl>
+                                        <p:attrNameLst>
+                                          <p:attrName>style.visibility</p:attrName>
+                                        </p:attrNameLst>
+                                      </p:cBhvr>
+                                      <p:to>
+                                        <p:strVal val="hidden"/>
+                                      </p:to>
+                                    </p:set>
+                                  </p:childTnLst>
+                                </p:cTn>
+                              </p:par>
+                            </p:childTnLst>
+                          </p:cTn>
+                        </p:par>
+                      </p:childTnLst>
+                    </p:cTn>
+                  </p:par>
+                  <p:par>
+                    <p:cTn id="235" fill="hold">
+                      <p:stCondLst>
+                        <p:cond delay="indefinite"/>
+                      </p:stCondLst>
+                      <p:childTnLst>
+                        <p:par>
+                          <p:cTn id="236" fill="hold">
+                            <p:stCondLst>
+                              <p:cond delay="0"/>
+                            </p:stCondLst>
+                            <p:childTnLst>
+                              <p:par>
+                                <p:cTn id="237" presetID="53" presetClass="exit" presetSubtype="32" fill="hold" grpId="1" nodeType="clickEffect">
+                                  <p:stCondLst>
+                                    <p:cond delay="0"/>
+                                  </p:stCondLst>
+                                  <p:childTnLst>
+                                    <p:anim calcmode="lin" valueType="num">
+                                      <p:cBhvr>
+                                        <p:cTn id="238" dur="500"/>
+                                        <p:tgtEl>
+                                          <p:spTgt spid="41"/>
+                                        </p:tgtEl>
+                                        <p:attrNameLst>
+                                          <p:attrName>ppt_w</p:attrName>
+                                        </p:attrNameLst>
+                                      </p:cBhvr>
+                                      <p:tavLst>
+                                        <p:tav tm="0">
+                                          <p:val>
+                                            <p:strVal val="ppt_w"/>
+                                          </p:val>
+                                        </p:tav>
+                                        <p:tav tm="100000">
+                                          <p:val>
+                                            <p:fltVal val="0"/>
+                                          </p:val>
+                                        </p:tav>
+                                      </p:tavLst>
+                                    </p:anim>
+                                    <p:anim calcmode="lin" valueType="num">
+                                      <p:cBhvr>
+                                        <p:cTn id="239" dur="500"/>
+                                        <p:tgtEl>
+                                          <p:spTgt spid="41"/>
+                                        </p:tgtEl>
+                                        <p:attrNameLst>
+                                          <p:attrName>ppt_h</p:attrName>
+                                        </p:attrNameLst>
+                                      </p:cBhvr>
+                                      <p:tavLst>
+                                        <p:tav tm="0">
+                                          <p:val>
+                                            <p:strVal val="ppt_h"/>
+                                          </p:val>
+                                        </p:tav>
+                                        <p:tav tm="100000">
+                                          <p:val>
+                                            <p:fltVal val="0"/>
+                                          </p:val>
+                                        </p:tav>
+                                      </p:tavLst>
+                                    </p:anim>
+                                    <p:animEffect transition="out" filter="fade">
+                                      <p:cBhvr>
+                                        <p:cTn id="240" dur="500"/>
+                                        <p:tgtEl>
+                                          <p:spTgt spid="41"/>
+                                        </p:tgtEl>
+                                      </p:cBhvr>
+                                    </p:animEffect>
+                                    <p:set>
+                                      <p:cBhvr>
+                                        <p:cTn id="241" dur="1" fill="hold">
+                                          <p:stCondLst>
+                                            <p:cond delay="499"/>
+                                          </p:stCondLst>
+                                        </p:cTn>
+                                        <p:tgtEl>
+                                          <p:spTgt spid="41"/>
+                                        </p:tgtEl>
+                                        <p:attrNameLst>
+                                          <p:attrName>style.visibility</p:attrName>
+                                        </p:attrNameLst>
+                                      </p:cBhvr>
+                                      <p:to>
+                                        <p:strVal val="hidden"/>
+                                      </p:to>
+                                    </p:set>
+                                  </p:childTnLst>
+                                </p:cTn>
+                              </p:par>
+                              <p:par>
+                                <p:cTn id="242" presetID="53" presetClass="entr" presetSubtype="16" fill="hold" grpId="1" nodeType="withEffect">
+                                  <p:stCondLst>
+                                    <p:cond delay="0"/>
+                                  </p:stCondLst>
+                                  <p:childTnLst>
+                                    <p:set>
+                                      <p:cBhvr>
+                                        <p:cTn id="243" dur="1" fill="hold">
+                                          <p:stCondLst>
+                                            <p:cond delay="0"/>
+                                          </p:stCondLst>
+                                        </p:cTn>
+                                        <p:tgtEl>
+                                          <p:spTgt spid="53"/>
+                                        </p:tgtEl>
+                                        <p:attrNameLst>
+                                          <p:attrName>style.visibility</p:attrName>
+                                        </p:attrNameLst>
+                                      </p:cBhvr>
+                                      <p:to>
+                                        <p:strVal val="visible"/>
+                                      </p:to>
+                                    </p:set>
+                                    <p:anim calcmode="lin" valueType="num">
+                                      <p:cBhvr>
+                                        <p:cTn id="244" dur="500" fill="hold"/>
+                                        <p:tgtEl>
+                                          <p:spTgt spid="53"/>
+                                        </p:tgtEl>
+                                        <p:attrNameLst>
+                                          <p:attrName>ppt_w</p:attrName>
+                                        </p:attrNameLst>
+                                      </p:cBhvr>
+                                      <p:tavLst>
+                                        <p:tav tm="0">
+                                          <p:val>
+                                            <p:fltVal val="0"/>
+                                          </p:val>
+                                        </p:tav>
+                                        <p:tav tm="100000">
+                                          <p:val>
+                                            <p:strVal val="#ppt_w"/>
+                                          </p:val>
+                                        </p:tav>
+                                      </p:tavLst>
+                                    </p:anim>
+                                    <p:anim calcmode="lin" valueType="num">
+                                      <p:cBhvr>
+                                        <p:cTn id="245" dur="500" fill="hold"/>
+                                        <p:tgtEl>
+                                          <p:spTgt spid="53"/>
+                                        </p:tgtEl>
+                                        <p:attrNameLst>
+                                          <p:attrName>ppt_h</p:attrName>
+                                        </p:attrNameLst>
+                                      </p:cBhvr>
+                                      <p:tavLst>
+                                        <p:tav tm="0">
+                                          <p:val>
+                                            <p:fltVal val="0"/>
+                                          </p:val>
+                                        </p:tav>
+                                        <p:tav tm="100000">
+                                          <p:val>
+                                            <p:strVal val="#ppt_h"/>
+                                          </p:val>
+                                        </p:tav>
+                                      </p:tavLst>
+                                    </p:anim>
+                                    <p:animEffect transition="in" filter="fade">
+                                      <p:cBhvr>
+                                        <p:cTn id="246" dur="500"/>
+                                        <p:tgtEl>
+                                          <p:spTgt spid="53"/>
+                                        </p:tgtEl>
+                                      </p:cBhvr>
+                                    </p:animEffect>
+                                  </p:childTnLst>
+                                </p:cTn>
+                              </p:par>
+                            </p:childTnLst>
+                          </p:cTn>
+                        </p:par>
+                        <p:par>
+                          <p:cTn id="247" fill="hold">
+                            <p:stCondLst>
+                              <p:cond delay="500"/>
+                            </p:stCondLst>
+                            <p:childTnLst>
+                              <p:par>
+                                <p:cTn id="248" presetID="22" presetClass="exit" presetSubtype="8" fill="hold" nodeType="afterEffect">
+                                  <p:stCondLst>
+                                    <p:cond delay="0"/>
+                                  </p:stCondLst>
+                                  <p:childTnLst>
+                                    <p:animEffect transition="out" filter="wipe(left)">
+                                      <p:cBhvr>
+                                        <p:cTn id="249" dur="500"/>
+                                        <p:tgtEl>
+                                          <p:spTgt spid="44"/>
+                                        </p:tgtEl>
+                                      </p:cBhvr>
+                                    </p:animEffect>
+                                    <p:set>
+                                      <p:cBhvr>
+                                        <p:cTn id="250" dur="1" fill="hold">
+                                          <p:stCondLst>
+                                            <p:cond delay="499"/>
+                                          </p:stCondLst>
+                                        </p:cTn>
+                                        <p:tgtEl>
+                                          <p:spTgt spid="44"/>
+                                        </p:tgtEl>
+                                        <p:attrNameLst>
+                                          <p:attrName>style.visibility</p:attrName>
+                                        </p:attrNameLst>
+                                      </p:cBhvr>
+                                      <p:to>
+                                        <p:strVal val="hidden"/>
+                                      </p:to>
+                                    </p:set>
+                                  </p:childTnLst>
+                                </p:cTn>
+                              </p:par>
+                            </p:childTnLst>
+                          </p:cTn>
+                        </p:par>
+                      </p:childTnLst>
+                    </p:cTn>
+                  </p:par>
+                  <p:par>
+                    <p:cTn id="251" fill="hold">
+                      <p:stCondLst>
+                        <p:cond delay="indefinite"/>
+                      </p:stCondLst>
+                      <p:childTnLst>
+                        <p:par>
+                          <p:cTn id="252" fill="hold">
+                            <p:stCondLst>
+                              <p:cond delay="0"/>
+                            </p:stCondLst>
+                            <p:childTnLst>
+                              <p:par>
+                                <p:cTn id="253" presetID="53" presetClass="exit" presetSubtype="32" fill="hold" grpId="1" nodeType="clickEffect">
+                                  <p:stCondLst>
+                                    <p:cond delay="0"/>
+                                  </p:stCondLst>
+                                  <p:childTnLst>
+                                    <p:anim calcmode="lin" valueType="num">
+                                      <p:cBhvr>
+                                        <p:cTn id="254" dur="500"/>
+                                        <p:tgtEl>
+                                          <p:spTgt spid="43"/>
+                                        </p:tgtEl>
+                                        <p:attrNameLst>
+                                          <p:attrName>ppt_w</p:attrName>
+                                        </p:attrNameLst>
+                                      </p:cBhvr>
+                                      <p:tavLst>
+                                        <p:tav tm="0">
+                                          <p:val>
+                                            <p:strVal val="ppt_w"/>
+                                          </p:val>
+                                        </p:tav>
+                                        <p:tav tm="100000">
+                                          <p:val>
+                                            <p:fltVal val="0"/>
+                                          </p:val>
+                                        </p:tav>
+                                      </p:tavLst>
+                                    </p:anim>
+                                    <p:anim calcmode="lin" valueType="num">
+                                      <p:cBhvr>
+                                        <p:cTn id="255" dur="500"/>
+                                        <p:tgtEl>
+                                          <p:spTgt spid="43"/>
+                                        </p:tgtEl>
+                                        <p:attrNameLst>
+                                          <p:attrName>ppt_h</p:attrName>
+                                        </p:attrNameLst>
+                                      </p:cBhvr>
+                                      <p:tavLst>
+                                        <p:tav tm="0">
+                                          <p:val>
+                                            <p:strVal val="ppt_h"/>
+                                          </p:val>
+                                        </p:tav>
+                                        <p:tav tm="100000">
+                                          <p:val>
+                                            <p:fltVal val="0"/>
+                                          </p:val>
+                                        </p:tav>
+                                      </p:tavLst>
+                                    </p:anim>
+                                    <p:animEffect transition="out" filter="fade">
+                                      <p:cBhvr>
+                                        <p:cTn id="256" dur="500"/>
+                                        <p:tgtEl>
+                                          <p:spTgt spid="43"/>
+                                        </p:tgtEl>
+                                      </p:cBhvr>
+                                    </p:animEffect>
+                                    <p:set>
+                                      <p:cBhvr>
+                                        <p:cTn id="257" dur="1" fill="hold">
+                                          <p:stCondLst>
+                                            <p:cond delay="499"/>
+                                          </p:stCondLst>
+                                        </p:cTn>
+                                        <p:tgtEl>
+                                          <p:spTgt spid="43"/>
+                                        </p:tgtEl>
+                                        <p:attrNameLst>
+                                          <p:attrName>style.visibility</p:attrName>
+                                        </p:attrNameLst>
+                                      </p:cBhvr>
+                                      <p:to>
+                                        <p:strVal val="hidden"/>
+                                      </p:to>
+                                    </p:set>
+                                  </p:childTnLst>
+                                </p:cTn>
+                              </p:par>
+                              <p:par>
+                                <p:cTn id="258" presetID="53" presetClass="entr" presetSubtype="16" fill="hold" grpId="1" nodeType="withEffect">
+                                  <p:stCondLst>
+                                    <p:cond delay="0"/>
+                                  </p:stCondLst>
+                                  <p:childTnLst>
+                                    <p:set>
+                                      <p:cBhvr>
+                                        <p:cTn id="259" dur="1" fill="hold">
+                                          <p:stCondLst>
+                                            <p:cond delay="0"/>
+                                          </p:stCondLst>
+                                        </p:cTn>
+                                        <p:tgtEl>
+                                          <p:spTgt spid="54"/>
+                                        </p:tgtEl>
+                                        <p:attrNameLst>
+                                          <p:attrName>style.visibility</p:attrName>
+                                        </p:attrNameLst>
+                                      </p:cBhvr>
+                                      <p:to>
+                                        <p:strVal val="visible"/>
+                                      </p:to>
+                                    </p:set>
+                                    <p:anim calcmode="lin" valueType="num">
+                                      <p:cBhvr>
+                                        <p:cTn id="260" dur="500" fill="hold"/>
+                                        <p:tgtEl>
+                                          <p:spTgt spid="54"/>
+                                        </p:tgtEl>
+                                        <p:attrNameLst>
+                                          <p:attrName>ppt_w</p:attrName>
+                                        </p:attrNameLst>
+                                      </p:cBhvr>
+                                      <p:tavLst>
+                                        <p:tav tm="0">
+                                          <p:val>
+                                            <p:fltVal val="0"/>
+                                          </p:val>
+                                        </p:tav>
+                                        <p:tav tm="100000">
+                                          <p:val>
+                                            <p:strVal val="#ppt_w"/>
+                                          </p:val>
+                                        </p:tav>
+                                      </p:tavLst>
+                                    </p:anim>
+                                    <p:anim calcmode="lin" valueType="num">
+                                      <p:cBhvr>
+                                        <p:cTn id="261" dur="500" fill="hold"/>
+                                        <p:tgtEl>
+                                          <p:spTgt spid="54"/>
+                                        </p:tgtEl>
+                                        <p:attrNameLst>
+                                          <p:attrName>ppt_h</p:attrName>
+                                        </p:attrNameLst>
+                                      </p:cBhvr>
+                                      <p:tavLst>
+                                        <p:tav tm="0">
+                                          <p:val>
+                                            <p:fltVal val="0"/>
+                                          </p:val>
+                                        </p:tav>
+                                        <p:tav tm="100000">
+                                          <p:val>
+                                            <p:strVal val="#ppt_h"/>
+                                          </p:val>
+                                        </p:tav>
+                                      </p:tavLst>
+                                    </p:anim>
+                                    <p:animEffect transition="in" filter="fade">
+                                      <p:cBhvr>
+                                        <p:cTn id="262" dur="500"/>
+                                        <p:tgtEl>
+                                          <p:spTgt spid="54"/>
+                                        </p:tgtEl>
+                                      </p:cBhvr>
+                                    </p:animEffect>
+                                  </p:childTnLst>
+                                </p:cTn>
+                              </p:par>
+                            </p:childTnLst>
+                          </p:cTn>
+                        </p:par>
+                        <p:par>
+                          <p:cTn id="263" fill="hold">
+                            <p:stCondLst>
+                              <p:cond delay="500"/>
+                            </p:stCondLst>
+                            <p:childTnLst>
+                              <p:par>
+                                <p:cTn id="264" presetID="22" presetClass="exit" presetSubtype="8" fill="hold" nodeType="afterEffect">
+                                  <p:stCondLst>
+                                    <p:cond delay="0"/>
+                                  </p:stCondLst>
+                                  <p:childTnLst>
+                                    <p:animEffect transition="out" filter="wipe(left)">
+                                      <p:cBhvr>
+                                        <p:cTn id="265" dur="500"/>
+                                        <p:tgtEl>
+                                          <p:spTgt spid="48"/>
+                                        </p:tgtEl>
+                                      </p:cBhvr>
+                                    </p:animEffect>
+                                    <p:set>
+                                      <p:cBhvr>
+                                        <p:cTn id="266" dur="1" fill="hold">
+                                          <p:stCondLst>
+                                            <p:cond delay="499"/>
+                                          </p:stCondLst>
+                                        </p:cTn>
+                                        <p:tgtEl>
+                                          <p:spTgt spid="48"/>
+                                        </p:tgtEl>
+                                        <p:attrNameLst>
+                                          <p:attrName>style.visibility</p:attrName>
+                                        </p:attrNameLst>
+                                      </p:cBhvr>
+                                      <p:to>
+                                        <p:strVal val="hidden"/>
+                                      </p:to>
+                                    </p:set>
+                                  </p:childTnLst>
+                                </p:cTn>
+                              </p:par>
+                            </p:childTnLst>
+                          </p:cTn>
+                        </p:par>
+                      </p:childTnLst>
+                    </p:cTn>
+                  </p:par>
+                  <p:par>
+                    <p:cTn id="267" fill="hold">
+                      <p:stCondLst>
+                        <p:cond delay="indefinite"/>
+                      </p:stCondLst>
+                      <p:childTnLst>
+                        <p:par>
+                          <p:cTn id="268" fill="hold">
+                            <p:stCondLst>
+                              <p:cond delay="0"/>
+                            </p:stCondLst>
+                            <p:childTnLst>
+                              <p:par>
+                                <p:cTn id="269" presetID="53" presetClass="exit" presetSubtype="32" fill="hold" grpId="1" nodeType="clickEffect">
+                                  <p:stCondLst>
+                                    <p:cond delay="0"/>
+                                  </p:stCondLst>
+                                  <p:childTnLst>
+                                    <p:anim calcmode="lin" valueType="num">
+                                      <p:cBhvr>
+                                        <p:cTn id="270" dur="500"/>
+                                        <p:tgtEl>
+                                          <p:spTgt spid="45"/>
+                                        </p:tgtEl>
+                                        <p:attrNameLst>
+                                          <p:attrName>ppt_w</p:attrName>
+                                        </p:attrNameLst>
+                                      </p:cBhvr>
+                                      <p:tavLst>
+                                        <p:tav tm="0">
+                                          <p:val>
+                                            <p:strVal val="ppt_w"/>
+                                          </p:val>
+                                        </p:tav>
+                                        <p:tav tm="100000">
+                                          <p:val>
+                                            <p:fltVal val="0"/>
+                                          </p:val>
+                                        </p:tav>
+                                      </p:tavLst>
+                                    </p:anim>
+                                    <p:anim calcmode="lin" valueType="num">
+                                      <p:cBhvr>
+                                        <p:cTn id="271" dur="500"/>
+                                        <p:tgtEl>
+                                          <p:spTgt spid="45"/>
+                                        </p:tgtEl>
+                                        <p:attrNameLst>
+                                          <p:attrName>ppt_h</p:attrName>
+                                        </p:attrNameLst>
+                                      </p:cBhvr>
+                                      <p:tavLst>
+                                        <p:tav tm="0">
+                                          <p:val>
+                                            <p:strVal val="ppt_h"/>
+                                          </p:val>
+                                        </p:tav>
+                                        <p:tav tm="100000">
+                                          <p:val>
+                                            <p:fltVal val="0"/>
+                                          </p:val>
+                                        </p:tav>
+                                      </p:tavLst>
+                                    </p:anim>
+                                    <p:animEffect transition="out" filter="fade">
+                                      <p:cBhvr>
+                                        <p:cTn id="272" dur="500"/>
+                                        <p:tgtEl>
+                                          <p:spTgt spid="45"/>
+                                        </p:tgtEl>
+                                      </p:cBhvr>
+                                    </p:animEffect>
+                                    <p:set>
+                                      <p:cBhvr>
+                                        <p:cTn id="273" dur="1" fill="hold">
+                                          <p:stCondLst>
+                                            <p:cond delay="499"/>
+                                          </p:stCondLst>
+                                        </p:cTn>
+                                        <p:tgtEl>
+                                          <p:spTgt spid="45"/>
+                                        </p:tgtEl>
+                                        <p:attrNameLst>
+                                          <p:attrName>style.visibility</p:attrName>
+                                        </p:attrNameLst>
+                                      </p:cBhvr>
+                                      <p:to>
+                                        <p:strVal val="hidden"/>
+                                      </p:to>
+                                    </p:set>
+                                  </p:childTnLst>
+                                </p:cTn>
+                              </p:par>
+                              <p:par>
+                                <p:cTn id="274" presetID="53" presetClass="entr" presetSubtype="16" fill="hold" grpId="1" nodeType="withEffect">
+                                  <p:stCondLst>
+                                    <p:cond delay="0"/>
+                                  </p:stCondLst>
+                                  <p:childTnLst>
+                                    <p:set>
+                                      <p:cBhvr>
+                                        <p:cTn id="275" dur="1" fill="hold">
+                                          <p:stCondLst>
+                                            <p:cond delay="0"/>
+                                          </p:stCondLst>
+                                        </p:cTn>
+                                        <p:tgtEl>
+                                          <p:spTgt spid="55"/>
+                                        </p:tgtEl>
+                                        <p:attrNameLst>
+                                          <p:attrName>style.visibility</p:attrName>
+                                        </p:attrNameLst>
+                                      </p:cBhvr>
+                                      <p:to>
+                                        <p:strVal val="visible"/>
+                                      </p:to>
+                                    </p:set>
+                                    <p:anim calcmode="lin" valueType="num">
+                                      <p:cBhvr>
+                                        <p:cTn id="276" dur="500" fill="hold"/>
+                                        <p:tgtEl>
+                                          <p:spTgt spid="55"/>
+                                        </p:tgtEl>
+                                        <p:attrNameLst>
+                                          <p:attrName>ppt_w</p:attrName>
+                                        </p:attrNameLst>
+                                      </p:cBhvr>
+                                      <p:tavLst>
+                                        <p:tav tm="0">
+                                          <p:val>
+                                            <p:fltVal val="0"/>
+                                          </p:val>
+                                        </p:tav>
+                                        <p:tav tm="100000">
+                                          <p:val>
+                                            <p:strVal val="#ppt_w"/>
+                                          </p:val>
+                                        </p:tav>
+                                      </p:tavLst>
+                                    </p:anim>
+                                    <p:anim calcmode="lin" valueType="num">
+                                      <p:cBhvr>
+                                        <p:cTn id="277" dur="500" fill="hold"/>
+                                        <p:tgtEl>
+                                          <p:spTgt spid="55"/>
+                                        </p:tgtEl>
+                                        <p:attrNameLst>
+                                          <p:attrName>ppt_h</p:attrName>
+                                        </p:attrNameLst>
+                                      </p:cBhvr>
+                                      <p:tavLst>
+                                        <p:tav tm="0">
+                                          <p:val>
+                                            <p:fltVal val="0"/>
+                                          </p:val>
+                                        </p:tav>
+                                        <p:tav tm="100000">
+                                          <p:val>
+                                            <p:strVal val="#ppt_h"/>
+                                          </p:val>
+                                        </p:tav>
+                                      </p:tavLst>
+                                    </p:anim>
+                                    <p:animEffect transition="in" filter="fade">
+                                      <p:cBhvr>
+                                        <p:cTn id="278" dur="500"/>
+                                        <p:tgtEl>
+                                          <p:spTgt spid="55"/>
+                                        </p:tgtEl>
+                                      </p:cBhvr>
+                                    </p:animEffect>
+                                  </p:childTnLst>
+                                </p:cTn>
+                              </p:par>
+                            </p:childTnLst>
+                          </p:cTn>
+                        </p:par>
+                        <p:par>
+                          <p:cTn id="279" fill="hold">
+                            <p:stCondLst>
+                              <p:cond delay="500"/>
+                            </p:stCondLst>
+                            <p:childTnLst>
+                              <p:par>
+                                <p:cTn id="280" presetID="22" presetClass="exit" presetSubtype="8" fill="hold" nodeType="afterEffect">
+                                  <p:stCondLst>
+                                    <p:cond delay="0"/>
+                                  </p:stCondLst>
+                                  <p:childTnLst>
+                                    <p:animEffect transition="out" filter="wipe(left)">
+                                      <p:cBhvr>
+                                        <p:cTn id="281" dur="500"/>
+                                        <p:tgtEl>
+                                          <p:spTgt spid="47"/>
+                                        </p:tgtEl>
+                                      </p:cBhvr>
+                                    </p:animEffect>
+                                    <p:set>
+                                      <p:cBhvr>
+                                        <p:cTn id="282" dur="1" fill="hold">
+                                          <p:stCondLst>
+                                            <p:cond delay="499"/>
+                                          </p:stCondLst>
+                                        </p:cTn>
+                                        <p:tgtEl>
+                                          <p:spTgt spid="47"/>
+                                        </p:tgtEl>
+                                        <p:attrNameLst>
+                                          <p:attrName>style.visibility</p:attrName>
+                                        </p:attrNameLst>
+                                      </p:cBhvr>
+                                      <p:to>
+                                        <p:strVal val="hidden"/>
+                                      </p:to>
+                                    </p:set>
+                                  </p:childTnLst>
+                                </p:cTn>
+                              </p:par>
+                            </p:childTnLst>
+                          </p:cTn>
+                        </p:par>
+                      </p:childTnLst>
+                    </p:cTn>
+                  </p:par>
+                  <p:par>
+                    <p:cTn id="283" fill="hold">
+                      <p:stCondLst>
+                        <p:cond delay="indefinite"/>
+                      </p:stCondLst>
+                      <p:childTnLst>
+                        <p:par>
+                          <p:cTn id="284" fill="hold">
+                            <p:stCondLst>
+                              <p:cond delay="0"/>
+                            </p:stCondLst>
+                            <p:childTnLst>
+                              <p:par>
+                                <p:cTn id="285" presetID="53" presetClass="exit" presetSubtype="32" fill="hold" grpId="1" nodeType="clickEffect">
+                                  <p:stCondLst>
+                                    <p:cond delay="0"/>
+                                  </p:stCondLst>
+                                  <p:childTnLst>
+                                    <p:anim calcmode="lin" valueType="num">
+                                      <p:cBhvr>
+                                        <p:cTn id="286" dur="500"/>
+                                        <p:tgtEl>
+                                          <p:spTgt spid="46"/>
+                                        </p:tgtEl>
+                                        <p:attrNameLst>
+                                          <p:attrName>ppt_w</p:attrName>
+                                        </p:attrNameLst>
+                                      </p:cBhvr>
+                                      <p:tavLst>
+                                        <p:tav tm="0">
+                                          <p:val>
+                                            <p:strVal val="ppt_w"/>
+                                          </p:val>
+                                        </p:tav>
+                                        <p:tav tm="100000">
+                                          <p:val>
+                                            <p:fltVal val="0"/>
+                                          </p:val>
+                                        </p:tav>
+                                      </p:tavLst>
+                                    </p:anim>
+                                    <p:anim calcmode="lin" valueType="num">
+                                      <p:cBhvr>
+                                        <p:cTn id="287" dur="500"/>
+                                        <p:tgtEl>
+                                          <p:spTgt spid="46"/>
+                                        </p:tgtEl>
+                                        <p:attrNameLst>
+                                          <p:attrName>ppt_h</p:attrName>
+                                        </p:attrNameLst>
+                                      </p:cBhvr>
+                                      <p:tavLst>
+                                        <p:tav tm="0">
+                                          <p:val>
+                                            <p:strVal val="ppt_h"/>
+                                          </p:val>
+                                        </p:tav>
+                                        <p:tav tm="100000">
+                                          <p:val>
+                                            <p:fltVal val="0"/>
+                                          </p:val>
+                                        </p:tav>
+                                      </p:tavLst>
+                                    </p:anim>
+                                    <p:animEffect transition="out" filter="fade">
+                                      <p:cBhvr>
+                                        <p:cTn id="288" dur="500"/>
+                                        <p:tgtEl>
+                                          <p:spTgt spid="46"/>
+                                        </p:tgtEl>
+                                      </p:cBhvr>
+                                    </p:animEffect>
+                                    <p:set>
+                                      <p:cBhvr>
+                                        <p:cTn id="289" dur="1" fill="hold">
+                                          <p:stCondLst>
+                                            <p:cond delay="499"/>
+                                          </p:stCondLst>
+                                        </p:cTn>
+                                        <p:tgtEl>
+                                          <p:spTgt spid="46"/>
+                                        </p:tgtEl>
+                                        <p:attrNameLst>
+                                          <p:attrName>style.visibility</p:attrName>
+                                        </p:attrNameLst>
+                                      </p:cBhvr>
+                                      <p:to>
+                                        <p:strVal val="hidden"/>
+                                      </p:to>
+                                    </p:set>
+                                  </p:childTnLst>
+                                </p:cTn>
+                              </p:par>
+                              <p:par>
+                                <p:cTn id="290" presetID="53" presetClass="entr" presetSubtype="16" fill="hold" grpId="1" nodeType="withEffect">
+                                  <p:stCondLst>
+                                    <p:cond delay="0"/>
+                                  </p:stCondLst>
+                                  <p:childTnLst>
+                                    <p:set>
+                                      <p:cBhvr>
+                                        <p:cTn id="291" dur="1" fill="hold">
+                                          <p:stCondLst>
+                                            <p:cond delay="0"/>
+                                          </p:stCondLst>
+                                        </p:cTn>
+                                        <p:tgtEl>
+                                          <p:spTgt spid="56"/>
+                                        </p:tgtEl>
+                                        <p:attrNameLst>
+                                          <p:attrName>style.visibility</p:attrName>
+                                        </p:attrNameLst>
+                                      </p:cBhvr>
+                                      <p:to>
+                                        <p:strVal val="visible"/>
+                                      </p:to>
+                                    </p:set>
+                                    <p:anim calcmode="lin" valueType="num">
+                                      <p:cBhvr>
+                                        <p:cTn id="292" dur="500" fill="hold"/>
+                                        <p:tgtEl>
+                                          <p:spTgt spid="56"/>
+                                        </p:tgtEl>
+                                        <p:attrNameLst>
+                                          <p:attrName>ppt_w</p:attrName>
+                                        </p:attrNameLst>
+                                      </p:cBhvr>
+                                      <p:tavLst>
+                                        <p:tav tm="0">
+                                          <p:val>
+                                            <p:fltVal val="0"/>
+                                          </p:val>
+                                        </p:tav>
+                                        <p:tav tm="100000">
+                                          <p:val>
+                                            <p:strVal val="#ppt_w"/>
+                                          </p:val>
+                                        </p:tav>
+                                      </p:tavLst>
+                                    </p:anim>
+                                    <p:anim calcmode="lin" valueType="num">
+                                      <p:cBhvr>
+                                        <p:cTn id="293" dur="500" fill="hold"/>
+                                        <p:tgtEl>
+                                          <p:spTgt spid="56"/>
+                                        </p:tgtEl>
+                                        <p:attrNameLst>
+                                          <p:attrName>ppt_h</p:attrName>
+                                        </p:attrNameLst>
+                                      </p:cBhvr>
+                                      <p:tavLst>
+                                        <p:tav tm="0">
+                                          <p:val>
+                                            <p:fltVal val="0"/>
+                                          </p:val>
+                                        </p:tav>
+                                        <p:tav tm="100000">
+                                          <p:val>
+                                            <p:strVal val="#ppt_h"/>
+                                          </p:val>
+                                        </p:tav>
+                                      </p:tavLst>
+                                    </p:anim>
+                                    <p:animEffect transition="in" filter="fade">
+                                      <p:cBhvr>
+                                        <p:cTn id="294" dur="500"/>
+                                        <p:tgtEl>
+                                          <p:spTgt spid="56"/>
+                                        </p:tgtEl>
+                                      </p:cBhvr>
+                                    </p:animEffect>
+                                  </p:childTnLst>
+                                </p:cTn>
+                              </p:par>
+                            </p:childTnLst>
+                          </p:cTn>
+                        </p:par>
+                      </p:childTnLst>
+                    </p:cTn>
+                  </p:par>
+                </p:childTnLst>
+              </p:cTn>
+              <p:prevCondLst>
+                <p:cond evt="onPrev" delay="0">
+                  <p:tgtEl>
+                    <p:sldTgt/>
+                  </p:tgtEl>
+                </p:cond>
+              </p:prevCondLst>
+              <p:nextCondLst>
+                <p:cond evt="onNext" delay="0">
+                  <p:tgtEl>
+                    <p:sldTgt/>
+                  </p:tgtEl>
+                </p:cond>
+              </p:nextCondLst>
+            </p:seq>
+          </p:childTnLst>
+        </p:cTn>
+      </p:par>
+    </p:tnLst>
+    <p:bldLst>
+      <p:bldP spid="3" grpId="0" animBg="1"/>
+      <p:bldP spid="3" grpId="1" animBg="1"/>
+      <p:bldP spid="10" grpId="0" animBg="1"/>
+      <p:bldP spid="10" grpId="1" animBg="1"/>
+      <p:bldP spid="11" grpId="0" animBg="1"/>
+      <p:bldP spid="11" grpId="1" animBg="1"/>
+      <p:bldP spid="41" grpId="0" animBg="1"/>
+      <p:bldP spid="41" grpId="1" animBg="1"/>
+      <p:bldP spid="43" grpId="0" animBg="1"/>
+      <p:bldP spid="43" grpId="1" animBg="1"/>
+      <p:bldP spid="45" grpId="0" animBg="1"/>
+      <p:bldP spid="45" grpId="1" animBg="1"/>
+      <p:bldP spid="46" grpId="0" animBg="1"/>
+      <p:bldP spid="46" grpId="1" animBg="1"/>
+      <p:bldP spid="51" grpId="0" animBg="1"/>
+      <p:bldP spid="51" grpId="1" animBg="1"/>
+      <p:bldP spid="51" grpId="2" animBg="1"/>
+      <p:bldP spid="52" grpId="0" animBg="1"/>
+      <p:bldP spid="52" grpId="1" animBg="1"/>
+      <p:bldP spid="52" grpId="2" animBg="1"/>
+      <p:bldP spid="53" grpId="0" animBg="1"/>
+      <p:bldP spid="53" grpId="1" animBg="1"/>
+      <p:bldP spid="53" grpId="2" animBg="1"/>
+      <p:bldP spid="54" grpId="0" animBg="1"/>
+      <p:bldP spid="54" grpId="1" animBg="1"/>
+      <p:bldP spid="54" grpId="2" animBg="1"/>
+      <p:bldP spid="55" grpId="0" animBg="1"/>
+      <p:bldP spid="55" grpId="1" animBg="1"/>
+      <p:bldP spid="55" grpId="2" animBg="1"/>
+      <p:bldP spid="56" grpId="0" animBg="1"/>
+      <p:bldP spid="56" grpId="1" animBg="1"/>
+      <p:bldP spid="56" grpId="2" animBg="1"/>
+      <p:bldP spid="58" grpId="0" animBg="1"/>
+      <p:bldP spid="58" grpId="1" animBg="1"/>
+      <p:bldP spid="58" grpId="2" animBg="1"/>
+      <p:bldP spid="9" grpId="0" animBg="1"/>
+      <p:bldP spid="9" grpId="1" animBg="1"/>
+      <p:bldP spid="59" grpId="0" animBg="1"/>
+      <p:bldP spid="59" grpId="1" animBg="1"/>
+      <p:bldP spid="59" grpId="2" animBg="1"/>
+      <p:bldP spid="66" grpId="0" animBg="1"/>
+      <p:bldP spid="67" grpId="0" animBg="1"/>
+      <p:bldP spid="70" grpId="0" animBg="1"/>
+      <p:bldP spid="71" grpId="0" animBg="1"/>
+      <p:bldP spid="72" grpId="0" animBg="1"/>
+      <p:bldP spid="73" grpId="0" animBg="1"/>
+      <p:bldP spid="74" grpId="0" animBg="1"/>
+      <p:bldP spid="75" grpId="0" animBg="1"/>
+      <p:bldP spid="77" grpId="0"/>
+    </p:bldLst>
+  </p:timing>
 </p:sld>
 </file>
 
@@ -6954,7 +13153,10 @@
             <a:r>
               <a:rPr lang="en-US" altLang="ko-KR" sz="2000" b="1" dirty="0">
                 <a:solidFill>
-                  <a:srgbClr val="00B0F0"/>
+                  <a:schemeClr val="accent2">
+                    <a:lumMod val="60000"/>
+                    <a:lumOff val="40000"/>
+                  </a:schemeClr>
                 </a:solidFill>
               </a:rPr>
               <a:t>Dynamic Shortest Distance(</a:t>
@@ -6962,7 +13164,10 @@
             <a:r>
               <a:rPr lang="ko-KR" altLang="en-US" sz="2000" b="1" dirty="0" err="1">
                 <a:solidFill>
-                  <a:srgbClr val="00B0F0"/>
+                  <a:schemeClr val="accent2">
+                    <a:lumMod val="60000"/>
+                    <a:lumOff val="40000"/>
+                  </a:schemeClr>
                 </a:solidFill>
               </a:rPr>
               <a:t>차벽</a:t>
@@ -6970,15 +13175,21 @@
             <a:r>
               <a:rPr lang="ko-KR" altLang="en-US" sz="2000" b="1" dirty="0">
                 <a:solidFill>
-                  <a:srgbClr val="00B0F0"/>
+                  <a:schemeClr val="accent2">
+                    <a:lumMod val="60000"/>
+                    <a:lumOff val="40000"/>
+                  </a:schemeClr>
                 </a:solidFill>
               </a:rPr>
-              <a:t> 예상 사거리</a:t>
+              <a:t> 예상 교차로</a:t>
             </a:r>
             <a:r>
               <a:rPr lang="en-US" altLang="ko-KR" sz="2000" b="1" dirty="0">
                 <a:solidFill>
-                  <a:srgbClr val="00B0F0"/>
+                  <a:schemeClr val="accent2">
+                    <a:lumMod val="60000"/>
+                    <a:lumOff val="40000"/>
+                  </a:schemeClr>
                 </a:solidFill>
               </a:rPr>
               <a:t>) </a:t>
@@ -7016,7 +13227,7 @@
                   <a:schemeClr val="accent6"/>
                 </a:solidFill>
               </a:rPr>
-              <a:t>주요 경력 배치 사거리</a:t>
+              <a:t>주요 경력 배치 교차로</a:t>
             </a:r>
             <a:r>
               <a:rPr lang="en-US" altLang="ko-KR" sz="2000" b="1" dirty="0">
@@ -7034,7 +13245,7 @@
                   <a:schemeClr val="bg1"/>
                 </a:solidFill>
               </a:rPr>
-              <a:t>Continuous CC calculation, excluding intersections the parade is passing by, is an essential information for predicting intersections that is in most need of police force deployment. </a:t>
+              <a:t>Continuous CC calculation, excluding intersections the parade is passing by, is an essential information for predicting intersections that is in top priority of police force deployment. </a:t>
             </a:r>
           </a:p>
           <a:p>
@@ -7100,6 +13311,649 @@
             <a:endParaRPr lang="en-US" altLang="ko-KR" dirty="0">
               <a:solidFill>
                 <a:schemeClr val="bg1"/>
+              </a:solidFill>
+            </a:endParaRPr>
+          </a:p>
+        </p:txBody>
+      </p:sp>
+      <p:sp>
+        <p:nvSpPr>
+          <p:cNvPr id="4" name="타원 3">
+            <a:extLst>
+              <a:ext uri="{FF2B5EF4-FFF2-40B4-BE49-F238E27FC236}">
+                <a16:creationId xmlns:a16="http://schemas.microsoft.com/office/drawing/2014/main" id="{3F3B1D95-99E2-4475-9305-F309676E5C68}"/>
+              </a:ext>
+            </a:extLst>
+          </p:cNvPr>
+          <p:cNvSpPr/>
+          <p:nvPr/>
+        </p:nvSpPr>
+        <p:spPr>
+          <a:xfrm>
+            <a:off x="6760919" y="6396842"/>
+            <a:ext cx="216024" cy="216024"/>
+          </a:xfrm>
+          <a:prstGeom prst="ellipse">
+            <a:avLst/>
+          </a:prstGeom>
+          <a:solidFill>
+            <a:schemeClr val="tx2">
+              <a:lumMod val="60000"/>
+              <a:lumOff val="40000"/>
+            </a:schemeClr>
+          </a:solidFill>
+        </p:spPr>
+        <p:style>
+          <a:lnRef idx="2">
+            <a:schemeClr val="accent1">
+              <a:shade val="50000"/>
+            </a:schemeClr>
+          </a:lnRef>
+          <a:fillRef idx="1">
+            <a:schemeClr val="accent1"/>
+          </a:fillRef>
+          <a:effectRef idx="0">
+            <a:schemeClr val="accent1"/>
+          </a:effectRef>
+          <a:fontRef idx="minor">
+            <a:schemeClr val="lt1"/>
+          </a:fontRef>
+        </p:style>
+        <p:txBody>
+          <a:bodyPr rtlCol="0" anchor="ctr"/>
+          <a:lstStyle/>
+          <a:p>
+            <a:pPr algn="ctr"/>
+            <a:endParaRPr lang="ko-KR" altLang="en-US"/>
+          </a:p>
+        </p:txBody>
+      </p:sp>
+      <p:sp>
+        <p:nvSpPr>
+          <p:cNvPr id="9" name="타원 8">
+            <a:extLst>
+              <a:ext uri="{FF2B5EF4-FFF2-40B4-BE49-F238E27FC236}">
+                <a16:creationId xmlns:a16="http://schemas.microsoft.com/office/drawing/2014/main" id="{B9E7D788-151C-4189-A88E-008B524B51BB}"/>
+              </a:ext>
+            </a:extLst>
+          </p:cNvPr>
+          <p:cNvSpPr/>
+          <p:nvPr/>
+        </p:nvSpPr>
+        <p:spPr>
+          <a:xfrm>
+            <a:off x="7336983" y="5940398"/>
+            <a:ext cx="216024" cy="216024"/>
+          </a:xfrm>
+          <a:prstGeom prst="ellipse">
+            <a:avLst/>
+          </a:prstGeom>
+        </p:spPr>
+        <p:style>
+          <a:lnRef idx="2">
+            <a:schemeClr val="accent1">
+              <a:shade val="50000"/>
+            </a:schemeClr>
+          </a:lnRef>
+          <a:fillRef idx="1">
+            <a:schemeClr val="accent1"/>
+          </a:fillRef>
+          <a:effectRef idx="0">
+            <a:schemeClr val="accent1"/>
+          </a:effectRef>
+          <a:fontRef idx="minor">
+            <a:schemeClr val="lt1"/>
+          </a:fontRef>
+        </p:style>
+        <p:txBody>
+          <a:bodyPr rtlCol="0" anchor="ctr"/>
+          <a:lstStyle/>
+          <a:p>
+            <a:pPr algn="ctr"/>
+            <a:endParaRPr lang="ko-KR" altLang="en-US"/>
+          </a:p>
+        </p:txBody>
+      </p:sp>
+      <p:sp>
+        <p:nvSpPr>
+          <p:cNvPr id="10" name="타원 9">
+            <a:extLst>
+              <a:ext uri="{FF2B5EF4-FFF2-40B4-BE49-F238E27FC236}">
+                <a16:creationId xmlns:a16="http://schemas.microsoft.com/office/drawing/2014/main" id="{0E095A75-73FB-4008-9E55-C13C3A8FD32C}"/>
+              </a:ext>
+            </a:extLst>
+          </p:cNvPr>
+          <p:cNvSpPr/>
+          <p:nvPr/>
+        </p:nvSpPr>
+        <p:spPr>
+          <a:xfrm>
+            <a:off x="7931553" y="5539982"/>
+            <a:ext cx="216024" cy="216024"/>
+          </a:xfrm>
+          <a:prstGeom prst="ellipse">
+            <a:avLst/>
+          </a:prstGeom>
+        </p:spPr>
+        <p:style>
+          <a:lnRef idx="2">
+            <a:schemeClr val="accent1">
+              <a:shade val="50000"/>
+            </a:schemeClr>
+          </a:lnRef>
+          <a:fillRef idx="1">
+            <a:schemeClr val="accent1"/>
+          </a:fillRef>
+          <a:effectRef idx="0">
+            <a:schemeClr val="accent1"/>
+          </a:effectRef>
+          <a:fontRef idx="minor">
+            <a:schemeClr val="lt1"/>
+          </a:fontRef>
+        </p:style>
+        <p:txBody>
+          <a:bodyPr rtlCol="0" anchor="ctr"/>
+          <a:lstStyle/>
+          <a:p>
+            <a:pPr algn="ctr"/>
+            <a:endParaRPr lang="ko-KR" altLang="en-US"/>
+          </a:p>
+        </p:txBody>
+      </p:sp>
+      <p:sp>
+        <p:nvSpPr>
+          <p:cNvPr id="11" name="타원 10">
+            <a:extLst>
+              <a:ext uri="{FF2B5EF4-FFF2-40B4-BE49-F238E27FC236}">
+                <a16:creationId xmlns:a16="http://schemas.microsoft.com/office/drawing/2014/main" id="{00AE8B76-F600-4E89-911D-883894CD59FE}"/>
+              </a:ext>
+            </a:extLst>
+          </p:cNvPr>
+          <p:cNvSpPr/>
+          <p:nvPr/>
+        </p:nvSpPr>
+        <p:spPr>
+          <a:xfrm>
+            <a:off x="7370595" y="5191088"/>
+            <a:ext cx="216024" cy="216024"/>
+          </a:xfrm>
+          <a:prstGeom prst="ellipse">
+            <a:avLst/>
+          </a:prstGeom>
+        </p:spPr>
+        <p:style>
+          <a:lnRef idx="2">
+            <a:schemeClr val="accent1">
+              <a:shade val="50000"/>
+            </a:schemeClr>
+          </a:lnRef>
+          <a:fillRef idx="1">
+            <a:schemeClr val="accent1"/>
+          </a:fillRef>
+          <a:effectRef idx="0">
+            <a:schemeClr val="accent1"/>
+          </a:effectRef>
+          <a:fontRef idx="minor">
+            <a:schemeClr val="lt1"/>
+          </a:fontRef>
+        </p:style>
+        <p:txBody>
+          <a:bodyPr rtlCol="0" anchor="ctr"/>
+          <a:lstStyle/>
+          <a:p>
+            <a:pPr algn="ctr"/>
+            <a:endParaRPr lang="ko-KR" altLang="en-US"/>
+          </a:p>
+        </p:txBody>
+      </p:sp>
+      <p:sp>
+        <p:nvSpPr>
+          <p:cNvPr id="15" name="타원 14">
+            <a:extLst>
+              <a:ext uri="{FF2B5EF4-FFF2-40B4-BE49-F238E27FC236}">
+                <a16:creationId xmlns:a16="http://schemas.microsoft.com/office/drawing/2014/main" id="{9123E78F-D1A5-4CC8-A0BF-93010FFC3411}"/>
+              </a:ext>
+            </a:extLst>
+          </p:cNvPr>
+          <p:cNvSpPr/>
+          <p:nvPr/>
+        </p:nvSpPr>
+        <p:spPr>
+          <a:xfrm>
+            <a:off x="6776766" y="4856868"/>
+            <a:ext cx="216024" cy="216024"/>
+          </a:xfrm>
+          <a:prstGeom prst="ellipse">
+            <a:avLst/>
+          </a:prstGeom>
+          <a:solidFill>
+            <a:srgbClr val="92D050"/>
+          </a:solidFill>
+        </p:spPr>
+        <p:style>
+          <a:lnRef idx="2">
+            <a:schemeClr val="accent1">
+              <a:shade val="50000"/>
+            </a:schemeClr>
+          </a:lnRef>
+          <a:fillRef idx="1">
+            <a:schemeClr val="accent1"/>
+          </a:fillRef>
+          <a:effectRef idx="0">
+            <a:schemeClr val="accent1"/>
+          </a:effectRef>
+          <a:fontRef idx="minor">
+            <a:schemeClr val="lt1"/>
+          </a:fontRef>
+        </p:style>
+        <p:txBody>
+          <a:bodyPr rtlCol="0" anchor="ctr"/>
+          <a:lstStyle/>
+          <a:p>
+            <a:pPr algn="ctr"/>
+            <a:endParaRPr lang="ko-KR" altLang="en-US"/>
+          </a:p>
+        </p:txBody>
+      </p:sp>
+      <p:sp>
+        <p:nvSpPr>
+          <p:cNvPr id="16" name="타원 15">
+            <a:extLst>
+              <a:ext uri="{FF2B5EF4-FFF2-40B4-BE49-F238E27FC236}">
+                <a16:creationId xmlns:a16="http://schemas.microsoft.com/office/drawing/2014/main" id="{B7B2CCDB-45D7-4DA1-8632-D0B495F64B27}"/>
+              </a:ext>
+            </a:extLst>
+          </p:cNvPr>
+          <p:cNvSpPr/>
+          <p:nvPr/>
+        </p:nvSpPr>
+        <p:spPr>
+          <a:xfrm>
+            <a:off x="6760919" y="5582088"/>
+            <a:ext cx="216024" cy="216024"/>
+          </a:xfrm>
+          <a:prstGeom prst="ellipse">
+            <a:avLst/>
+          </a:prstGeom>
+          <a:solidFill>
+            <a:schemeClr val="bg1">
+              <a:lumMod val="75000"/>
+            </a:schemeClr>
+          </a:solidFill>
+        </p:spPr>
+        <p:style>
+          <a:lnRef idx="2">
+            <a:schemeClr val="accent1">
+              <a:shade val="50000"/>
+            </a:schemeClr>
+          </a:lnRef>
+          <a:fillRef idx="1">
+            <a:schemeClr val="accent1"/>
+          </a:fillRef>
+          <a:effectRef idx="0">
+            <a:schemeClr val="accent1"/>
+          </a:effectRef>
+          <a:fontRef idx="minor">
+            <a:schemeClr val="lt1"/>
+          </a:fontRef>
+        </p:style>
+        <p:txBody>
+          <a:bodyPr rtlCol="0" anchor="ctr"/>
+          <a:lstStyle/>
+          <a:p>
+            <a:pPr algn="ctr"/>
+            <a:endParaRPr lang="ko-KR" altLang="en-US"/>
+          </a:p>
+        </p:txBody>
+      </p:sp>
+      <p:cxnSp>
+        <p:nvCxnSpPr>
+          <p:cNvPr id="6" name="직선 화살표 연결선 5">
+            <a:extLst>
+              <a:ext uri="{FF2B5EF4-FFF2-40B4-BE49-F238E27FC236}">
+                <a16:creationId xmlns:a16="http://schemas.microsoft.com/office/drawing/2014/main" id="{18B817DA-6708-4C8D-A85D-B7E48545512C}"/>
+              </a:ext>
+            </a:extLst>
+          </p:cNvPr>
+          <p:cNvCxnSpPr>
+            <a:stCxn id="4" idx="7"/>
+            <a:endCxn id="9" idx="3"/>
+          </p:cNvCxnSpPr>
+          <p:nvPr/>
+        </p:nvCxnSpPr>
+        <p:spPr>
+          <a:xfrm flipV="1">
+            <a:off x="6945307" y="6124786"/>
+            <a:ext cx="423312" cy="303692"/>
+          </a:xfrm>
+          <a:prstGeom prst="straightConnector1">
+            <a:avLst/>
+          </a:prstGeom>
+          <a:ln>
+            <a:tailEnd type="triangle"/>
+          </a:ln>
+        </p:spPr>
+        <p:style>
+          <a:lnRef idx="1">
+            <a:schemeClr val="accent1"/>
+          </a:lnRef>
+          <a:fillRef idx="0">
+            <a:schemeClr val="accent1"/>
+          </a:fillRef>
+          <a:effectRef idx="0">
+            <a:schemeClr val="accent1"/>
+          </a:effectRef>
+          <a:fontRef idx="minor">
+            <a:schemeClr val="tx1"/>
+          </a:fontRef>
+        </p:style>
+      </p:cxnSp>
+      <p:cxnSp>
+        <p:nvCxnSpPr>
+          <p:cNvPr id="21" name="직선 화살표 연결선 20">
+            <a:extLst>
+              <a:ext uri="{FF2B5EF4-FFF2-40B4-BE49-F238E27FC236}">
+                <a16:creationId xmlns:a16="http://schemas.microsoft.com/office/drawing/2014/main" id="{18688D0C-FA6F-4192-976A-D3F2A572863F}"/>
+              </a:ext>
+            </a:extLst>
+          </p:cNvPr>
+          <p:cNvCxnSpPr>
+            <a:stCxn id="9" idx="7"/>
+            <a:endCxn id="10" idx="2"/>
+          </p:cNvCxnSpPr>
+          <p:nvPr/>
+        </p:nvCxnSpPr>
+        <p:spPr>
+          <a:xfrm flipV="1">
+            <a:off x="7521371" y="5647994"/>
+            <a:ext cx="410182" cy="324040"/>
+          </a:xfrm>
+          <a:prstGeom prst="straightConnector1">
+            <a:avLst/>
+          </a:prstGeom>
+          <a:ln>
+            <a:tailEnd type="triangle"/>
+          </a:ln>
+        </p:spPr>
+        <p:style>
+          <a:lnRef idx="1">
+            <a:schemeClr val="accent1"/>
+          </a:lnRef>
+          <a:fillRef idx="0">
+            <a:schemeClr val="accent1"/>
+          </a:fillRef>
+          <a:effectRef idx="0">
+            <a:schemeClr val="accent1"/>
+          </a:effectRef>
+          <a:fontRef idx="minor">
+            <a:schemeClr val="tx1"/>
+          </a:fontRef>
+        </p:style>
+      </p:cxnSp>
+      <p:cxnSp>
+        <p:nvCxnSpPr>
+          <p:cNvPr id="24" name="직선 화살표 연결선 23">
+            <a:extLst>
+              <a:ext uri="{FF2B5EF4-FFF2-40B4-BE49-F238E27FC236}">
+                <a16:creationId xmlns:a16="http://schemas.microsoft.com/office/drawing/2014/main" id="{8A197CBD-0213-49B9-A097-DCC54F4F7FEA}"/>
+              </a:ext>
+            </a:extLst>
+          </p:cNvPr>
+          <p:cNvCxnSpPr>
+            <a:stCxn id="4" idx="0"/>
+            <a:endCxn id="16" idx="4"/>
+          </p:cNvCxnSpPr>
+          <p:nvPr/>
+        </p:nvCxnSpPr>
+        <p:spPr>
+          <a:xfrm flipV="1">
+            <a:off x="6868931" y="5798112"/>
+            <a:ext cx="0" cy="598730"/>
+          </a:xfrm>
+          <a:prstGeom prst="straightConnector1">
+            <a:avLst/>
+          </a:prstGeom>
+          <a:ln>
+            <a:tailEnd type="triangle"/>
+          </a:ln>
+        </p:spPr>
+        <p:style>
+          <a:lnRef idx="1">
+            <a:schemeClr val="accent2"/>
+          </a:lnRef>
+          <a:fillRef idx="0">
+            <a:schemeClr val="accent2"/>
+          </a:fillRef>
+          <a:effectRef idx="0">
+            <a:schemeClr val="accent2"/>
+          </a:effectRef>
+          <a:fontRef idx="minor">
+            <a:schemeClr val="tx1"/>
+          </a:fontRef>
+        </p:style>
+      </p:cxnSp>
+      <p:cxnSp>
+        <p:nvCxnSpPr>
+          <p:cNvPr id="26" name="직선 화살표 연결선 25">
+            <a:extLst>
+              <a:ext uri="{FF2B5EF4-FFF2-40B4-BE49-F238E27FC236}">
+                <a16:creationId xmlns:a16="http://schemas.microsoft.com/office/drawing/2014/main" id="{1ADA2756-753F-4EAF-B02D-03B72CB9312A}"/>
+              </a:ext>
+            </a:extLst>
+          </p:cNvPr>
+          <p:cNvCxnSpPr>
+            <a:stCxn id="9" idx="1"/>
+            <a:endCxn id="16" idx="5"/>
+          </p:cNvCxnSpPr>
+          <p:nvPr/>
+        </p:nvCxnSpPr>
+        <p:spPr>
+          <a:xfrm flipH="1" flipV="1">
+            <a:off x="6945307" y="5766476"/>
+            <a:ext cx="423312" cy="205558"/>
+          </a:xfrm>
+          <a:prstGeom prst="straightConnector1">
+            <a:avLst/>
+          </a:prstGeom>
+          <a:ln>
+            <a:tailEnd type="triangle"/>
+          </a:ln>
+        </p:spPr>
+        <p:style>
+          <a:lnRef idx="1">
+            <a:schemeClr val="accent2"/>
+          </a:lnRef>
+          <a:fillRef idx="0">
+            <a:schemeClr val="accent2"/>
+          </a:fillRef>
+          <a:effectRef idx="0">
+            <a:schemeClr val="accent2"/>
+          </a:effectRef>
+          <a:fontRef idx="minor">
+            <a:schemeClr val="tx1"/>
+          </a:fontRef>
+        </p:style>
+      </p:cxnSp>
+      <p:cxnSp>
+        <p:nvCxnSpPr>
+          <p:cNvPr id="28" name="직선 화살표 연결선 27">
+            <a:extLst>
+              <a:ext uri="{FF2B5EF4-FFF2-40B4-BE49-F238E27FC236}">
+                <a16:creationId xmlns:a16="http://schemas.microsoft.com/office/drawing/2014/main" id="{EB301B7E-BE73-485F-8AEA-BD2855731D55}"/>
+              </a:ext>
+            </a:extLst>
+          </p:cNvPr>
+          <p:cNvCxnSpPr>
+            <a:stCxn id="16" idx="0"/>
+            <a:endCxn id="15" idx="4"/>
+          </p:cNvCxnSpPr>
+          <p:nvPr/>
+        </p:nvCxnSpPr>
+        <p:spPr>
+          <a:xfrm flipV="1">
+            <a:off x="6868931" y="5072892"/>
+            <a:ext cx="15847" cy="509196"/>
+          </a:xfrm>
+          <a:prstGeom prst="straightConnector1">
+            <a:avLst/>
+          </a:prstGeom>
+          <a:ln>
+            <a:tailEnd type="triangle"/>
+          </a:ln>
+        </p:spPr>
+        <p:style>
+          <a:lnRef idx="1">
+            <a:schemeClr val="accent2"/>
+          </a:lnRef>
+          <a:fillRef idx="0">
+            <a:schemeClr val="accent2"/>
+          </a:fillRef>
+          <a:effectRef idx="0">
+            <a:schemeClr val="accent2"/>
+          </a:effectRef>
+          <a:fontRef idx="minor">
+            <a:schemeClr val="tx1"/>
+          </a:fontRef>
+        </p:style>
+      </p:cxnSp>
+      <p:cxnSp>
+        <p:nvCxnSpPr>
+          <p:cNvPr id="30" name="직선 화살표 연결선 29">
+            <a:extLst>
+              <a:ext uri="{FF2B5EF4-FFF2-40B4-BE49-F238E27FC236}">
+                <a16:creationId xmlns:a16="http://schemas.microsoft.com/office/drawing/2014/main" id="{3E3A6DD5-BA44-4FDD-80D5-626CEDC8B408}"/>
+              </a:ext>
+            </a:extLst>
+          </p:cNvPr>
+          <p:cNvCxnSpPr>
+            <a:cxnSpLocks/>
+            <a:stCxn id="10" idx="1"/>
+            <a:endCxn id="11" idx="6"/>
+          </p:cNvCxnSpPr>
+          <p:nvPr/>
+        </p:nvCxnSpPr>
+        <p:spPr>
+          <a:xfrm flipH="1" flipV="1">
+            <a:off x="7586619" y="5299100"/>
+            <a:ext cx="376570" cy="272518"/>
+          </a:xfrm>
+          <a:prstGeom prst="straightConnector1">
+            <a:avLst/>
+          </a:prstGeom>
+          <a:ln>
+            <a:tailEnd type="triangle"/>
+          </a:ln>
+        </p:spPr>
+        <p:style>
+          <a:lnRef idx="1">
+            <a:schemeClr val="accent1"/>
+          </a:lnRef>
+          <a:fillRef idx="0">
+            <a:schemeClr val="accent1"/>
+          </a:fillRef>
+          <a:effectRef idx="0">
+            <a:schemeClr val="accent1"/>
+          </a:effectRef>
+          <a:fontRef idx="minor">
+            <a:schemeClr val="tx1"/>
+          </a:fontRef>
+        </p:style>
+      </p:cxnSp>
+      <p:cxnSp>
+        <p:nvCxnSpPr>
+          <p:cNvPr id="32" name="직선 화살표 연결선 31">
+            <a:extLst>
+              <a:ext uri="{FF2B5EF4-FFF2-40B4-BE49-F238E27FC236}">
+                <a16:creationId xmlns:a16="http://schemas.microsoft.com/office/drawing/2014/main" id="{F40F75EB-41B7-44E4-BC89-59D7FED86068}"/>
+              </a:ext>
+            </a:extLst>
+          </p:cNvPr>
+          <p:cNvCxnSpPr>
+            <a:cxnSpLocks/>
+            <a:stCxn id="11" idx="1"/>
+            <a:endCxn id="15" idx="6"/>
+          </p:cNvCxnSpPr>
+          <p:nvPr/>
+        </p:nvCxnSpPr>
+        <p:spPr>
+          <a:xfrm flipH="1" flipV="1">
+            <a:off x="6992790" y="4964880"/>
+            <a:ext cx="409441" cy="257844"/>
+          </a:xfrm>
+          <a:prstGeom prst="straightConnector1">
+            <a:avLst/>
+          </a:prstGeom>
+          <a:ln>
+            <a:tailEnd type="triangle"/>
+          </a:ln>
+        </p:spPr>
+        <p:style>
+          <a:lnRef idx="1">
+            <a:schemeClr val="accent1"/>
+          </a:lnRef>
+          <a:fillRef idx="0">
+            <a:schemeClr val="accent1"/>
+          </a:fillRef>
+          <a:effectRef idx="0">
+            <a:schemeClr val="accent1"/>
+          </a:effectRef>
+          <a:fontRef idx="minor">
+            <a:schemeClr val="tx1"/>
+          </a:fontRef>
+        </p:style>
+      </p:cxnSp>
+      <p:sp>
+        <p:nvSpPr>
+          <p:cNvPr id="35" name="직사각형 34">
+            <a:extLst>
+              <a:ext uri="{FF2B5EF4-FFF2-40B4-BE49-F238E27FC236}">
+                <a16:creationId xmlns:a16="http://schemas.microsoft.com/office/drawing/2014/main" id="{C1FE43BC-6D4E-4FA5-9FA3-D99EBB9B1285}"/>
+              </a:ext>
+            </a:extLst>
+          </p:cNvPr>
+          <p:cNvSpPr/>
+          <p:nvPr/>
+        </p:nvSpPr>
+        <p:spPr>
+          <a:xfrm rot="19432310">
+            <a:off x="6619260" y="5888930"/>
+            <a:ext cx="766863" cy="123868"/>
+          </a:xfrm>
+          <a:prstGeom prst="rect">
+            <a:avLst/>
+          </a:prstGeom>
+          <a:solidFill>
+            <a:schemeClr val="accent2">
+              <a:lumMod val="60000"/>
+              <a:lumOff val="40000"/>
+            </a:schemeClr>
+          </a:solidFill>
+        </p:spPr>
+        <p:style>
+          <a:lnRef idx="0">
+            <a:schemeClr val="accent6"/>
+          </a:lnRef>
+          <a:fillRef idx="3">
+            <a:schemeClr val="accent6"/>
+          </a:fillRef>
+          <a:effectRef idx="3">
+            <a:schemeClr val="accent6"/>
+          </a:effectRef>
+          <a:fontRef idx="minor">
+            <a:schemeClr val="lt1"/>
+          </a:fontRef>
+        </p:style>
+        <p:txBody>
+          <a:bodyPr rtlCol="0" anchor="ctr"/>
+          <a:lstStyle/>
+          <a:p>
+            <a:pPr algn="ctr"/>
+            <a:endParaRPr lang="ko-KR" altLang="en-US">
+              <a:solidFill>
+                <a:schemeClr val="accent2">
+                  <a:lumMod val="60000"/>
+                  <a:lumOff val="40000"/>
+                </a:schemeClr>
               </a:solidFill>
             </a:endParaRPr>
           </a:p>
@@ -7115,10 +13969,916 @@
   <p:clrMapOvr>
     <a:masterClrMapping/>
   </p:clrMapOvr>
+  <p:timing>
+    <p:tnLst>
+      <p:par>
+        <p:cTn id="1" dur="indefinite" restart="never" nodeType="tmRoot">
+          <p:childTnLst>
+            <p:seq concurrent="1" nextAc="seek">
+              <p:cTn id="2" dur="indefinite" nodeType="mainSeq">
+                <p:childTnLst>
+                  <p:par>
+                    <p:cTn id="3" fill="hold">
+                      <p:stCondLst>
+                        <p:cond delay="indefinite"/>
+                      </p:stCondLst>
+                      <p:childTnLst>
+                        <p:par>
+                          <p:cTn id="4" fill="hold">
+                            <p:stCondLst>
+                              <p:cond delay="0"/>
+                            </p:stCondLst>
+                            <p:childTnLst>
+                              <p:par>
+                                <p:cTn id="5" presetID="22" presetClass="entr" presetSubtype="4" fill="hold" grpId="0" nodeType="clickEffect">
+                                  <p:stCondLst>
+                                    <p:cond delay="0"/>
+                                  </p:stCondLst>
+                                  <p:childTnLst>
+                                    <p:set>
+                                      <p:cBhvr>
+                                        <p:cTn id="6" dur="1" fill="hold">
+                                          <p:stCondLst>
+                                            <p:cond delay="0"/>
+                                          </p:stCondLst>
+                                        </p:cTn>
+                                        <p:tgtEl>
+                                          <p:spTgt spid="4"/>
+                                        </p:tgtEl>
+                                        <p:attrNameLst>
+                                          <p:attrName>style.visibility</p:attrName>
+                                        </p:attrNameLst>
+                                      </p:cBhvr>
+                                      <p:to>
+                                        <p:strVal val="visible"/>
+                                      </p:to>
+                                    </p:set>
+                                    <p:animEffect transition="in" filter="wipe(down)">
+                                      <p:cBhvr>
+                                        <p:cTn id="7" dur="500"/>
+                                        <p:tgtEl>
+                                          <p:spTgt spid="4"/>
+                                        </p:tgtEl>
+                                      </p:cBhvr>
+                                    </p:animEffect>
+                                  </p:childTnLst>
+                                </p:cTn>
+                              </p:par>
+                              <p:par>
+                                <p:cTn id="8" presetID="22" presetClass="entr" presetSubtype="4" fill="hold" grpId="0" nodeType="withEffect">
+                                  <p:stCondLst>
+                                    <p:cond delay="0"/>
+                                  </p:stCondLst>
+                                  <p:childTnLst>
+                                    <p:set>
+                                      <p:cBhvr>
+                                        <p:cTn id="9" dur="1" fill="hold">
+                                          <p:stCondLst>
+                                            <p:cond delay="0"/>
+                                          </p:stCondLst>
+                                        </p:cTn>
+                                        <p:tgtEl>
+                                          <p:spTgt spid="9"/>
+                                        </p:tgtEl>
+                                        <p:attrNameLst>
+                                          <p:attrName>style.visibility</p:attrName>
+                                        </p:attrNameLst>
+                                      </p:cBhvr>
+                                      <p:to>
+                                        <p:strVal val="visible"/>
+                                      </p:to>
+                                    </p:set>
+                                    <p:animEffect transition="in" filter="wipe(down)">
+                                      <p:cBhvr>
+                                        <p:cTn id="10" dur="500"/>
+                                        <p:tgtEl>
+                                          <p:spTgt spid="9"/>
+                                        </p:tgtEl>
+                                      </p:cBhvr>
+                                    </p:animEffect>
+                                  </p:childTnLst>
+                                </p:cTn>
+                              </p:par>
+                              <p:par>
+                                <p:cTn id="11" presetID="22" presetClass="entr" presetSubtype="4" fill="hold" grpId="0" nodeType="withEffect">
+                                  <p:stCondLst>
+                                    <p:cond delay="0"/>
+                                  </p:stCondLst>
+                                  <p:childTnLst>
+                                    <p:set>
+                                      <p:cBhvr>
+                                        <p:cTn id="12" dur="1" fill="hold">
+                                          <p:stCondLst>
+                                            <p:cond delay="0"/>
+                                          </p:stCondLst>
+                                        </p:cTn>
+                                        <p:tgtEl>
+                                          <p:spTgt spid="10"/>
+                                        </p:tgtEl>
+                                        <p:attrNameLst>
+                                          <p:attrName>style.visibility</p:attrName>
+                                        </p:attrNameLst>
+                                      </p:cBhvr>
+                                      <p:to>
+                                        <p:strVal val="visible"/>
+                                      </p:to>
+                                    </p:set>
+                                    <p:animEffect transition="in" filter="wipe(down)">
+                                      <p:cBhvr>
+                                        <p:cTn id="13" dur="500"/>
+                                        <p:tgtEl>
+                                          <p:spTgt spid="10"/>
+                                        </p:tgtEl>
+                                      </p:cBhvr>
+                                    </p:animEffect>
+                                  </p:childTnLst>
+                                </p:cTn>
+                              </p:par>
+                              <p:par>
+                                <p:cTn id="14" presetID="22" presetClass="entr" presetSubtype="4" fill="hold" grpId="0" nodeType="withEffect">
+                                  <p:stCondLst>
+                                    <p:cond delay="0"/>
+                                  </p:stCondLst>
+                                  <p:childTnLst>
+                                    <p:set>
+                                      <p:cBhvr>
+                                        <p:cTn id="15" dur="1" fill="hold">
+                                          <p:stCondLst>
+                                            <p:cond delay="0"/>
+                                          </p:stCondLst>
+                                        </p:cTn>
+                                        <p:tgtEl>
+                                          <p:spTgt spid="11"/>
+                                        </p:tgtEl>
+                                        <p:attrNameLst>
+                                          <p:attrName>style.visibility</p:attrName>
+                                        </p:attrNameLst>
+                                      </p:cBhvr>
+                                      <p:to>
+                                        <p:strVal val="visible"/>
+                                      </p:to>
+                                    </p:set>
+                                    <p:animEffect transition="in" filter="wipe(down)">
+                                      <p:cBhvr>
+                                        <p:cTn id="16" dur="500"/>
+                                        <p:tgtEl>
+                                          <p:spTgt spid="11"/>
+                                        </p:tgtEl>
+                                      </p:cBhvr>
+                                    </p:animEffect>
+                                  </p:childTnLst>
+                                </p:cTn>
+                              </p:par>
+                              <p:par>
+                                <p:cTn id="17" presetID="22" presetClass="entr" presetSubtype="4" fill="hold" grpId="0" nodeType="withEffect">
+                                  <p:stCondLst>
+                                    <p:cond delay="0"/>
+                                  </p:stCondLst>
+                                  <p:childTnLst>
+                                    <p:set>
+                                      <p:cBhvr>
+                                        <p:cTn id="18" dur="1" fill="hold">
+                                          <p:stCondLst>
+                                            <p:cond delay="0"/>
+                                          </p:stCondLst>
+                                        </p:cTn>
+                                        <p:tgtEl>
+                                          <p:spTgt spid="15"/>
+                                        </p:tgtEl>
+                                        <p:attrNameLst>
+                                          <p:attrName>style.visibility</p:attrName>
+                                        </p:attrNameLst>
+                                      </p:cBhvr>
+                                      <p:to>
+                                        <p:strVal val="visible"/>
+                                      </p:to>
+                                    </p:set>
+                                    <p:animEffect transition="in" filter="wipe(down)">
+                                      <p:cBhvr>
+                                        <p:cTn id="19" dur="500"/>
+                                        <p:tgtEl>
+                                          <p:spTgt spid="15"/>
+                                        </p:tgtEl>
+                                      </p:cBhvr>
+                                    </p:animEffect>
+                                  </p:childTnLst>
+                                </p:cTn>
+                              </p:par>
+                              <p:par>
+                                <p:cTn id="20" presetID="22" presetClass="entr" presetSubtype="4" fill="hold" grpId="0" nodeType="withEffect">
+                                  <p:stCondLst>
+                                    <p:cond delay="0"/>
+                                  </p:stCondLst>
+                                  <p:childTnLst>
+                                    <p:set>
+                                      <p:cBhvr>
+                                        <p:cTn id="21" dur="1" fill="hold">
+                                          <p:stCondLst>
+                                            <p:cond delay="0"/>
+                                          </p:stCondLst>
+                                        </p:cTn>
+                                        <p:tgtEl>
+                                          <p:spTgt spid="16"/>
+                                        </p:tgtEl>
+                                        <p:attrNameLst>
+                                          <p:attrName>style.visibility</p:attrName>
+                                        </p:attrNameLst>
+                                      </p:cBhvr>
+                                      <p:to>
+                                        <p:strVal val="visible"/>
+                                      </p:to>
+                                    </p:set>
+                                    <p:animEffect transition="in" filter="wipe(down)">
+                                      <p:cBhvr>
+                                        <p:cTn id="22" dur="500"/>
+                                        <p:tgtEl>
+                                          <p:spTgt spid="16"/>
+                                        </p:tgtEl>
+                                      </p:cBhvr>
+                                    </p:animEffect>
+                                  </p:childTnLst>
+                                </p:cTn>
+                              </p:par>
+                              <p:par>
+                                <p:cTn id="23" presetID="22" presetClass="entr" presetSubtype="4" fill="hold" nodeType="withEffect">
+                                  <p:stCondLst>
+                                    <p:cond delay="0"/>
+                                  </p:stCondLst>
+                                  <p:childTnLst>
+                                    <p:set>
+                                      <p:cBhvr>
+                                        <p:cTn id="24" dur="1" fill="hold">
+                                          <p:stCondLst>
+                                            <p:cond delay="0"/>
+                                          </p:stCondLst>
+                                        </p:cTn>
+                                        <p:tgtEl>
+                                          <p:spTgt spid="6"/>
+                                        </p:tgtEl>
+                                        <p:attrNameLst>
+                                          <p:attrName>style.visibility</p:attrName>
+                                        </p:attrNameLst>
+                                      </p:cBhvr>
+                                      <p:to>
+                                        <p:strVal val="visible"/>
+                                      </p:to>
+                                    </p:set>
+                                    <p:animEffect transition="in" filter="wipe(down)">
+                                      <p:cBhvr>
+                                        <p:cTn id="25" dur="500"/>
+                                        <p:tgtEl>
+                                          <p:spTgt spid="6"/>
+                                        </p:tgtEl>
+                                      </p:cBhvr>
+                                    </p:animEffect>
+                                  </p:childTnLst>
+                                </p:cTn>
+                              </p:par>
+                              <p:par>
+                                <p:cTn id="26" presetID="22" presetClass="entr" presetSubtype="4" fill="hold" nodeType="withEffect">
+                                  <p:stCondLst>
+                                    <p:cond delay="0"/>
+                                  </p:stCondLst>
+                                  <p:childTnLst>
+                                    <p:set>
+                                      <p:cBhvr>
+                                        <p:cTn id="27" dur="1" fill="hold">
+                                          <p:stCondLst>
+                                            <p:cond delay="0"/>
+                                          </p:stCondLst>
+                                        </p:cTn>
+                                        <p:tgtEl>
+                                          <p:spTgt spid="21"/>
+                                        </p:tgtEl>
+                                        <p:attrNameLst>
+                                          <p:attrName>style.visibility</p:attrName>
+                                        </p:attrNameLst>
+                                      </p:cBhvr>
+                                      <p:to>
+                                        <p:strVal val="visible"/>
+                                      </p:to>
+                                    </p:set>
+                                    <p:animEffect transition="in" filter="wipe(down)">
+                                      <p:cBhvr>
+                                        <p:cTn id="28" dur="500"/>
+                                        <p:tgtEl>
+                                          <p:spTgt spid="21"/>
+                                        </p:tgtEl>
+                                      </p:cBhvr>
+                                    </p:animEffect>
+                                  </p:childTnLst>
+                                </p:cTn>
+                              </p:par>
+                              <p:par>
+                                <p:cTn id="29" presetID="22" presetClass="entr" presetSubtype="4" fill="hold" nodeType="withEffect">
+                                  <p:stCondLst>
+                                    <p:cond delay="0"/>
+                                  </p:stCondLst>
+                                  <p:childTnLst>
+                                    <p:set>
+                                      <p:cBhvr>
+                                        <p:cTn id="30" dur="1" fill="hold">
+                                          <p:stCondLst>
+                                            <p:cond delay="0"/>
+                                          </p:stCondLst>
+                                        </p:cTn>
+                                        <p:tgtEl>
+                                          <p:spTgt spid="24"/>
+                                        </p:tgtEl>
+                                        <p:attrNameLst>
+                                          <p:attrName>style.visibility</p:attrName>
+                                        </p:attrNameLst>
+                                      </p:cBhvr>
+                                      <p:to>
+                                        <p:strVal val="visible"/>
+                                      </p:to>
+                                    </p:set>
+                                    <p:animEffect transition="in" filter="wipe(down)">
+                                      <p:cBhvr>
+                                        <p:cTn id="31" dur="500"/>
+                                        <p:tgtEl>
+                                          <p:spTgt spid="24"/>
+                                        </p:tgtEl>
+                                      </p:cBhvr>
+                                    </p:animEffect>
+                                  </p:childTnLst>
+                                </p:cTn>
+                              </p:par>
+                              <p:par>
+                                <p:cTn id="32" presetID="22" presetClass="entr" presetSubtype="4" fill="hold" nodeType="withEffect">
+                                  <p:stCondLst>
+                                    <p:cond delay="0"/>
+                                  </p:stCondLst>
+                                  <p:childTnLst>
+                                    <p:set>
+                                      <p:cBhvr>
+                                        <p:cTn id="33" dur="1" fill="hold">
+                                          <p:stCondLst>
+                                            <p:cond delay="0"/>
+                                          </p:stCondLst>
+                                        </p:cTn>
+                                        <p:tgtEl>
+                                          <p:spTgt spid="26"/>
+                                        </p:tgtEl>
+                                        <p:attrNameLst>
+                                          <p:attrName>style.visibility</p:attrName>
+                                        </p:attrNameLst>
+                                      </p:cBhvr>
+                                      <p:to>
+                                        <p:strVal val="visible"/>
+                                      </p:to>
+                                    </p:set>
+                                    <p:animEffect transition="in" filter="wipe(down)">
+                                      <p:cBhvr>
+                                        <p:cTn id="34" dur="500"/>
+                                        <p:tgtEl>
+                                          <p:spTgt spid="26"/>
+                                        </p:tgtEl>
+                                      </p:cBhvr>
+                                    </p:animEffect>
+                                  </p:childTnLst>
+                                </p:cTn>
+                              </p:par>
+                              <p:par>
+                                <p:cTn id="35" presetID="22" presetClass="entr" presetSubtype="4" fill="hold" nodeType="withEffect">
+                                  <p:stCondLst>
+                                    <p:cond delay="0"/>
+                                  </p:stCondLst>
+                                  <p:childTnLst>
+                                    <p:set>
+                                      <p:cBhvr>
+                                        <p:cTn id="36" dur="1" fill="hold">
+                                          <p:stCondLst>
+                                            <p:cond delay="0"/>
+                                          </p:stCondLst>
+                                        </p:cTn>
+                                        <p:tgtEl>
+                                          <p:spTgt spid="28"/>
+                                        </p:tgtEl>
+                                        <p:attrNameLst>
+                                          <p:attrName>style.visibility</p:attrName>
+                                        </p:attrNameLst>
+                                      </p:cBhvr>
+                                      <p:to>
+                                        <p:strVal val="visible"/>
+                                      </p:to>
+                                    </p:set>
+                                    <p:animEffect transition="in" filter="wipe(down)">
+                                      <p:cBhvr>
+                                        <p:cTn id="37" dur="500"/>
+                                        <p:tgtEl>
+                                          <p:spTgt spid="28"/>
+                                        </p:tgtEl>
+                                      </p:cBhvr>
+                                    </p:animEffect>
+                                  </p:childTnLst>
+                                </p:cTn>
+                              </p:par>
+                              <p:par>
+                                <p:cTn id="38" presetID="22" presetClass="entr" presetSubtype="4" fill="hold" nodeType="withEffect">
+                                  <p:stCondLst>
+                                    <p:cond delay="0"/>
+                                  </p:stCondLst>
+                                  <p:childTnLst>
+                                    <p:set>
+                                      <p:cBhvr>
+                                        <p:cTn id="39" dur="1" fill="hold">
+                                          <p:stCondLst>
+                                            <p:cond delay="0"/>
+                                          </p:stCondLst>
+                                        </p:cTn>
+                                        <p:tgtEl>
+                                          <p:spTgt spid="30"/>
+                                        </p:tgtEl>
+                                        <p:attrNameLst>
+                                          <p:attrName>style.visibility</p:attrName>
+                                        </p:attrNameLst>
+                                      </p:cBhvr>
+                                      <p:to>
+                                        <p:strVal val="visible"/>
+                                      </p:to>
+                                    </p:set>
+                                    <p:animEffect transition="in" filter="wipe(down)">
+                                      <p:cBhvr>
+                                        <p:cTn id="40" dur="500"/>
+                                        <p:tgtEl>
+                                          <p:spTgt spid="30"/>
+                                        </p:tgtEl>
+                                      </p:cBhvr>
+                                    </p:animEffect>
+                                  </p:childTnLst>
+                                </p:cTn>
+                              </p:par>
+                              <p:par>
+                                <p:cTn id="41" presetID="22" presetClass="entr" presetSubtype="4" fill="hold" nodeType="withEffect">
+                                  <p:stCondLst>
+                                    <p:cond delay="0"/>
+                                  </p:stCondLst>
+                                  <p:childTnLst>
+                                    <p:set>
+                                      <p:cBhvr>
+                                        <p:cTn id="42" dur="1" fill="hold">
+                                          <p:stCondLst>
+                                            <p:cond delay="0"/>
+                                          </p:stCondLst>
+                                        </p:cTn>
+                                        <p:tgtEl>
+                                          <p:spTgt spid="32"/>
+                                        </p:tgtEl>
+                                        <p:attrNameLst>
+                                          <p:attrName>style.visibility</p:attrName>
+                                        </p:attrNameLst>
+                                      </p:cBhvr>
+                                      <p:to>
+                                        <p:strVal val="visible"/>
+                                      </p:to>
+                                    </p:set>
+                                    <p:animEffect transition="in" filter="wipe(down)">
+                                      <p:cBhvr>
+                                        <p:cTn id="43" dur="500"/>
+                                        <p:tgtEl>
+                                          <p:spTgt spid="32"/>
+                                        </p:tgtEl>
+                                      </p:cBhvr>
+                                    </p:animEffect>
+                                  </p:childTnLst>
+                                </p:cTn>
+                              </p:par>
+                            </p:childTnLst>
+                          </p:cTn>
+                        </p:par>
+                      </p:childTnLst>
+                    </p:cTn>
+                  </p:par>
+                  <p:par>
+                    <p:cTn id="44" fill="hold">
+                      <p:stCondLst>
+                        <p:cond delay="indefinite"/>
+                      </p:stCondLst>
+                      <p:childTnLst>
+                        <p:par>
+                          <p:cTn id="45" fill="hold">
+                            <p:stCondLst>
+                              <p:cond delay="0"/>
+                            </p:stCondLst>
+                            <p:childTnLst>
+                              <p:par>
+                                <p:cTn id="46" presetID="53" presetClass="entr" presetSubtype="16" fill="hold" grpId="0" nodeType="clickEffect">
+                                  <p:stCondLst>
+                                    <p:cond delay="0"/>
+                                  </p:stCondLst>
+                                  <p:childTnLst>
+                                    <p:set>
+                                      <p:cBhvr>
+                                        <p:cTn id="47" dur="1" fill="hold">
+                                          <p:stCondLst>
+                                            <p:cond delay="0"/>
+                                          </p:stCondLst>
+                                        </p:cTn>
+                                        <p:tgtEl>
+                                          <p:spTgt spid="35"/>
+                                        </p:tgtEl>
+                                        <p:attrNameLst>
+                                          <p:attrName>style.visibility</p:attrName>
+                                        </p:attrNameLst>
+                                      </p:cBhvr>
+                                      <p:to>
+                                        <p:strVal val="visible"/>
+                                      </p:to>
+                                    </p:set>
+                                    <p:anim calcmode="lin" valueType="num">
+                                      <p:cBhvr>
+                                        <p:cTn id="48" dur="500" fill="hold"/>
+                                        <p:tgtEl>
+                                          <p:spTgt spid="35"/>
+                                        </p:tgtEl>
+                                        <p:attrNameLst>
+                                          <p:attrName>ppt_w</p:attrName>
+                                        </p:attrNameLst>
+                                      </p:cBhvr>
+                                      <p:tavLst>
+                                        <p:tav tm="0">
+                                          <p:val>
+                                            <p:fltVal val="0"/>
+                                          </p:val>
+                                        </p:tav>
+                                        <p:tav tm="100000">
+                                          <p:val>
+                                            <p:strVal val="#ppt_w"/>
+                                          </p:val>
+                                        </p:tav>
+                                      </p:tavLst>
+                                    </p:anim>
+                                    <p:anim calcmode="lin" valueType="num">
+                                      <p:cBhvr>
+                                        <p:cTn id="49" dur="500" fill="hold"/>
+                                        <p:tgtEl>
+                                          <p:spTgt spid="35"/>
+                                        </p:tgtEl>
+                                        <p:attrNameLst>
+                                          <p:attrName>ppt_h</p:attrName>
+                                        </p:attrNameLst>
+                                      </p:cBhvr>
+                                      <p:tavLst>
+                                        <p:tav tm="0">
+                                          <p:val>
+                                            <p:fltVal val="0"/>
+                                          </p:val>
+                                        </p:tav>
+                                        <p:tav tm="100000">
+                                          <p:val>
+                                            <p:strVal val="#ppt_h"/>
+                                          </p:val>
+                                        </p:tav>
+                                      </p:tavLst>
+                                    </p:anim>
+                                    <p:animEffect transition="in" filter="fade">
+                                      <p:cBhvr>
+                                        <p:cTn id="50" dur="500"/>
+                                        <p:tgtEl>
+                                          <p:spTgt spid="35"/>
+                                        </p:tgtEl>
+                                      </p:cBhvr>
+                                    </p:animEffect>
+                                  </p:childTnLst>
+                                </p:cTn>
+                              </p:par>
+                            </p:childTnLst>
+                          </p:cTn>
+                        </p:par>
+                      </p:childTnLst>
+                    </p:cTn>
+                  </p:par>
+                </p:childTnLst>
+              </p:cTn>
+              <p:prevCondLst>
+                <p:cond evt="onPrev" delay="0">
+                  <p:tgtEl>
+                    <p:sldTgt/>
+                  </p:tgtEl>
+                </p:cond>
+              </p:prevCondLst>
+              <p:nextCondLst>
+                <p:cond evt="onNext" delay="0">
+                  <p:tgtEl>
+                    <p:sldTgt/>
+                  </p:tgtEl>
+                </p:cond>
+              </p:nextCondLst>
+            </p:seq>
+          </p:childTnLst>
+        </p:cTn>
+      </p:par>
+    </p:tnLst>
+    <p:bldLst>
+      <p:bldP spid="4" grpId="0" animBg="1"/>
+      <p:bldP spid="9" grpId="0" animBg="1"/>
+      <p:bldP spid="10" grpId="0" animBg="1"/>
+      <p:bldP spid="11" grpId="0" animBg="1"/>
+      <p:bldP spid="15" grpId="0" animBg="1"/>
+      <p:bldP spid="16" grpId="0" animBg="1"/>
+      <p:bldP spid="35" grpId="0" animBg="1"/>
+    </p:bldLst>
+  </p:timing>
 </p:sld>
 </file>
 
 <file path=ppt/slides/slide8.xml><?xml version="1.0" encoding="utf-8"?>
+<p:sld xmlns:a="http://schemas.openxmlformats.org/drawingml/2006/main" xmlns:r="http://schemas.openxmlformats.org/officeDocument/2006/relationships" xmlns:p="http://schemas.openxmlformats.org/presentationml/2006/main">
+  <p:cSld>
+    <p:spTree>
+      <p:nvGrpSpPr>
+        <p:cNvPr id="1" name=""/>
+        <p:cNvGrpSpPr/>
+        <p:nvPr/>
+      </p:nvGrpSpPr>
+      <p:grpSpPr>
+        <a:xfrm>
+          <a:off x="0" y="0"/>
+          <a:ext cx="0" cy="0"/>
+          <a:chOff x="0" y="0"/>
+          <a:chExt cx="0" cy="0"/>
+        </a:xfrm>
+      </p:grpSpPr>
+      <p:pic>
+        <p:nvPicPr>
+          <p:cNvPr id="12" name="Picture 2"/>
+          <p:cNvPicPr>
+            <a:picLocks noChangeAspect="1" noChangeArrowheads="1"/>
+          </p:cNvPicPr>
+          <p:nvPr/>
+        </p:nvPicPr>
+        <p:blipFill>
+          <a:blip r:embed="rId3" cstate="print"/>
+          <a:srcRect/>
+          <a:stretch>
+            <a:fillRect/>
+          </a:stretch>
+        </p:blipFill>
+        <p:spPr bwMode="auto">
+          <a:xfrm>
+            <a:off x="-36512" y="-45374"/>
+            <a:ext cx="9180512" cy="6930758"/>
+          </a:xfrm>
+          <a:prstGeom prst="rect">
+            <a:avLst/>
+          </a:prstGeom>
+          <a:solidFill>
+            <a:schemeClr val="bg1"/>
+          </a:solidFill>
+          <a:ln w="9525">
+            <a:noFill/>
+            <a:miter lim="800000"/>
+            <a:headEnd/>
+            <a:tailEnd/>
+          </a:ln>
+        </p:spPr>
+      </p:pic>
+      <p:pic>
+        <p:nvPicPr>
+          <p:cNvPr id="8" name="Picture 2"/>
+          <p:cNvPicPr>
+            <a:picLocks noChangeAspect="1" noChangeArrowheads="1"/>
+          </p:cNvPicPr>
+          <p:nvPr/>
+        </p:nvPicPr>
+        <p:blipFill>
+          <a:blip r:embed="rId3" cstate="print"/>
+          <a:srcRect/>
+          <a:stretch>
+            <a:fillRect/>
+          </a:stretch>
+        </p:blipFill>
+        <p:spPr bwMode="auto">
+          <a:xfrm>
+            <a:off x="-5210" y="0"/>
+            <a:ext cx="9144000" cy="6930758"/>
+          </a:xfrm>
+          <a:prstGeom prst="rect">
+            <a:avLst/>
+          </a:prstGeom>
+          <a:noFill/>
+          <a:ln w="9525">
+            <a:noFill/>
+            <a:miter lim="800000"/>
+            <a:headEnd/>
+            <a:tailEnd/>
+          </a:ln>
+        </p:spPr>
+      </p:pic>
+      <p:grpSp>
+        <p:nvGrpSpPr>
+          <p:cNvPr id="2" name="그룹 1"/>
+          <p:cNvGrpSpPr/>
+          <p:nvPr/>
+        </p:nvGrpSpPr>
+        <p:grpSpPr>
+          <a:xfrm>
+            <a:off x="1038398" y="421838"/>
+            <a:ext cx="7056784" cy="1200329"/>
+            <a:chOff x="3347864" y="428471"/>
+            <a:chExt cx="2448272" cy="1200329"/>
+          </a:xfrm>
+        </p:grpSpPr>
+        <p:cxnSp>
+          <p:nvCxnSpPr>
+            <p:cNvPr id="13" name="직선 연결선 12"/>
+            <p:cNvCxnSpPr/>
+            <p:nvPr/>
+          </p:nvCxnSpPr>
+          <p:spPr>
+            <a:xfrm>
+              <a:off x="3347864" y="1628800"/>
+              <a:ext cx="2448272" cy="0"/>
+            </a:xfrm>
+            <a:prstGeom prst="line">
+              <a:avLst/>
+            </a:prstGeom>
+            <a:ln w="25400">
+              <a:solidFill>
+                <a:schemeClr val="tx1">
+                  <a:lumMod val="65000"/>
+                  <a:lumOff val="35000"/>
+                </a:schemeClr>
+              </a:solidFill>
+            </a:ln>
+            <a:scene3d>
+              <a:camera prst="perspectiveFront"/>
+              <a:lightRig rig="threePt" dir="t"/>
+            </a:scene3d>
+          </p:spPr>
+          <p:style>
+            <a:lnRef idx="1">
+              <a:schemeClr val="accent1"/>
+            </a:lnRef>
+            <a:fillRef idx="0">
+              <a:schemeClr val="accent1"/>
+            </a:fillRef>
+            <a:effectRef idx="0">
+              <a:schemeClr val="accent1"/>
+            </a:effectRef>
+            <a:fontRef idx="minor">
+              <a:schemeClr val="tx1"/>
+            </a:fontRef>
+          </p:style>
+        </p:cxnSp>
+        <p:sp>
+          <p:nvSpPr>
+            <p:cNvPr id="14" name="TextBox 13"/>
+            <p:cNvSpPr txBox="1"/>
+            <p:nvPr/>
+          </p:nvSpPr>
+          <p:spPr>
+            <a:xfrm>
+              <a:off x="3487354" y="428471"/>
+              <a:ext cx="2160240" cy="646331"/>
+            </a:xfrm>
+            <a:prstGeom prst="rect">
+              <a:avLst/>
+            </a:prstGeom>
+            <a:noFill/>
+          </p:spPr>
+          <p:txBody>
+            <a:bodyPr wrap="square" rtlCol="0">
+              <a:spAutoFit/>
+              <a:scene3d>
+                <a:camera prst="perspectiveFront"/>
+                <a:lightRig rig="threePt" dir="t"/>
+              </a:scene3d>
+            </a:bodyPr>
+            <a:lstStyle/>
+            <a:p>
+              <a:pPr algn="ctr"/>
+              <a:r>
+                <a:rPr lang="en-US" altLang="ko-KR" sz="3600" dirty="0">
+                  <a:solidFill>
+                    <a:schemeClr val="bg1"/>
+                  </a:solidFill>
+                  <a:latin typeface="+mj-lt"/>
+                </a:rPr>
+                <a:t>Bibliography</a:t>
+              </a:r>
+            </a:p>
+          </p:txBody>
+        </p:sp>
+      </p:grpSp>
+      <p:sp>
+        <p:nvSpPr>
+          <p:cNvPr id="4" name="직사각형 3">
+            <a:extLst>
+              <a:ext uri="{FF2B5EF4-FFF2-40B4-BE49-F238E27FC236}">
+                <a16:creationId xmlns:a16="http://schemas.microsoft.com/office/drawing/2014/main" id="{288914D3-313F-4476-A3CE-2A23A1CC4CB7}"/>
+              </a:ext>
+            </a:extLst>
+          </p:cNvPr>
+          <p:cNvSpPr/>
+          <p:nvPr/>
+        </p:nvSpPr>
+        <p:spPr>
+          <a:xfrm>
+            <a:off x="323528" y="1988839"/>
+            <a:ext cx="8352928" cy="3046988"/>
+          </a:xfrm>
+          <a:prstGeom prst="rect">
+            <a:avLst/>
+          </a:prstGeom>
+        </p:spPr>
+        <p:txBody>
+          <a:bodyPr wrap="square">
+            <a:spAutoFit/>
+          </a:bodyPr>
+          <a:lstStyle/>
+          <a:p>
+            <a:r>
+              <a:rPr lang="ko-KR" altLang="en-US" sz="1600" dirty="0">
+                <a:solidFill>
+                  <a:schemeClr val="bg1"/>
+                </a:solidFill>
+                <a:hlinkClick r:id="rId4">
+                  <a:extLst>
+                    <a:ext uri="{A12FA001-AC4F-418D-AE19-62706E023703}">
+                      <ahyp:hlinkClr xmlns:ahyp="http://schemas.microsoft.com/office/drawing/2018/hyperlinkcolor" val="tx"/>
+                    </a:ext>
+                  </a:extLst>
+                </a:hlinkClick>
+              </a:rPr>
+              <a:t>https://www.facebook.com/policewiki/photos/a.200723500090670/886645851498428/?type=3&amp;theater</a:t>
+            </a:r>
+            <a:endParaRPr lang="en-US" altLang="ko-KR" sz="1600" dirty="0">
+              <a:solidFill>
+                <a:schemeClr val="bg1"/>
+              </a:solidFill>
+            </a:endParaRPr>
+          </a:p>
+          <a:p>
+            <a:endParaRPr lang="en-US" altLang="ko-KR" sz="1600" dirty="0">
+              <a:solidFill>
+                <a:schemeClr val="bg1"/>
+              </a:solidFill>
+            </a:endParaRPr>
+          </a:p>
+          <a:p>
+            <a:r>
+              <a:rPr lang="en-US" altLang="ko-KR" sz="1600" dirty="0">
+                <a:solidFill>
+                  <a:schemeClr val="bg1"/>
+                </a:solidFill>
+              </a:rPr>
+              <a:t>http://www.smpa.go.kr/user/nd54882.do?View&amp;uQ=&amp;pageST=SUBJECT&amp;pageSV=&amp;imsi=imsi&amp;page=1&amp;pageSC=SORT_ORDER&amp;pageSO=DESC&amp;dmlType=&amp;boardNo=00220006&amp;satisfact_score=5&amp;satisfact_score=4&amp;satisfact_score=3&amp;satisfact_score=2&amp;satisfact_score=1&amp;satisMenuCode=www&amp;satisMenuTitle=%EC%98%A4%EB%8A%98%EC%9D%98%20%EC%A7%91%ED%9A%8C/%EC%8B%9C%EC%9C%84&amp;satisMenuId=nd54882&amp;returnUrl=http://www.smpa.go.kr:80/user/nd54882.do</a:t>
+            </a:r>
+          </a:p>
+          <a:p>
+            <a:endParaRPr lang="en-US" altLang="ko-KR" sz="1600" dirty="0">
+              <a:solidFill>
+                <a:schemeClr val="bg1"/>
+              </a:solidFill>
+            </a:endParaRPr>
+          </a:p>
+          <a:p>
+            <a:r>
+              <a:rPr lang="en-US" altLang="ko-KR" sz="1600" dirty="0">
+                <a:solidFill>
+                  <a:schemeClr val="bg1"/>
+                </a:solidFill>
+                <a:hlinkClick r:id="rId5">
+                  <a:extLst>
+                    <a:ext uri="{A12FA001-AC4F-418D-AE19-62706E023703}">
+                      <ahyp:hlinkClr xmlns:ahyp="http://schemas.microsoft.com/office/drawing/2018/hyperlinkcolor" val="tx"/>
+                    </a:ext>
+                  </a:extLst>
+                </a:hlinkClick>
+              </a:rPr>
+              <a:t>http://www.newsis.com/view/?id=NISX20180202_0000220913</a:t>
+            </a:r>
+            <a:endParaRPr lang="en-US" altLang="ko-KR" sz="1600" dirty="0">
+              <a:solidFill>
+                <a:schemeClr val="bg1"/>
+              </a:solidFill>
+            </a:endParaRPr>
+          </a:p>
+          <a:p>
+            <a:endParaRPr lang="ko-KR" altLang="en-US" sz="1600" dirty="0">
+              <a:solidFill>
+                <a:schemeClr val="bg1"/>
+              </a:solidFill>
+            </a:endParaRPr>
+          </a:p>
+        </p:txBody>
+      </p:sp>
+    </p:spTree>
+    <p:extLst>
+      <p:ext uri="{BB962C8B-B14F-4D97-AF65-F5344CB8AC3E}">
+        <p14:creationId xmlns:p14="http://schemas.microsoft.com/office/powerpoint/2010/main" val="2842756487"/>
+      </p:ext>
+    </p:extLst>
+  </p:cSld>
+  <p:clrMapOvr>
+    <a:masterClrMapping/>
+  </p:clrMapOvr>
+</p:sld>
+</file>
+
+<file path=ppt/slides/slide9.xml><?xml version="1.0" encoding="utf-8"?>
 <p:sld xmlns:a="http://schemas.openxmlformats.org/drawingml/2006/main" xmlns:r="http://schemas.openxmlformats.org/officeDocument/2006/relationships" xmlns:p="http://schemas.openxmlformats.org/presentationml/2006/main">
   <p:cSld>
     <p:bg>
@@ -7386,198 +15146,6 @@
     <p:extLst>
       <p:ext uri="{BB962C8B-B14F-4D97-AF65-F5344CB8AC3E}">
         <p14:creationId xmlns:p14="http://schemas.microsoft.com/office/powerpoint/2010/main" val="278600116"/>
-      </p:ext>
-    </p:extLst>
-  </p:cSld>
-  <p:clrMapOvr>
-    <a:masterClrMapping/>
-  </p:clrMapOvr>
-</p:sld>
-</file>
-
-<file path=ppt/slides/slide9.xml><?xml version="1.0" encoding="utf-8"?>
-<p:sld xmlns:a="http://schemas.openxmlformats.org/drawingml/2006/main" xmlns:r="http://schemas.openxmlformats.org/officeDocument/2006/relationships" xmlns:p="http://schemas.openxmlformats.org/presentationml/2006/main">
-  <p:cSld>
-    <p:spTree>
-      <p:nvGrpSpPr>
-        <p:cNvPr id="1" name=""/>
-        <p:cNvGrpSpPr/>
-        <p:nvPr/>
-      </p:nvGrpSpPr>
-      <p:grpSpPr>
-        <a:xfrm>
-          <a:off x="0" y="0"/>
-          <a:ext cx="0" cy="0"/>
-          <a:chOff x="0" y="0"/>
-          <a:chExt cx="0" cy="0"/>
-        </a:xfrm>
-      </p:grpSpPr>
-      <p:pic>
-        <p:nvPicPr>
-          <p:cNvPr id="12" name="Picture 2"/>
-          <p:cNvPicPr>
-            <a:picLocks noChangeAspect="1" noChangeArrowheads="1"/>
-          </p:cNvPicPr>
-          <p:nvPr/>
-        </p:nvPicPr>
-        <p:blipFill>
-          <a:blip r:embed="rId3" cstate="print"/>
-          <a:srcRect/>
-          <a:stretch>
-            <a:fillRect/>
-          </a:stretch>
-        </p:blipFill>
-        <p:spPr bwMode="auto">
-          <a:xfrm>
-            <a:off x="-36512" y="-45374"/>
-            <a:ext cx="9180512" cy="6930758"/>
-          </a:xfrm>
-          <a:prstGeom prst="rect">
-            <a:avLst/>
-          </a:prstGeom>
-          <a:solidFill>
-            <a:schemeClr val="bg1"/>
-          </a:solidFill>
-          <a:ln w="9525">
-            <a:noFill/>
-            <a:miter lim="800000"/>
-            <a:headEnd/>
-            <a:tailEnd/>
-          </a:ln>
-        </p:spPr>
-      </p:pic>
-      <p:pic>
-        <p:nvPicPr>
-          <p:cNvPr id="8" name="Picture 2"/>
-          <p:cNvPicPr>
-            <a:picLocks noChangeAspect="1" noChangeArrowheads="1"/>
-          </p:cNvPicPr>
-          <p:nvPr/>
-        </p:nvPicPr>
-        <p:blipFill>
-          <a:blip r:embed="rId3" cstate="print"/>
-          <a:srcRect/>
-          <a:stretch>
-            <a:fillRect/>
-          </a:stretch>
-        </p:blipFill>
-        <p:spPr bwMode="auto">
-          <a:xfrm>
-            <a:off x="-5210" y="0"/>
-            <a:ext cx="9144000" cy="6930758"/>
-          </a:xfrm>
-          <a:prstGeom prst="rect">
-            <a:avLst/>
-          </a:prstGeom>
-          <a:noFill/>
-          <a:ln w="9525">
-            <a:noFill/>
-            <a:miter lim="800000"/>
-            <a:headEnd/>
-            <a:tailEnd/>
-          </a:ln>
-        </p:spPr>
-      </p:pic>
-      <p:grpSp>
-        <p:nvGrpSpPr>
-          <p:cNvPr id="2" name="그룹 1"/>
-          <p:cNvGrpSpPr/>
-          <p:nvPr/>
-        </p:nvGrpSpPr>
-        <p:grpSpPr>
-          <a:xfrm>
-            <a:off x="1038398" y="421838"/>
-            <a:ext cx="7056784" cy="1200329"/>
-            <a:chOff x="3347864" y="428471"/>
-            <a:chExt cx="2448272" cy="1200329"/>
-          </a:xfrm>
-        </p:grpSpPr>
-        <p:cxnSp>
-          <p:nvCxnSpPr>
-            <p:cNvPr id="13" name="직선 연결선 12"/>
-            <p:cNvCxnSpPr/>
-            <p:nvPr/>
-          </p:nvCxnSpPr>
-          <p:spPr>
-            <a:xfrm>
-              <a:off x="3347864" y="1628800"/>
-              <a:ext cx="2448272" cy="0"/>
-            </a:xfrm>
-            <a:prstGeom prst="line">
-              <a:avLst/>
-            </a:prstGeom>
-            <a:ln w="25400">
-              <a:solidFill>
-                <a:schemeClr val="tx1">
-                  <a:lumMod val="65000"/>
-                  <a:lumOff val="35000"/>
-                </a:schemeClr>
-              </a:solidFill>
-            </a:ln>
-            <a:scene3d>
-              <a:camera prst="perspectiveFront"/>
-              <a:lightRig rig="threePt" dir="t"/>
-            </a:scene3d>
-          </p:spPr>
-          <p:style>
-            <a:lnRef idx="1">
-              <a:schemeClr val="accent1"/>
-            </a:lnRef>
-            <a:fillRef idx="0">
-              <a:schemeClr val="accent1"/>
-            </a:fillRef>
-            <a:effectRef idx="0">
-              <a:schemeClr val="accent1"/>
-            </a:effectRef>
-            <a:fontRef idx="minor">
-              <a:schemeClr val="tx1"/>
-            </a:fontRef>
-          </p:style>
-        </p:cxnSp>
-        <p:sp>
-          <p:nvSpPr>
-            <p:cNvPr id="14" name="TextBox 13"/>
-            <p:cNvSpPr txBox="1"/>
-            <p:nvPr/>
-          </p:nvSpPr>
-          <p:spPr>
-            <a:xfrm>
-              <a:off x="3487354" y="428471"/>
-              <a:ext cx="2160240" cy="646331"/>
-            </a:xfrm>
-            <a:prstGeom prst="rect">
-              <a:avLst/>
-            </a:prstGeom>
-            <a:noFill/>
-          </p:spPr>
-          <p:txBody>
-            <a:bodyPr wrap="square" rtlCol="0">
-              <a:spAutoFit/>
-              <a:scene3d>
-                <a:camera prst="perspectiveFront"/>
-                <a:lightRig rig="threePt" dir="t"/>
-              </a:scene3d>
-            </a:bodyPr>
-            <a:lstStyle/>
-            <a:p>
-              <a:pPr algn="ctr"/>
-              <a:r>
-                <a:rPr lang="en-US" altLang="ko-KR" sz="3600" dirty="0">
-                  <a:solidFill>
-                    <a:schemeClr val="bg1"/>
-                  </a:solidFill>
-                  <a:latin typeface="+mj-lt"/>
-                </a:rPr>
-                <a:t>Bibliography</a:t>
-              </a:r>
-            </a:p>
-          </p:txBody>
-        </p:sp>
-      </p:grpSp>
-    </p:spTree>
-    <p:extLst>
-      <p:ext uri="{BB962C8B-B14F-4D97-AF65-F5344CB8AC3E}">
-        <p14:creationId xmlns:p14="http://schemas.microsoft.com/office/powerpoint/2010/main" val="2842756487"/>
       </p:ext>
     </p:extLst>
   </p:cSld>

--- a/Dynamic Graphs/Dynamic Graphs ppt.pptx
+++ b/Dynamic Graphs/Dynamic Graphs ppt.pptx
@@ -13364,7 +13364,11 @@
           <a:lstStyle/>
           <a:p>
             <a:pPr algn="ctr"/>
-            <a:endParaRPr lang="ko-KR" altLang="en-US"/>
+            <a:r>
+              <a:rPr lang="en-US" altLang="ko-KR" dirty="0"/>
+              <a:t>1</a:t>
+            </a:r>
+            <a:endParaRPr lang="ko-KR" altLang="en-US" dirty="0"/>
           </a:p>
         </p:txBody>
       </p:sp>
@@ -13410,7 +13414,11 @@
           <a:lstStyle/>
           <a:p>
             <a:pPr algn="ctr"/>
-            <a:endParaRPr lang="ko-KR" altLang="en-US"/>
+            <a:r>
+              <a:rPr lang="en-US" altLang="ko-KR" dirty="0"/>
+              <a:t>2</a:t>
+            </a:r>
+            <a:endParaRPr lang="ko-KR" altLang="en-US" dirty="0"/>
           </a:p>
         </p:txBody>
       </p:sp>
@@ -13456,7 +13464,11 @@
           <a:lstStyle/>
           <a:p>
             <a:pPr algn="ctr"/>
-            <a:endParaRPr lang="ko-KR" altLang="en-US"/>
+            <a:r>
+              <a:rPr lang="en-US" altLang="ko-KR" dirty="0"/>
+              <a:t>3</a:t>
+            </a:r>
+            <a:endParaRPr lang="ko-KR" altLang="en-US" dirty="0"/>
           </a:p>
         </p:txBody>
       </p:sp>
@@ -13502,7 +13514,11 @@
           <a:lstStyle/>
           <a:p>
             <a:pPr algn="ctr"/>
-            <a:endParaRPr lang="ko-KR" altLang="en-US"/>
+            <a:r>
+              <a:rPr lang="en-US" altLang="ko-KR" dirty="0"/>
+              <a:t>4</a:t>
+            </a:r>
+            <a:endParaRPr lang="ko-KR" altLang="en-US" dirty="0"/>
           </a:p>
         </p:txBody>
       </p:sp>
@@ -13527,7 +13543,10 @@
             <a:avLst/>
           </a:prstGeom>
           <a:solidFill>
-            <a:srgbClr val="92D050"/>
+            <a:schemeClr val="tx2">
+              <a:lumMod val="60000"/>
+              <a:lumOff val="40000"/>
+            </a:schemeClr>
           </a:solidFill>
         </p:spPr>
         <p:style>
@@ -13551,7 +13570,11 @@
           <a:lstStyle/>
           <a:p>
             <a:pPr algn="ctr"/>
-            <a:endParaRPr lang="ko-KR" altLang="en-US"/>
+            <a:r>
+              <a:rPr lang="en-US" altLang="ko-KR" dirty="0"/>
+              <a:t>5</a:t>
+            </a:r>
+            <a:endParaRPr lang="ko-KR" altLang="en-US" dirty="0"/>
           </a:p>
         </p:txBody>
       </p:sp>

--- a/Dynamic Graphs/Dynamic Graphs ppt.pptx
+++ b/Dynamic Graphs/Dynamic Graphs ppt.pptx
@@ -148,7 +148,7 @@
 
 <file path=ppt/commentAuthors.xml><?xml version="1.0" encoding="utf-8"?>
 <p:cmAuthorLst xmlns:a="http://schemas.openxmlformats.org/drawingml/2006/main" xmlns:r="http://schemas.openxmlformats.org/officeDocument/2006/relationships" xmlns:p="http://schemas.openxmlformats.org/presentationml/2006/main">
-  <p:cmAuthor id="1" name="Michael" initials="M" lastIdx="2" clrIdx="0">
+  <p:cmAuthor id="1" name="Michael" initials="M" lastIdx="4" clrIdx="0">
     <p:extLst>
       <p:ext uri="{19B8F6BF-5375-455C-9EA6-DF929625EA0E}">
         <p15:presenceInfo xmlns:p15="http://schemas.microsoft.com/office/powerpoint/2012/main" userId="Michael" providerId="None"/>
@@ -160,18 +160,9 @@
 
 <file path=ppt/comments/comment1.xml><?xml version="1.0" encoding="utf-8"?>
 <p:cmLst xmlns:a="http://schemas.openxmlformats.org/drawingml/2006/main" xmlns:r="http://schemas.openxmlformats.org/officeDocument/2006/relationships" xmlns:p="http://schemas.openxmlformats.org/presentationml/2006/main">
-  <p:cm authorId="1" dt="2018-09-09T21:10:15.615" idx="1">
-    <p:pos x="10" y="10"/>
-    <p:text/>
-    <p:extLst>
-      <p:ext uri="{C676402C-5697-4E1C-873F-D02D1690AC5C}">
-        <p15:threadingInfo xmlns:p15="http://schemas.microsoft.com/office/powerpoint/2012/main" timeZoneBias="-540"/>
-      </p:ext>
-    </p:extLst>
-  </p:cm>
-  <p:cm authorId="1" dt="2018-09-09T21:10:16.659" idx="2">
-    <p:pos x="146" y="146"/>
-    <p:text/>
+  <p:cm authorId="1" dt="2018-09-13T00:10:20.691" idx="4">
+    <p:pos x="2864" y="1026"/>
+    <p:text>조교님. 밑에 슬라이드 노트도 있으니 참고 부탁 드립니다ㅎㅎ</p:text>
     <p:extLst>
       <p:ext uri="{C676402C-5697-4E1C-873F-D02D1690AC5C}">
         <p15:threadingInfo xmlns:p15="http://schemas.microsoft.com/office/powerpoint/2012/main" timeZoneBias="-540"/>
@@ -263,7 +254,7 @@
           <a:p>
             <a:fld id="{BE0E05F9-B2CA-439B-8EFD-90F64485631B}" type="datetimeFigureOut">
               <a:rPr lang="ko-KR" altLang="en-US" smtClean="0"/>
-              <a:t>2018-09-10</a:t>
+              <a:t>2018-09-13</a:t>
             </a:fld>
             <a:endParaRPr lang="ko-KR" altLang="en-US"/>
           </a:p>
@@ -574,32 +565,7 @@
           <a:bodyPr/>
           <a:lstStyle/>
           <a:p>
-            <a:r>
-              <a:rPr lang="ko-KR" altLang="en-US" dirty="0"/>
-              <a:t>의무경찰 전역자로 항상 시위대의 이동 경로를 파악하는 역할을 많이 했음</a:t>
-            </a:r>
-            <a:r>
-              <a:rPr lang="en-US" altLang="ko-KR" dirty="0"/>
-              <a:t>.</a:t>
-            </a:r>
-          </a:p>
-          <a:p>
-            <a:r>
-              <a:rPr lang="ko-KR" altLang="en-US" dirty="0"/>
-              <a:t>군생활을 하면서 얻은 지식을 이번 과제에 활용해서 시위대의 행진 경로를 </a:t>
-            </a:r>
-            <a:r>
-              <a:rPr lang="en-US" altLang="ko-KR" dirty="0"/>
-              <a:t>Dynamic Graph</a:t>
-            </a:r>
-            <a:r>
-              <a:rPr lang="ko-KR" altLang="en-US" dirty="0"/>
-              <a:t>로 표현하고자 결심</a:t>
-            </a:r>
-            <a:r>
-              <a:rPr lang="en-US" altLang="ko-KR" dirty="0"/>
-              <a:t>.</a:t>
-            </a:r>
+            <a:endParaRPr lang="ko-KR" altLang="en-US" dirty="0"/>
           </a:p>
         </p:txBody>
       </p:sp>
@@ -610,7 +576,7 @@
             <a:spLocks noGrp="1"/>
           </p:cNvSpPr>
           <p:nvPr>
-            <p:ph type="sldNum" sz="quarter" idx="10"/>
+            <p:ph type="sldNum" sz="quarter" idx="5"/>
           </p:nvPr>
         </p:nvSpPr>
         <p:spPr/>
@@ -620,7 +586,7 @@
           <a:p>
             <a:fld id="{0DC1DE66-3386-48AC-A7D3-217B93C56141}" type="slidenum">
               <a:rPr lang="ko-KR" altLang="en-US" smtClean="0"/>
-              <a:t>2</a:t>
+              <a:t>1</a:t>
             </a:fld>
             <a:endParaRPr lang="ko-KR" altLang="en-US"/>
           </a:p>
@@ -629,7 +595,7 @@
     </p:spTree>
     <p:extLst>
       <p:ext uri="{BB962C8B-B14F-4D97-AF65-F5344CB8AC3E}">
-        <p14:creationId xmlns:p14="http://schemas.microsoft.com/office/powerpoint/2010/main" val="745020746"/>
+        <p14:creationId xmlns:p14="http://schemas.microsoft.com/office/powerpoint/2010/main" val="2513084567"/>
       </p:ext>
     </p:extLst>
   </p:cSld>
@@ -685,61 +651,7 @@
           <a:p>
             <a:r>
               <a:rPr lang="ko-KR" altLang="en-US" dirty="0"/>
-              <a:t>위의 자료는 경찰청 홈페이지에서 얻을 수 있는 오늘의 주요 집회 자료</a:t>
-            </a:r>
-            <a:r>
-              <a:rPr lang="en-US" altLang="ko-KR" dirty="0"/>
-              <a:t>(</a:t>
-            </a:r>
-            <a:r>
-              <a:rPr lang="ko-KR" altLang="en-US" dirty="0"/>
-              <a:t>매일 업데이트</a:t>
-            </a:r>
-            <a:r>
-              <a:rPr lang="en-US" altLang="ko-KR" dirty="0"/>
-              <a:t>)</a:t>
-            </a:r>
-          </a:p>
-          <a:p>
-            <a:r>
-              <a:rPr lang="en-US" altLang="ko-KR" dirty="0"/>
-              <a:t>Graphing </a:t>
-            </a:r>
-            <a:r>
-              <a:rPr lang="ko-KR" altLang="en-US" dirty="0"/>
-              <a:t>하고 싶은 시위대의 집회 일시</a:t>
-            </a:r>
-            <a:r>
-              <a:rPr lang="en-US" altLang="ko-KR" dirty="0"/>
-              <a:t>, </a:t>
-            </a:r>
-            <a:r>
-              <a:rPr lang="ko-KR" altLang="en-US" dirty="0"/>
-              <a:t>행진 경로</a:t>
-            </a:r>
-            <a:r>
-              <a:rPr lang="en-US" altLang="ko-KR" dirty="0"/>
-              <a:t>(</a:t>
-            </a:r>
-            <a:r>
-              <a:rPr lang="ko-KR" altLang="en-US" dirty="0"/>
-              <a:t>교차로별</a:t>
-            </a:r>
-            <a:r>
-              <a:rPr lang="en-US" altLang="ko-KR" dirty="0"/>
-              <a:t>), </a:t>
-            </a:r>
-            <a:r>
-              <a:rPr lang="ko-KR" altLang="en-US" dirty="0"/>
-              <a:t>시위대 인원</a:t>
-            </a:r>
-            <a:r>
-              <a:rPr lang="en-US" altLang="ko-KR" dirty="0"/>
-              <a:t>, </a:t>
-            </a:r>
-            <a:r>
-              <a:rPr lang="ko-KR" altLang="en-US" dirty="0"/>
-              <a:t>관할서가 표시되어 있음</a:t>
+              <a:t>의무경찰 전역자로 항상 시위대의 이동 경로를 파악하는 역할을 많이 했음</a:t>
             </a:r>
             <a:r>
               <a:rPr lang="en-US" altLang="ko-KR" dirty="0"/>
@@ -749,7 +661,15 @@
           <a:p>
             <a:r>
               <a:rPr lang="ko-KR" altLang="en-US" dirty="0"/>
-              <a:t>표에 존재하는 네 가지 필드를 전부 활용할 예정</a:t>
+              <a:t>군생활을 하면서 얻은 지식을 이번 과제에 활용해서 시위대의 행진 경로를 </a:t>
+            </a:r>
+            <a:r>
+              <a:rPr lang="en-US" altLang="ko-KR" dirty="0"/>
+              <a:t>Dynamic Graph</a:t>
+            </a:r>
+            <a:r>
+              <a:rPr lang="ko-KR" altLang="en-US" dirty="0"/>
+              <a:t>로 표현하고자 결심</a:t>
             </a:r>
             <a:r>
               <a:rPr lang="en-US" altLang="ko-KR" dirty="0"/>
@@ -759,61 +679,12 @@
           <a:p>
             <a:r>
               <a:rPr lang="ko-KR" altLang="en-US" dirty="0"/>
-              <a:t>관할서는 제일 시위가 많이 일어나는 중부</a:t>
-            </a:r>
-            <a:r>
-              <a:rPr lang="en-US" altLang="ko-KR" dirty="0"/>
-              <a:t>, </a:t>
-            </a:r>
-            <a:r>
-              <a:rPr lang="ko-KR" altLang="en-US" dirty="0"/>
-              <a:t>종로</a:t>
-            </a:r>
-            <a:r>
-              <a:rPr lang="en-US" altLang="ko-KR" dirty="0"/>
-              <a:t>,</a:t>
-            </a:r>
-            <a:r>
-              <a:rPr lang="ko-KR" altLang="en-US" dirty="0"/>
-              <a:t> 남대문 한정</a:t>
-            </a:r>
-            <a:r>
-              <a:rPr lang="en-US" altLang="ko-KR" dirty="0"/>
-              <a:t>(</a:t>
-            </a:r>
-            <a:r>
-              <a:rPr lang="ko-KR" altLang="en-US" dirty="0"/>
-              <a:t>경우에 따라서 바뀔 수 있음</a:t>
-            </a:r>
-            <a:r>
-              <a:rPr lang="en-US" altLang="ko-KR" dirty="0"/>
-              <a:t>)</a:t>
-            </a:r>
-          </a:p>
-          <a:p>
-            <a:r>
-              <a:rPr lang="ko-KR" altLang="en-US" dirty="0"/>
-              <a:t>이번 프로젝트에서는 사진 오른쪽의 설명과 같이 </a:t>
-            </a:r>
-            <a:r>
-              <a:rPr lang="en-US" altLang="ko-KR" dirty="0"/>
-              <a:t>Graph</a:t>
-            </a:r>
-            <a:r>
-              <a:rPr lang="ko-KR" altLang="en-US" dirty="0"/>
-              <a:t>를 구성할 예정</a:t>
+              <a:t>프로젝트의 목적은 시위대의 실시간 행진 경로를 파악하고 이로 인해서 얻을 수 있는 유용한 정보를 추출</a:t>
             </a:r>
             <a:r>
               <a:rPr lang="en-US" altLang="ko-KR" dirty="0"/>
               <a:t>.</a:t>
             </a:r>
-          </a:p>
-          <a:p>
-            <a:r>
-              <a:rPr lang="ko-KR" altLang="en-US" dirty="0"/>
-              <a:t> </a:t>
-            </a:r>
-            <a:endParaRPr lang="en-US" altLang="ko-KR" dirty="0"/>
           </a:p>
         </p:txBody>
       </p:sp>
@@ -834,7 +705,7 @@
           <a:p>
             <a:fld id="{0DC1DE66-3386-48AC-A7D3-217B93C56141}" type="slidenum">
               <a:rPr lang="ko-KR" altLang="en-US" smtClean="0"/>
-              <a:t>3</a:t>
+              <a:t>2</a:t>
             </a:fld>
             <a:endParaRPr lang="ko-KR" altLang="en-US"/>
           </a:p>
@@ -843,7 +714,7 @@
     </p:spTree>
     <p:extLst>
       <p:ext uri="{BB962C8B-B14F-4D97-AF65-F5344CB8AC3E}">
-        <p14:creationId xmlns:p14="http://schemas.microsoft.com/office/powerpoint/2010/main" val="1718177849"/>
+        <p14:creationId xmlns:p14="http://schemas.microsoft.com/office/powerpoint/2010/main" val="745020746"/>
       </p:ext>
     </p:extLst>
   </p:cSld>
@@ -899,15 +770,7 @@
           <a:p>
             <a:r>
               <a:rPr lang="ko-KR" altLang="en-US" dirty="0"/>
-              <a:t>위의 자료도 경찰청 홈페이지에서 얻을 수 있는 집회</a:t>
-            </a:r>
-            <a:r>
-              <a:rPr lang="en-US" altLang="ko-KR" dirty="0"/>
-              <a:t>/</a:t>
-            </a:r>
-            <a:r>
-              <a:rPr lang="ko-KR" altLang="en-US" dirty="0"/>
-              <a:t>행진 요도</a:t>
+              <a:t>위의 자료는 경찰청 홈페이지에서 얻을 수 있는 오늘의 주요 집회 자료</a:t>
             </a:r>
             <a:r>
               <a:rPr lang="en-US" altLang="ko-KR" dirty="0"/>
@@ -915,25 +778,53 @@
             </a:r>
             <a:r>
               <a:rPr lang="ko-KR" altLang="en-US" dirty="0"/>
-              <a:t>항상 있는 것은 아님</a:t>
+              <a:t>매일 업데이트</a:t>
             </a:r>
             <a:r>
               <a:rPr lang="en-US" altLang="ko-KR" dirty="0"/>
-              <a:t>. </a:t>
+              <a:t>)</a:t>
+            </a:r>
+          </a:p>
+          <a:p>
+            <a:r>
+              <a:rPr lang="en-US" altLang="ko-KR" dirty="0"/>
+              <a:t>Graphing </a:t>
             </a:r>
             <a:r>
               <a:rPr lang="ko-KR" altLang="en-US" dirty="0"/>
-              <a:t>규모가 있는 시위만</a:t>
+              <a:t>하고 싶은 시위대의 집회 일시</a:t>
             </a:r>
             <a:r>
               <a:rPr lang="en-US" altLang="ko-KR" dirty="0"/>
-              <a:t>).</a:t>
-            </a:r>
-          </a:p>
-          <a:p>
+              <a:t>, </a:t>
+            </a:r>
             <a:r>
               <a:rPr lang="ko-KR" altLang="en-US" dirty="0"/>
-              <a:t>나중에 최종 결과물인 실시간 그래프를 보여줄 때 이런 방식으로 보여줄 예정이라 참고삼아 보여주는 것</a:t>
+              <a:t>행진 경로</a:t>
+            </a:r>
+            <a:r>
+              <a:rPr lang="en-US" altLang="ko-KR" dirty="0"/>
+              <a:t>(</a:t>
+            </a:r>
+            <a:r>
+              <a:rPr lang="ko-KR" altLang="en-US" dirty="0"/>
+              <a:t>교차로별</a:t>
+            </a:r>
+            <a:r>
+              <a:rPr lang="en-US" altLang="ko-KR" dirty="0"/>
+              <a:t>), </a:t>
+            </a:r>
+            <a:r>
+              <a:rPr lang="ko-KR" altLang="en-US" dirty="0"/>
+              <a:t>시위대 인원</a:t>
+            </a:r>
+            <a:r>
+              <a:rPr lang="en-US" altLang="ko-KR" dirty="0"/>
+              <a:t>, </a:t>
+            </a:r>
+            <a:r>
+              <a:rPr lang="ko-KR" altLang="en-US" dirty="0"/>
+              <a:t>관할서가 표시되어 있음</a:t>
             </a:r>
             <a:r>
               <a:rPr lang="en-US" altLang="ko-KR" dirty="0"/>
@@ -943,7 +834,7 @@
           <a:p>
             <a:r>
               <a:rPr lang="ko-KR" altLang="en-US" dirty="0"/>
-              <a:t>하나 다른 부분은 여기서는 각 시위대의 행진 경로 전체를 보여주지만 저는 실제 행진이 지나가는 교차로 부분만 위와 같이 표시할 예정</a:t>
+              <a:t>표에 존재하는 네 가지 필드를 전부 활용할 예정</a:t>
             </a:r>
             <a:r>
               <a:rPr lang="en-US" altLang="ko-KR" dirty="0"/>
@@ -953,7 +844,7 @@
           <a:p>
             <a:r>
               <a:rPr lang="ko-KR" altLang="en-US" dirty="0"/>
-              <a:t>그래프는 아까 말씀드렸듯이 중부</a:t>
+              <a:t>관할서는 제일 시위가 많이 일어나는 중부</a:t>
             </a:r>
             <a:r>
               <a:rPr lang="en-US" altLang="ko-KR" dirty="0"/>
@@ -961,15 +852,41 @@
             </a:r>
             <a:r>
               <a:rPr lang="ko-KR" altLang="en-US" dirty="0"/>
-              <a:t>남대문</a:t>
+              <a:t>종로</a:t>
             </a:r>
             <a:r>
               <a:rPr lang="en-US" altLang="ko-KR" dirty="0"/>
-              <a:t>, </a:t>
+              <a:t>,</a:t>
             </a:r>
             <a:r>
               <a:rPr lang="ko-KR" altLang="en-US" dirty="0"/>
-              <a:t>종로 관내 한정해서 교차로가 뚜렷하게 나오는 지도 위에서 표시될 것</a:t>
+              <a:t> 남대문 한정</a:t>
+            </a:r>
+            <a:r>
+              <a:rPr lang="en-US" altLang="ko-KR" dirty="0"/>
+              <a:t>(</a:t>
+            </a:r>
+            <a:r>
+              <a:rPr lang="ko-KR" altLang="en-US" dirty="0"/>
+              <a:t>경우에 따라서 바뀔 수 있음</a:t>
+            </a:r>
+            <a:r>
+              <a:rPr lang="en-US" altLang="ko-KR" dirty="0"/>
+              <a:t>)</a:t>
+            </a:r>
+          </a:p>
+          <a:p>
+            <a:r>
+              <a:rPr lang="ko-KR" altLang="en-US" dirty="0"/>
+              <a:t>이번 프로젝트에서는 사진 오른쪽의 설명과 같이 </a:t>
+            </a:r>
+            <a:r>
+              <a:rPr lang="en-US" altLang="ko-KR" dirty="0"/>
+              <a:t>Graph</a:t>
+            </a:r>
+            <a:r>
+              <a:rPr lang="ko-KR" altLang="en-US" dirty="0"/>
+              <a:t>를 구성할 예정</a:t>
             </a:r>
             <a:r>
               <a:rPr lang="en-US" altLang="ko-KR" dirty="0"/>
@@ -979,29 +896,9 @@
           <a:p>
             <a:r>
               <a:rPr lang="ko-KR" altLang="en-US" dirty="0"/>
-              <a:t>보통 행진이라 하면 직선으로만 진행해서 그래프와는 거리가 멀지 않을까 라는 생각도 드는데</a:t>
-            </a:r>
-            <a:r>
-              <a:rPr lang="en-US" altLang="ko-KR" dirty="0"/>
-              <a:t>.</a:t>
-            </a:r>
-          </a:p>
-          <a:p>
-            <a:r>
-              <a:rPr lang="ko-KR" altLang="en-US" dirty="0"/>
-              <a:t>항상 직선으로만 진행하지는 않고 예를 들어 진행하다 분할되거나 길게 왕복을 하여 같은 곳으로 돌아오거나 </a:t>
+              <a:t> </a:t>
             </a:r>
             <a:endParaRPr lang="en-US" altLang="ko-KR" dirty="0"/>
-          </a:p>
-          <a:p>
-            <a:r>
-              <a:rPr lang="ko-KR" altLang="en-US" dirty="0"/>
-              <a:t>아예 다른 시작 지점에서 시작하여 중간에 서로 만나서 같이 진행하는 등 다양한 상황이 존재하여 그래프로 표현할 거리가 풍부</a:t>
-            </a:r>
-            <a:r>
-              <a:rPr lang="en-US" altLang="ko-KR" dirty="0"/>
-              <a:t>.</a:t>
-            </a:r>
           </a:p>
         </p:txBody>
       </p:sp>
@@ -1022,7 +919,7 @@
           <a:p>
             <a:fld id="{0DC1DE66-3386-48AC-A7D3-217B93C56141}" type="slidenum">
               <a:rPr lang="ko-KR" altLang="en-US" smtClean="0"/>
-              <a:t>4</a:t>
+              <a:t>3</a:t>
             </a:fld>
             <a:endParaRPr lang="ko-KR" altLang="en-US"/>
           </a:p>
@@ -1031,7 +928,7 @@
     </p:spTree>
     <p:extLst>
       <p:ext uri="{BB962C8B-B14F-4D97-AF65-F5344CB8AC3E}">
-        <p14:creationId xmlns:p14="http://schemas.microsoft.com/office/powerpoint/2010/main" val="144569621"/>
+        <p14:creationId xmlns:p14="http://schemas.microsoft.com/office/powerpoint/2010/main" val="1718177849"/>
       </p:ext>
     </p:extLst>
   </p:cSld>
@@ -1087,7 +984,41 @@
           <a:p>
             <a:r>
               <a:rPr lang="ko-KR" altLang="en-US" dirty="0"/>
-              <a:t>이번 슬라이드는 그래프를 구현하는데 필요한 전제 조건들을 설명한 것</a:t>
+              <a:t>위의 자료도 경찰청 홈페이지에서 얻을 수 있는 집회</a:t>
+            </a:r>
+            <a:r>
+              <a:rPr lang="en-US" altLang="ko-KR" dirty="0"/>
+              <a:t>/</a:t>
+            </a:r>
+            <a:r>
+              <a:rPr lang="ko-KR" altLang="en-US" dirty="0"/>
+              <a:t>행진 요도</a:t>
+            </a:r>
+            <a:r>
+              <a:rPr lang="en-US" altLang="ko-KR" dirty="0"/>
+              <a:t>(</a:t>
+            </a:r>
+            <a:r>
+              <a:rPr lang="ko-KR" altLang="en-US" dirty="0"/>
+              <a:t>항상 있는 것은 아님</a:t>
+            </a:r>
+            <a:r>
+              <a:rPr lang="en-US" altLang="ko-KR" dirty="0"/>
+              <a:t>. </a:t>
+            </a:r>
+            <a:r>
+              <a:rPr lang="ko-KR" altLang="en-US" dirty="0"/>
+              <a:t>규모가 있는 시위만</a:t>
+            </a:r>
+            <a:r>
+              <a:rPr lang="en-US" altLang="ko-KR" dirty="0"/>
+              <a:t>).</a:t>
+            </a:r>
+          </a:p>
+          <a:p>
+            <a:r>
+              <a:rPr lang="ko-KR" altLang="en-US" dirty="0"/>
+              <a:t>나중에 최종 결과물인 실시간 그래프를 보여줄 때 이런 방식으로 보여줄 예정이라 참고삼아 보여주는 것</a:t>
             </a:r>
             <a:r>
               <a:rPr lang="en-US" altLang="ko-KR" dirty="0"/>
@@ -1095,12 +1026,9 @@
             </a:r>
           </a:p>
           <a:p>
-            <a:pPr marL="228600" indent="-228600">
-              <a:buAutoNum type="arabicPeriod"/>
-            </a:pPr>
             <a:r>
               <a:rPr lang="ko-KR" altLang="en-US" dirty="0"/>
-              <a:t>행진은 항상 일렬로 진행하고 교통상황이나 기타 요소에 간섭 받지 않고 쭉 진행함</a:t>
+              <a:t>하나 다른 부분은 여기서는 각 시위대의 행진 경로 전체를 보여주지만 저는 실제 행진이 지나가는 교차로 부분만 위와 같이 표시할 예정</a:t>
             </a:r>
             <a:r>
               <a:rPr lang="en-US" altLang="ko-KR" dirty="0"/>
@@ -1108,12 +1036,9 @@
             </a:r>
           </a:p>
           <a:p>
-            <a:pPr marL="228600" indent="-228600">
-              <a:buAutoNum type="arabicPeriod"/>
-            </a:pPr>
             <a:r>
               <a:rPr lang="ko-KR" altLang="en-US" dirty="0"/>
-              <a:t>행진의 머리 부분</a:t>
+              <a:t>그래프는 아까 말씀드렸듯이 중부</a:t>
             </a:r>
             <a:r>
               <a:rPr lang="en-US" altLang="ko-KR" dirty="0"/>
@@ -1121,7 +1046,33 @@
             </a:r>
             <a:r>
               <a:rPr lang="ko-KR" altLang="en-US" dirty="0"/>
-              <a:t>제일 앞부분이 진행하는 교차로의 끝에 다다라 새로운 교차로로 진행할 경우 그래프에 새로운 교차로에 대한 노드가 추가됨</a:t>
+              <a:t>남대문</a:t>
+            </a:r>
+            <a:r>
+              <a:rPr lang="en-US" altLang="ko-KR" dirty="0"/>
+              <a:t>, </a:t>
+            </a:r>
+            <a:r>
+              <a:rPr lang="ko-KR" altLang="en-US" dirty="0"/>
+              <a:t>종로 관내 한정해서 교차로가 뚜렷하게 나오는 지도 위에서 표시될 것</a:t>
+            </a:r>
+            <a:r>
+              <a:rPr lang="en-US" altLang="ko-KR" dirty="0"/>
+              <a:t>(</a:t>
+            </a:r>
+            <a:r>
+              <a:rPr lang="ko-KR" altLang="en-US" dirty="0"/>
+              <a:t>아직 만족할 만한 지도는 못 찾음</a:t>
+            </a:r>
+            <a:r>
+              <a:rPr lang="en-US" altLang="ko-KR" dirty="0"/>
+              <a:t>).</a:t>
+            </a:r>
+          </a:p>
+          <a:p>
+            <a:r>
+              <a:rPr lang="ko-KR" altLang="en-US" dirty="0"/>
+              <a:t>보통 행진이라 하면 직선으로만 진행해서 그래프와는 거리가 멀지 않을까 라는 생각도 드는데</a:t>
             </a:r>
             <a:r>
               <a:rPr lang="en-US" altLang="ko-KR" dirty="0"/>
@@ -1129,141 +1080,21 @@
             </a:r>
           </a:p>
           <a:p>
-            <a:pPr marL="228600" indent="-228600">
-              <a:buAutoNum type="arabicPeriod"/>
-            </a:pPr>
             <a:r>
               <a:rPr lang="ko-KR" altLang="en-US" dirty="0"/>
-              <a:t>마찬가지로</a:t>
-            </a:r>
-            <a:r>
-              <a:rPr lang="en-US" altLang="ko-KR" dirty="0"/>
-              <a:t> </a:t>
-            </a:r>
+              <a:t>항상 직선으로만 진행하지는 않고 예를 들어 진행하다 분할되거나 길게 왕복을 하여 같은 곳으로 돌아오거나 </a:t>
+            </a:r>
+            <a:endParaRPr lang="en-US" altLang="ko-KR" dirty="0"/>
+          </a:p>
+          <a:p>
             <a:r>
               <a:rPr lang="ko-KR" altLang="en-US" dirty="0"/>
-              <a:t>행진의 꼬리 부분</a:t>
-            </a:r>
-            <a:r>
-              <a:rPr lang="en-US" altLang="ko-KR" dirty="0"/>
-              <a:t>, </a:t>
-            </a:r>
-            <a:r>
-              <a:rPr lang="ko-KR" altLang="en-US" dirty="0"/>
-              <a:t>제일 뒷부분이 진행하는 교차로의 끝에 </a:t>
-            </a:r>
-            <a:r>
-              <a:rPr lang="ko-KR" altLang="en-US" dirty="0" err="1"/>
-              <a:t>다다라면</a:t>
-            </a:r>
-            <a:r>
-              <a:rPr lang="ko-KR" altLang="en-US" dirty="0"/>
-              <a:t> 그래프에서 해당 교차로에 대한 노드가 삭제됨</a:t>
+              <a:t>아예 다른 시작 지점에서 시작하여 중간에 서로 만나서 같이 진행하는 등 다양한 상황이 존재하여 그래프로 표현할 거리가 풍부</a:t>
             </a:r>
             <a:r>
               <a:rPr lang="en-US" altLang="ko-KR" dirty="0"/>
               <a:t>.</a:t>
             </a:r>
-          </a:p>
-          <a:p>
-            <a:pPr marL="228600" indent="-228600">
-              <a:buAutoNum type="arabicPeriod"/>
-            </a:pPr>
-            <a:r>
-              <a:rPr lang="ko-KR" altLang="en-US" dirty="0"/>
-              <a:t>행진의 길이는 교차로 수 </a:t>
-            </a:r>
-            <a:r>
-              <a:rPr lang="en-US" altLang="ko-KR" dirty="0"/>
-              <a:t>* 1m</a:t>
-            </a:r>
-          </a:p>
-          <a:p>
-            <a:pPr marL="228600" indent="-228600">
-              <a:buAutoNum type="arabicPeriod"/>
-            </a:pPr>
-            <a:r>
-              <a:rPr lang="en-US" altLang="ko-KR" dirty="0"/>
-              <a:t>Edge</a:t>
-            </a:r>
-            <a:r>
-              <a:rPr lang="ko-KR" altLang="en-US" dirty="0"/>
-              <a:t>의 </a:t>
-            </a:r>
-            <a:r>
-              <a:rPr lang="en-US" altLang="ko-KR" dirty="0"/>
-              <a:t>Weight, </a:t>
-            </a:r>
-            <a:r>
-              <a:rPr lang="ko-KR" altLang="en-US" dirty="0"/>
-              <a:t>즉 도로의 길이는 두 </a:t>
-            </a:r>
-            <a:r>
-              <a:rPr lang="ko-KR" altLang="en-US" dirty="0" err="1"/>
-              <a:t>교차로간의</a:t>
-            </a:r>
-            <a:r>
-              <a:rPr lang="ko-KR" altLang="en-US" dirty="0"/>
-              <a:t> 직선거리</a:t>
-            </a:r>
-            <a:r>
-              <a:rPr lang="en-US" altLang="ko-KR" dirty="0"/>
-              <a:t>. </a:t>
-            </a:r>
-            <a:r>
-              <a:rPr lang="ko-KR" altLang="en-US" dirty="0"/>
-              <a:t>교차로 사이 거리에 대한 자료가 없어 구글 어스로 하나씩 측정할 예정</a:t>
-            </a:r>
-            <a:r>
-              <a:rPr lang="en-US" altLang="ko-KR" dirty="0"/>
-              <a:t>. </a:t>
-            </a:r>
-            <a:r>
-              <a:rPr lang="ko-KR" altLang="en-US" dirty="0"/>
-              <a:t>많은 노가다가 예상되니 다른 방안 </a:t>
-            </a:r>
-            <a:r>
-              <a:rPr lang="ko-KR" altLang="en-US" dirty="0" err="1"/>
-              <a:t>검토중</a:t>
-            </a:r>
-            <a:r>
-              <a:rPr lang="en-US" altLang="ko-KR" dirty="0"/>
-              <a:t>.</a:t>
-            </a:r>
-          </a:p>
-          <a:p>
-            <a:pPr marL="228600" indent="-228600">
-              <a:buAutoNum type="arabicPeriod"/>
-            </a:pPr>
-            <a:r>
-              <a:rPr lang="ko-KR" altLang="en-US" dirty="0"/>
-              <a:t>행진의 진행 속도는 </a:t>
-            </a:r>
-            <a:r>
-              <a:rPr lang="en-US" altLang="ko-KR" dirty="0"/>
-              <a:t>(</a:t>
-            </a:r>
-            <a:r>
-              <a:rPr lang="ko-KR" altLang="en-US" dirty="0"/>
-              <a:t>행진 경로의 총 길이</a:t>
-            </a:r>
-            <a:r>
-              <a:rPr lang="en-US" altLang="ko-KR" dirty="0"/>
-              <a:t>+</a:t>
-            </a:r>
-            <a:r>
-              <a:rPr lang="ko-KR" altLang="en-US" dirty="0"/>
-              <a:t>행진의 길이</a:t>
-            </a:r>
-            <a:r>
-              <a:rPr lang="en-US" altLang="ko-KR" dirty="0"/>
-              <a:t>) / </a:t>
-            </a:r>
-            <a:r>
-              <a:rPr lang="ko-KR" altLang="en-US" dirty="0"/>
-              <a:t>행진의 소요 시간</a:t>
-            </a:r>
-            <a:endParaRPr lang="en-US" altLang="ko-KR" dirty="0"/>
           </a:p>
         </p:txBody>
       </p:sp>
@@ -1284,7 +1115,7 @@
           <a:p>
             <a:fld id="{0DC1DE66-3386-48AC-A7D3-217B93C56141}" type="slidenum">
               <a:rPr lang="ko-KR" altLang="en-US" smtClean="0"/>
-              <a:t>5</a:t>
+              <a:t>4</a:t>
             </a:fld>
             <a:endParaRPr lang="ko-KR" altLang="en-US"/>
           </a:p>
@@ -1293,7 +1124,7 @@
     </p:spTree>
     <p:extLst>
       <p:ext uri="{BB962C8B-B14F-4D97-AF65-F5344CB8AC3E}">
-        <p14:creationId xmlns:p14="http://schemas.microsoft.com/office/powerpoint/2010/main" val="3226845997"/>
+        <p14:creationId xmlns:p14="http://schemas.microsoft.com/office/powerpoint/2010/main" val="144569621"/>
       </p:ext>
     </p:extLst>
   </p:cSld>
@@ -1349,30 +1180,7 @@
           <a:p>
             <a:r>
               <a:rPr lang="ko-KR" altLang="en-US" dirty="0"/>
-              <a:t>시간의 진행에 따라 노드가 추가</a:t>
-            </a:r>
-            <a:r>
-              <a:rPr lang="en-US" altLang="ko-KR" dirty="0"/>
-              <a:t>/</a:t>
-            </a:r>
-            <a:r>
-              <a:rPr lang="ko-KR" altLang="en-US" dirty="0"/>
-              <a:t>삭제되는 과정을 설명</a:t>
-            </a:r>
-            <a:endParaRPr lang="en-US" altLang="ko-KR" dirty="0"/>
-          </a:p>
-          <a:p>
-            <a:r>
-              <a:rPr lang="ko-KR" altLang="en-US" dirty="0"/>
-              <a:t>중간에 보이는 자료는 제가 임의로 만든 가상의 행진 자료이고 최대한 숫자가 </a:t>
-            </a:r>
-            <a:r>
-              <a:rPr lang="ko-KR" altLang="en-US" dirty="0" err="1"/>
-              <a:t>이쁘게</a:t>
-            </a:r>
-            <a:r>
-              <a:rPr lang="ko-KR" altLang="en-US" dirty="0"/>
-              <a:t> 계산되도록 설정됨</a:t>
+              <a:t>이번 슬라이드는 그래프를 구현하는데 필요한 전제 조건들을 설명한 것</a:t>
             </a:r>
             <a:r>
               <a:rPr lang="en-US" altLang="ko-KR" dirty="0"/>
@@ -1380,67 +1188,25 @@
             </a:r>
           </a:p>
           <a:p>
+            <a:pPr marL="228600" indent="-228600">
+              <a:buAutoNum type="arabicPeriod"/>
+            </a:pPr>
             <a:r>
               <a:rPr lang="ko-KR" altLang="en-US" dirty="0"/>
-              <a:t>우선 행진 경로의 총 길이는 </a:t>
+              <a:t>행진은 항상 일렬로 진행하고 교통상황이나 기타 요소에 간섭 받지 않고 쭉 진행함</a:t>
             </a:r>
             <a:r>
               <a:rPr lang="en-US" altLang="ko-KR" dirty="0"/>
-              <a:t>700m</a:t>
-            </a:r>
+              <a:t>.</a:t>
+            </a:r>
+          </a:p>
+          <a:p>
+            <a:pPr marL="228600" indent="-228600">
+              <a:buAutoNum type="arabicPeriod"/>
+            </a:pPr>
             <a:r>
               <a:rPr lang="ko-KR" altLang="en-US" dirty="0"/>
-              <a:t>이고 각 </a:t>
-            </a:r>
-            <a:r>
-              <a:rPr lang="ko-KR" altLang="en-US" dirty="0" err="1"/>
-              <a:t>사거리간의</a:t>
-            </a:r>
-            <a:r>
-              <a:rPr lang="ko-KR" altLang="en-US" dirty="0"/>
-              <a:t> </a:t>
-            </a:r>
-            <a:r>
-              <a:rPr lang="en-US" altLang="ko-KR" dirty="0"/>
-              <a:t>Weight(</a:t>
-            </a:r>
-            <a:r>
-              <a:rPr lang="ko-KR" altLang="en-US" dirty="0"/>
-              <a:t>거리</a:t>
-            </a:r>
-            <a:r>
-              <a:rPr lang="en-US" altLang="ko-KR" dirty="0"/>
-              <a:t>)</a:t>
-            </a:r>
-            <a:r>
-              <a:rPr lang="ko-KR" altLang="en-US" dirty="0"/>
-              <a:t>는 </a:t>
-            </a:r>
-            <a:r>
-              <a:rPr lang="en-US" altLang="ko-KR" dirty="0"/>
-              <a:t>100m.</a:t>
-            </a:r>
-          </a:p>
-          <a:p>
-            <a:r>
-              <a:rPr lang="ko-KR" altLang="en-US" dirty="0"/>
-              <a:t>집회 시간은 </a:t>
-            </a:r>
-            <a:r>
-              <a:rPr lang="en-US" altLang="ko-KR" dirty="0"/>
-              <a:t>3</a:t>
-            </a:r>
-            <a:r>
-              <a:rPr lang="ko-KR" altLang="en-US" dirty="0"/>
-              <a:t>시간 </a:t>
-            </a:r>
-            <a:r>
-              <a:rPr lang="en-US" altLang="ko-KR" dirty="0"/>
-              <a:t>20</a:t>
-            </a:r>
-            <a:r>
-              <a:rPr lang="ko-KR" altLang="en-US" dirty="0"/>
-              <a:t>분</a:t>
+              <a:t>행진의 머리 부분</a:t>
             </a:r>
             <a:r>
               <a:rPr lang="en-US" altLang="ko-KR" dirty="0"/>
@@ -1448,41 +1214,143 @@
             </a:r>
             <a:r>
               <a:rPr lang="ko-KR" altLang="en-US" dirty="0"/>
-              <a:t>즉 </a:t>
+              <a:t>제일 앞부분이 진행하는 교차로의 끝에 다다라 새로운 교차로로 진행할 경우 그래프에 새로운 교차로에 대한 노드가 추가됨</a:t>
             </a:r>
             <a:r>
               <a:rPr lang="en-US" altLang="ko-KR" dirty="0"/>
-              <a:t>200</a:t>
-            </a:r>
+              <a:t>.</a:t>
+            </a:r>
+          </a:p>
+          <a:p>
+            <a:pPr marL="228600" indent="-228600">
+              <a:buAutoNum type="arabicPeriod"/>
+            </a:pPr>
             <a:r>
               <a:rPr lang="ko-KR" altLang="en-US" dirty="0"/>
-              <a:t>분 소요되며 신고 인원은 </a:t>
+              <a:t>마찬가지로</a:t>
             </a:r>
             <a:r>
               <a:rPr lang="en-US" altLang="ko-KR" dirty="0"/>
-              <a:t>300</a:t>
+              <a:t> </a:t>
             </a:r>
             <a:r>
               <a:rPr lang="ko-KR" altLang="en-US" dirty="0"/>
-              <a:t>명이므로 행진의 길이는 </a:t>
+              <a:t>행진의 꼬리 부분</a:t>
             </a:r>
             <a:r>
               <a:rPr lang="en-US" altLang="ko-KR" dirty="0"/>
-              <a:t>300m.</a:t>
-            </a:r>
-          </a:p>
-          <a:p>
+              <a:t>, </a:t>
+            </a:r>
             <a:r>
               <a:rPr lang="ko-KR" altLang="en-US" dirty="0"/>
-              <a:t>그러므로 행진의 진행 속도는 </a:t>
+              <a:t>제일 뒷부분이 진행하는 교차로의 끝에 다다르면 그래프에서 해당 교차로에 대한 노드가 삭제됨</a:t>
             </a:r>
             <a:r>
               <a:rPr lang="en-US" altLang="ko-KR" dirty="0"/>
-              <a:t>5mpm.</a:t>
-            </a:r>
+              <a:t>.</a:t>
+            </a:r>
+          </a:p>
+          <a:p>
+            <a:pPr marL="228600" indent="-228600">
+              <a:buAutoNum type="arabicPeriod"/>
+            </a:pPr>
             <a:r>
               <a:rPr lang="ko-KR" altLang="en-US" dirty="0"/>
-              <a:t> </a:t>
+              <a:t>행진의 길이는 교차로 수 </a:t>
+            </a:r>
+            <a:r>
+              <a:rPr lang="en-US" altLang="ko-KR" dirty="0"/>
+              <a:t>* 1m(</a:t>
+            </a:r>
+            <a:r>
+              <a:rPr lang="ko-KR" altLang="en-US" dirty="0"/>
+              <a:t>현실성 없는 조건은 아님</a:t>
+            </a:r>
+            <a:r>
+              <a:rPr lang="en-US" altLang="ko-KR" dirty="0"/>
+              <a:t>. </a:t>
+            </a:r>
+            <a:r>
+              <a:rPr lang="ko-KR" altLang="en-US" dirty="0"/>
+              <a:t>실제 시위 인원이 적은 경우 인원이 많아 보이고 행진이 길어 보이게 하려고 한명씩 줄줄이 진행하는 경우 많음</a:t>
+            </a:r>
+            <a:r>
+              <a:rPr lang="en-US" altLang="ko-KR" dirty="0"/>
+              <a:t>.</a:t>
+            </a:r>
+          </a:p>
+          <a:p>
+            <a:pPr marL="228600" indent="-228600">
+              <a:buAutoNum type="arabicPeriod"/>
+            </a:pPr>
+            <a:r>
+              <a:rPr lang="en-US" altLang="ko-KR" dirty="0"/>
+              <a:t>Edge</a:t>
+            </a:r>
+            <a:r>
+              <a:rPr lang="ko-KR" altLang="en-US" dirty="0"/>
+              <a:t>의 </a:t>
+            </a:r>
+            <a:r>
+              <a:rPr lang="en-US" altLang="ko-KR" dirty="0"/>
+              <a:t>Weight, </a:t>
+            </a:r>
+            <a:r>
+              <a:rPr lang="ko-KR" altLang="en-US" dirty="0"/>
+              <a:t>즉 도로의 길이는 두 교차로 간의 직선거리</a:t>
+            </a:r>
+            <a:r>
+              <a:rPr lang="en-US" altLang="ko-KR" dirty="0"/>
+              <a:t>. </a:t>
+            </a:r>
+            <a:r>
+              <a:rPr lang="ko-KR" altLang="en-US" dirty="0"/>
+              <a:t>교차로 사이 거리에 대한 자료가 없어 구글 어스로 하나씩 측정할 예정</a:t>
+            </a:r>
+            <a:r>
+              <a:rPr lang="en-US" altLang="ko-KR" dirty="0"/>
+              <a:t>. </a:t>
+            </a:r>
+            <a:r>
+              <a:rPr lang="ko-KR" altLang="en-US" dirty="0"/>
+              <a:t>많은 노가다가 예상되니 다른 방안 검토중</a:t>
+            </a:r>
+            <a:r>
+              <a:rPr lang="en-US" altLang="ko-KR" dirty="0"/>
+              <a:t>.</a:t>
+            </a:r>
+          </a:p>
+          <a:p>
+            <a:pPr marL="228600" indent="-228600">
+              <a:buAutoNum type="arabicPeriod"/>
+            </a:pPr>
+            <a:r>
+              <a:rPr lang="ko-KR" altLang="en-US" dirty="0"/>
+              <a:t>행진의 진행 속도는 </a:t>
+            </a:r>
+            <a:r>
+              <a:rPr lang="en-US" altLang="ko-KR" dirty="0"/>
+              <a:t>(</a:t>
+            </a:r>
+            <a:r>
+              <a:rPr lang="ko-KR" altLang="en-US" dirty="0"/>
+              <a:t>행진 경로의 총 길이</a:t>
+            </a:r>
+            <a:r>
+              <a:rPr lang="en-US" altLang="ko-KR" dirty="0"/>
+              <a:t>+</a:t>
+            </a:r>
+            <a:r>
+              <a:rPr lang="ko-KR" altLang="en-US" dirty="0"/>
+              <a:t>행진의 길이</a:t>
+            </a:r>
+            <a:r>
+              <a:rPr lang="en-US" altLang="ko-KR" dirty="0"/>
+              <a:t>) / </a:t>
+            </a:r>
+            <a:r>
+              <a:rPr lang="ko-KR" altLang="en-US" dirty="0"/>
+              <a:t>행진의 소요 시간</a:t>
             </a:r>
             <a:endParaRPr lang="en-US" altLang="ko-KR" dirty="0"/>
           </a:p>
@@ -1505,7 +1373,7 @@
           <a:p>
             <a:fld id="{0DC1DE66-3386-48AC-A7D3-217B93C56141}" type="slidenum">
               <a:rPr lang="ko-KR" altLang="en-US" smtClean="0"/>
-              <a:t>6</a:t>
+              <a:t>5</a:t>
             </a:fld>
             <a:endParaRPr lang="ko-KR" altLang="en-US"/>
           </a:p>
@@ -1514,7 +1382,7 @@
     </p:spTree>
     <p:extLst>
       <p:ext uri="{BB962C8B-B14F-4D97-AF65-F5344CB8AC3E}">
-        <p14:creationId xmlns:p14="http://schemas.microsoft.com/office/powerpoint/2010/main" val="3959882441"/>
+        <p14:creationId xmlns:p14="http://schemas.microsoft.com/office/powerpoint/2010/main" val="3226845997"/>
       </p:ext>
     </p:extLst>
   </p:cSld>
@@ -1570,15 +1438,15 @@
           <a:p>
             <a:r>
               <a:rPr lang="ko-KR" altLang="en-US" dirty="0"/>
-              <a:t>마지막으로 제 </a:t>
+              <a:t>시간의 진행에 따라 노드가 추가</a:t>
             </a:r>
             <a:r>
               <a:rPr lang="en-US" altLang="ko-KR" dirty="0"/>
-              <a:t>Dynamic Graph</a:t>
+              <a:t>/</a:t>
             </a:r>
             <a:r>
               <a:rPr lang="ko-KR" altLang="en-US" dirty="0"/>
-              <a:t>를 통해 얻을 수 있는 유용한 정보 설명</a:t>
+              <a:t>삭제되는 과정을 설명</a:t>
             </a:r>
             <a:r>
               <a:rPr lang="en-US" altLang="ko-KR" dirty="0"/>
@@ -1587,22 +1455,8 @@
           </a:p>
           <a:p>
             <a:r>
-              <a:rPr lang="ko-KR" altLang="en-US" dirty="0" err="1"/>
-              <a:t>차벽</a:t>
-            </a:r>
-            <a:r>
               <a:rPr lang="ko-KR" altLang="en-US" dirty="0"/>
-              <a:t> 예상 교차로</a:t>
-            </a:r>
-            <a:r>
-              <a:rPr lang="en-US" altLang="ko-KR" dirty="0"/>
-              <a:t>:</a:t>
-            </a:r>
-          </a:p>
-          <a:p>
-            <a:r>
-              <a:rPr lang="ko-KR" altLang="en-US" dirty="0"/>
-              <a:t>시위자들은 대개 지정된 행진 경로가 있음에도 불구하고 중간중간 행진 목적지까지의 더 빠른 경로로 이탈하는 경우 발생</a:t>
+              <a:t>중간에 보이는 자료는 제가 임의로 만든 가상의 행진 자료이고 최대한 숫자가 예쁘게 계산되도록 설정됨</a:t>
             </a:r>
             <a:r>
               <a:rPr lang="en-US" altLang="ko-KR" dirty="0"/>
@@ -1612,15 +1466,23 @@
           <a:p>
             <a:r>
               <a:rPr lang="ko-KR" altLang="en-US" dirty="0"/>
-              <a:t>이럴 경우 불법 행진으로 간주되어 기대마</a:t>
+              <a:t>우선 행진 경로의 총 길이는 </a:t>
             </a:r>
             <a:r>
               <a:rPr lang="en-US" altLang="ko-KR" dirty="0"/>
-              <a:t>(</a:t>
+              <a:t>700m</a:t>
             </a:r>
             <a:r>
               <a:rPr lang="ko-KR" altLang="en-US" dirty="0"/>
-              <a:t>경찰 버스</a:t>
+              <a:t>이고 각 사거리 간의 </a:t>
+            </a:r>
+            <a:r>
+              <a:rPr lang="en-US" altLang="ko-KR" dirty="0"/>
+              <a:t>Weight(</a:t>
+            </a:r>
+            <a:r>
+              <a:rPr lang="ko-KR" altLang="en-US" dirty="0"/>
+              <a:t>거리</a:t>
             </a:r>
             <a:r>
               <a:rPr lang="en-US" altLang="ko-KR" dirty="0"/>
@@ -1628,84 +1490,77 @@
             </a:r>
             <a:r>
               <a:rPr lang="ko-KR" altLang="en-US" dirty="0"/>
-              <a:t>로 </a:t>
-            </a:r>
-            <a:r>
-              <a:rPr lang="ko-KR" altLang="en-US" dirty="0" err="1"/>
-              <a:t>차벽을</a:t>
-            </a:r>
+              <a:t>는 </a:t>
+            </a:r>
+            <a:r>
+              <a:rPr lang="en-US" altLang="ko-KR" dirty="0"/>
+              <a:t>100m.</a:t>
+            </a:r>
+          </a:p>
+          <a:p>
             <a:r>
               <a:rPr lang="ko-KR" altLang="en-US" dirty="0"/>
-              <a:t> 세우거나 기동 대원들이 방패로 바리케이드 구축</a:t>
+              <a:t>집회 시간은 </a:t>
             </a:r>
             <a:r>
               <a:rPr lang="en-US" altLang="ko-KR" dirty="0"/>
-              <a:t>.</a:t>
-            </a:r>
-          </a:p>
-          <a:p>
+              <a:t>3</a:t>
+            </a:r>
             <a:r>
               <a:rPr lang="ko-KR" altLang="en-US" dirty="0"/>
-              <a:t>실시간으로 행진이 지나가는 교차로를 기준으로 행진 목적지 까지의 최단 경로를 계산하면 그 중간에 있는 노드들을 </a:t>
-            </a:r>
-            <a:r>
-              <a:rPr lang="ko-KR" altLang="en-US" dirty="0" err="1"/>
-              <a:t>차벽</a:t>
+              <a:t>시간 </a:t>
+            </a:r>
+            <a:r>
+              <a:rPr lang="en-US" altLang="ko-KR" dirty="0"/>
+              <a:t>20</a:t>
             </a:r>
             <a:r>
               <a:rPr lang="ko-KR" altLang="en-US" dirty="0"/>
-              <a:t> 예상 교차로로 볼 수 있음</a:t>
+              <a:t>분</a:t>
             </a:r>
             <a:r>
               <a:rPr lang="en-US" altLang="ko-KR" dirty="0"/>
-              <a:t>.</a:t>
-            </a:r>
-          </a:p>
-          <a:p>
+              <a:t>, </a:t>
+            </a:r>
             <a:r>
               <a:rPr lang="ko-KR" altLang="en-US" dirty="0"/>
-              <a:t>주요 경력 배치 교차로</a:t>
+              <a:t>즉 </a:t>
             </a:r>
             <a:r>
               <a:rPr lang="en-US" altLang="ko-KR" dirty="0"/>
-              <a:t>:</a:t>
-            </a:r>
-          </a:p>
-          <a:p>
+              <a:t>200</a:t>
+            </a:r>
             <a:r>
               <a:rPr lang="ko-KR" altLang="en-US" dirty="0"/>
-              <a:t>여러가지 </a:t>
+              <a:t>분 소요되며 신고 인원은 </a:t>
             </a:r>
             <a:r>
               <a:rPr lang="en-US" altLang="ko-KR" dirty="0"/>
-              <a:t>Centrality</a:t>
+              <a:t>300</a:t>
             </a:r>
             <a:r>
               <a:rPr lang="ko-KR" altLang="en-US" dirty="0"/>
-              <a:t>를 살펴봤지만 실제로 시위 현장에서 </a:t>
-            </a:r>
-            <a:r>
-              <a:rPr lang="ko-KR" altLang="en-US" dirty="0" err="1"/>
-              <a:t>적용될만한건</a:t>
+              <a:t>명이므로 행진의 길이는 </a:t>
+            </a:r>
+            <a:r>
+              <a:rPr lang="en-US" altLang="ko-KR" dirty="0"/>
+              <a:t>300m.</a:t>
+            </a:r>
+          </a:p>
+          <a:p>
+            <a:r>
+              <a:rPr lang="ko-KR" altLang="en-US" dirty="0"/>
+              <a:t>그러므로 행진의 진행 속도는 </a:t>
+            </a:r>
+            <a:r>
+              <a:rPr lang="en-US" altLang="ko-KR" dirty="0"/>
+              <a:t>5mpm.</a:t>
             </a:r>
             <a:r>
               <a:rPr lang="ko-KR" altLang="en-US" dirty="0"/>
               <a:t> </a:t>
             </a:r>
-            <a:r>
-              <a:rPr lang="en-US" altLang="ko-KR" dirty="0"/>
-              <a:t>Closeness Centrality.</a:t>
-            </a:r>
-          </a:p>
-          <a:p>
-            <a:r>
-              <a:rPr lang="ko-KR" altLang="en-US" dirty="0"/>
-              <a:t>말 그대로 다른 교차로들과 얼마나 거리가 가까운지에 대한 척도이므로 주요 경력 배치 교차로 예측 가능</a:t>
-            </a:r>
-            <a:r>
-              <a:rPr lang="en-US" altLang="ko-KR" dirty="0"/>
-              <a:t>.</a:t>
-            </a:r>
+            <a:endParaRPr lang="en-US" altLang="ko-KR" dirty="0"/>
           </a:p>
         </p:txBody>
       </p:sp>
@@ -1726,6 +1581,237 @@
           <a:p>
             <a:fld id="{0DC1DE66-3386-48AC-A7D3-217B93C56141}" type="slidenum">
               <a:rPr lang="ko-KR" altLang="en-US" smtClean="0"/>
+              <a:t>6</a:t>
+            </a:fld>
+            <a:endParaRPr lang="ko-KR" altLang="en-US"/>
+          </a:p>
+        </p:txBody>
+      </p:sp>
+    </p:spTree>
+    <p:extLst>
+      <p:ext uri="{BB962C8B-B14F-4D97-AF65-F5344CB8AC3E}">
+        <p14:creationId xmlns:p14="http://schemas.microsoft.com/office/powerpoint/2010/main" val="3959882441"/>
+      </p:ext>
+    </p:extLst>
+  </p:cSld>
+  <p:clrMapOvr>
+    <a:masterClrMapping/>
+  </p:clrMapOvr>
+</p:notes>
+</file>
+
+<file path=ppt/notesSlides/notesSlide7.xml><?xml version="1.0" encoding="utf-8"?>
+<p:notes xmlns:a="http://schemas.openxmlformats.org/drawingml/2006/main" xmlns:r="http://schemas.openxmlformats.org/officeDocument/2006/relationships" xmlns:p="http://schemas.openxmlformats.org/presentationml/2006/main">
+  <p:cSld>
+    <p:spTree>
+      <p:nvGrpSpPr>
+        <p:cNvPr id="1" name=""/>
+        <p:cNvGrpSpPr/>
+        <p:nvPr/>
+      </p:nvGrpSpPr>
+      <p:grpSpPr>
+        <a:xfrm>
+          <a:off x="0" y="0"/>
+          <a:ext cx="0" cy="0"/>
+          <a:chOff x="0" y="0"/>
+          <a:chExt cx="0" cy="0"/>
+        </a:xfrm>
+      </p:grpSpPr>
+      <p:sp>
+        <p:nvSpPr>
+          <p:cNvPr id="2" name="슬라이드 이미지 개체 틀 1"/>
+          <p:cNvSpPr>
+            <a:spLocks noGrp="1" noRot="1" noChangeAspect="1"/>
+          </p:cNvSpPr>
+          <p:nvPr>
+            <p:ph type="sldImg"/>
+          </p:nvPr>
+        </p:nvSpPr>
+        <p:spPr/>
+      </p:sp>
+      <p:sp>
+        <p:nvSpPr>
+          <p:cNvPr id="3" name="슬라이드 노트 개체 틀 2"/>
+          <p:cNvSpPr>
+            <a:spLocks noGrp="1"/>
+          </p:cNvSpPr>
+          <p:nvPr>
+            <p:ph type="body" idx="1"/>
+          </p:nvPr>
+        </p:nvSpPr>
+        <p:spPr/>
+        <p:txBody>
+          <a:bodyPr/>
+          <a:lstStyle/>
+          <a:p>
+            <a:r>
+              <a:rPr lang="ko-KR" altLang="en-US" dirty="0"/>
+              <a:t>마지막으로 제 </a:t>
+            </a:r>
+            <a:r>
+              <a:rPr lang="en-US" altLang="ko-KR" dirty="0"/>
+              <a:t>Dynamic Graph</a:t>
+            </a:r>
+            <a:r>
+              <a:rPr lang="ko-KR" altLang="en-US" dirty="0"/>
+              <a:t>를 통해 얻을 수 있는 유용한 정보 설명</a:t>
+            </a:r>
+            <a:r>
+              <a:rPr lang="en-US" altLang="ko-KR" dirty="0"/>
+              <a:t>.</a:t>
+            </a:r>
+          </a:p>
+          <a:p>
+            <a:r>
+              <a:rPr lang="ko-KR" altLang="en-US" dirty="0" err="1"/>
+              <a:t>차벽</a:t>
+            </a:r>
+            <a:r>
+              <a:rPr lang="ko-KR" altLang="en-US" dirty="0"/>
+              <a:t> 예상 교차로</a:t>
+            </a:r>
+            <a:r>
+              <a:rPr lang="en-US" altLang="ko-KR" dirty="0"/>
+              <a:t>:</a:t>
+            </a:r>
+          </a:p>
+          <a:p>
+            <a:r>
+              <a:rPr lang="ko-KR" altLang="en-US" dirty="0"/>
+              <a:t>시위자들은 대개 지정된 행진 경로가 있음에도 불구하고 중간중간 행진 목적지까지의 더 빠른 경로로 이탈하는 경우 발생</a:t>
+            </a:r>
+            <a:r>
+              <a:rPr lang="en-US" altLang="ko-KR" dirty="0"/>
+              <a:t>.</a:t>
+            </a:r>
+          </a:p>
+          <a:p>
+            <a:r>
+              <a:rPr lang="ko-KR" altLang="en-US" dirty="0"/>
+              <a:t>이럴 경우 불법 행진으로 간주되어 기대마</a:t>
+            </a:r>
+            <a:r>
+              <a:rPr lang="en-US" altLang="ko-KR" dirty="0"/>
+              <a:t>(</a:t>
+            </a:r>
+            <a:r>
+              <a:rPr lang="ko-KR" altLang="en-US" dirty="0"/>
+              <a:t>경찰 버스</a:t>
+            </a:r>
+            <a:r>
+              <a:rPr lang="en-US" altLang="ko-KR" dirty="0"/>
+              <a:t>)</a:t>
+            </a:r>
+            <a:r>
+              <a:rPr lang="ko-KR" altLang="en-US" dirty="0"/>
+              <a:t>로 </a:t>
+            </a:r>
+            <a:r>
+              <a:rPr lang="ko-KR" altLang="en-US" dirty="0" err="1"/>
+              <a:t>차벽을</a:t>
+            </a:r>
+            <a:r>
+              <a:rPr lang="ko-KR" altLang="en-US" dirty="0"/>
+              <a:t> 세우거나 기동 대원들이 방패로 바리케이드 구축</a:t>
+            </a:r>
+            <a:r>
+              <a:rPr lang="en-US" altLang="ko-KR" dirty="0"/>
+              <a:t>.</a:t>
+            </a:r>
+          </a:p>
+          <a:p>
+            <a:r>
+              <a:rPr lang="ko-KR" altLang="en-US" dirty="0"/>
+              <a:t>실시간으로 행진이 지나가는 교차로를 기준으로 행진 목적지 까지의 최단 경로를 계산하면 그 중간에 있는 노드들을 </a:t>
+            </a:r>
+            <a:r>
+              <a:rPr lang="ko-KR" altLang="en-US" dirty="0" err="1"/>
+              <a:t>차벽</a:t>
+            </a:r>
+            <a:r>
+              <a:rPr lang="ko-KR" altLang="en-US" dirty="0"/>
+              <a:t> 예상 교차로로 볼 수 있음</a:t>
+            </a:r>
+            <a:r>
+              <a:rPr lang="en-US" altLang="ko-KR" dirty="0"/>
+              <a:t>.</a:t>
+            </a:r>
+          </a:p>
+          <a:p>
+            <a:r>
+              <a:rPr lang="ko-KR" altLang="en-US" dirty="0"/>
+              <a:t>주요 경력 배치 교차로</a:t>
+            </a:r>
+            <a:r>
+              <a:rPr lang="en-US" altLang="ko-KR" dirty="0"/>
+              <a:t>:</a:t>
+            </a:r>
+          </a:p>
+          <a:p>
+            <a:r>
+              <a:rPr lang="ko-KR" altLang="en-US" dirty="0"/>
+              <a:t>여러가지 </a:t>
+            </a:r>
+            <a:r>
+              <a:rPr lang="en-US" altLang="ko-KR" dirty="0"/>
+              <a:t>Centrality</a:t>
+            </a:r>
+            <a:r>
+              <a:rPr lang="ko-KR" altLang="en-US" dirty="0"/>
+              <a:t>를 살펴봤지만 실제로 시위 현장에서 </a:t>
+            </a:r>
+            <a:r>
+              <a:rPr lang="ko-KR" altLang="en-US" dirty="0" err="1"/>
+              <a:t>적용될만한건</a:t>
+            </a:r>
+            <a:r>
+              <a:rPr lang="ko-KR" altLang="en-US" dirty="0"/>
+              <a:t> </a:t>
+            </a:r>
+            <a:r>
+              <a:rPr lang="en-US" altLang="ko-KR" dirty="0"/>
+              <a:t>Closeness Centrality.</a:t>
+            </a:r>
+          </a:p>
+          <a:p>
+            <a:r>
+              <a:rPr lang="ko-KR" altLang="en-US" dirty="0"/>
+              <a:t>말 그대로 다른 교차로들과 얼마나 거리가 가까운지에 대한 척도이므로 주요 경력 배치 교차로 예측 가능</a:t>
+            </a:r>
+            <a:r>
+              <a:rPr lang="en-US" altLang="ko-KR" dirty="0"/>
+              <a:t>.</a:t>
+            </a:r>
+          </a:p>
+          <a:p>
+            <a:r>
+              <a:rPr lang="ko-KR" altLang="en-US" dirty="0"/>
+              <a:t>이외에 추가로 그래프를 통해서 얻을 수 있는 유용한 정보 항상 탐색 중</a:t>
+            </a:r>
+            <a:r>
+              <a:rPr lang="en-US" altLang="ko-KR" dirty="0"/>
+              <a:t>.</a:t>
+            </a:r>
+          </a:p>
+        </p:txBody>
+      </p:sp>
+      <p:sp>
+        <p:nvSpPr>
+          <p:cNvPr id="4" name="슬라이드 번호 개체 틀 3"/>
+          <p:cNvSpPr>
+            <a:spLocks noGrp="1"/>
+          </p:cNvSpPr>
+          <p:nvPr>
+            <p:ph type="sldNum" sz="quarter" idx="10"/>
+          </p:nvPr>
+        </p:nvSpPr>
+        <p:spPr/>
+        <p:txBody>
+          <a:bodyPr/>
+          <a:lstStyle/>
+          <a:p>
+            <a:fld id="{0DC1DE66-3386-48AC-A7D3-217B93C56141}" type="slidenum">
+              <a:rPr lang="ko-KR" altLang="en-US" smtClean="0"/>
               <a:t>7</a:t>
             </a:fld>
             <a:endParaRPr lang="ko-KR" altLang="en-US"/>
@@ -1745,7 +1831,7 @@
 </p:notes>
 </file>
 
-<file path=ppt/notesSlides/notesSlide7.xml><?xml version="1.0" encoding="utf-8"?>
+<file path=ppt/notesSlides/notesSlide8.xml><?xml version="1.0" encoding="utf-8"?>
 <p:notes xmlns:a="http://schemas.openxmlformats.org/drawingml/2006/main" xmlns:r="http://schemas.openxmlformats.org/officeDocument/2006/relationships" xmlns:p="http://schemas.openxmlformats.org/presentationml/2006/main">
   <p:cSld>
     <p:spTree>
@@ -2008,7 +2094,7 @@
           <a:p>
             <a:fld id="{72FC2849-A083-443C-980D-B9A1D458CE60}" type="datetimeFigureOut">
               <a:rPr lang="ko-KR" altLang="en-US" smtClean="0"/>
-              <a:t>2018-09-10</a:t>
+              <a:t>2018-09-13</a:t>
             </a:fld>
             <a:endParaRPr lang="ko-KR" altLang="en-US"/>
           </a:p>
@@ -2176,7 +2262,7 @@
           <a:p>
             <a:fld id="{72FC2849-A083-443C-980D-B9A1D458CE60}" type="datetimeFigureOut">
               <a:rPr lang="ko-KR" altLang="en-US" smtClean="0"/>
-              <a:t>2018-09-10</a:t>
+              <a:t>2018-09-13</a:t>
             </a:fld>
             <a:endParaRPr lang="ko-KR" altLang="en-US"/>
           </a:p>
@@ -2354,7 +2440,7 @@
           <a:p>
             <a:fld id="{72FC2849-A083-443C-980D-B9A1D458CE60}" type="datetimeFigureOut">
               <a:rPr lang="ko-KR" altLang="en-US" smtClean="0"/>
-              <a:t>2018-09-10</a:t>
+              <a:t>2018-09-13</a:t>
             </a:fld>
             <a:endParaRPr lang="ko-KR" altLang="en-US"/>
           </a:p>
@@ -2522,7 +2608,7 @@
           <a:p>
             <a:fld id="{72FC2849-A083-443C-980D-B9A1D458CE60}" type="datetimeFigureOut">
               <a:rPr lang="ko-KR" altLang="en-US" smtClean="0"/>
-              <a:t>2018-09-10</a:t>
+              <a:t>2018-09-13</a:t>
             </a:fld>
             <a:endParaRPr lang="ko-KR" altLang="en-US"/>
           </a:p>
@@ -2767,7 +2853,7 @@
           <a:p>
             <a:fld id="{72FC2849-A083-443C-980D-B9A1D458CE60}" type="datetimeFigureOut">
               <a:rPr lang="ko-KR" altLang="en-US" smtClean="0"/>
-              <a:t>2018-09-10</a:t>
+              <a:t>2018-09-13</a:t>
             </a:fld>
             <a:endParaRPr lang="ko-KR" altLang="en-US"/>
           </a:p>
@@ -3052,7 +3138,7 @@
           <a:p>
             <a:fld id="{72FC2849-A083-443C-980D-B9A1D458CE60}" type="datetimeFigureOut">
               <a:rPr lang="ko-KR" altLang="en-US" smtClean="0"/>
-              <a:t>2018-09-10</a:t>
+              <a:t>2018-09-13</a:t>
             </a:fld>
             <a:endParaRPr lang="ko-KR" altLang="en-US"/>
           </a:p>
@@ -3471,7 +3557,7 @@
           <a:p>
             <a:fld id="{72FC2849-A083-443C-980D-B9A1D458CE60}" type="datetimeFigureOut">
               <a:rPr lang="ko-KR" altLang="en-US" smtClean="0"/>
-              <a:t>2018-09-10</a:t>
+              <a:t>2018-09-13</a:t>
             </a:fld>
             <a:endParaRPr lang="ko-KR" altLang="en-US"/>
           </a:p>
@@ -3588,7 +3674,7 @@
           <a:p>
             <a:fld id="{72FC2849-A083-443C-980D-B9A1D458CE60}" type="datetimeFigureOut">
               <a:rPr lang="ko-KR" altLang="en-US" smtClean="0"/>
-              <a:t>2018-09-10</a:t>
+              <a:t>2018-09-13</a:t>
             </a:fld>
             <a:endParaRPr lang="ko-KR" altLang="en-US"/>
           </a:p>
@@ -3683,7 +3769,7 @@
           <a:p>
             <a:fld id="{72FC2849-A083-443C-980D-B9A1D458CE60}" type="datetimeFigureOut">
               <a:rPr lang="ko-KR" altLang="en-US" smtClean="0"/>
-              <a:t>2018-09-10</a:t>
+              <a:t>2018-09-13</a:t>
             </a:fld>
             <a:endParaRPr lang="ko-KR" altLang="en-US"/>
           </a:p>
@@ -3958,7 +4044,7 @@
           <a:p>
             <a:fld id="{72FC2849-A083-443C-980D-B9A1D458CE60}" type="datetimeFigureOut">
               <a:rPr lang="ko-KR" altLang="en-US" smtClean="0"/>
-              <a:t>2018-09-10</a:t>
+              <a:t>2018-09-13</a:t>
             </a:fld>
             <a:endParaRPr lang="ko-KR" altLang="en-US"/>
           </a:p>
@@ -4210,7 +4296,7 @@
           <a:p>
             <a:fld id="{72FC2849-A083-443C-980D-B9A1D458CE60}" type="datetimeFigureOut">
               <a:rPr lang="ko-KR" altLang="en-US" smtClean="0"/>
-              <a:t>2018-09-10</a:t>
+              <a:t>2018-09-13</a:t>
             </a:fld>
             <a:endParaRPr lang="ko-KR" altLang="en-US"/>
           </a:p>
@@ -4421,7 +4507,7 @@
           <a:p>
             <a:fld id="{72FC2849-A083-443C-980D-B9A1D458CE60}" type="datetimeFigureOut">
               <a:rPr lang="ko-KR" altLang="en-US" smtClean="0"/>
-              <a:t>2018-09-10</a:t>
+              <a:t>2018-09-13</a:t>
             </a:fld>
             <a:endParaRPr lang="ko-KR" altLang="en-US"/>
           </a:p>
@@ -4813,7 +4899,7 @@
           <p:nvPr/>
         </p:nvPicPr>
         <p:blipFill>
-          <a:blip r:embed="rId2" cstate="print"/>
+          <a:blip r:embed="rId3" cstate="print"/>
           <a:srcRect/>
           <a:stretch>
             <a:fillRect/>
@@ -13137,7 +13223,7 @@
         <p:spPr>
           <a:xfrm>
             <a:off x="251520" y="1844824"/>
-            <a:ext cx="8784976" cy="4308872"/>
+            <a:ext cx="8784976" cy="4616648"/>
           </a:xfrm>
           <a:prstGeom prst="rect">
             <a:avLst/>
@@ -13202,7 +13288,103 @@
                   <a:schemeClr val="bg1"/>
                 </a:solidFill>
               </a:rPr>
-              <a:t>Protesters tend to divert designated path and proceed straight to the destination at all times. Continuous shortest distance calculation between the intersections a parade is passing by and the destination is an essential information for predicting intersections that is in need of police barricade.</a:t>
+              <a:t>Protesters tend to divert designated path and proceed straight to the destination at all times. Continuous shortest distance calculation between the intersections by</a:t>
+            </a:r>
+            <a:r>
+              <a:rPr lang="ko-KR" altLang="en-US" dirty="0">
+                <a:solidFill>
+                  <a:schemeClr val="bg1"/>
+                </a:solidFill>
+              </a:rPr>
+              <a:t> </a:t>
+            </a:r>
+            <a:r>
+              <a:rPr lang="en-US" altLang="ko-KR" dirty="0">
+                <a:solidFill>
+                  <a:schemeClr val="bg1"/>
+                </a:solidFill>
+              </a:rPr>
+              <a:t>which</a:t>
+            </a:r>
+            <a:r>
+              <a:rPr lang="ko-KR" altLang="en-US" dirty="0">
+                <a:solidFill>
+                  <a:schemeClr val="bg1"/>
+                </a:solidFill>
+              </a:rPr>
+              <a:t> </a:t>
+            </a:r>
+            <a:r>
+              <a:rPr lang="en-US" altLang="ko-KR" dirty="0">
+                <a:solidFill>
+                  <a:schemeClr val="bg1"/>
+                </a:solidFill>
+              </a:rPr>
+              <a:t>the</a:t>
+            </a:r>
+            <a:r>
+              <a:rPr lang="ko-KR" altLang="en-US" dirty="0">
+                <a:solidFill>
+                  <a:schemeClr val="bg1"/>
+                </a:solidFill>
+              </a:rPr>
+              <a:t> </a:t>
+            </a:r>
+            <a:r>
+              <a:rPr lang="en-US" altLang="ko-KR" dirty="0">
+                <a:solidFill>
+                  <a:schemeClr val="bg1"/>
+                </a:solidFill>
+              </a:rPr>
+              <a:t>parade</a:t>
+            </a:r>
+            <a:r>
+              <a:rPr lang="ko-KR" altLang="en-US" dirty="0">
+                <a:solidFill>
+                  <a:schemeClr val="bg1"/>
+                </a:solidFill>
+              </a:rPr>
+              <a:t> </a:t>
+            </a:r>
+            <a:r>
+              <a:rPr lang="en-US" altLang="ko-KR" dirty="0">
+                <a:solidFill>
+                  <a:schemeClr val="bg1"/>
+                </a:solidFill>
+              </a:rPr>
+              <a:t>is</a:t>
+            </a:r>
+            <a:r>
+              <a:rPr lang="ko-KR" altLang="en-US" dirty="0">
+                <a:solidFill>
+                  <a:schemeClr val="bg1"/>
+                </a:solidFill>
+              </a:rPr>
+              <a:t> </a:t>
+            </a:r>
+            <a:r>
+              <a:rPr lang="en-US" altLang="ko-KR" dirty="0">
+                <a:solidFill>
+                  <a:schemeClr val="bg1"/>
+                </a:solidFill>
+              </a:rPr>
+              <a:t>passing</a:t>
+            </a:r>
+            <a:r>
+              <a:rPr lang="ko-KR" altLang="en-US" dirty="0">
+                <a:solidFill>
+                  <a:schemeClr val="bg1"/>
+                </a:solidFill>
+              </a:rPr>
+              <a:t> </a:t>
+            </a:r>
+            <a:r>
+              <a:rPr lang="en-US" altLang="ko-KR" dirty="0">
+                <a:solidFill>
+                  <a:schemeClr val="bg1"/>
+                </a:solidFill>
+              </a:rPr>
+              <a:t>and the destination to which the parade is heading is an essential information for predicting intersections that is in need of police barricade.</a:t>
             </a:r>
           </a:p>
           <a:p>
